--- a/Randori/Coding Dojo.pptx
+++ b/Randori/Coding Dojo.pptx
@@ -5,20 +5,21 @@
     <p:sldMasterId id="2147483660" r:id="rId1"/>
   </p:sldMasterIdLst>
   <p:notesMasterIdLst>
-    <p:notesMasterId r:id="rId13"/>
+    <p:notesMasterId r:id="rId14"/>
   </p:notesMasterIdLst>
   <p:sldIdLst>
     <p:sldId id="256" r:id="rId2"/>
     <p:sldId id="257" r:id="rId3"/>
     <p:sldId id="258" r:id="rId4"/>
     <p:sldId id="259" r:id="rId5"/>
-    <p:sldId id="260" r:id="rId6"/>
-    <p:sldId id="261" r:id="rId7"/>
-    <p:sldId id="262" r:id="rId8"/>
-    <p:sldId id="263" r:id="rId9"/>
-    <p:sldId id="266" r:id="rId10"/>
-    <p:sldId id="264" r:id="rId11"/>
-    <p:sldId id="265" r:id="rId12"/>
+    <p:sldId id="261" r:id="rId6"/>
+    <p:sldId id="262" r:id="rId7"/>
+    <p:sldId id="263" r:id="rId8"/>
+    <p:sldId id="266" r:id="rId9"/>
+    <p:sldId id="267" r:id="rId10"/>
+    <p:sldId id="268" r:id="rId11"/>
+    <p:sldId id="269" r:id="rId12"/>
+    <p:sldId id="270" r:id="rId13"/>
   </p:sldIdLst>
   <p:sldSz cx="9144000" cy="6858000" type="screen4x3"/>
   <p:notesSz cx="6858000" cy="9144000"/>
@@ -126,3398 +127,20 @@
             <p14:sldId id="257"/>
             <p14:sldId id="258"/>
             <p14:sldId id="259"/>
-            <p14:sldId id="260"/>
             <p14:sldId id="261"/>
             <p14:sldId id="262"/>
-          </p14:sldIdLst>
-        </p14:section>
-        <p14:section name="Multi Randori" id="{59075991-BFB4-458C-A3E7-B8308C7F413C}">
-          <p14:sldIdLst>
             <p14:sldId id="263"/>
             <p14:sldId id="266"/>
-          </p14:sldIdLst>
-        </p14:section>
-        <p14:section name="Tennis" id="{22DDFCA4-8B79-4452-9298-2531EFBB5BB7}">
-          <p14:sldIdLst>
-            <p14:sldId id="264"/>
-            <p14:sldId id="265"/>
+            <p14:sldId id="267"/>
+            <p14:sldId id="268"/>
+            <p14:sldId id="269"/>
+            <p14:sldId id="270"/>
           </p14:sldIdLst>
         </p14:section>
       </p14:sectionLst>
     </p:ext>
   </p:extLst>
 </p:presentation>
-</file>
-
-<file path=ppt/diagrams/colors1.xml><?xml version="1.0" encoding="utf-8"?>
-<dgm:colorsDef xmlns:dgm="http://schemas.openxmlformats.org/drawingml/2006/diagram" xmlns:a="http://schemas.openxmlformats.org/drawingml/2006/main" uniqueId="urn:microsoft.com/office/officeart/2005/8/colors/accent1_2">
-  <dgm:title val=""/>
-  <dgm:desc val=""/>
-  <dgm:catLst>
-    <dgm:cat type="accent1" pri="11200"/>
-  </dgm:catLst>
-  <dgm:styleLbl name="node0">
-    <dgm:fillClrLst meth="repeat">
-      <a:schemeClr val="accent1"/>
-    </dgm:fillClrLst>
-    <dgm:linClrLst meth="repeat">
-      <a:schemeClr val="lt1"/>
-    </dgm:linClrLst>
-    <dgm:effectClrLst/>
-    <dgm:txLinClrLst/>
-    <dgm:txFillClrLst/>
-    <dgm:txEffectClrLst/>
-  </dgm:styleLbl>
-  <dgm:styleLbl name="alignNode1">
-    <dgm:fillClrLst meth="repeat">
-      <a:schemeClr val="accent1"/>
-    </dgm:fillClrLst>
-    <dgm:linClrLst meth="repeat">
-      <a:schemeClr val="accent1"/>
-    </dgm:linClrLst>
-    <dgm:effectClrLst/>
-    <dgm:txLinClrLst/>
-    <dgm:txFillClrLst/>
-    <dgm:txEffectClrLst/>
-  </dgm:styleLbl>
-  <dgm:styleLbl name="node1">
-    <dgm:fillClrLst meth="repeat">
-      <a:schemeClr val="accent1"/>
-    </dgm:fillClrLst>
-    <dgm:linClrLst meth="repeat">
-      <a:schemeClr val="lt1"/>
-    </dgm:linClrLst>
-    <dgm:effectClrLst/>
-    <dgm:txLinClrLst/>
-    <dgm:txFillClrLst/>
-    <dgm:txEffectClrLst/>
-  </dgm:styleLbl>
-  <dgm:styleLbl name="lnNode1">
-    <dgm:fillClrLst meth="repeat">
-      <a:schemeClr val="accent1"/>
-    </dgm:fillClrLst>
-    <dgm:linClrLst meth="repeat">
-      <a:schemeClr val="lt1"/>
-    </dgm:linClrLst>
-    <dgm:effectClrLst/>
-    <dgm:txLinClrLst/>
-    <dgm:txFillClrLst/>
-    <dgm:txEffectClrLst/>
-  </dgm:styleLbl>
-  <dgm:styleLbl name="vennNode1">
-    <dgm:fillClrLst meth="repeat">
-      <a:schemeClr val="accent1">
-        <a:alpha val="50000"/>
-      </a:schemeClr>
-    </dgm:fillClrLst>
-    <dgm:linClrLst meth="repeat">
-      <a:schemeClr val="lt1"/>
-    </dgm:linClrLst>
-    <dgm:effectClrLst/>
-    <dgm:txLinClrLst/>
-    <dgm:txFillClrLst/>
-    <dgm:txEffectClrLst/>
-  </dgm:styleLbl>
-  <dgm:styleLbl name="node2">
-    <dgm:fillClrLst meth="repeat">
-      <a:schemeClr val="accent1"/>
-    </dgm:fillClrLst>
-    <dgm:linClrLst meth="repeat">
-      <a:schemeClr val="lt1"/>
-    </dgm:linClrLst>
-    <dgm:effectClrLst/>
-    <dgm:txLinClrLst/>
-    <dgm:txFillClrLst/>
-    <dgm:txEffectClrLst/>
-  </dgm:styleLbl>
-  <dgm:styleLbl name="node3">
-    <dgm:fillClrLst meth="repeat">
-      <a:schemeClr val="accent1"/>
-    </dgm:fillClrLst>
-    <dgm:linClrLst meth="repeat">
-      <a:schemeClr val="lt1"/>
-    </dgm:linClrLst>
-    <dgm:effectClrLst/>
-    <dgm:txLinClrLst/>
-    <dgm:txFillClrLst/>
-    <dgm:txEffectClrLst/>
-  </dgm:styleLbl>
-  <dgm:styleLbl name="node4">
-    <dgm:fillClrLst meth="repeat">
-      <a:schemeClr val="accent1"/>
-    </dgm:fillClrLst>
-    <dgm:linClrLst meth="repeat">
-      <a:schemeClr val="lt1"/>
-    </dgm:linClrLst>
-    <dgm:effectClrLst/>
-    <dgm:txLinClrLst/>
-    <dgm:txFillClrLst/>
-    <dgm:txEffectClrLst/>
-  </dgm:styleLbl>
-  <dgm:styleLbl name="fgImgPlace1">
-    <dgm:fillClrLst meth="repeat">
-      <a:schemeClr val="accent1">
-        <a:tint val="50000"/>
-      </a:schemeClr>
-    </dgm:fillClrLst>
-    <dgm:linClrLst meth="repeat">
-      <a:schemeClr val="lt1"/>
-    </dgm:linClrLst>
-    <dgm:effectClrLst/>
-    <dgm:txLinClrLst/>
-    <dgm:txFillClrLst meth="repeat">
-      <a:schemeClr val="lt1"/>
-    </dgm:txFillClrLst>
-    <dgm:txEffectClrLst/>
-  </dgm:styleLbl>
-  <dgm:styleLbl name="alignImgPlace1">
-    <dgm:fillClrLst meth="repeat">
-      <a:schemeClr val="accent1">
-        <a:tint val="50000"/>
-      </a:schemeClr>
-    </dgm:fillClrLst>
-    <dgm:linClrLst meth="repeat">
-      <a:schemeClr val="lt1"/>
-    </dgm:linClrLst>
-    <dgm:effectClrLst/>
-    <dgm:txLinClrLst/>
-    <dgm:txFillClrLst meth="repeat">
-      <a:schemeClr val="lt1"/>
-    </dgm:txFillClrLst>
-    <dgm:txEffectClrLst/>
-  </dgm:styleLbl>
-  <dgm:styleLbl name="bgImgPlace1">
-    <dgm:fillClrLst meth="repeat">
-      <a:schemeClr val="accent1">
-        <a:tint val="50000"/>
-      </a:schemeClr>
-    </dgm:fillClrLst>
-    <dgm:linClrLst meth="repeat">
-      <a:schemeClr val="lt1"/>
-    </dgm:linClrLst>
-    <dgm:effectClrLst/>
-    <dgm:txLinClrLst/>
-    <dgm:txFillClrLst meth="repeat">
-      <a:schemeClr val="lt1"/>
-    </dgm:txFillClrLst>
-    <dgm:txEffectClrLst/>
-  </dgm:styleLbl>
-  <dgm:styleLbl name="sibTrans2D1">
-    <dgm:fillClrLst meth="repeat">
-      <a:schemeClr val="accent1">
-        <a:tint val="60000"/>
-      </a:schemeClr>
-    </dgm:fillClrLst>
-    <dgm:linClrLst meth="repeat">
-      <a:schemeClr val="accent1">
-        <a:tint val="60000"/>
-      </a:schemeClr>
-    </dgm:linClrLst>
-    <dgm:effectClrLst/>
-    <dgm:txLinClrLst/>
-    <dgm:txFillClrLst/>
-    <dgm:txEffectClrLst/>
-  </dgm:styleLbl>
-  <dgm:styleLbl name="fgSibTrans2D1">
-    <dgm:fillClrLst meth="repeat">
-      <a:schemeClr val="accent1">
-        <a:tint val="60000"/>
-      </a:schemeClr>
-    </dgm:fillClrLst>
-    <dgm:linClrLst meth="repeat">
-      <a:schemeClr val="accent1">
-        <a:tint val="60000"/>
-      </a:schemeClr>
-    </dgm:linClrLst>
-    <dgm:effectClrLst/>
-    <dgm:txLinClrLst/>
-    <dgm:txFillClrLst/>
-    <dgm:txEffectClrLst/>
-  </dgm:styleLbl>
-  <dgm:styleLbl name="bgSibTrans2D1">
-    <dgm:fillClrLst meth="repeat">
-      <a:schemeClr val="accent1">
-        <a:tint val="60000"/>
-      </a:schemeClr>
-    </dgm:fillClrLst>
-    <dgm:linClrLst meth="repeat">
-      <a:schemeClr val="accent1">
-        <a:tint val="60000"/>
-      </a:schemeClr>
-    </dgm:linClrLst>
-    <dgm:effectClrLst/>
-    <dgm:txLinClrLst/>
-    <dgm:txFillClrLst/>
-    <dgm:txEffectClrLst/>
-  </dgm:styleLbl>
-  <dgm:styleLbl name="sibTrans1D1">
-    <dgm:fillClrLst meth="repeat">
-      <a:schemeClr val="accent1"/>
-    </dgm:fillClrLst>
-    <dgm:linClrLst meth="repeat">
-      <a:schemeClr val="accent1"/>
-    </dgm:linClrLst>
-    <dgm:effectClrLst/>
-    <dgm:txLinClrLst/>
-    <dgm:txFillClrLst meth="repeat">
-      <a:schemeClr val="tx1"/>
-    </dgm:txFillClrLst>
-    <dgm:txEffectClrLst/>
-  </dgm:styleLbl>
-  <dgm:styleLbl name="callout">
-    <dgm:fillClrLst meth="repeat">
-      <a:schemeClr val="accent1"/>
-    </dgm:fillClrLst>
-    <dgm:linClrLst meth="repeat">
-      <a:schemeClr val="accent1">
-        <a:tint val="50000"/>
-      </a:schemeClr>
-    </dgm:linClrLst>
-    <dgm:effectClrLst/>
-    <dgm:txLinClrLst/>
-    <dgm:txFillClrLst meth="repeat">
-      <a:schemeClr val="tx1"/>
-    </dgm:txFillClrLst>
-    <dgm:txEffectClrLst/>
-  </dgm:styleLbl>
-  <dgm:styleLbl name="asst0">
-    <dgm:fillClrLst meth="repeat">
-      <a:schemeClr val="accent1"/>
-    </dgm:fillClrLst>
-    <dgm:linClrLst meth="repeat">
-      <a:schemeClr val="lt1"/>
-    </dgm:linClrLst>
-    <dgm:effectClrLst/>
-    <dgm:txLinClrLst/>
-    <dgm:txFillClrLst/>
-    <dgm:txEffectClrLst/>
-  </dgm:styleLbl>
-  <dgm:styleLbl name="asst1">
-    <dgm:fillClrLst meth="repeat">
-      <a:schemeClr val="accent1"/>
-    </dgm:fillClrLst>
-    <dgm:linClrLst meth="repeat">
-      <a:schemeClr val="lt1"/>
-    </dgm:linClrLst>
-    <dgm:effectClrLst/>
-    <dgm:txLinClrLst/>
-    <dgm:txFillClrLst/>
-    <dgm:txEffectClrLst/>
-  </dgm:styleLbl>
-  <dgm:styleLbl name="asst2">
-    <dgm:fillClrLst meth="repeat">
-      <a:schemeClr val="accent1"/>
-    </dgm:fillClrLst>
-    <dgm:linClrLst meth="repeat">
-      <a:schemeClr val="lt1"/>
-    </dgm:linClrLst>
-    <dgm:effectClrLst/>
-    <dgm:txLinClrLst/>
-    <dgm:txFillClrLst/>
-    <dgm:txEffectClrLst/>
-  </dgm:styleLbl>
-  <dgm:styleLbl name="asst3">
-    <dgm:fillClrLst meth="repeat">
-      <a:schemeClr val="accent1"/>
-    </dgm:fillClrLst>
-    <dgm:linClrLst meth="repeat">
-      <a:schemeClr val="lt1"/>
-    </dgm:linClrLst>
-    <dgm:effectClrLst/>
-    <dgm:txLinClrLst/>
-    <dgm:txFillClrLst/>
-    <dgm:txEffectClrLst/>
-  </dgm:styleLbl>
-  <dgm:styleLbl name="asst4">
-    <dgm:fillClrLst meth="repeat">
-      <a:schemeClr val="accent1"/>
-    </dgm:fillClrLst>
-    <dgm:linClrLst meth="repeat">
-      <a:schemeClr val="lt1"/>
-    </dgm:linClrLst>
-    <dgm:effectClrLst/>
-    <dgm:txLinClrLst/>
-    <dgm:txFillClrLst/>
-    <dgm:txEffectClrLst/>
-  </dgm:styleLbl>
-  <dgm:styleLbl name="parChTrans2D1">
-    <dgm:fillClrLst meth="repeat">
-      <a:schemeClr val="accent1">
-        <a:tint val="60000"/>
-      </a:schemeClr>
-    </dgm:fillClrLst>
-    <dgm:linClrLst meth="repeat">
-      <a:schemeClr val="accent1">
-        <a:tint val="60000"/>
-      </a:schemeClr>
-    </dgm:linClrLst>
-    <dgm:effectClrLst/>
-    <dgm:txLinClrLst/>
-    <dgm:txFillClrLst meth="repeat">
-      <a:schemeClr val="lt1"/>
-    </dgm:txFillClrLst>
-    <dgm:txEffectClrLst/>
-  </dgm:styleLbl>
-  <dgm:styleLbl name="parChTrans2D2">
-    <dgm:fillClrLst meth="repeat">
-      <a:schemeClr val="accent1"/>
-    </dgm:fillClrLst>
-    <dgm:linClrLst meth="repeat">
-      <a:schemeClr val="accent1"/>
-    </dgm:linClrLst>
-    <dgm:effectClrLst/>
-    <dgm:txLinClrLst/>
-    <dgm:txFillClrLst meth="repeat">
-      <a:schemeClr val="lt1"/>
-    </dgm:txFillClrLst>
-    <dgm:txEffectClrLst/>
-  </dgm:styleLbl>
-  <dgm:styleLbl name="parChTrans2D3">
-    <dgm:fillClrLst meth="repeat">
-      <a:schemeClr val="accent1"/>
-    </dgm:fillClrLst>
-    <dgm:linClrLst meth="repeat">
-      <a:schemeClr val="accent1"/>
-    </dgm:linClrLst>
-    <dgm:effectClrLst/>
-    <dgm:txLinClrLst/>
-    <dgm:txFillClrLst meth="repeat">
-      <a:schemeClr val="lt1"/>
-    </dgm:txFillClrLst>
-    <dgm:txEffectClrLst/>
-  </dgm:styleLbl>
-  <dgm:styleLbl name="parChTrans2D4">
-    <dgm:fillClrLst meth="repeat">
-      <a:schemeClr val="accent1"/>
-    </dgm:fillClrLst>
-    <dgm:linClrLst meth="repeat">
-      <a:schemeClr val="accent1"/>
-    </dgm:linClrLst>
-    <dgm:effectClrLst/>
-    <dgm:txLinClrLst/>
-    <dgm:txFillClrLst meth="repeat">
-      <a:schemeClr val="lt1"/>
-    </dgm:txFillClrLst>
-    <dgm:txEffectClrLst/>
-  </dgm:styleLbl>
-  <dgm:styleLbl name="parChTrans1D1">
-    <dgm:fillClrLst meth="repeat">
-      <a:schemeClr val="accent1"/>
-    </dgm:fillClrLst>
-    <dgm:linClrLst meth="repeat">
-      <a:schemeClr val="accent1">
-        <a:shade val="60000"/>
-      </a:schemeClr>
-    </dgm:linClrLst>
-    <dgm:effectClrLst/>
-    <dgm:txLinClrLst/>
-    <dgm:txFillClrLst meth="repeat">
-      <a:schemeClr val="tx1"/>
-    </dgm:txFillClrLst>
-    <dgm:txEffectClrLst/>
-  </dgm:styleLbl>
-  <dgm:styleLbl name="parChTrans1D2">
-    <dgm:fillClrLst meth="repeat">
-      <a:schemeClr val="accent1"/>
-    </dgm:fillClrLst>
-    <dgm:linClrLst meth="repeat">
-      <a:schemeClr val="accent1">
-        <a:shade val="60000"/>
-      </a:schemeClr>
-    </dgm:linClrLst>
-    <dgm:effectClrLst/>
-    <dgm:txLinClrLst/>
-    <dgm:txFillClrLst meth="repeat">
-      <a:schemeClr val="tx1"/>
-    </dgm:txFillClrLst>
-    <dgm:txEffectClrLst/>
-  </dgm:styleLbl>
-  <dgm:styleLbl name="parChTrans1D3">
-    <dgm:fillClrLst meth="repeat">
-      <a:schemeClr val="accent1"/>
-    </dgm:fillClrLst>
-    <dgm:linClrLst meth="repeat">
-      <a:schemeClr val="accent1">
-        <a:shade val="80000"/>
-      </a:schemeClr>
-    </dgm:linClrLst>
-    <dgm:effectClrLst/>
-    <dgm:txLinClrLst/>
-    <dgm:txFillClrLst meth="repeat">
-      <a:schemeClr val="tx1"/>
-    </dgm:txFillClrLst>
-    <dgm:txEffectClrLst/>
-  </dgm:styleLbl>
-  <dgm:styleLbl name="parChTrans1D4">
-    <dgm:fillClrLst meth="repeat">
-      <a:schemeClr val="accent1"/>
-    </dgm:fillClrLst>
-    <dgm:linClrLst meth="repeat">
-      <a:schemeClr val="accent1">
-        <a:shade val="80000"/>
-      </a:schemeClr>
-    </dgm:linClrLst>
-    <dgm:effectClrLst/>
-    <dgm:txLinClrLst/>
-    <dgm:txFillClrLst meth="repeat">
-      <a:schemeClr val="tx1"/>
-    </dgm:txFillClrLst>
-    <dgm:txEffectClrLst/>
-  </dgm:styleLbl>
-  <dgm:styleLbl name="fgAcc1">
-    <dgm:fillClrLst meth="repeat">
-      <a:schemeClr val="lt1">
-        <a:alpha val="90000"/>
-      </a:schemeClr>
-    </dgm:fillClrLst>
-    <dgm:linClrLst meth="repeat">
-      <a:schemeClr val="accent1"/>
-    </dgm:linClrLst>
-    <dgm:effectClrLst/>
-    <dgm:txLinClrLst/>
-    <dgm:txFillClrLst meth="repeat">
-      <a:schemeClr val="dk1"/>
-    </dgm:txFillClrLst>
-    <dgm:txEffectClrLst/>
-  </dgm:styleLbl>
-  <dgm:styleLbl name="conFgAcc1">
-    <dgm:fillClrLst meth="repeat">
-      <a:schemeClr val="lt1">
-        <a:alpha val="90000"/>
-      </a:schemeClr>
-    </dgm:fillClrLst>
-    <dgm:linClrLst meth="repeat">
-      <a:schemeClr val="accent1"/>
-    </dgm:linClrLst>
-    <dgm:effectClrLst/>
-    <dgm:txLinClrLst/>
-    <dgm:txFillClrLst meth="repeat">
-      <a:schemeClr val="dk1"/>
-    </dgm:txFillClrLst>
-    <dgm:txEffectClrLst/>
-  </dgm:styleLbl>
-  <dgm:styleLbl name="alignAcc1">
-    <dgm:fillClrLst meth="repeat">
-      <a:schemeClr val="lt1">
-        <a:alpha val="90000"/>
-      </a:schemeClr>
-    </dgm:fillClrLst>
-    <dgm:linClrLst meth="repeat">
-      <a:schemeClr val="accent1"/>
-    </dgm:linClrLst>
-    <dgm:effectClrLst/>
-    <dgm:txLinClrLst/>
-    <dgm:txFillClrLst meth="repeat">
-      <a:schemeClr val="dk1"/>
-    </dgm:txFillClrLst>
-    <dgm:txEffectClrLst/>
-  </dgm:styleLbl>
-  <dgm:styleLbl name="trAlignAcc1">
-    <dgm:fillClrLst meth="repeat">
-      <a:schemeClr val="lt1">
-        <a:alpha val="40000"/>
-      </a:schemeClr>
-    </dgm:fillClrLst>
-    <dgm:linClrLst meth="repeat">
-      <a:schemeClr val="accent1"/>
-    </dgm:linClrLst>
-    <dgm:effectClrLst/>
-    <dgm:txLinClrLst/>
-    <dgm:txFillClrLst meth="repeat">
-      <a:schemeClr val="dk1"/>
-    </dgm:txFillClrLst>
-    <dgm:txEffectClrLst/>
-  </dgm:styleLbl>
-  <dgm:styleLbl name="bgAcc1">
-    <dgm:fillClrLst meth="repeat">
-      <a:schemeClr val="lt1">
-        <a:alpha val="90000"/>
-      </a:schemeClr>
-    </dgm:fillClrLst>
-    <dgm:linClrLst meth="repeat">
-      <a:schemeClr val="accent1"/>
-    </dgm:linClrLst>
-    <dgm:effectClrLst/>
-    <dgm:txLinClrLst/>
-    <dgm:txFillClrLst meth="repeat">
-      <a:schemeClr val="dk1"/>
-    </dgm:txFillClrLst>
-    <dgm:txEffectClrLst/>
-  </dgm:styleLbl>
-  <dgm:styleLbl name="solidFgAcc1">
-    <dgm:fillClrLst meth="repeat">
-      <a:schemeClr val="lt1"/>
-    </dgm:fillClrLst>
-    <dgm:linClrLst meth="repeat">
-      <a:schemeClr val="accent1"/>
-    </dgm:linClrLst>
-    <dgm:effectClrLst/>
-    <dgm:txLinClrLst/>
-    <dgm:txFillClrLst meth="repeat">
-      <a:schemeClr val="dk1"/>
-    </dgm:txFillClrLst>
-    <dgm:txEffectClrLst/>
-  </dgm:styleLbl>
-  <dgm:styleLbl name="solidAlignAcc1">
-    <dgm:fillClrLst meth="repeat">
-      <a:schemeClr val="lt1"/>
-    </dgm:fillClrLst>
-    <dgm:linClrLst meth="repeat">
-      <a:schemeClr val="accent1"/>
-    </dgm:linClrLst>
-    <dgm:effectClrLst/>
-    <dgm:txLinClrLst/>
-    <dgm:txFillClrLst meth="repeat">
-      <a:schemeClr val="dk1"/>
-    </dgm:txFillClrLst>
-    <dgm:txEffectClrLst/>
-  </dgm:styleLbl>
-  <dgm:styleLbl name="solidBgAcc1">
-    <dgm:fillClrLst meth="repeat">
-      <a:schemeClr val="lt1"/>
-    </dgm:fillClrLst>
-    <dgm:linClrLst meth="repeat">
-      <a:schemeClr val="accent1"/>
-    </dgm:linClrLst>
-    <dgm:effectClrLst/>
-    <dgm:txLinClrLst/>
-    <dgm:txFillClrLst meth="repeat">
-      <a:schemeClr val="dk1"/>
-    </dgm:txFillClrLst>
-    <dgm:txEffectClrLst/>
-  </dgm:styleLbl>
-  <dgm:styleLbl name="fgAccFollowNode1">
-    <dgm:fillClrLst meth="repeat">
-      <a:schemeClr val="accent1">
-        <a:alpha val="90000"/>
-        <a:tint val="40000"/>
-      </a:schemeClr>
-    </dgm:fillClrLst>
-    <dgm:linClrLst meth="repeat">
-      <a:schemeClr val="accent1">
-        <a:alpha val="90000"/>
-        <a:tint val="40000"/>
-      </a:schemeClr>
-    </dgm:linClrLst>
-    <dgm:effectClrLst/>
-    <dgm:txLinClrLst/>
-    <dgm:txFillClrLst meth="repeat">
-      <a:schemeClr val="dk1"/>
-    </dgm:txFillClrLst>
-    <dgm:txEffectClrLst/>
-  </dgm:styleLbl>
-  <dgm:styleLbl name="alignAccFollowNode1">
-    <dgm:fillClrLst meth="repeat">
-      <a:schemeClr val="accent1">
-        <a:alpha val="90000"/>
-        <a:tint val="40000"/>
-      </a:schemeClr>
-    </dgm:fillClrLst>
-    <dgm:linClrLst meth="repeat">
-      <a:schemeClr val="accent1">
-        <a:alpha val="90000"/>
-        <a:tint val="40000"/>
-      </a:schemeClr>
-    </dgm:linClrLst>
-    <dgm:effectClrLst/>
-    <dgm:txLinClrLst/>
-    <dgm:txFillClrLst meth="repeat">
-      <a:schemeClr val="dk1"/>
-    </dgm:txFillClrLst>
-    <dgm:txEffectClrLst/>
-  </dgm:styleLbl>
-  <dgm:styleLbl name="bgAccFollowNode1">
-    <dgm:fillClrLst meth="repeat">
-      <a:schemeClr val="accent1">
-        <a:alpha val="90000"/>
-        <a:tint val="40000"/>
-      </a:schemeClr>
-    </dgm:fillClrLst>
-    <dgm:linClrLst meth="repeat">
-      <a:schemeClr val="accent1">
-        <a:alpha val="90000"/>
-        <a:tint val="40000"/>
-      </a:schemeClr>
-    </dgm:linClrLst>
-    <dgm:effectClrLst/>
-    <dgm:txLinClrLst/>
-    <dgm:txFillClrLst meth="repeat">
-      <a:schemeClr val="dk1"/>
-    </dgm:txFillClrLst>
-    <dgm:txEffectClrLst/>
-  </dgm:styleLbl>
-  <dgm:styleLbl name="fgAcc0">
-    <dgm:fillClrLst meth="repeat">
-      <a:schemeClr val="lt1">
-        <a:alpha val="90000"/>
-      </a:schemeClr>
-    </dgm:fillClrLst>
-    <dgm:linClrLst meth="repeat">
-      <a:schemeClr val="accent1"/>
-    </dgm:linClrLst>
-    <dgm:effectClrLst/>
-    <dgm:txLinClrLst/>
-    <dgm:txFillClrLst meth="repeat">
-      <a:schemeClr val="dk1"/>
-    </dgm:txFillClrLst>
-    <dgm:txEffectClrLst/>
-  </dgm:styleLbl>
-  <dgm:styleLbl name="fgAcc2">
-    <dgm:fillClrLst meth="repeat">
-      <a:schemeClr val="lt1">
-        <a:alpha val="90000"/>
-      </a:schemeClr>
-    </dgm:fillClrLst>
-    <dgm:linClrLst meth="repeat">
-      <a:schemeClr val="accent1"/>
-    </dgm:linClrLst>
-    <dgm:effectClrLst/>
-    <dgm:txLinClrLst/>
-    <dgm:txFillClrLst meth="repeat">
-      <a:schemeClr val="dk1"/>
-    </dgm:txFillClrLst>
-    <dgm:txEffectClrLst/>
-  </dgm:styleLbl>
-  <dgm:styleLbl name="fgAcc3">
-    <dgm:fillClrLst meth="repeat">
-      <a:schemeClr val="lt1">
-        <a:alpha val="90000"/>
-      </a:schemeClr>
-    </dgm:fillClrLst>
-    <dgm:linClrLst meth="repeat">
-      <a:schemeClr val="accent1"/>
-    </dgm:linClrLst>
-    <dgm:effectClrLst/>
-    <dgm:txLinClrLst/>
-    <dgm:txFillClrLst meth="repeat">
-      <a:schemeClr val="dk1"/>
-    </dgm:txFillClrLst>
-    <dgm:txEffectClrLst/>
-  </dgm:styleLbl>
-  <dgm:styleLbl name="fgAcc4">
-    <dgm:fillClrLst meth="repeat">
-      <a:schemeClr val="lt1">
-        <a:alpha val="90000"/>
-      </a:schemeClr>
-    </dgm:fillClrLst>
-    <dgm:linClrLst meth="repeat">
-      <a:schemeClr val="accent1"/>
-    </dgm:linClrLst>
-    <dgm:effectClrLst/>
-    <dgm:txLinClrLst/>
-    <dgm:txFillClrLst meth="repeat">
-      <a:schemeClr val="dk1"/>
-    </dgm:txFillClrLst>
-    <dgm:txEffectClrLst/>
-  </dgm:styleLbl>
-  <dgm:styleLbl name="bgShp">
-    <dgm:fillClrLst meth="repeat">
-      <a:schemeClr val="accent1">
-        <a:tint val="40000"/>
-      </a:schemeClr>
-    </dgm:fillClrLst>
-    <dgm:linClrLst meth="repeat">
-      <a:schemeClr val="accent1"/>
-    </dgm:linClrLst>
-    <dgm:effectClrLst/>
-    <dgm:txLinClrLst/>
-    <dgm:txFillClrLst meth="repeat">
-      <a:schemeClr val="dk1"/>
-    </dgm:txFillClrLst>
-    <dgm:txEffectClrLst/>
-  </dgm:styleLbl>
-  <dgm:styleLbl name="dkBgShp">
-    <dgm:fillClrLst meth="repeat">
-      <a:schemeClr val="accent1">
-        <a:shade val="80000"/>
-      </a:schemeClr>
-    </dgm:fillClrLst>
-    <dgm:linClrLst meth="repeat">
-      <a:schemeClr val="accent1"/>
-    </dgm:linClrLst>
-    <dgm:effectClrLst/>
-    <dgm:txLinClrLst/>
-    <dgm:txFillClrLst meth="repeat">
-      <a:schemeClr val="lt1"/>
-    </dgm:txFillClrLst>
-    <dgm:txEffectClrLst/>
-  </dgm:styleLbl>
-  <dgm:styleLbl name="trBgShp">
-    <dgm:fillClrLst meth="repeat">
-      <a:schemeClr val="accent1">
-        <a:tint val="50000"/>
-        <a:alpha val="40000"/>
-      </a:schemeClr>
-    </dgm:fillClrLst>
-    <dgm:linClrLst meth="repeat">
-      <a:schemeClr val="accent1"/>
-    </dgm:linClrLst>
-    <dgm:effectClrLst/>
-    <dgm:txLinClrLst/>
-    <dgm:txFillClrLst meth="repeat">
-      <a:schemeClr val="lt1"/>
-    </dgm:txFillClrLst>
-    <dgm:txEffectClrLst/>
-  </dgm:styleLbl>
-  <dgm:styleLbl name="fgShp">
-    <dgm:fillClrLst meth="repeat">
-      <a:schemeClr val="accent1">
-        <a:tint val="60000"/>
-      </a:schemeClr>
-    </dgm:fillClrLst>
-    <dgm:linClrLst meth="repeat">
-      <a:schemeClr val="lt1"/>
-    </dgm:linClrLst>
-    <dgm:effectClrLst/>
-    <dgm:txLinClrLst/>
-    <dgm:txFillClrLst meth="repeat">
-      <a:schemeClr val="dk1"/>
-    </dgm:txFillClrLst>
-    <dgm:txEffectClrLst/>
-  </dgm:styleLbl>
-  <dgm:styleLbl name="revTx">
-    <dgm:fillClrLst meth="repeat">
-      <a:schemeClr val="lt1">
-        <a:alpha val="0"/>
-      </a:schemeClr>
-    </dgm:fillClrLst>
-    <dgm:linClrLst meth="repeat">
-      <a:schemeClr val="dk1">
-        <a:alpha val="0"/>
-      </a:schemeClr>
-    </dgm:linClrLst>
-    <dgm:effectClrLst/>
-    <dgm:txLinClrLst/>
-    <dgm:txFillClrLst meth="repeat">
-      <a:schemeClr val="tx1"/>
-    </dgm:txFillClrLst>
-    <dgm:txEffectClrLst/>
-  </dgm:styleLbl>
-</dgm:colorsDef>
-</file>
-
-<file path=ppt/diagrams/data1.xml><?xml version="1.0" encoding="utf-8"?>
-<dgm:dataModel xmlns:dgm="http://schemas.openxmlformats.org/drawingml/2006/diagram" xmlns:a="http://schemas.openxmlformats.org/drawingml/2006/main">
-  <dgm:ptLst>
-    <dgm:pt modelId="{A4964F9F-6203-4DB8-AA52-5B830A2B9E09}" type="doc">
-      <dgm:prSet loTypeId="urn:microsoft.com/office/officeart/2005/8/layout/cycle2" loCatId="cycle" qsTypeId="urn:microsoft.com/office/officeart/2005/8/quickstyle/simple1" qsCatId="simple" csTypeId="urn:microsoft.com/office/officeart/2005/8/colors/accent1_2" csCatId="accent1" phldr="1"/>
-      <dgm:spPr/>
-      <dgm:t>
-        <a:bodyPr/>
-        <a:lstStyle/>
-        <a:p>
-          <a:endParaRPr lang="es-PE"/>
-        </a:p>
-      </dgm:t>
-    </dgm:pt>
-    <dgm:pt modelId="{DC11DD75-D18E-4D4A-B08E-DFB5B0EF91CC}">
-      <dgm:prSet phldrT="[Texto]" custT="1">
-        <dgm:style>
-          <a:lnRef idx="1">
-            <a:schemeClr val="dk1"/>
-          </a:lnRef>
-          <a:fillRef idx="2">
-            <a:schemeClr val="dk1"/>
-          </a:fillRef>
-          <a:effectRef idx="1">
-            <a:schemeClr val="dk1"/>
-          </a:effectRef>
-          <a:fontRef idx="minor">
-            <a:schemeClr val="dk1"/>
-          </a:fontRef>
-        </dgm:style>
-      </dgm:prSet>
-      <dgm:spPr>
-        <a:ln>
-          <a:noFill/>
-        </a:ln>
-      </dgm:spPr>
-      <dgm:t>
-        <a:bodyPr/>
-        <a:lstStyle/>
-        <a:p>
-          <a:r>
-            <a:rPr lang="es-PE" sz="2400" dirty="0" smtClean="0"/>
-            <a:t>Escribir un nuevo test</a:t>
-          </a:r>
-          <a:endParaRPr lang="es-PE" sz="2400" dirty="0"/>
-        </a:p>
-      </dgm:t>
-    </dgm:pt>
-    <dgm:pt modelId="{63A18D4A-A295-4700-971F-FD8573CE0F3F}" type="parTrans" cxnId="{8BB5918B-2179-41C1-8348-9880310D5CFB}">
-      <dgm:prSet/>
-      <dgm:spPr/>
-      <dgm:t>
-        <a:bodyPr/>
-        <a:lstStyle/>
-        <a:p>
-          <a:endParaRPr lang="es-PE"/>
-        </a:p>
-      </dgm:t>
-    </dgm:pt>
-    <dgm:pt modelId="{4C2BAED5-D9BD-40B7-837D-B57EF5F31E51}" type="sibTrans" cxnId="{8BB5918B-2179-41C1-8348-9880310D5CFB}">
-      <dgm:prSet/>
-      <dgm:spPr/>
-      <dgm:t>
-        <a:bodyPr/>
-        <a:lstStyle/>
-        <a:p>
-          <a:endParaRPr lang="es-PE"/>
-        </a:p>
-      </dgm:t>
-    </dgm:pt>
-    <dgm:pt modelId="{25C75448-34CC-4287-926F-EC6F926C0215}">
-      <dgm:prSet phldrT="[Texto]">
-        <dgm:style>
-          <a:lnRef idx="1">
-            <a:schemeClr val="accent2"/>
-          </a:lnRef>
-          <a:fillRef idx="3">
-            <a:schemeClr val="accent2"/>
-          </a:fillRef>
-          <a:effectRef idx="2">
-            <a:schemeClr val="accent2"/>
-          </a:effectRef>
-          <a:fontRef idx="minor">
-            <a:schemeClr val="lt1"/>
-          </a:fontRef>
-        </dgm:style>
-      </dgm:prSet>
-      <dgm:spPr/>
-      <dgm:t>
-        <a:bodyPr/>
-        <a:lstStyle/>
-        <a:p>
-          <a:r>
-            <a:rPr lang="es-PE" dirty="0" smtClean="0"/>
-            <a:t>Ejecutar el test y ver que falle</a:t>
-          </a:r>
-          <a:endParaRPr lang="es-PE" dirty="0"/>
-        </a:p>
-      </dgm:t>
-    </dgm:pt>
-    <dgm:pt modelId="{80202252-A7C7-4C51-BE2B-27719AB3DE9D}" type="parTrans" cxnId="{286933EB-A5F6-4295-8FEC-61D2F1CF3723}">
-      <dgm:prSet/>
-      <dgm:spPr/>
-      <dgm:t>
-        <a:bodyPr/>
-        <a:lstStyle/>
-        <a:p>
-          <a:endParaRPr lang="es-PE"/>
-        </a:p>
-      </dgm:t>
-    </dgm:pt>
-    <dgm:pt modelId="{8E4956DF-8A5A-44BE-8F44-24AC48141A94}" type="sibTrans" cxnId="{286933EB-A5F6-4295-8FEC-61D2F1CF3723}">
-      <dgm:prSet/>
-      <dgm:spPr/>
-      <dgm:t>
-        <a:bodyPr/>
-        <a:lstStyle/>
-        <a:p>
-          <a:endParaRPr lang="es-PE"/>
-        </a:p>
-      </dgm:t>
-    </dgm:pt>
-    <dgm:pt modelId="{43EEC598-4699-410F-B803-71EBEB68EB81}">
-      <dgm:prSet phldrT="[Texto]">
-        <dgm:style>
-          <a:lnRef idx="1">
-            <a:schemeClr val="dk1"/>
-          </a:lnRef>
-          <a:fillRef idx="2">
-            <a:schemeClr val="dk1"/>
-          </a:fillRef>
-          <a:effectRef idx="1">
-            <a:schemeClr val="dk1"/>
-          </a:effectRef>
-          <a:fontRef idx="minor">
-            <a:schemeClr val="dk1"/>
-          </a:fontRef>
-        </dgm:style>
-      </dgm:prSet>
-      <dgm:spPr>
-        <a:ln>
-          <a:noFill/>
-        </a:ln>
-      </dgm:spPr>
-      <dgm:t>
-        <a:bodyPr/>
-        <a:lstStyle/>
-        <a:p>
-          <a:r>
-            <a:rPr lang="es-PE" dirty="0" smtClean="0"/>
-            <a:t>Escribir código que pase el test</a:t>
-          </a:r>
-          <a:endParaRPr lang="es-PE" dirty="0"/>
-        </a:p>
-      </dgm:t>
-    </dgm:pt>
-    <dgm:pt modelId="{657935D3-65BF-4E3E-8F8A-5962EB26FD01}" type="parTrans" cxnId="{42B630B7-1A2D-4E76-80F8-198D9F710850}">
-      <dgm:prSet/>
-      <dgm:spPr/>
-      <dgm:t>
-        <a:bodyPr/>
-        <a:lstStyle/>
-        <a:p>
-          <a:endParaRPr lang="es-PE"/>
-        </a:p>
-      </dgm:t>
-    </dgm:pt>
-    <dgm:pt modelId="{52B20752-4FCA-42A5-B67B-3C02E60D7B0D}" type="sibTrans" cxnId="{42B630B7-1A2D-4E76-80F8-198D9F710850}">
-      <dgm:prSet/>
-      <dgm:spPr/>
-      <dgm:t>
-        <a:bodyPr/>
-        <a:lstStyle/>
-        <a:p>
-          <a:endParaRPr lang="es-PE"/>
-        </a:p>
-      </dgm:t>
-    </dgm:pt>
-    <dgm:pt modelId="{74D477E0-D956-435D-80E4-103799510FE6}">
-      <dgm:prSet phldrT="[Texto]">
-        <dgm:style>
-          <a:lnRef idx="1">
-            <a:schemeClr val="accent3"/>
-          </a:lnRef>
-          <a:fillRef idx="3">
-            <a:schemeClr val="accent3"/>
-          </a:fillRef>
-          <a:effectRef idx="2">
-            <a:schemeClr val="accent3"/>
-          </a:effectRef>
-          <a:fontRef idx="minor">
-            <a:schemeClr val="lt1"/>
-          </a:fontRef>
-        </dgm:style>
-      </dgm:prSet>
-      <dgm:spPr/>
-      <dgm:t>
-        <a:bodyPr/>
-        <a:lstStyle/>
-        <a:p>
-          <a:r>
-            <a:rPr lang="es-PE" dirty="0" smtClean="0"/>
-            <a:t>Ejecutar los </a:t>
-          </a:r>
-          <a:r>
-            <a:rPr lang="es-PE" dirty="0" err="1" smtClean="0"/>
-            <a:t>tests</a:t>
-          </a:r>
-          <a:r>
-            <a:rPr lang="es-PE" dirty="0" smtClean="0"/>
-            <a:t> y ver que pasen</a:t>
-          </a:r>
-          <a:endParaRPr lang="es-PE" dirty="0"/>
-        </a:p>
-      </dgm:t>
-    </dgm:pt>
-    <dgm:pt modelId="{AE26A57F-281D-4C10-B6B6-17C306A5AC97}" type="parTrans" cxnId="{B25CB0CD-696D-4142-819D-A0ACF9C0ECCF}">
-      <dgm:prSet/>
-      <dgm:spPr/>
-      <dgm:t>
-        <a:bodyPr/>
-        <a:lstStyle/>
-        <a:p>
-          <a:endParaRPr lang="es-PE"/>
-        </a:p>
-      </dgm:t>
-    </dgm:pt>
-    <dgm:pt modelId="{99215CB3-0861-4354-B158-6D91F0821964}" type="sibTrans" cxnId="{B25CB0CD-696D-4142-819D-A0ACF9C0ECCF}">
-      <dgm:prSet/>
-      <dgm:spPr/>
-      <dgm:t>
-        <a:bodyPr/>
-        <a:lstStyle/>
-        <a:p>
-          <a:endParaRPr lang="es-PE"/>
-        </a:p>
-      </dgm:t>
-    </dgm:pt>
-    <dgm:pt modelId="{6B09C107-CE7F-44BD-82E7-55A18DE73150}">
-      <dgm:prSet phldrT="[Texto]">
-        <dgm:style>
-          <a:lnRef idx="1">
-            <a:schemeClr val="accent6"/>
-          </a:lnRef>
-          <a:fillRef idx="3">
-            <a:schemeClr val="accent6"/>
-          </a:fillRef>
-          <a:effectRef idx="2">
-            <a:schemeClr val="accent6"/>
-          </a:effectRef>
-          <a:fontRef idx="minor">
-            <a:schemeClr val="lt1"/>
-          </a:fontRef>
-        </dgm:style>
-      </dgm:prSet>
-      <dgm:spPr/>
-      <dgm:t>
-        <a:bodyPr/>
-        <a:lstStyle/>
-        <a:p>
-          <a:r>
-            <a:rPr lang="es-PE" dirty="0" err="1" smtClean="0"/>
-            <a:t>Refactor</a:t>
-          </a:r>
-          <a:endParaRPr lang="es-PE" dirty="0"/>
-        </a:p>
-      </dgm:t>
-    </dgm:pt>
-    <dgm:pt modelId="{A21F30F3-9B87-4162-9B9F-D824482EC96F}" type="parTrans" cxnId="{8926D8FD-4C98-4EA4-8683-D10A901518BE}">
-      <dgm:prSet/>
-      <dgm:spPr/>
-      <dgm:t>
-        <a:bodyPr/>
-        <a:lstStyle/>
-        <a:p>
-          <a:endParaRPr lang="es-PE"/>
-        </a:p>
-      </dgm:t>
-    </dgm:pt>
-    <dgm:pt modelId="{1A828E66-FEF8-4FE3-9099-48AD24758643}" type="sibTrans" cxnId="{8926D8FD-4C98-4EA4-8683-D10A901518BE}">
-      <dgm:prSet/>
-      <dgm:spPr/>
-      <dgm:t>
-        <a:bodyPr/>
-        <a:lstStyle/>
-        <a:p>
-          <a:endParaRPr lang="es-PE"/>
-        </a:p>
-      </dgm:t>
-    </dgm:pt>
-    <dgm:pt modelId="{C9904FD2-8007-4874-803E-575B7B8DF19B}" type="pres">
-      <dgm:prSet presAssocID="{A4964F9F-6203-4DB8-AA52-5B830A2B9E09}" presName="cycle" presStyleCnt="0">
-        <dgm:presLayoutVars>
-          <dgm:dir/>
-          <dgm:resizeHandles val="exact"/>
-        </dgm:presLayoutVars>
-      </dgm:prSet>
-      <dgm:spPr/>
-      <dgm:t>
-        <a:bodyPr/>
-        <a:lstStyle/>
-        <a:p>
-          <a:endParaRPr lang="es-PE"/>
-        </a:p>
-      </dgm:t>
-    </dgm:pt>
-    <dgm:pt modelId="{691E8E22-79BB-4173-B08E-CED92B490F66}" type="pres">
-      <dgm:prSet presAssocID="{DC11DD75-D18E-4D4A-B08E-DFB5B0EF91CC}" presName="node" presStyleLbl="node1" presStyleIdx="0" presStyleCnt="5" custScaleX="147083">
-        <dgm:presLayoutVars>
-          <dgm:bulletEnabled val="1"/>
-        </dgm:presLayoutVars>
-      </dgm:prSet>
-      <dgm:spPr>
-        <a:prstGeom prst="ellipse">
-          <a:avLst/>
-        </a:prstGeom>
-      </dgm:spPr>
-      <dgm:t>
-        <a:bodyPr/>
-        <a:lstStyle/>
-        <a:p>
-          <a:endParaRPr lang="es-PE"/>
-        </a:p>
-      </dgm:t>
-    </dgm:pt>
-    <dgm:pt modelId="{7085E1C8-B6E9-433D-93C1-54BEC89CA226}" type="pres">
-      <dgm:prSet presAssocID="{4C2BAED5-D9BD-40B7-837D-B57EF5F31E51}" presName="sibTrans" presStyleLbl="sibTrans2D1" presStyleIdx="0" presStyleCnt="5"/>
-      <dgm:spPr/>
-      <dgm:t>
-        <a:bodyPr/>
-        <a:lstStyle/>
-        <a:p>
-          <a:endParaRPr lang="es-PE"/>
-        </a:p>
-      </dgm:t>
-    </dgm:pt>
-    <dgm:pt modelId="{13ED1108-0D21-45C8-AC0E-FA0AFC7F1E1F}" type="pres">
-      <dgm:prSet presAssocID="{4C2BAED5-D9BD-40B7-837D-B57EF5F31E51}" presName="connectorText" presStyleLbl="sibTrans2D1" presStyleIdx="0" presStyleCnt="5"/>
-      <dgm:spPr/>
-      <dgm:t>
-        <a:bodyPr/>
-        <a:lstStyle/>
-        <a:p>
-          <a:endParaRPr lang="es-PE"/>
-        </a:p>
-      </dgm:t>
-    </dgm:pt>
-    <dgm:pt modelId="{3B0B9DF5-126D-4A69-B61A-958A60411FE2}" type="pres">
-      <dgm:prSet presAssocID="{25C75448-34CC-4287-926F-EC6F926C0215}" presName="node" presStyleLbl="node1" presStyleIdx="1" presStyleCnt="5" custScaleX="147083" custRadScaleRad="97427" custRadScaleInc="15193">
-        <dgm:presLayoutVars>
-          <dgm:bulletEnabled val="1"/>
-        </dgm:presLayoutVars>
-      </dgm:prSet>
-      <dgm:spPr/>
-      <dgm:t>
-        <a:bodyPr/>
-        <a:lstStyle/>
-        <a:p>
-          <a:endParaRPr lang="es-PE"/>
-        </a:p>
-      </dgm:t>
-    </dgm:pt>
-    <dgm:pt modelId="{272E834E-04A3-46BA-BD48-8CA97AE32F16}" type="pres">
-      <dgm:prSet presAssocID="{8E4956DF-8A5A-44BE-8F44-24AC48141A94}" presName="sibTrans" presStyleLbl="sibTrans2D1" presStyleIdx="1" presStyleCnt="5"/>
-      <dgm:spPr/>
-      <dgm:t>
-        <a:bodyPr/>
-        <a:lstStyle/>
-        <a:p>
-          <a:endParaRPr lang="es-PE"/>
-        </a:p>
-      </dgm:t>
-    </dgm:pt>
-    <dgm:pt modelId="{1ADFA9B7-9BFD-49A9-B4A8-AE638E8BE67C}" type="pres">
-      <dgm:prSet presAssocID="{8E4956DF-8A5A-44BE-8F44-24AC48141A94}" presName="connectorText" presStyleLbl="sibTrans2D1" presStyleIdx="1" presStyleCnt="5"/>
-      <dgm:spPr/>
-      <dgm:t>
-        <a:bodyPr/>
-        <a:lstStyle/>
-        <a:p>
-          <a:endParaRPr lang="es-PE"/>
-        </a:p>
-      </dgm:t>
-    </dgm:pt>
-    <dgm:pt modelId="{C6171ACB-6012-49DF-A989-79D5F0FAE9B1}" type="pres">
-      <dgm:prSet presAssocID="{43EEC598-4699-410F-B803-71EBEB68EB81}" presName="node" presStyleLbl="node1" presStyleIdx="2" presStyleCnt="5" custScaleX="147083" custRadScaleRad="110095" custRadScaleInc="-18629">
-        <dgm:presLayoutVars>
-          <dgm:bulletEnabled val="1"/>
-        </dgm:presLayoutVars>
-      </dgm:prSet>
-      <dgm:spPr/>
-      <dgm:t>
-        <a:bodyPr/>
-        <a:lstStyle/>
-        <a:p>
-          <a:endParaRPr lang="es-PE"/>
-        </a:p>
-      </dgm:t>
-    </dgm:pt>
-    <dgm:pt modelId="{E2410779-7DD5-4264-9897-619969E3733E}" type="pres">
-      <dgm:prSet presAssocID="{52B20752-4FCA-42A5-B67B-3C02E60D7B0D}" presName="sibTrans" presStyleLbl="sibTrans2D1" presStyleIdx="2" presStyleCnt="5"/>
-      <dgm:spPr/>
-      <dgm:t>
-        <a:bodyPr/>
-        <a:lstStyle/>
-        <a:p>
-          <a:endParaRPr lang="es-PE"/>
-        </a:p>
-      </dgm:t>
-    </dgm:pt>
-    <dgm:pt modelId="{7ED9A56F-10C9-4EB4-B6F7-59291C98263B}" type="pres">
-      <dgm:prSet presAssocID="{52B20752-4FCA-42A5-B67B-3C02E60D7B0D}" presName="connectorText" presStyleLbl="sibTrans2D1" presStyleIdx="2" presStyleCnt="5"/>
-      <dgm:spPr/>
-      <dgm:t>
-        <a:bodyPr/>
-        <a:lstStyle/>
-        <a:p>
-          <a:endParaRPr lang="es-PE"/>
-        </a:p>
-      </dgm:t>
-    </dgm:pt>
-    <dgm:pt modelId="{8BEB972D-6A1C-4745-A1C5-8F1AB7962C92}" type="pres">
-      <dgm:prSet presAssocID="{74D477E0-D956-435D-80E4-103799510FE6}" presName="node" presStyleLbl="node1" presStyleIdx="3" presStyleCnt="5" custScaleX="147083" custRadScaleRad="106128" custRadScaleInc="12035">
-        <dgm:presLayoutVars>
-          <dgm:bulletEnabled val="1"/>
-        </dgm:presLayoutVars>
-      </dgm:prSet>
-      <dgm:spPr/>
-      <dgm:t>
-        <a:bodyPr/>
-        <a:lstStyle/>
-        <a:p>
-          <a:endParaRPr lang="es-PE"/>
-        </a:p>
-      </dgm:t>
-    </dgm:pt>
-    <dgm:pt modelId="{E8446429-CAED-490B-B9FD-1224E2B163F1}" type="pres">
-      <dgm:prSet presAssocID="{99215CB3-0861-4354-B158-6D91F0821964}" presName="sibTrans" presStyleLbl="sibTrans2D1" presStyleIdx="3" presStyleCnt="5"/>
-      <dgm:spPr/>
-      <dgm:t>
-        <a:bodyPr/>
-        <a:lstStyle/>
-        <a:p>
-          <a:endParaRPr lang="es-PE"/>
-        </a:p>
-      </dgm:t>
-    </dgm:pt>
-    <dgm:pt modelId="{AC0C15F1-589A-4C74-9AEF-FCD0B294E109}" type="pres">
-      <dgm:prSet presAssocID="{99215CB3-0861-4354-B158-6D91F0821964}" presName="connectorText" presStyleLbl="sibTrans2D1" presStyleIdx="3" presStyleCnt="5"/>
-      <dgm:spPr/>
-      <dgm:t>
-        <a:bodyPr/>
-        <a:lstStyle/>
-        <a:p>
-          <a:endParaRPr lang="es-PE"/>
-        </a:p>
-      </dgm:t>
-    </dgm:pt>
-    <dgm:pt modelId="{5BFFCD0B-2EF6-42FE-AB58-CABAA6FE2779}" type="pres">
-      <dgm:prSet presAssocID="{6B09C107-CE7F-44BD-82E7-55A18DE73150}" presName="node" presStyleLbl="node1" presStyleIdx="4" presStyleCnt="5" custScaleX="147083" custRadScaleRad="97427" custRadScaleInc="-15193">
-        <dgm:presLayoutVars>
-          <dgm:bulletEnabled val="1"/>
-        </dgm:presLayoutVars>
-      </dgm:prSet>
-      <dgm:spPr/>
-      <dgm:t>
-        <a:bodyPr/>
-        <a:lstStyle/>
-        <a:p>
-          <a:endParaRPr lang="es-PE"/>
-        </a:p>
-      </dgm:t>
-    </dgm:pt>
-    <dgm:pt modelId="{D7037413-2DD4-42A1-A7E3-FFDA4A8CDD8A}" type="pres">
-      <dgm:prSet presAssocID="{1A828E66-FEF8-4FE3-9099-48AD24758643}" presName="sibTrans" presStyleLbl="sibTrans2D1" presStyleIdx="4" presStyleCnt="5"/>
-      <dgm:spPr/>
-      <dgm:t>
-        <a:bodyPr/>
-        <a:lstStyle/>
-        <a:p>
-          <a:endParaRPr lang="es-PE"/>
-        </a:p>
-      </dgm:t>
-    </dgm:pt>
-    <dgm:pt modelId="{4FDB93E8-9BB7-4F4E-A167-A52AE4227EBD}" type="pres">
-      <dgm:prSet presAssocID="{1A828E66-FEF8-4FE3-9099-48AD24758643}" presName="connectorText" presStyleLbl="sibTrans2D1" presStyleIdx="4" presStyleCnt="5"/>
-      <dgm:spPr/>
-      <dgm:t>
-        <a:bodyPr/>
-        <a:lstStyle/>
-        <a:p>
-          <a:endParaRPr lang="es-PE"/>
-        </a:p>
-      </dgm:t>
-    </dgm:pt>
-  </dgm:ptLst>
-  <dgm:cxnLst>
-    <dgm:cxn modelId="{B25CB0CD-696D-4142-819D-A0ACF9C0ECCF}" srcId="{A4964F9F-6203-4DB8-AA52-5B830A2B9E09}" destId="{74D477E0-D956-435D-80E4-103799510FE6}" srcOrd="3" destOrd="0" parTransId="{AE26A57F-281D-4C10-B6B6-17C306A5AC97}" sibTransId="{99215CB3-0861-4354-B158-6D91F0821964}"/>
-    <dgm:cxn modelId="{F0ED4858-3514-4635-B8BF-0A44D916B329}" type="presOf" srcId="{A4964F9F-6203-4DB8-AA52-5B830A2B9E09}" destId="{C9904FD2-8007-4874-803E-575B7B8DF19B}" srcOrd="0" destOrd="0" presId="urn:microsoft.com/office/officeart/2005/8/layout/cycle2"/>
-    <dgm:cxn modelId="{82211E48-F74D-4FF2-AA36-19AEDEEF2605}" type="presOf" srcId="{8E4956DF-8A5A-44BE-8F44-24AC48141A94}" destId="{272E834E-04A3-46BA-BD48-8CA97AE32F16}" srcOrd="0" destOrd="0" presId="urn:microsoft.com/office/officeart/2005/8/layout/cycle2"/>
-    <dgm:cxn modelId="{CEA88530-85C4-4A97-A3D9-73C27A7E5502}" type="presOf" srcId="{DC11DD75-D18E-4D4A-B08E-DFB5B0EF91CC}" destId="{691E8E22-79BB-4173-B08E-CED92B490F66}" srcOrd="0" destOrd="0" presId="urn:microsoft.com/office/officeart/2005/8/layout/cycle2"/>
-    <dgm:cxn modelId="{03940286-47A5-4723-91E3-C7B0D9A3C555}" type="presOf" srcId="{6B09C107-CE7F-44BD-82E7-55A18DE73150}" destId="{5BFFCD0B-2EF6-42FE-AB58-CABAA6FE2779}" srcOrd="0" destOrd="0" presId="urn:microsoft.com/office/officeart/2005/8/layout/cycle2"/>
-    <dgm:cxn modelId="{3B8988D2-76AC-471C-82C6-A454EDB11830}" type="presOf" srcId="{99215CB3-0861-4354-B158-6D91F0821964}" destId="{AC0C15F1-589A-4C74-9AEF-FCD0B294E109}" srcOrd="1" destOrd="0" presId="urn:microsoft.com/office/officeart/2005/8/layout/cycle2"/>
-    <dgm:cxn modelId="{EF593F6B-071C-42C1-A8B6-0DF3EC69EB86}" type="presOf" srcId="{8E4956DF-8A5A-44BE-8F44-24AC48141A94}" destId="{1ADFA9B7-9BFD-49A9-B4A8-AE638E8BE67C}" srcOrd="1" destOrd="0" presId="urn:microsoft.com/office/officeart/2005/8/layout/cycle2"/>
-    <dgm:cxn modelId="{6B143E39-0D68-4300-B66E-9FEBB6942A11}" type="presOf" srcId="{4C2BAED5-D9BD-40B7-837D-B57EF5F31E51}" destId="{13ED1108-0D21-45C8-AC0E-FA0AFC7F1E1F}" srcOrd="1" destOrd="0" presId="urn:microsoft.com/office/officeart/2005/8/layout/cycle2"/>
-    <dgm:cxn modelId="{A5D26CC6-7BAE-4ACC-882B-DD11434D2F7A}" type="presOf" srcId="{25C75448-34CC-4287-926F-EC6F926C0215}" destId="{3B0B9DF5-126D-4A69-B61A-958A60411FE2}" srcOrd="0" destOrd="0" presId="urn:microsoft.com/office/officeart/2005/8/layout/cycle2"/>
-    <dgm:cxn modelId="{286933EB-A5F6-4295-8FEC-61D2F1CF3723}" srcId="{A4964F9F-6203-4DB8-AA52-5B830A2B9E09}" destId="{25C75448-34CC-4287-926F-EC6F926C0215}" srcOrd="1" destOrd="0" parTransId="{80202252-A7C7-4C51-BE2B-27719AB3DE9D}" sibTransId="{8E4956DF-8A5A-44BE-8F44-24AC48141A94}"/>
-    <dgm:cxn modelId="{8BB5918B-2179-41C1-8348-9880310D5CFB}" srcId="{A4964F9F-6203-4DB8-AA52-5B830A2B9E09}" destId="{DC11DD75-D18E-4D4A-B08E-DFB5B0EF91CC}" srcOrd="0" destOrd="0" parTransId="{63A18D4A-A295-4700-971F-FD8573CE0F3F}" sibTransId="{4C2BAED5-D9BD-40B7-837D-B57EF5F31E51}"/>
-    <dgm:cxn modelId="{2BF6E388-D5BC-4147-BADB-9A1E342626E3}" type="presOf" srcId="{52B20752-4FCA-42A5-B67B-3C02E60D7B0D}" destId="{7ED9A56F-10C9-4EB4-B6F7-59291C98263B}" srcOrd="1" destOrd="0" presId="urn:microsoft.com/office/officeart/2005/8/layout/cycle2"/>
-    <dgm:cxn modelId="{341C1E54-EDCF-4EE7-8A45-7E4BC9109499}" type="presOf" srcId="{4C2BAED5-D9BD-40B7-837D-B57EF5F31E51}" destId="{7085E1C8-B6E9-433D-93C1-54BEC89CA226}" srcOrd="0" destOrd="0" presId="urn:microsoft.com/office/officeart/2005/8/layout/cycle2"/>
-    <dgm:cxn modelId="{CFD509C8-4C5E-471C-ABE1-B5D461BB5FC7}" type="presOf" srcId="{1A828E66-FEF8-4FE3-9099-48AD24758643}" destId="{4FDB93E8-9BB7-4F4E-A167-A52AE4227EBD}" srcOrd="1" destOrd="0" presId="urn:microsoft.com/office/officeart/2005/8/layout/cycle2"/>
-    <dgm:cxn modelId="{E21C002C-9CEB-453C-8A74-A1A1780091AF}" type="presOf" srcId="{43EEC598-4699-410F-B803-71EBEB68EB81}" destId="{C6171ACB-6012-49DF-A989-79D5F0FAE9B1}" srcOrd="0" destOrd="0" presId="urn:microsoft.com/office/officeart/2005/8/layout/cycle2"/>
-    <dgm:cxn modelId="{EF1B1190-F5C8-4004-89DE-39AF18B16795}" type="presOf" srcId="{74D477E0-D956-435D-80E4-103799510FE6}" destId="{8BEB972D-6A1C-4745-A1C5-8F1AB7962C92}" srcOrd="0" destOrd="0" presId="urn:microsoft.com/office/officeart/2005/8/layout/cycle2"/>
-    <dgm:cxn modelId="{42B630B7-1A2D-4E76-80F8-198D9F710850}" srcId="{A4964F9F-6203-4DB8-AA52-5B830A2B9E09}" destId="{43EEC598-4699-410F-B803-71EBEB68EB81}" srcOrd="2" destOrd="0" parTransId="{657935D3-65BF-4E3E-8F8A-5962EB26FD01}" sibTransId="{52B20752-4FCA-42A5-B67B-3C02E60D7B0D}"/>
-    <dgm:cxn modelId="{AC1AFD02-B783-4C16-88C9-29129DA84DB1}" type="presOf" srcId="{52B20752-4FCA-42A5-B67B-3C02E60D7B0D}" destId="{E2410779-7DD5-4264-9897-619969E3733E}" srcOrd="0" destOrd="0" presId="urn:microsoft.com/office/officeart/2005/8/layout/cycle2"/>
-    <dgm:cxn modelId="{0B6FFD63-FF86-4CBB-B222-B6CF80AE3517}" type="presOf" srcId="{1A828E66-FEF8-4FE3-9099-48AD24758643}" destId="{D7037413-2DD4-42A1-A7E3-FFDA4A8CDD8A}" srcOrd="0" destOrd="0" presId="urn:microsoft.com/office/officeart/2005/8/layout/cycle2"/>
-    <dgm:cxn modelId="{8926D8FD-4C98-4EA4-8683-D10A901518BE}" srcId="{A4964F9F-6203-4DB8-AA52-5B830A2B9E09}" destId="{6B09C107-CE7F-44BD-82E7-55A18DE73150}" srcOrd="4" destOrd="0" parTransId="{A21F30F3-9B87-4162-9B9F-D824482EC96F}" sibTransId="{1A828E66-FEF8-4FE3-9099-48AD24758643}"/>
-    <dgm:cxn modelId="{226FF30C-4AE4-4C38-9939-6D6781BE25B4}" type="presOf" srcId="{99215CB3-0861-4354-B158-6D91F0821964}" destId="{E8446429-CAED-490B-B9FD-1224E2B163F1}" srcOrd="0" destOrd="0" presId="urn:microsoft.com/office/officeart/2005/8/layout/cycle2"/>
-    <dgm:cxn modelId="{FEC01E3E-F40A-4108-9652-7A094FB7D2DC}" type="presParOf" srcId="{C9904FD2-8007-4874-803E-575B7B8DF19B}" destId="{691E8E22-79BB-4173-B08E-CED92B490F66}" srcOrd="0" destOrd="0" presId="urn:microsoft.com/office/officeart/2005/8/layout/cycle2"/>
-    <dgm:cxn modelId="{7D2EAA9D-B874-413E-848D-FBC939625354}" type="presParOf" srcId="{C9904FD2-8007-4874-803E-575B7B8DF19B}" destId="{7085E1C8-B6E9-433D-93C1-54BEC89CA226}" srcOrd="1" destOrd="0" presId="urn:microsoft.com/office/officeart/2005/8/layout/cycle2"/>
-    <dgm:cxn modelId="{4F5A8A94-95DF-45EC-BCF1-641209C38F46}" type="presParOf" srcId="{7085E1C8-B6E9-433D-93C1-54BEC89CA226}" destId="{13ED1108-0D21-45C8-AC0E-FA0AFC7F1E1F}" srcOrd="0" destOrd="0" presId="urn:microsoft.com/office/officeart/2005/8/layout/cycle2"/>
-    <dgm:cxn modelId="{AB127FF7-D3F6-4DB1-B447-3393B0C4C63B}" type="presParOf" srcId="{C9904FD2-8007-4874-803E-575B7B8DF19B}" destId="{3B0B9DF5-126D-4A69-B61A-958A60411FE2}" srcOrd="2" destOrd="0" presId="urn:microsoft.com/office/officeart/2005/8/layout/cycle2"/>
-    <dgm:cxn modelId="{4A42DC69-5F85-4766-97A1-87D0D705AE41}" type="presParOf" srcId="{C9904FD2-8007-4874-803E-575B7B8DF19B}" destId="{272E834E-04A3-46BA-BD48-8CA97AE32F16}" srcOrd="3" destOrd="0" presId="urn:microsoft.com/office/officeart/2005/8/layout/cycle2"/>
-    <dgm:cxn modelId="{F94C248D-0299-4E03-AEE8-A2BA665DDEB1}" type="presParOf" srcId="{272E834E-04A3-46BA-BD48-8CA97AE32F16}" destId="{1ADFA9B7-9BFD-49A9-B4A8-AE638E8BE67C}" srcOrd="0" destOrd="0" presId="urn:microsoft.com/office/officeart/2005/8/layout/cycle2"/>
-    <dgm:cxn modelId="{09448218-3BC5-4E60-865D-D953652C7089}" type="presParOf" srcId="{C9904FD2-8007-4874-803E-575B7B8DF19B}" destId="{C6171ACB-6012-49DF-A989-79D5F0FAE9B1}" srcOrd="4" destOrd="0" presId="urn:microsoft.com/office/officeart/2005/8/layout/cycle2"/>
-    <dgm:cxn modelId="{041BDA6B-9472-4E79-9CCC-3F36F98F026B}" type="presParOf" srcId="{C9904FD2-8007-4874-803E-575B7B8DF19B}" destId="{E2410779-7DD5-4264-9897-619969E3733E}" srcOrd="5" destOrd="0" presId="urn:microsoft.com/office/officeart/2005/8/layout/cycle2"/>
-    <dgm:cxn modelId="{399BEBBC-A634-464A-B545-E5953569D66C}" type="presParOf" srcId="{E2410779-7DD5-4264-9897-619969E3733E}" destId="{7ED9A56F-10C9-4EB4-B6F7-59291C98263B}" srcOrd="0" destOrd="0" presId="urn:microsoft.com/office/officeart/2005/8/layout/cycle2"/>
-    <dgm:cxn modelId="{ADCCBA11-2DCC-49DA-926D-3BA5579F0C60}" type="presParOf" srcId="{C9904FD2-8007-4874-803E-575B7B8DF19B}" destId="{8BEB972D-6A1C-4745-A1C5-8F1AB7962C92}" srcOrd="6" destOrd="0" presId="urn:microsoft.com/office/officeart/2005/8/layout/cycle2"/>
-    <dgm:cxn modelId="{A412D106-F5C4-424B-BA0D-71EEA1083158}" type="presParOf" srcId="{C9904FD2-8007-4874-803E-575B7B8DF19B}" destId="{E8446429-CAED-490B-B9FD-1224E2B163F1}" srcOrd="7" destOrd="0" presId="urn:microsoft.com/office/officeart/2005/8/layout/cycle2"/>
-    <dgm:cxn modelId="{E7779FD0-13D2-42F5-8796-B90A8A2CACBC}" type="presParOf" srcId="{E8446429-CAED-490B-B9FD-1224E2B163F1}" destId="{AC0C15F1-589A-4C74-9AEF-FCD0B294E109}" srcOrd="0" destOrd="0" presId="urn:microsoft.com/office/officeart/2005/8/layout/cycle2"/>
-    <dgm:cxn modelId="{981B732C-F4D5-4125-AF6F-C6ABAAE89762}" type="presParOf" srcId="{C9904FD2-8007-4874-803E-575B7B8DF19B}" destId="{5BFFCD0B-2EF6-42FE-AB58-CABAA6FE2779}" srcOrd="8" destOrd="0" presId="urn:microsoft.com/office/officeart/2005/8/layout/cycle2"/>
-    <dgm:cxn modelId="{0258CA08-9E38-4C16-94BA-4FB4FCA09279}" type="presParOf" srcId="{C9904FD2-8007-4874-803E-575B7B8DF19B}" destId="{D7037413-2DD4-42A1-A7E3-FFDA4A8CDD8A}" srcOrd="9" destOrd="0" presId="urn:microsoft.com/office/officeart/2005/8/layout/cycle2"/>
-    <dgm:cxn modelId="{3E4D78DA-7672-443C-A075-E7258477AD65}" type="presParOf" srcId="{D7037413-2DD4-42A1-A7E3-FFDA4A8CDD8A}" destId="{4FDB93E8-9BB7-4F4E-A167-A52AE4227EBD}" srcOrd="0" destOrd="0" presId="urn:microsoft.com/office/officeart/2005/8/layout/cycle2"/>
-  </dgm:cxnLst>
-  <dgm:bg/>
-  <dgm:whole/>
-  <dgm:extLst>
-    <a:ext uri="http://schemas.microsoft.com/office/drawing/2008/diagram">
-      <dsp:dataModelExt xmlns:dsp="http://schemas.microsoft.com/office/drawing/2008/diagram" relId="rId7" minVer="http://schemas.openxmlformats.org/drawingml/2006/diagram"/>
-    </a:ext>
-  </dgm:extLst>
-</dgm:dataModel>
-</file>
-
-<file path=ppt/diagrams/drawing1.xml><?xml version="1.0" encoding="utf-8"?>
-<dsp:drawing xmlns:dgm="http://schemas.openxmlformats.org/drawingml/2006/diagram" xmlns:dsp="http://schemas.microsoft.com/office/drawing/2008/diagram" xmlns:a="http://schemas.openxmlformats.org/drawingml/2006/main">
-  <dsp:spTree>
-    <dsp:nvGrpSpPr>
-      <dsp:cNvPr id="0" name=""/>
-      <dsp:cNvGrpSpPr/>
-    </dsp:nvGrpSpPr>
-    <dsp:grpSpPr/>
-    <dsp:sp modelId="{691E8E22-79BB-4173-B08E-CED92B490F66}">
-      <dsp:nvSpPr>
-        <dsp:cNvPr id="0" name=""/>
-        <dsp:cNvSpPr/>
-      </dsp:nvSpPr>
-      <dsp:spPr>
-        <a:xfrm>
-          <a:off x="2409893" y="500"/>
-          <a:ext cx="2309005" cy="1569865"/>
-        </a:xfrm>
-        <a:prstGeom prst="ellipse">
-          <a:avLst/>
-        </a:prstGeom>
-        <a:gradFill rotWithShape="1">
-          <a:gsLst>
-            <a:gs pos="0">
-              <a:schemeClr val="dk1">
-                <a:tint val="50000"/>
-                <a:satMod val="300000"/>
-              </a:schemeClr>
-            </a:gs>
-            <a:gs pos="35000">
-              <a:schemeClr val="dk1">
-                <a:tint val="37000"/>
-                <a:satMod val="300000"/>
-              </a:schemeClr>
-            </a:gs>
-            <a:gs pos="100000">
-              <a:schemeClr val="dk1">
-                <a:tint val="15000"/>
-                <a:satMod val="350000"/>
-              </a:schemeClr>
-            </a:gs>
-          </a:gsLst>
-          <a:lin ang="16200000" scaled="1"/>
-        </a:gradFill>
-        <a:ln w="9525" cap="flat" cmpd="sng" algn="ctr">
-          <a:noFill/>
-          <a:prstDash val="solid"/>
-        </a:ln>
-        <a:effectLst>
-          <a:outerShdw blurRad="40000" dist="20000" dir="5400000" rotWithShape="0">
-            <a:srgbClr val="000000">
-              <a:alpha val="38000"/>
-            </a:srgbClr>
-          </a:outerShdw>
-        </a:effectLst>
-      </dsp:spPr>
-      <dsp:style>
-        <a:lnRef idx="1">
-          <a:schemeClr val="dk1"/>
-        </a:lnRef>
-        <a:fillRef idx="2">
-          <a:schemeClr val="dk1"/>
-        </a:fillRef>
-        <a:effectRef idx="1">
-          <a:schemeClr val="dk1"/>
-        </a:effectRef>
-        <a:fontRef idx="minor">
-          <a:schemeClr val="dk1"/>
-        </a:fontRef>
-      </dsp:style>
-      <dsp:txBody>
-        <a:bodyPr spcFirstLastPara="0" vert="horz" wrap="square" lIns="30480" tIns="30480" rIns="30480" bIns="30480" numCol="1" spcCol="1270" anchor="ctr" anchorCtr="0">
-          <a:noAutofit/>
-        </a:bodyPr>
-        <a:lstStyle/>
-        <a:p>
-          <a:pPr lvl="0" algn="ctr" defTabSz="1066800">
-            <a:lnSpc>
-              <a:spcPct val="90000"/>
-            </a:lnSpc>
-            <a:spcBef>
-              <a:spcPct val="0"/>
-            </a:spcBef>
-            <a:spcAft>
-              <a:spcPct val="35000"/>
-            </a:spcAft>
-          </a:pPr>
-          <a:r>
-            <a:rPr lang="es-PE" sz="2400" kern="1200" dirty="0" smtClean="0"/>
-            <a:t>Escribir un nuevo test</a:t>
-          </a:r>
-          <a:endParaRPr lang="es-PE" sz="2400" kern="1200" dirty="0"/>
-        </a:p>
-      </dsp:txBody>
-      <dsp:txXfrm>
-        <a:off x="2748039" y="230401"/>
-        <a:ext cx="1632713" cy="1110063"/>
-      </dsp:txXfrm>
-    </dsp:sp>
-    <dsp:sp modelId="{7085E1C8-B6E9-433D-93C1-54BEC89CA226}">
-      <dsp:nvSpPr>
-        <dsp:cNvPr id="0" name=""/>
-        <dsp:cNvSpPr/>
-      </dsp:nvSpPr>
-      <dsp:spPr>
-        <a:xfrm rot="2379933">
-          <a:off x="4358915" y="1306113"/>
-          <a:ext cx="305783" cy="529829"/>
-        </a:xfrm>
-        <a:prstGeom prst="rightArrow">
-          <a:avLst>
-            <a:gd name="adj1" fmla="val 60000"/>
-            <a:gd name="adj2" fmla="val 50000"/>
-          </a:avLst>
-        </a:prstGeom>
-        <a:solidFill>
-          <a:schemeClr val="accent1">
-            <a:tint val="60000"/>
-            <a:hueOff val="0"/>
-            <a:satOff val="0"/>
-            <a:lumOff val="0"/>
-            <a:alphaOff val="0"/>
-          </a:schemeClr>
-        </a:solidFill>
-        <a:ln>
-          <a:noFill/>
-        </a:ln>
-        <a:effectLst/>
-      </dsp:spPr>
-      <dsp:style>
-        <a:lnRef idx="0">
-          <a:scrgbClr r="0" g="0" b="0"/>
-        </a:lnRef>
-        <a:fillRef idx="1">
-          <a:scrgbClr r="0" g="0" b="0"/>
-        </a:fillRef>
-        <a:effectRef idx="0">
-          <a:scrgbClr r="0" g="0" b="0"/>
-        </a:effectRef>
-        <a:fontRef idx="minor">
-          <a:schemeClr val="lt1"/>
-        </a:fontRef>
-      </dsp:style>
-      <dsp:txBody>
-        <a:bodyPr spcFirstLastPara="0" vert="horz" wrap="square" lIns="0" tIns="0" rIns="0" bIns="0" numCol="1" spcCol="1270" anchor="ctr" anchorCtr="0">
-          <a:noAutofit/>
-        </a:bodyPr>
-        <a:lstStyle/>
-        <a:p>
-          <a:pPr lvl="0" algn="ctr" defTabSz="844550">
-            <a:lnSpc>
-              <a:spcPct val="90000"/>
-            </a:lnSpc>
-            <a:spcBef>
-              <a:spcPct val="0"/>
-            </a:spcBef>
-            <a:spcAft>
-              <a:spcPct val="35000"/>
-            </a:spcAft>
-          </a:pPr>
-          <a:endParaRPr lang="es-PE" sz="1900" kern="1200"/>
-        </a:p>
-      </dsp:txBody>
-      <dsp:txXfrm>
-        <a:off x="4369474" y="1382802"/>
-        <a:ext cx="214048" cy="317897"/>
-      </dsp:txXfrm>
-    </dsp:sp>
-    <dsp:sp modelId="{3B0B9DF5-126D-4A69-B61A-958A60411FE2}">
-      <dsp:nvSpPr>
-        <dsp:cNvPr id="0" name=""/>
-        <dsp:cNvSpPr/>
-      </dsp:nvSpPr>
-      <dsp:spPr>
-        <a:xfrm>
-          <a:off x="4318040" y="1582738"/>
-          <a:ext cx="2309005" cy="1569865"/>
-        </a:xfrm>
-        <a:prstGeom prst="ellipse">
-          <a:avLst/>
-        </a:prstGeom>
-        <a:gradFill rotWithShape="1">
-          <a:gsLst>
-            <a:gs pos="0">
-              <a:schemeClr val="accent2">
-                <a:shade val="51000"/>
-                <a:satMod val="130000"/>
-              </a:schemeClr>
-            </a:gs>
-            <a:gs pos="80000">
-              <a:schemeClr val="accent2">
-                <a:shade val="93000"/>
-                <a:satMod val="130000"/>
-              </a:schemeClr>
-            </a:gs>
-            <a:gs pos="100000">
-              <a:schemeClr val="accent2">
-                <a:shade val="94000"/>
-                <a:satMod val="135000"/>
-              </a:schemeClr>
-            </a:gs>
-          </a:gsLst>
-          <a:lin ang="16200000" scaled="0"/>
-        </a:gradFill>
-        <a:ln w="9525" cap="flat" cmpd="sng" algn="ctr">
-          <a:solidFill>
-            <a:schemeClr val="accent2">
-              <a:shade val="95000"/>
-              <a:satMod val="105000"/>
-            </a:schemeClr>
-          </a:solidFill>
-          <a:prstDash val="solid"/>
-        </a:ln>
-        <a:effectLst>
-          <a:outerShdw blurRad="40000" dist="23000" dir="5400000" rotWithShape="0">
-            <a:srgbClr val="000000">
-              <a:alpha val="35000"/>
-            </a:srgbClr>
-          </a:outerShdw>
-        </a:effectLst>
-      </dsp:spPr>
-      <dsp:style>
-        <a:lnRef idx="1">
-          <a:schemeClr val="accent2"/>
-        </a:lnRef>
-        <a:fillRef idx="3">
-          <a:schemeClr val="accent2"/>
-        </a:fillRef>
-        <a:effectRef idx="2">
-          <a:schemeClr val="accent2"/>
-        </a:effectRef>
-        <a:fontRef idx="minor">
-          <a:schemeClr val="lt1"/>
-        </a:fontRef>
-      </dsp:style>
-      <dsp:txBody>
-        <a:bodyPr spcFirstLastPara="0" vert="horz" wrap="square" lIns="30480" tIns="30480" rIns="30480" bIns="30480" numCol="1" spcCol="1270" anchor="ctr" anchorCtr="0">
-          <a:noAutofit/>
-        </a:bodyPr>
-        <a:lstStyle/>
-        <a:p>
-          <a:pPr lvl="0" algn="ctr" defTabSz="1066800">
-            <a:lnSpc>
-              <a:spcPct val="90000"/>
-            </a:lnSpc>
-            <a:spcBef>
-              <a:spcPct val="0"/>
-            </a:spcBef>
-            <a:spcAft>
-              <a:spcPct val="35000"/>
-            </a:spcAft>
-          </a:pPr>
-          <a:r>
-            <a:rPr lang="es-PE" sz="2400" kern="1200" dirty="0" smtClean="0"/>
-            <a:t>Ejecutar el test y ver que falle</a:t>
-          </a:r>
-          <a:endParaRPr lang="es-PE" sz="2400" kern="1200" dirty="0"/>
-        </a:p>
-      </dsp:txBody>
-      <dsp:txXfrm>
-        <a:off x="4656186" y="1812639"/>
-        <a:ext cx="1632713" cy="1110063"/>
-      </dsp:txXfrm>
-    </dsp:sp>
-    <dsp:sp modelId="{272E834E-04A3-46BA-BD48-8CA97AE32F16}">
-      <dsp:nvSpPr>
-        <dsp:cNvPr id="0" name=""/>
-        <dsp:cNvSpPr/>
-      </dsp:nvSpPr>
-      <dsp:spPr>
-        <a:xfrm rot="6079481">
-          <a:off x="5136121" y="3119006"/>
-          <a:ext cx="265797" cy="529829"/>
-        </a:xfrm>
-        <a:prstGeom prst="rightArrow">
-          <a:avLst>
-            <a:gd name="adj1" fmla="val 60000"/>
-            <a:gd name="adj2" fmla="val 50000"/>
-          </a:avLst>
-        </a:prstGeom>
-        <a:solidFill>
-          <a:schemeClr val="accent1">
-            <a:tint val="60000"/>
-            <a:hueOff val="0"/>
-            <a:satOff val="0"/>
-            <a:lumOff val="0"/>
-            <a:alphaOff val="0"/>
-          </a:schemeClr>
-        </a:solidFill>
-        <a:ln>
-          <a:noFill/>
-        </a:ln>
-        <a:effectLst/>
-      </dsp:spPr>
-      <dsp:style>
-        <a:lnRef idx="0">
-          <a:scrgbClr r="0" g="0" b="0"/>
-        </a:lnRef>
-        <a:fillRef idx="1">
-          <a:scrgbClr r="0" g="0" b="0"/>
-        </a:fillRef>
-        <a:effectRef idx="0">
-          <a:scrgbClr r="0" g="0" b="0"/>
-        </a:effectRef>
-        <a:fontRef idx="minor">
-          <a:schemeClr val="lt1"/>
-        </a:fontRef>
-      </dsp:style>
-      <dsp:txBody>
-        <a:bodyPr spcFirstLastPara="0" vert="horz" wrap="square" lIns="0" tIns="0" rIns="0" bIns="0" numCol="1" spcCol="1270" anchor="ctr" anchorCtr="0">
-          <a:noAutofit/>
-        </a:bodyPr>
-        <a:lstStyle/>
-        <a:p>
-          <a:pPr lvl="0" algn="ctr" defTabSz="844550">
-            <a:lnSpc>
-              <a:spcPct val="90000"/>
-            </a:lnSpc>
-            <a:spcBef>
-              <a:spcPct val="0"/>
-            </a:spcBef>
-            <a:spcAft>
-              <a:spcPct val="35000"/>
-            </a:spcAft>
-          </a:pPr>
-          <a:endParaRPr lang="es-PE" sz="1900" kern="1200"/>
-        </a:p>
-      </dsp:txBody>
-      <dsp:txXfrm rot="10800000">
-        <a:off x="5183820" y="3185879"/>
-        <a:ext cx="186058" cy="317897"/>
-      </dsp:txXfrm>
-    </dsp:sp>
-    <dsp:sp modelId="{C6171ACB-6012-49DF-A989-79D5F0FAE9B1}">
-      <dsp:nvSpPr>
-        <dsp:cNvPr id="0" name=""/>
-        <dsp:cNvSpPr/>
-      </dsp:nvSpPr>
-      <dsp:spPr>
-        <a:xfrm>
-          <a:off x="3908041" y="3629992"/>
-          <a:ext cx="2309005" cy="1569865"/>
-        </a:xfrm>
-        <a:prstGeom prst="ellipse">
-          <a:avLst/>
-        </a:prstGeom>
-        <a:gradFill rotWithShape="1">
-          <a:gsLst>
-            <a:gs pos="0">
-              <a:schemeClr val="dk1">
-                <a:tint val="50000"/>
-                <a:satMod val="300000"/>
-              </a:schemeClr>
-            </a:gs>
-            <a:gs pos="35000">
-              <a:schemeClr val="dk1">
-                <a:tint val="37000"/>
-                <a:satMod val="300000"/>
-              </a:schemeClr>
-            </a:gs>
-            <a:gs pos="100000">
-              <a:schemeClr val="dk1">
-                <a:tint val="15000"/>
-                <a:satMod val="350000"/>
-              </a:schemeClr>
-            </a:gs>
-          </a:gsLst>
-          <a:lin ang="16200000" scaled="1"/>
-        </a:gradFill>
-        <a:ln w="9525" cap="flat" cmpd="sng" algn="ctr">
-          <a:noFill/>
-          <a:prstDash val="solid"/>
-        </a:ln>
-        <a:effectLst>
-          <a:outerShdw blurRad="40000" dist="20000" dir="5400000" rotWithShape="0">
-            <a:srgbClr val="000000">
-              <a:alpha val="38000"/>
-            </a:srgbClr>
-          </a:outerShdw>
-        </a:effectLst>
-      </dsp:spPr>
-      <dsp:style>
-        <a:lnRef idx="1">
-          <a:schemeClr val="dk1"/>
-        </a:lnRef>
-        <a:fillRef idx="2">
-          <a:schemeClr val="dk1"/>
-        </a:fillRef>
-        <a:effectRef idx="1">
-          <a:schemeClr val="dk1"/>
-        </a:effectRef>
-        <a:fontRef idx="minor">
-          <a:schemeClr val="dk1"/>
-        </a:fontRef>
-      </dsp:style>
-      <dsp:txBody>
-        <a:bodyPr spcFirstLastPara="0" vert="horz" wrap="square" lIns="30480" tIns="30480" rIns="30480" bIns="30480" numCol="1" spcCol="1270" anchor="ctr" anchorCtr="0">
-          <a:noAutofit/>
-        </a:bodyPr>
-        <a:lstStyle/>
-        <a:p>
-          <a:pPr lvl="0" algn="ctr" defTabSz="1066800">
-            <a:lnSpc>
-              <a:spcPct val="90000"/>
-            </a:lnSpc>
-            <a:spcBef>
-              <a:spcPct val="0"/>
-            </a:spcBef>
-            <a:spcAft>
-              <a:spcPct val="35000"/>
-            </a:spcAft>
-          </a:pPr>
-          <a:r>
-            <a:rPr lang="es-PE" sz="2400" kern="1200" dirty="0" smtClean="0"/>
-            <a:t>Escribir código que pase el test</a:t>
-          </a:r>
-          <a:endParaRPr lang="es-PE" sz="2400" kern="1200" dirty="0"/>
-        </a:p>
-      </dsp:txBody>
-      <dsp:txXfrm>
-        <a:off x="4246187" y="3859893"/>
-        <a:ext cx="1632713" cy="1110063"/>
-      </dsp:txXfrm>
-    </dsp:sp>
-    <dsp:sp modelId="{E2410779-7DD5-4264-9897-619969E3733E}">
-      <dsp:nvSpPr>
-        <dsp:cNvPr id="0" name=""/>
-        <dsp:cNvSpPr/>
-      </dsp:nvSpPr>
-      <dsp:spPr>
-        <a:xfrm rot="10800015">
-          <a:off x="3482595" y="4150003"/>
-          <a:ext cx="300648" cy="529829"/>
-        </a:xfrm>
-        <a:prstGeom prst="rightArrow">
-          <a:avLst>
-            <a:gd name="adj1" fmla="val 60000"/>
-            <a:gd name="adj2" fmla="val 50000"/>
-          </a:avLst>
-        </a:prstGeom>
-        <a:solidFill>
-          <a:schemeClr val="accent1">
-            <a:tint val="60000"/>
-            <a:hueOff val="0"/>
-            <a:satOff val="0"/>
-            <a:lumOff val="0"/>
-            <a:alphaOff val="0"/>
-          </a:schemeClr>
-        </a:solidFill>
-        <a:ln>
-          <a:noFill/>
-        </a:ln>
-        <a:effectLst/>
-      </dsp:spPr>
-      <dsp:style>
-        <a:lnRef idx="0">
-          <a:scrgbClr r="0" g="0" b="0"/>
-        </a:lnRef>
-        <a:fillRef idx="1">
-          <a:scrgbClr r="0" g="0" b="0"/>
-        </a:fillRef>
-        <a:effectRef idx="0">
-          <a:scrgbClr r="0" g="0" b="0"/>
-        </a:effectRef>
-        <a:fontRef idx="minor">
-          <a:schemeClr val="lt1"/>
-        </a:fontRef>
-      </dsp:style>
-      <dsp:txBody>
-        <a:bodyPr spcFirstLastPara="0" vert="horz" wrap="square" lIns="0" tIns="0" rIns="0" bIns="0" numCol="1" spcCol="1270" anchor="ctr" anchorCtr="0">
-          <a:noAutofit/>
-        </a:bodyPr>
-        <a:lstStyle/>
-        <a:p>
-          <a:pPr lvl="0" algn="ctr" defTabSz="844550">
-            <a:lnSpc>
-              <a:spcPct val="90000"/>
-            </a:lnSpc>
-            <a:spcBef>
-              <a:spcPct val="0"/>
-            </a:spcBef>
-            <a:spcAft>
-              <a:spcPct val="35000"/>
-            </a:spcAft>
-          </a:pPr>
-          <a:endParaRPr lang="es-PE" sz="1900" kern="1200"/>
-        </a:p>
-      </dsp:txBody>
-      <dsp:txXfrm rot="10800000">
-        <a:off x="3572789" y="4255969"/>
-        <a:ext cx="210454" cy="317897"/>
-      </dsp:txXfrm>
-    </dsp:sp>
-    <dsp:sp modelId="{8BEB972D-6A1C-4745-A1C5-8F1AB7962C92}">
-      <dsp:nvSpPr>
-        <dsp:cNvPr id="0" name=""/>
-        <dsp:cNvSpPr/>
-      </dsp:nvSpPr>
-      <dsp:spPr>
-        <a:xfrm>
-          <a:off x="1031774" y="3629979"/>
-          <a:ext cx="2309005" cy="1569865"/>
-        </a:xfrm>
-        <a:prstGeom prst="ellipse">
-          <a:avLst/>
-        </a:prstGeom>
-        <a:gradFill rotWithShape="1">
-          <a:gsLst>
-            <a:gs pos="0">
-              <a:schemeClr val="accent3">
-                <a:shade val="51000"/>
-                <a:satMod val="130000"/>
-              </a:schemeClr>
-            </a:gs>
-            <a:gs pos="80000">
-              <a:schemeClr val="accent3">
-                <a:shade val="93000"/>
-                <a:satMod val="130000"/>
-              </a:schemeClr>
-            </a:gs>
-            <a:gs pos="100000">
-              <a:schemeClr val="accent3">
-                <a:shade val="94000"/>
-                <a:satMod val="135000"/>
-              </a:schemeClr>
-            </a:gs>
-          </a:gsLst>
-          <a:lin ang="16200000" scaled="0"/>
-        </a:gradFill>
-        <a:ln w="9525" cap="flat" cmpd="sng" algn="ctr">
-          <a:solidFill>
-            <a:schemeClr val="accent3">
-              <a:shade val="95000"/>
-              <a:satMod val="105000"/>
-            </a:schemeClr>
-          </a:solidFill>
-          <a:prstDash val="solid"/>
-        </a:ln>
-        <a:effectLst>
-          <a:outerShdw blurRad="40000" dist="23000" dir="5400000" rotWithShape="0">
-            <a:srgbClr val="000000">
-              <a:alpha val="35000"/>
-            </a:srgbClr>
-          </a:outerShdw>
-        </a:effectLst>
-      </dsp:spPr>
-      <dsp:style>
-        <a:lnRef idx="1">
-          <a:schemeClr val="accent3"/>
-        </a:lnRef>
-        <a:fillRef idx="3">
-          <a:schemeClr val="accent3"/>
-        </a:fillRef>
-        <a:effectRef idx="2">
-          <a:schemeClr val="accent3"/>
-        </a:effectRef>
-        <a:fontRef idx="minor">
-          <a:schemeClr val="lt1"/>
-        </a:fontRef>
-      </dsp:style>
-      <dsp:txBody>
-        <a:bodyPr spcFirstLastPara="0" vert="horz" wrap="square" lIns="30480" tIns="30480" rIns="30480" bIns="30480" numCol="1" spcCol="1270" anchor="ctr" anchorCtr="0">
-          <a:noAutofit/>
-        </a:bodyPr>
-        <a:lstStyle/>
-        <a:p>
-          <a:pPr lvl="0" algn="ctr" defTabSz="1066800">
-            <a:lnSpc>
-              <a:spcPct val="90000"/>
-            </a:lnSpc>
-            <a:spcBef>
-              <a:spcPct val="0"/>
-            </a:spcBef>
-            <a:spcAft>
-              <a:spcPct val="35000"/>
-            </a:spcAft>
-          </a:pPr>
-          <a:r>
-            <a:rPr lang="es-PE" sz="2400" kern="1200" dirty="0" smtClean="0"/>
-            <a:t>Ejecutar los </a:t>
-          </a:r>
-          <a:r>
-            <a:rPr lang="es-PE" sz="2400" kern="1200" dirty="0" err="1" smtClean="0"/>
-            <a:t>tests</a:t>
-          </a:r>
-          <a:r>
-            <a:rPr lang="es-PE" sz="2400" kern="1200" dirty="0" smtClean="0"/>
-            <a:t> y ver que pasen</a:t>
-          </a:r>
-          <a:endParaRPr lang="es-PE" sz="2400" kern="1200" dirty="0"/>
-        </a:p>
-      </dsp:txBody>
-      <dsp:txXfrm>
-        <a:off x="1369920" y="3859880"/>
-        <a:ext cx="1632713" cy="1110063"/>
-      </dsp:txXfrm>
-    </dsp:sp>
-    <dsp:sp modelId="{E8446429-CAED-490B-B9FD-1224E2B163F1}">
-      <dsp:nvSpPr>
-        <dsp:cNvPr id="0" name=""/>
-        <dsp:cNvSpPr/>
-      </dsp:nvSpPr>
-      <dsp:spPr>
-        <a:xfrm rot="15329094">
-          <a:off x="1786027" y="3133893"/>
-          <a:ext cx="274363" cy="529829"/>
-        </a:xfrm>
-        <a:prstGeom prst="rightArrow">
-          <a:avLst>
-            <a:gd name="adj1" fmla="val 60000"/>
-            <a:gd name="adj2" fmla="val 50000"/>
-          </a:avLst>
-        </a:prstGeom>
-        <a:solidFill>
-          <a:schemeClr val="accent1">
-            <a:tint val="60000"/>
-            <a:hueOff val="0"/>
-            <a:satOff val="0"/>
-            <a:lumOff val="0"/>
-            <a:alphaOff val="0"/>
-          </a:schemeClr>
-        </a:solidFill>
-        <a:ln>
-          <a:noFill/>
-        </a:ln>
-        <a:effectLst/>
-      </dsp:spPr>
-      <dsp:style>
-        <a:lnRef idx="0">
-          <a:scrgbClr r="0" g="0" b="0"/>
-        </a:lnRef>
-        <a:fillRef idx="1">
-          <a:scrgbClr r="0" g="0" b="0"/>
-        </a:fillRef>
-        <a:effectRef idx="0">
-          <a:scrgbClr r="0" g="0" b="0"/>
-        </a:effectRef>
-        <a:fontRef idx="minor">
-          <a:schemeClr val="lt1"/>
-        </a:fontRef>
-      </dsp:style>
-      <dsp:txBody>
-        <a:bodyPr spcFirstLastPara="0" vert="horz" wrap="square" lIns="0" tIns="0" rIns="0" bIns="0" numCol="1" spcCol="1270" anchor="ctr" anchorCtr="0">
-          <a:noAutofit/>
-        </a:bodyPr>
-        <a:lstStyle/>
-        <a:p>
-          <a:pPr lvl="0" algn="ctr" defTabSz="844550">
-            <a:lnSpc>
-              <a:spcPct val="90000"/>
-            </a:lnSpc>
-            <a:spcBef>
-              <a:spcPct val="0"/>
-            </a:spcBef>
-            <a:spcAft>
-              <a:spcPct val="35000"/>
-            </a:spcAft>
-          </a:pPr>
-          <a:endParaRPr lang="es-PE" sz="1900" kern="1200"/>
-        </a:p>
-      </dsp:txBody>
-      <dsp:txXfrm rot="10800000">
-        <a:off x="1837496" y="3279700"/>
-        <a:ext cx="192054" cy="317897"/>
-      </dsp:txXfrm>
-    </dsp:sp>
-    <dsp:sp modelId="{5BFFCD0B-2EF6-42FE-AB58-CABAA6FE2779}">
-      <dsp:nvSpPr>
-        <dsp:cNvPr id="0" name=""/>
-        <dsp:cNvSpPr/>
-      </dsp:nvSpPr>
-      <dsp:spPr>
-        <a:xfrm>
-          <a:off x="501746" y="1582738"/>
-          <a:ext cx="2309005" cy="1569865"/>
-        </a:xfrm>
-        <a:prstGeom prst="ellipse">
-          <a:avLst/>
-        </a:prstGeom>
-        <a:gradFill rotWithShape="1">
-          <a:gsLst>
-            <a:gs pos="0">
-              <a:schemeClr val="accent6">
-                <a:shade val="51000"/>
-                <a:satMod val="130000"/>
-              </a:schemeClr>
-            </a:gs>
-            <a:gs pos="80000">
-              <a:schemeClr val="accent6">
-                <a:shade val="93000"/>
-                <a:satMod val="130000"/>
-              </a:schemeClr>
-            </a:gs>
-            <a:gs pos="100000">
-              <a:schemeClr val="accent6">
-                <a:shade val="94000"/>
-                <a:satMod val="135000"/>
-              </a:schemeClr>
-            </a:gs>
-          </a:gsLst>
-          <a:lin ang="16200000" scaled="0"/>
-        </a:gradFill>
-        <a:ln w="9525" cap="flat" cmpd="sng" algn="ctr">
-          <a:solidFill>
-            <a:schemeClr val="accent6">
-              <a:shade val="95000"/>
-              <a:satMod val="105000"/>
-            </a:schemeClr>
-          </a:solidFill>
-          <a:prstDash val="solid"/>
-        </a:ln>
-        <a:effectLst>
-          <a:outerShdw blurRad="40000" dist="23000" dir="5400000" rotWithShape="0">
-            <a:srgbClr val="000000">
-              <a:alpha val="35000"/>
-            </a:srgbClr>
-          </a:outerShdw>
-        </a:effectLst>
-      </dsp:spPr>
-      <dsp:style>
-        <a:lnRef idx="1">
-          <a:schemeClr val="accent6"/>
-        </a:lnRef>
-        <a:fillRef idx="3">
-          <a:schemeClr val="accent6"/>
-        </a:fillRef>
-        <a:effectRef idx="2">
-          <a:schemeClr val="accent6"/>
-        </a:effectRef>
-        <a:fontRef idx="minor">
-          <a:schemeClr val="lt1"/>
-        </a:fontRef>
-      </dsp:style>
-      <dsp:txBody>
-        <a:bodyPr spcFirstLastPara="0" vert="horz" wrap="square" lIns="30480" tIns="30480" rIns="30480" bIns="30480" numCol="1" spcCol="1270" anchor="ctr" anchorCtr="0">
-          <a:noAutofit/>
-        </a:bodyPr>
-        <a:lstStyle/>
-        <a:p>
-          <a:pPr lvl="0" algn="ctr" defTabSz="1066800">
-            <a:lnSpc>
-              <a:spcPct val="90000"/>
-            </a:lnSpc>
-            <a:spcBef>
-              <a:spcPct val="0"/>
-            </a:spcBef>
-            <a:spcAft>
-              <a:spcPct val="35000"/>
-            </a:spcAft>
-          </a:pPr>
-          <a:r>
-            <a:rPr lang="es-PE" sz="2400" kern="1200" dirty="0" err="1" smtClean="0"/>
-            <a:t>Refactor</a:t>
-          </a:r>
-          <a:endParaRPr lang="es-PE" sz="2400" kern="1200" dirty="0"/>
-        </a:p>
-      </dsp:txBody>
-      <dsp:txXfrm>
-        <a:off x="839892" y="1812639"/>
-        <a:ext cx="1632713" cy="1110063"/>
-      </dsp:txXfrm>
-    </dsp:sp>
-    <dsp:sp modelId="{D7037413-2DD4-42A1-A7E3-FFDA4A8CDD8A}">
-      <dsp:nvSpPr>
-        <dsp:cNvPr id="0" name=""/>
-        <dsp:cNvSpPr/>
-      </dsp:nvSpPr>
-      <dsp:spPr>
-        <a:xfrm rot="19220067">
-          <a:off x="2450768" y="1317161"/>
-          <a:ext cx="305783" cy="529829"/>
-        </a:xfrm>
-        <a:prstGeom prst="rightArrow">
-          <a:avLst>
-            <a:gd name="adj1" fmla="val 60000"/>
-            <a:gd name="adj2" fmla="val 50000"/>
-          </a:avLst>
-        </a:prstGeom>
-        <a:solidFill>
-          <a:schemeClr val="accent1">
-            <a:tint val="60000"/>
-            <a:hueOff val="0"/>
-            <a:satOff val="0"/>
-            <a:lumOff val="0"/>
-            <a:alphaOff val="0"/>
-          </a:schemeClr>
-        </a:solidFill>
-        <a:ln>
-          <a:noFill/>
-        </a:ln>
-        <a:effectLst/>
-      </dsp:spPr>
-      <dsp:style>
-        <a:lnRef idx="0">
-          <a:scrgbClr r="0" g="0" b="0"/>
-        </a:lnRef>
-        <a:fillRef idx="1">
-          <a:scrgbClr r="0" g="0" b="0"/>
-        </a:fillRef>
-        <a:effectRef idx="0">
-          <a:scrgbClr r="0" g="0" b="0"/>
-        </a:effectRef>
-        <a:fontRef idx="minor">
-          <a:schemeClr val="lt1"/>
-        </a:fontRef>
-      </dsp:style>
-      <dsp:txBody>
-        <a:bodyPr spcFirstLastPara="0" vert="horz" wrap="square" lIns="0" tIns="0" rIns="0" bIns="0" numCol="1" spcCol="1270" anchor="ctr" anchorCtr="0">
-          <a:noAutofit/>
-        </a:bodyPr>
-        <a:lstStyle/>
-        <a:p>
-          <a:pPr lvl="0" algn="ctr" defTabSz="844550">
-            <a:lnSpc>
-              <a:spcPct val="90000"/>
-            </a:lnSpc>
-            <a:spcBef>
-              <a:spcPct val="0"/>
-            </a:spcBef>
-            <a:spcAft>
-              <a:spcPct val="35000"/>
-            </a:spcAft>
-          </a:pPr>
-          <a:endParaRPr lang="es-PE" sz="1900" kern="1200"/>
-        </a:p>
-      </dsp:txBody>
-      <dsp:txXfrm>
-        <a:off x="2461327" y="1452404"/>
-        <a:ext cx="214048" cy="317897"/>
-      </dsp:txXfrm>
-    </dsp:sp>
-  </dsp:spTree>
-</dsp:drawing>
-</file>
-
-<file path=ppt/diagrams/layout1.xml><?xml version="1.0" encoding="utf-8"?>
-<dgm:layoutDef xmlns:dgm="http://schemas.openxmlformats.org/drawingml/2006/diagram" xmlns:a="http://schemas.openxmlformats.org/drawingml/2006/main" uniqueId="urn:microsoft.com/office/officeart/2005/8/layout/cycle2">
-  <dgm:title val=""/>
-  <dgm:desc val=""/>
-  <dgm:catLst>
-    <dgm:cat type="cycle" pri="1000"/>
-    <dgm:cat type="convert" pri="10000"/>
-  </dgm:catLst>
-  <dgm:sampData>
-    <dgm:dataModel>
-      <dgm:ptLst>
-        <dgm:pt modelId="0" type="doc"/>
-        <dgm:pt modelId="1">
-          <dgm:prSet phldr="1"/>
-        </dgm:pt>
-        <dgm:pt modelId="2">
-          <dgm:prSet phldr="1"/>
-        </dgm:pt>
-        <dgm:pt modelId="3">
-          <dgm:prSet phldr="1"/>
-        </dgm:pt>
-        <dgm:pt modelId="4">
-          <dgm:prSet phldr="1"/>
-        </dgm:pt>
-        <dgm:pt modelId="5">
-          <dgm:prSet phldr="1"/>
-        </dgm:pt>
-      </dgm:ptLst>
-      <dgm:cxnLst>
-        <dgm:cxn modelId="6" srcId="0" destId="1" srcOrd="0" destOrd="0"/>
-        <dgm:cxn modelId="7" srcId="0" destId="2" srcOrd="1" destOrd="0"/>
-        <dgm:cxn modelId="8" srcId="0" destId="3" srcOrd="2" destOrd="0"/>
-        <dgm:cxn modelId="9" srcId="0" destId="4" srcOrd="3" destOrd="0"/>
-        <dgm:cxn modelId="10" srcId="0" destId="5" srcOrd="4" destOrd="0"/>
-      </dgm:cxnLst>
-      <dgm:bg/>
-      <dgm:whole/>
-    </dgm:dataModel>
-  </dgm:sampData>
-  <dgm:styleData>
-    <dgm:dataModel>
-      <dgm:ptLst>
-        <dgm:pt modelId="0" type="doc"/>
-        <dgm:pt modelId="1"/>
-        <dgm:pt modelId="2"/>
-        <dgm:pt modelId="3"/>
-      </dgm:ptLst>
-      <dgm:cxnLst>
-        <dgm:cxn modelId="4" srcId="0" destId="1" srcOrd="0" destOrd="0"/>
-        <dgm:cxn modelId="5" srcId="0" destId="2" srcOrd="1" destOrd="0"/>
-        <dgm:cxn modelId="6" srcId="0" destId="3" srcOrd="2" destOrd="0"/>
-      </dgm:cxnLst>
-      <dgm:bg/>
-      <dgm:whole/>
-    </dgm:dataModel>
-  </dgm:styleData>
-  <dgm:clrData>
-    <dgm:dataModel>
-      <dgm:ptLst>
-        <dgm:pt modelId="0" type="doc"/>
-        <dgm:pt modelId="1"/>
-        <dgm:pt modelId="2"/>
-        <dgm:pt modelId="3"/>
-        <dgm:pt modelId="4"/>
-        <dgm:pt modelId="5"/>
-        <dgm:pt modelId="6"/>
-      </dgm:ptLst>
-      <dgm:cxnLst>
-        <dgm:cxn modelId="7" srcId="0" destId="1" srcOrd="0" destOrd="0"/>
-        <dgm:cxn modelId="8" srcId="0" destId="2" srcOrd="1" destOrd="0"/>
-        <dgm:cxn modelId="9" srcId="0" destId="3" srcOrd="2" destOrd="0"/>
-        <dgm:cxn modelId="10" srcId="0" destId="4" srcOrd="3" destOrd="0"/>
-        <dgm:cxn modelId="11" srcId="0" destId="5" srcOrd="4" destOrd="0"/>
-        <dgm:cxn modelId="12" srcId="0" destId="6" srcOrd="5" destOrd="0"/>
-      </dgm:cxnLst>
-      <dgm:bg/>
-      <dgm:whole/>
-    </dgm:dataModel>
-  </dgm:clrData>
-  <dgm:layoutNode name="cycle">
-    <dgm:varLst>
-      <dgm:dir/>
-      <dgm:resizeHandles val="exact"/>
-    </dgm:varLst>
-    <dgm:choose name="Name0">
-      <dgm:if name="Name1" func="var" arg="dir" op="equ" val="norm">
-        <dgm:choose name="Name2">
-          <dgm:if name="Name3" axis="ch" ptType="node" func="cnt" op="gt" val="2">
-            <dgm:alg type="cycle">
-              <dgm:param type="stAng" val="0"/>
-              <dgm:param type="spanAng" val="360"/>
-            </dgm:alg>
-          </dgm:if>
-          <dgm:else name="Name4">
-            <dgm:alg type="cycle">
-              <dgm:param type="stAng" val="-90"/>
-              <dgm:param type="spanAng" val="360"/>
-            </dgm:alg>
-          </dgm:else>
-        </dgm:choose>
-      </dgm:if>
-      <dgm:else name="Name5">
-        <dgm:choose name="Name6">
-          <dgm:if name="Name7" axis="ch" ptType="node" func="cnt" op="gt" val="2">
-            <dgm:alg type="cycle">
-              <dgm:param type="stAng" val="0"/>
-              <dgm:param type="spanAng" val="-360"/>
-            </dgm:alg>
-          </dgm:if>
-          <dgm:else name="Name8">
-            <dgm:alg type="cycle">
-              <dgm:param type="stAng" val="90"/>
-              <dgm:param type="spanAng" val="-360"/>
-            </dgm:alg>
-          </dgm:else>
-        </dgm:choose>
-      </dgm:else>
-    </dgm:choose>
-    <dgm:shape xmlns:r="http://schemas.openxmlformats.org/officeDocument/2006/relationships" r:blip="">
-      <dgm:adjLst/>
-    </dgm:shape>
-    <dgm:presOf/>
-    <dgm:constrLst>
-      <dgm:constr type="w" for="ch" ptType="node" refType="w"/>
-      <dgm:constr type="w" for="ch" ptType="sibTrans" refType="w" refFor="ch" refPtType="node" op="equ" fact="0.25"/>
-      <dgm:constr type="sibSp" refType="w" refFor="ch" refPtType="node" fact="0.5"/>
-      <dgm:constr type="primFontSz" for="ch" ptType="node" op="equ" val="65"/>
-      <dgm:constr type="primFontSz" for="des" forName="connectorText" op="equ" val="55"/>
-      <dgm:constr type="primFontSz" for="des" forName="connectorText" refType="primFontSz" refFor="ch" refPtType="node" op="lte" fact="0.8"/>
-    </dgm:constrLst>
-    <dgm:ruleLst/>
-    <dgm:forEach name="nodesForEach" axis="ch" ptType="node">
-      <dgm:layoutNode name="node">
-        <dgm:varLst>
-          <dgm:bulletEnabled val="1"/>
-        </dgm:varLst>
-        <dgm:alg type="tx">
-          <dgm:param type="txAnchorVertCh" val="mid"/>
-        </dgm:alg>
-        <dgm:shape xmlns:r="http://schemas.openxmlformats.org/officeDocument/2006/relationships" type="ellipse" r:blip="">
-          <dgm:adjLst/>
-        </dgm:shape>
-        <dgm:presOf axis="desOrSelf" ptType="node"/>
-        <dgm:constrLst>
-          <dgm:constr type="h" refType="w"/>
-          <dgm:constr type="lMarg" refType="primFontSz" fact="0.1"/>
-          <dgm:constr type="rMarg" refType="primFontSz" fact="0.1"/>
-          <dgm:constr type="tMarg" refType="primFontSz" fact="0.1"/>
-          <dgm:constr type="bMarg" refType="primFontSz" fact="0.1"/>
-        </dgm:constrLst>
-        <dgm:ruleLst>
-          <dgm:rule type="primFontSz" val="5" fact="NaN" max="NaN"/>
-        </dgm:ruleLst>
-      </dgm:layoutNode>
-      <dgm:choose name="Name9">
-        <dgm:if name="Name10" axis="par ch" ptType="doc node" func="cnt" op="gt" val="1">
-          <dgm:forEach name="sibTransForEach" axis="followSib" ptType="sibTrans" hideLastTrans="0" cnt="1">
-            <dgm:layoutNode name="sibTrans">
-              <dgm:choose name="Name11">
-                <dgm:if name="Name12" axis="par ch" ptType="doc node" func="cnt" op="lt" val="3">
-                  <dgm:alg type="conn">
-                    <dgm:param type="begPts" val="radial"/>
-                    <dgm:param type="endPts" val="radial"/>
-                  </dgm:alg>
-                </dgm:if>
-                <dgm:else name="Name13">
-                  <dgm:alg type="conn">
-                    <dgm:param type="begPts" val="auto"/>
-                    <dgm:param type="endPts" val="auto"/>
-                  </dgm:alg>
-                </dgm:else>
-              </dgm:choose>
-              <dgm:shape xmlns:r="http://schemas.openxmlformats.org/officeDocument/2006/relationships" type="conn" r:blip="">
-                <dgm:adjLst/>
-              </dgm:shape>
-              <dgm:presOf axis="self"/>
-              <dgm:constrLst>
-                <dgm:constr type="h" refType="w" fact="1.35"/>
-                <dgm:constr type="connDist"/>
-                <dgm:constr type="w" for="ch" refType="connDist" fact="0.45"/>
-                <dgm:constr type="h" for="ch" refType="h"/>
-              </dgm:constrLst>
-              <dgm:ruleLst/>
-              <dgm:layoutNode name="connectorText">
-                <dgm:alg type="tx">
-                  <dgm:param type="autoTxRot" val="grav"/>
-                </dgm:alg>
-                <dgm:shape xmlns:r="http://schemas.openxmlformats.org/officeDocument/2006/relationships" type="conn" r:blip="" hideGeom="1">
-                  <dgm:adjLst/>
-                </dgm:shape>
-                <dgm:presOf axis="self"/>
-                <dgm:constrLst>
-                  <dgm:constr type="lMarg"/>
-                  <dgm:constr type="rMarg"/>
-                  <dgm:constr type="tMarg"/>
-                  <dgm:constr type="bMarg"/>
-                </dgm:constrLst>
-                <dgm:ruleLst>
-                  <dgm:rule type="primFontSz" val="5" fact="NaN" max="NaN"/>
-                </dgm:ruleLst>
-              </dgm:layoutNode>
-            </dgm:layoutNode>
-          </dgm:forEach>
-        </dgm:if>
-        <dgm:else name="Name14"/>
-      </dgm:choose>
-    </dgm:forEach>
-  </dgm:layoutNode>
-</dgm:layoutDef>
-</file>
-
-<file path=ppt/diagrams/quickStyle1.xml><?xml version="1.0" encoding="utf-8"?>
-<dgm:styleDef xmlns:dgm="http://schemas.openxmlformats.org/drawingml/2006/diagram" xmlns:a="http://schemas.openxmlformats.org/drawingml/2006/main" uniqueId="urn:microsoft.com/office/officeart/2005/8/quickstyle/simple1">
-  <dgm:title val=""/>
-  <dgm:desc val=""/>
-  <dgm:catLst>
-    <dgm:cat type="simple" pri="10100"/>
-  </dgm:catLst>
-  <dgm:scene3d>
-    <a:camera prst="orthographicFront"/>
-    <a:lightRig rig="threePt" dir="t"/>
-  </dgm:scene3d>
-  <dgm:styleLbl name="node0">
-    <dgm:scene3d>
-      <a:camera prst="orthographicFront"/>
-      <a:lightRig rig="threePt" dir="t"/>
-    </dgm:scene3d>
-    <dgm:sp3d/>
-    <dgm:txPr/>
-    <dgm:style>
-      <a:lnRef idx="2">
-        <a:scrgbClr r="0" g="0" b="0"/>
-      </a:lnRef>
-      <a:fillRef idx="1">
-        <a:scrgbClr r="0" g="0" b="0"/>
-      </a:fillRef>
-      <a:effectRef idx="0">
-        <a:scrgbClr r="0" g="0" b="0"/>
-      </a:effectRef>
-      <a:fontRef idx="minor">
-        <a:schemeClr val="lt1"/>
-      </a:fontRef>
-    </dgm:style>
-  </dgm:styleLbl>
-  <dgm:styleLbl name="lnNode1">
-    <dgm:scene3d>
-      <a:camera prst="orthographicFront"/>
-      <a:lightRig rig="threePt" dir="t"/>
-    </dgm:scene3d>
-    <dgm:sp3d/>
-    <dgm:txPr/>
-    <dgm:style>
-      <a:lnRef idx="2">
-        <a:scrgbClr r="0" g="0" b="0"/>
-      </a:lnRef>
-      <a:fillRef idx="1">
-        <a:scrgbClr r="0" g="0" b="0"/>
-      </a:fillRef>
-      <a:effectRef idx="0">
-        <a:scrgbClr r="0" g="0" b="0"/>
-      </a:effectRef>
-      <a:fontRef idx="minor">
-        <a:schemeClr val="lt1"/>
-      </a:fontRef>
-    </dgm:style>
-  </dgm:styleLbl>
-  <dgm:styleLbl name="vennNode1">
-    <dgm:scene3d>
-      <a:camera prst="orthographicFront"/>
-      <a:lightRig rig="threePt" dir="t"/>
-    </dgm:scene3d>
-    <dgm:sp3d/>
-    <dgm:txPr/>
-    <dgm:style>
-      <a:lnRef idx="2">
-        <a:scrgbClr r="0" g="0" b="0"/>
-      </a:lnRef>
-      <a:fillRef idx="1">
-        <a:scrgbClr r="0" g="0" b="0"/>
-      </a:fillRef>
-      <a:effectRef idx="0">
-        <a:scrgbClr r="0" g="0" b="0"/>
-      </a:effectRef>
-      <a:fontRef idx="minor">
-        <a:schemeClr val="tx1"/>
-      </a:fontRef>
-    </dgm:style>
-  </dgm:styleLbl>
-  <dgm:styleLbl name="alignNode1">
-    <dgm:scene3d>
-      <a:camera prst="orthographicFront"/>
-      <a:lightRig rig="threePt" dir="t"/>
-    </dgm:scene3d>
-    <dgm:sp3d/>
-    <dgm:txPr/>
-    <dgm:style>
-      <a:lnRef idx="2">
-        <a:scrgbClr r="0" g="0" b="0"/>
-      </a:lnRef>
-      <a:fillRef idx="1">
-        <a:scrgbClr r="0" g="0" b="0"/>
-      </a:fillRef>
-      <a:effectRef idx="0">
-        <a:scrgbClr r="0" g="0" b="0"/>
-      </a:effectRef>
-      <a:fontRef idx="minor">
-        <a:schemeClr val="lt1"/>
-      </a:fontRef>
-    </dgm:style>
-  </dgm:styleLbl>
-  <dgm:styleLbl name="node1">
-    <dgm:scene3d>
-      <a:camera prst="orthographicFront"/>
-      <a:lightRig rig="threePt" dir="t"/>
-    </dgm:scene3d>
-    <dgm:sp3d/>
-    <dgm:txPr/>
-    <dgm:style>
-      <a:lnRef idx="2">
-        <a:scrgbClr r="0" g="0" b="0"/>
-      </a:lnRef>
-      <a:fillRef idx="1">
-        <a:scrgbClr r="0" g="0" b="0"/>
-      </a:fillRef>
-      <a:effectRef idx="0">
-        <a:scrgbClr r="0" g="0" b="0"/>
-      </a:effectRef>
-      <a:fontRef idx="minor">
-        <a:schemeClr val="lt1"/>
-      </a:fontRef>
-    </dgm:style>
-  </dgm:styleLbl>
-  <dgm:styleLbl name="node2">
-    <dgm:scene3d>
-      <a:camera prst="orthographicFront"/>
-      <a:lightRig rig="threePt" dir="t"/>
-    </dgm:scene3d>
-    <dgm:sp3d/>
-    <dgm:txPr/>
-    <dgm:style>
-      <a:lnRef idx="2">
-        <a:scrgbClr r="0" g="0" b="0"/>
-      </a:lnRef>
-      <a:fillRef idx="1">
-        <a:scrgbClr r="0" g="0" b="0"/>
-      </a:fillRef>
-      <a:effectRef idx="0">
-        <a:scrgbClr r="0" g="0" b="0"/>
-      </a:effectRef>
-      <a:fontRef idx="minor">
-        <a:schemeClr val="lt1"/>
-      </a:fontRef>
-    </dgm:style>
-  </dgm:styleLbl>
-  <dgm:styleLbl name="node3">
-    <dgm:scene3d>
-      <a:camera prst="orthographicFront"/>
-      <a:lightRig rig="threePt" dir="t"/>
-    </dgm:scene3d>
-    <dgm:sp3d/>
-    <dgm:txPr/>
-    <dgm:style>
-      <a:lnRef idx="2">
-        <a:scrgbClr r="0" g="0" b="0"/>
-      </a:lnRef>
-      <a:fillRef idx="1">
-        <a:scrgbClr r="0" g="0" b="0"/>
-      </a:fillRef>
-      <a:effectRef idx="0">
-        <a:scrgbClr r="0" g="0" b="0"/>
-      </a:effectRef>
-      <a:fontRef idx="minor">
-        <a:schemeClr val="lt1"/>
-      </a:fontRef>
-    </dgm:style>
-  </dgm:styleLbl>
-  <dgm:styleLbl name="node4">
-    <dgm:scene3d>
-      <a:camera prst="orthographicFront"/>
-      <a:lightRig rig="threePt" dir="t"/>
-    </dgm:scene3d>
-    <dgm:sp3d/>
-    <dgm:txPr/>
-    <dgm:style>
-      <a:lnRef idx="2">
-        <a:scrgbClr r="0" g="0" b="0"/>
-      </a:lnRef>
-      <a:fillRef idx="1">
-        <a:scrgbClr r="0" g="0" b="0"/>
-      </a:fillRef>
-      <a:effectRef idx="0">
-        <a:scrgbClr r="0" g="0" b="0"/>
-      </a:effectRef>
-      <a:fontRef idx="minor">
-        <a:schemeClr val="lt1"/>
-      </a:fontRef>
-    </dgm:style>
-  </dgm:styleLbl>
-  <dgm:styleLbl name="fgImgPlace1">
-    <dgm:scene3d>
-      <a:camera prst="orthographicFront"/>
-      <a:lightRig rig="threePt" dir="t"/>
-    </dgm:scene3d>
-    <dgm:sp3d/>
-    <dgm:txPr/>
-    <dgm:style>
-      <a:lnRef idx="2">
-        <a:scrgbClr r="0" g="0" b="0"/>
-      </a:lnRef>
-      <a:fillRef idx="1">
-        <a:scrgbClr r="0" g="0" b="0"/>
-      </a:fillRef>
-      <a:effectRef idx="0">
-        <a:scrgbClr r="0" g="0" b="0"/>
-      </a:effectRef>
-      <a:fontRef idx="minor"/>
-    </dgm:style>
-  </dgm:styleLbl>
-  <dgm:styleLbl name="alignImgPlace1">
-    <dgm:scene3d>
-      <a:camera prst="orthographicFront"/>
-      <a:lightRig rig="threePt" dir="t"/>
-    </dgm:scene3d>
-    <dgm:sp3d/>
-    <dgm:txPr/>
-    <dgm:style>
-      <a:lnRef idx="2">
-        <a:scrgbClr r="0" g="0" b="0"/>
-      </a:lnRef>
-      <a:fillRef idx="1">
-        <a:scrgbClr r="0" g="0" b="0"/>
-      </a:fillRef>
-      <a:effectRef idx="0">
-        <a:scrgbClr r="0" g="0" b="0"/>
-      </a:effectRef>
-      <a:fontRef idx="minor"/>
-    </dgm:style>
-  </dgm:styleLbl>
-  <dgm:styleLbl name="bgImgPlace1">
-    <dgm:scene3d>
-      <a:camera prst="orthographicFront"/>
-      <a:lightRig rig="threePt" dir="t"/>
-    </dgm:scene3d>
-    <dgm:sp3d/>
-    <dgm:txPr/>
-    <dgm:style>
-      <a:lnRef idx="2">
-        <a:scrgbClr r="0" g="0" b="0"/>
-      </a:lnRef>
-      <a:fillRef idx="1">
-        <a:scrgbClr r="0" g="0" b="0"/>
-      </a:fillRef>
-      <a:effectRef idx="0">
-        <a:scrgbClr r="0" g="0" b="0"/>
-      </a:effectRef>
-      <a:fontRef idx="minor"/>
-    </dgm:style>
-  </dgm:styleLbl>
-  <dgm:styleLbl name="sibTrans2D1">
-    <dgm:scene3d>
-      <a:camera prst="orthographicFront"/>
-      <a:lightRig rig="threePt" dir="t"/>
-    </dgm:scene3d>
-    <dgm:sp3d/>
-    <dgm:txPr/>
-    <dgm:style>
-      <a:lnRef idx="0">
-        <a:scrgbClr r="0" g="0" b="0"/>
-      </a:lnRef>
-      <a:fillRef idx="1">
-        <a:scrgbClr r="0" g="0" b="0"/>
-      </a:fillRef>
-      <a:effectRef idx="0">
-        <a:scrgbClr r="0" g="0" b="0"/>
-      </a:effectRef>
-      <a:fontRef idx="minor">
-        <a:schemeClr val="lt1"/>
-      </a:fontRef>
-    </dgm:style>
-  </dgm:styleLbl>
-  <dgm:styleLbl name="fgSibTrans2D1">
-    <dgm:scene3d>
-      <a:camera prst="orthographicFront"/>
-      <a:lightRig rig="threePt" dir="t"/>
-    </dgm:scene3d>
-    <dgm:sp3d/>
-    <dgm:txPr/>
-    <dgm:style>
-      <a:lnRef idx="0">
-        <a:scrgbClr r="0" g="0" b="0"/>
-      </a:lnRef>
-      <a:fillRef idx="1">
-        <a:scrgbClr r="0" g="0" b="0"/>
-      </a:fillRef>
-      <a:effectRef idx="0">
-        <a:scrgbClr r="0" g="0" b="0"/>
-      </a:effectRef>
-      <a:fontRef idx="minor">
-        <a:schemeClr val="lt1"/>
-      </a:fontRef>
-    </dgm:style>
-  </dgm:styleLbl>
-  <dgm:styleLbl name="bgSibTrans2D1">
-    <dgm:scene3d>
-      <a:camera prst="orthographicFront"/>
-      <a:lightRig rig="threePt" dir="t"/>
-    </dgm:scene3d>
-    <dgm:sp3d/>
-    <dgm:txPr/>
-    <dgm:style>
-      <a:lnRef idx="0">
-        <a:scrgbClr r="0" g="0" b="0"/>
-      </a:lnRef>
-      <a:fillRef idx="1">
-        <a:scrgbClr r="0" g="0" b="0"/>
-      </a:fillRef>
-      <a:effectRef idx="0">
-        <a:scrgbClr r="0" g="0" b="0"/>
-      </a:effectRef>
-      <a:fontRef idx="minor">
-        <a:schemeClr val="lt1"/>
-      </a:fontRef>
-    </dgm:style>
-  </dgm:styleLbl>
-  <dgm:styleLbl name="sibTrans1D1">
-    <dgm:scene3d>
-      <a:camera prst="orthographicFront"/>
-      <a:lightRig rig="threePt" dir="t"/>
-    </dgm:scene3d>
-    <dgm:sp3d/>
-    <dgm:txPr/>
-    <dgm:style>
-      <a:lnRef idx="1">
-        <a:scrgbClr r="0" g="0" b="0"/>
-      </a:lnRef>
-      <a:fillRef idx="0">
-        <a:scrgbClr r="0" g="0" b="0"/>
-      </a:fillRef>
-      <a:effectRef idx="0">
-        <a:scrgbClr r="0" g="0" b="0"/>
-      </a:effectRef>
-      <a:fontRef idx="minor"/>
-    </dgm:style>
-  </dgm:styleLbl>
-  <dgm:styleLbl name="callout">
-    <dgm:scene3d>
-      <a:camera prst="orthographicFront"/>
-      <a:lightRig rig="threePt" dir="t"/>
-    </dgm:scene3d>
-    <dgm:sp3d/>
-    <dgm:txPr/>
-    <dgm:style>
-      <a:lnRef idx="2">
-        <a:scrgbClr r="0" g="0" b="0"/>
-      </a:lnRef>
-      <a:fillRef idx="1">
-        <a:scrgbClr r="0" g="0" b="0"/>
-      </a:fillRef>
-      <a:effectRef idx="0">
-        <a:scrgbClr r="0" g="0" b="0"/>
-      </a:effectRef>
-      <a:fontRef idx="minor"/>
-    </dgm:style>
-  </dgm:styleLbl>
-  <dgm:styleLbl name="asst0">
-    <dgm:scene3d>
-      <a:camera prst="orthographicFront"/>
-      <a:lightRig rig="threePt" dir="t"/>
-    </dgm:scene3d>
-    <dgm:sp3d/>
-    <dgm:txPr/>
-    <dgm:style>
-      <a:lnRef idx="2">
-        <a:scrgbClr r="0" g="0" b="0"/>
-      </a:lnRef>
-      <a:fillRef idx="1">
-        <a:scrgbClr r="0" g="0" b="0"/>
-      </a:fillRef>
-      <a:effectRef idx="0">
-        <a:scrgbClr r="0" g="0" b="0"/>
-      </a:effectRef>
-      <a:fontRef idx="minor">
-        <a:schemeClr val="lt1"/>
-      </a:fontRef>
-    </dgm:style>
-  </dgm:styleLbl>
-  <dgm:styleLbl name="asst1">
-    <dgm:scene3d>
-      <a:camera prst="orthographicFront"/>
-      <a:lightRig rig="threePt" dir="t"/>
-    </dgm:scene3d>
-    <dgm:sp3d/>
-    <dgm:txPr/>
-    <dgm:style>
-      <a:lnRef idx="2">
-        <a:scrgbClr r="0" g="0" b="0"/>
-      </a:lnRef>
-      <a:fillRef idx="1">
-        <a:scrgbClr r="0" g="0" b="0"/>
-      </a:fillRef>
-      <a:effectRef idx="0">
-        <a:scrgbClr r="0" g="0" b="0"/>
-      </a:effectRef>
-      <a:fontRef idx="minor">
-        <a:schemeClr val="lt1"/>
-      </a:fontRef>
-    </dgm:style>
-  </dgm:styleLbl>
-  <dgm:styleLbl name="asst2">
-    <dgm:scene3d>
-      <a:camera prst="orthographicFront"/>
-      <a:lightRig rig="threePt" dir="t"/>
-    </dgm:scene3d>
-    <dgm:sp3d/>
-    <dgm:txPr/>
-    <dgm:style>
-      <a:lnRef idx="2">
-        <a:scrgbClr r="0" g="0" b="0"/>
-      </a:lnRef>
-      <a:fillRef idx="1">
-        <a:scrgbClr r="0" g="0" b="0"/>
-      </a:fillRef>
-      <a:effectRef idx="0">
-        <a:scrgbClr r="0" g="0" b="0"/>
-      </a:effectRef>
-      <a:fontRef idx="minor">
-        <a:schemeClr val="lt1"/>
-      </a:fontRef>
-    </dgm:style>
-  </dgm:styleLbl>
-  <dgm:styleLbl name="asst3">
-    <dgm:scene3d>
-      <a:camera prst="orthographicFront"/>
-      <a:lightRig rig="threePt" dir="t"/>
-    </dgm:scene3d>
-    <dgm:sp3d/>
-    <dgm:txPr/>
-    <dgm:style>
-      <a:lnRef idx="2">
-        <a:scrgbClr r="0" g="0" b="0"/>
-      </a:lnRef>
-      <a:fillRef idx="1">
-        <a:scrgbClr r="0" g="0" b="0"/>
-      </a:fillRef>
-      <a:effectRef idx="0">
-        <a:scrgbClr r="0" g="0" b="0"/>
-      </a:effectRef>
-      <a:fontRef idx="minor">
-        <a:schemeClr val="lt1"/>
-      </a:fontRef>
-    </dgm:style>
-  </dgm:styleLbl>
-  <dgm:styleLbl name="asst4">
-    <dgm:scene3d>
-      <a:camera prst="orthographicFront"/>
-      <a:lightRig rig="threePt" dir="t"/>
-    </dgm:scene3d>
-    <dgm:sp3d/>
-    <dgm:txPr/>
-    <dgm:style>
-      <a:lnRef idx="2">
-        <a:scrgbClr r="0" g="0" b="0"/>
-      </a:lnRef>
-      <a:fillRef idx="1">
-        <a:scrgbClr r="0" g="0" b="0"/>
-      </a:fillRef>
-      <a:effectRef idx="0">
-        <a:scrgbClr r="0" g="0" b="0"/>
-      </a:effectRef>
-      <a:fontRef idx="minor">
-        <a:schemeClr val="lt1"/>
-      </a:fontRef>
-    </dgm:style>
-  </dgm:styleLbl>
-  <dgm:styleLbl name="parChTrans2D1">
-    <dgm:scene3d>
-      <a:camera prst="orthographicFront"/>
-      <a:lightRig rig="threePt" dir="t"/>
-    </dgm:scene3d>
-    <dgm:sp3d/>
-    <dgm:txPr/>
-    <dgm:style>
-      <a:lnRef idx="2">
-        <a:scrgbClr r="0" g="0" b="0"/>
-      </a:lnRef>
-      <a:fillRef idx="1">
-        <a:scrgbClr r="0" g="0" b="0"/>
-      </a:fillRef>
-      <a:effectRef idx="0">
-        <a:scrgbClr r="0" g="0" b="0"/>
-      </a:effectRef>
-      <a:fontRef idx="minor">
-        <a:schemeClr val="lt1"/>
-      </a:fontRef>
-    </dgm:style>
-  </dgm:styleLbl>
-  <dgm:styleLbl name="parChTrans2D2">
-    <dgm:scene3d>
-      <a:camera prst="orthographicFront"/>
-      <a:lightRig rig="threePt" dir="t"/>
-    </dgm:scene3d>
-    <dgm:sp3d/>
-    <dgm:txPr/>
-    <dgm:style>
-      <a:lnRef idx="2">
-        <a:scrgbClr r="0" g="0" b="0"/>
-      </a:lnRef>
-      <a:fillRef idx="1">
-        <a:scrgbClr r="0" g="0" b="0"/>
-      </a:fillRef>
-      <a:effectRef idx="0">
-        <a:scrgbClr r="0" g="0" b="0"/>
-      </a:effectRef>
-      <a:fontRef idx="minor">
-        <a:schemeClr val="lt1"/>
-      </a:fontRef>
-    </dgm:style>
-  </dgm:styleLbl>
-  <dgm:styleLbl name="parChTrans2D3">
-    <dgm:scene3d>
-      <a:camera prst="orthographicFront"/>
-      <a:lightRig rig="threePt" dir="t"/>
-    </dgm:scene3d>
-    <dgm:sp3d/>
-    <dgm:txPr/>
-    <dgm:style>
-      <a:lnRef idx="2">
-        <a:scrgbClr r="0" g="0" b="0"/>
-      </a:lnRef>
-      <a:fillRef idx="1">
-        <a:scrgbClr r="0" g="0" b="0"/>
-      </a:fillRef>
-      <a:effectRef idx="0">
-        <a:scrgbClr r="0" g="0" b="0"/>
-      </a:effectRef>
-      <a:fontRef idx="minor">
-        <a:schemeClr val="lt1"/>
-      </a:fontRef>
-    </dgm:style>
-  </dgm:styleLbl>
-  <dgm:styleLbl name="parChTrans2D4">
-    <dgm:scene3d>
-      <a:camera prst="orthographicFront"/>
-      <a:lightRig rig="threePt" dir="t"/>
-    </dgm:scene3d>
-    <dgm:sp3d/>
-    <dgm:txPr/>
-    <dgm:style>
-      <a:lnRef idx="2">
-        <a:scrgbClr r="0" g="0" b="0"/>
-      </a:lnRef>
-      <a:fillRef idx="1">
-        <a:scrgbClr r="0" g="0" b="0"/>
-      </a:fillRef>
-      <a:effectRef idx="0">
-        <a:scrgbClr r="0" g="0" b="0"/>
-      </a:effectRef>
-      <a:fontRef idx="minor">
-        <a:schemeClr val="lt1"/>
-      </a:fontRef>
-    </dgm:style>
-  </dgm:styleLbl>
-  <dgm:styleLbl name="parChTrans1D1">
-    <dgm:scene3d>
-      <a:camera prst="orthographicFront"/>
-      <a:lightRig rig="threePt" dir="t"/>
-    </dgm:scene3d>
-    <dgm:sp3d/>
-    <dgm:txPr/>
-    <dgm:style>
-      <a:lnRef idx="2">
-        <a:scrgbClr r="0" g="0" b="0"/>
-      </a:lnRef>
-      <a:fillRef idx="0">
-        <a:scrgbClr r="0" g="0" b="0"/>
-      </a:fillRef>
-      <a:effectRef idx="0">
-        <a:scrgbClr r="0" g="0" b="0"/>
-      </a:effectRef>
-      <a:fontRef idx="minor"/>
-    </dgm:style>
-  </dgm:styleLbl>
-  <dgm:styleLbl name="parChTrans1D2">
-    <dgm:scene3d>
-      <a:camera prst="orthographicFront"/>
-      <a:lightRig rig="threePt" dir="t"/>
-    </dgm:scene3d>
-    <dgm:sp3d/>
-    <dgm:txPr/>
-    <dgm:style>
-      <a:lnRef idx="2">
-        <a:scrgbClr r="0" g="0" b="0"/>
-      </a:lnRef>
-      <a:fillRef idx="0">
-        <a:scrgbClr r="0" g="0" b="0"/>
-      </a:fillRef>
-      <a:effectRef idx="0">
-        <a:scrgbClr r="0" g="0" b="0"/>
-      </a:effectRef>
-      <a:fontRef idx="minor"/>
-    </dgm:style>
-  </dgm:styleLbl>
-  <dgm:styleLbl name="parChTrans1D3">
-    <dgm:scene3d>
-      <a:camera prst="orthographicFront"/>
-      <a:lightRig rig="threePt" dir="t"/>
-    </dgm:scene3d>
-    <dgm:sp3d/>
-    <dgm:txPr/>
-    <dgm:style>
-      <a:lnRef idx="2">
-        <a:scrgbClr r="0" g="0" b="0"/>
-      </a:lnRef>
-      <a:fillRef idx="0">
-        <a:scrgbClr r="0" g="0" b="0"/>
-      </a:fillRef>
-      <a:effectRef idx="0">
-        <a:scrgbClr r="0" g="0" b="0"/>
-      </a:effectRef>
-      <a:fontRef idx="minor"/>
-    </dgm:style>
-  </dgm:styleLbl>
-  <dgm:styleLbl name="parChTrans1D4">
-    <dgm:scene3d>
-      <a:camera prst="orthographicFront"/>
-      <a:lightRig rig="threePt" dir="t"/>
-    </dgm:scene3d>
-    <dgm:sp3d/>
-    <dgm:txPr/>
-    <dgm:style>
-      <a:lnRef idx="2">
-        <a:scrgbClr r="0" g="0" b="0"/>
-      </a:lnRef>
-      <a:fillRef idx="0">
-        <a:scrgbClr r="0" g="0" b="0"/>
-      </a:fillRef>
-      <a:effectRef idx="0">
-        <a:scrgbClr r="0" g="0" b="0"/>
-      </a:effectRef>
-      <a:fontRef idx="minor"/>
-    </dgm:style>
-  </dgm:styleLbl>
-  <dgm:styleLbl name="fgAcc1">
-    <dgm:scene3d>
-      <a:camera prst="orthographicFront"/>
-      <a:lightRig rig="threePt" dir="t"/>
-    </dgm:scene3d>
-    <dgm:sp3d/>
-    <dgm:txPr/>
-    <dgm:style>
-      <a:lnRef idx="2">
-        <a:scrgbClr r="0" g="0" b="0"/>
-      </a:lnRef>
-      <a:fillRef idx="1">
-        <a:scrgbClr r="0" g="0" b="0"/>
-      </a:fillRef>
-      <a:effectRef idx="0">
-        <a:scrgbClr r="0" g="0" b="0"/>
-      </a:effectRef>
-      <a:fontRef idx="minor"/>
-    </dgm:style>
-  </dgm:styleLbl>
-  <dgm:styleLbl name="conFgAcc1">
-    <dgm:scene3d>
-      <a:camera prst="orthographicFront"/>
-      <a:lightRig rig="threePt" dir="t"/>
-    </dgm:scene3d>
-    <dgm:sp3d/>
-    <dgm:txPr/>
-    <dgm:style>
-      <a:lnRef idx="2">
-        <a:scrgbClr r="0" g="0" b="0"/>
-      </a:lnRef>
-      <a:fillRef idx="1">
-        <a:scrgbClr r="0" g="0" b="0"/>
-      </a:fillRef>
-      <a:effectRef idx="0">
-        <a:scrgbClr r="0" g="0" b="0"/>
-      </a:effectRef>
-      <a:fontRef idx="minor"/>
-    </dgm:style>
-  </dgm:styleLbl>
-  <dgm:styleLbl name="alignAcc1">
-    <dgm:scene3d>
-      <a:camera prst="orthographicFront"/>
-      <a:lightRig rig="threePt" dir="t"/>
-    </dgm:scene3d>
-    <dgm:sp3d/>
-    <dgm:txPr/>
-    <dgm:style>
-      <a:lnRef idx="2">
-        <a:scrgbClr r="0" g="0" b="0"/>
-      </a:lnRef>
-      <a:fillRef idx="1">
-        <a:scrgbClr r="0" g="0" b="0"/>
-      </a:fillRef>
-      <a:effectRef idx="0">
-        <a:scrgbClr r="0" g="0" b="0"/>
-      </a:effectRef>
-      <a:fontRef idx="minor"/>
-    </dgm:style>
-  </dgm:styleLbl>
-  <dgm:styleLbl name="trAlignAcc1">
-    <dgm:scene3d>
-      <a:camera prst="orthographicFront"/>
-      <a:lightRig rig="threePt" dir="t"/>
-    </dgm:scene3d>
-    <dgm:sp3d/>
-    <dgm:txPr/>
-    <dgm:style>
-      <a:lnRef idx="1">
-        <a:scrgbClr r="0" g="0" b="0"/>
-      </a:lnRef>
-      <a:fillRef idx="1">
-        <a:scrgbClr r="0" g="0" b="0"/>
-      </a:fillRef>
-      <a:effectRef idx="0">
-        <a:scrgbClr r="0" g="0" b="0"/>
-      </a:effectRef>
-      <a:fontRef idx="minor"/>
-    </dgm:style>
-  </dgm:styleLbl>
-  <dgm:styleLbl name="bgAcc1">
-    <dgm:scene3d>
-      <a:camera prst="orthographicFront"/>
-      <a:lightRig rig="threePt" dir="t"/>
-    </dgm:scene3d>
-    <dgm:sp3d/>
-    <dgm:txPr/>
-    <dgm:style>
-      <a:lnRef idx="2">
-        <a:scrgbClr r="0" g="0" b="0"/>
-      </a:lnRef>
-      <a:fillRef idx="1">
-        <a:scrgbClr r="0" g="0" b="0"/>
-      </a:fillRef>
-      <a:effectRef idx="0">
-        <a:scrgbClr r="0" g="0" b="0"/>
-      </a:effectRef>
-      <a:fontRef idx="minor"/>
-    </dgm:style>
-  </dgm:styleLbl>
-  <dgm:styleLbl name="solidFgAcc1">
-    <dgm:scene3d>
-      <a:camera prst="orthographicFront"/>
-      <a:lightRig rig="threePt" dir="t"/>
-    </dgm:scene3d>
-    <dgm:sp3d/>
-    <dgm:txPr/>
-    <dgm:style>
-      <a:lnRef idx="2">
-        <a:scrgbClr r="0" g="0" b="0"/>
-      </a:lnRef>
-      <a:fillRef idx="1">
-        <a:scrgbClr r="0" g="0" b="0"/>
-      </a:fillRef>
-      <a:effectRef idx="0">
-        <a:scrgbClr r="0" g="0" b="0"/>
-      </a:effectRef>
-      <a:fontRef idx="minor"/>
-    </dgm:style>
-  </dgm:styleLbl>
-  <dgm:styleLbl name="solidAlignAcc1">
-    <dgm:scene3d>
-      <a:camera prst="orthographicFront"/>
-      <a:lightRig rig="threePt" dir="t"/>
-    </dgm:scene3d>
-    <dgm:sp3d/>
-    <dgm:txPr/>
-    <dgm:style>
-      <a:lnRef idx="2">
-        <a:scrgbClr r="0" g="0" b="0"/>
-      </a:lnRef>
-      <a:fillRef idx="1">
-        <a:scrgbClr r="0" g="0" b="0"/>
-      </a:fillRef>
-      <a:effectRef idx="0">
-        <a:scrgbClr r="0" g="0" b="0"/>
-      </a:effectRef>
-      <a:fontRef idx="minor"/>
-    </dgm:style>
-  </dgm:styleLbl>
-  <dgm:styleLbl name="solidBgAcc1">
-    <dgm:scene3d>
-      <a:camera prst="orthographicFront"/>
-      <a:lightRig rig="threePt" dir="t"/>
-    </dgm:scene3d>
-    <dgm:sp3d/>
-    <dgm:txPr/>
-    <dgm:style>
-      <a:lnRef idx="2">
-        <a:scrgbClr r="0" g="0" b="0"/>
-      </a:lnRef>
-      <a:fillRef idx="1">
-        <a:scrgbClr r="0" g="0" b="0"/>
-      </a:fillRef>
-      <a:effectRef idx="0">
-        <a:scrgbClr r="0" g="0" b="0"/>
-      </a:effectRef>
-      <a:fontRef idx="minor"/>
-    </dgm:style>
-  </dgm:styleLbl>
-  <dgm:styleLbl name="fgAccFollowNode1">
-    <dgm:scene3d>
-      <a:camera prst="orthographicFront"/>
-      <a:lightRig rig="threePt" dir="t"/>
-    </dgm:scene3d>
-    <dgm:sp3d/>
-    <dgm:txPr/>
-    <dgm:style>
-      <a:lnRef idx="2">
-        <a:scrgbClr r="0" g="0" b="0"/>
-      </a:lnRef>
-      <a:fillRef idx="1">
-        <a:scrgbClr r="0" g="0" b="0"/>
-      </a:fillRef>
-      <a:effectRef idx="0">
-        <a:scrgbClr r="0" g="0" b="0"/>
-      </a:effectRef>
-      <a:fontRef idx="minor"/>
-    </dgm:style>
-  </dgm:styleLbl>
-  <dgm:styleLbl name="alignAccFollowNode1">
-    <dgm:scene3d>
-      <a:camera prst="orthographicFront"/>
-      <a:lightRig rig="threePt" dir="t"/>
-    </dgm:scene3d>
-    <dgm:sp3d/>
-    <dgm:txPr/>
-    <dgm:style>
-      <a:lnRef idx="2">
-        <a:scrgbClr r="0" g="0" b="0"/>
-      </a:lnRef>
-      <a:fillRef idx="1">
-        <a:scrgbClr r="0" g="0" b="0"/>
-      </a:fillRef>
-      <a:effectRef idx="0">
-        <a:scrgbClr r="0" g="0" b="0"/>
-      </a:effectRef>
-      <a:fontRef idx="minor"/>
-    </dgm:style>
-  </dgm:styleLbl>
-  <dgm:styleLbl name="bgAccFollowNode1">
-    <dgm:scene3d>
-      <a:camera prst="orthographicFront"/>
-      <a:lightRig rig="threePt" dir="t"/>
-    </dgm:scene3d>
-    <dgm:sp3d/>
-    <dgm:txPr/>
-    <dgm:style>
-      <a:lnRef idx="2">
-        <a:scrgbClr r="0" g="0" b="0"/>
-      </a:lnRef>
-      <a:fillRef idx="1">
-        <a:scrgbClr r="0" g="0" b="0"/>
-      </a:fillRef>
-      <a:effectRef idx="0">
-        <a:scrgbClr r="0" g="0" b="0"/>
-      </a:effectRef>
-      <a:fontRef idx="minor"/>
-    </dgm:style>
-  </dgm:styleLbl>
-  <dgm:styleLbl name="fgAcc0">
-    <dgm:scene3d>
-      <a:camera prst="orthographicFront"/>
-      <a:lightRig rig="threePt" dir="t"/>
-    </dgm:scene3d>
-    <dgm:sp3d/>
-    <dgm:txPr/>
-    <dgm:style>
-      <a:lnRef idx="2">
-        <a:scrgbClr r="0" g="0" b="0"/>
-      </a:lnRef>
-      <a:fillRef idx="1">
-        <a:scrgbClr r="0" g="0" b="0"/>
-      </a:fillRef>
-      <a:effectRef idx="0">
-        <a:scrgbClr r="0" g="0" b="0"/>
-      </a:effectRef>
-      <a:fontRef idx="minor"/>
-    </dgm:style>
-  </dgm:styleLbl>
-  <dgm:styleLbl name="fgAcc2">
-    <dgm:scene3d>
-      <a:camera prst="orthographicFront"/>
-      <a:lightRig rig="threePt" dir="t"/>
-    </dgm:scene3d>
-    <dgm:sp3d/>
-    <dgm:txPr/>
-    <dgm:style>
-      <a:lnRef idx="2">
-        <a:scrgbClr r="0" g="0" b="0"/>
-      </a:lnRef>
-      <a:fillRef idx="1">
-        <a:scrgbClr r="0" g="0" b="0"/>
-      </a:fillRef>
-      <a:effectRef idx="0">
-        <a:scrgbClr r="0" g="0" b="0"/>
-      </a:effectRef>
-      <a:fontRef idx="minor"/>
-    </dgm:style>
-  </dgm:styleLbl>
-  <dgm:styleLbl name="fgAcc3">
-    <dgm:scene3d>
-      <a:camera prst="orthographicFront"/>
-      <a:lightRig rig="threePt" dir="t"/>
-    </dgm:scene3d>
-    <dgm:sp3d/>
-    <dgm:txPr/>
-    <dgm:style>
-      <a:lnRef idx="2">
-        <a:scrgbClr r="0" g="0" b="0"/>
-      </a:lnRef>
-      <a:fillRef idx="1">
-        <a:scrgbClr r="0" g="0" b="0"/>
-      </a:fillRef>
-      <a:effectRef idx="0">
-        <a:scrgbClr r="0" g="0" b="0"/>
-      </a:effectRef>
-      <a:fontRef idx="minor"/>
-    </dgm:style>
-  </dgm:styleLbl>
-  <dgm:styleLbl name="fgAcc4">
-    <dgm:scene3d>
-      <a:camera prst="orthographicFront"/>
-      <a:lightRig rig="threePt" dir="t"/>
-    </dgm:scene3d>
-    <dgm:sp3d/>
-    <dgm:txPr/>
-    <dgm:style>
-      <a:lnRef idx="2">
-        <a:scrgbClr r="0" g="0" b="0"/>
-      </a:lnRef>
-      <a:fillRef idx="1">
-        <a:scrgbClr r="0" g="0" b="0"/>
-      </a:fillRef>
-      <a:effectRef idx="0">
-        <a:scrgbClr r="0" g="0" b="0"/>
-      </a:effectRef>
-      <a:fontRef idx="minor"/>
-    </dgm:style>
-  </dgm:styleLbl>
-  <dgm:styleLbl name="bgShp">
-    <dgm:scene3d>
-      <a:camera prst="orthographicFront"/>
-      <a:lightRig rig="threePt" dir="t"/>
-    </dgm:scene3d>
-    <dgm:sp3d/>
-    <dgm:txPr/>
-    <dgm:style>
-      <a:lnRef idx="0">
-        <a:scrgbClr r="0" g="0" b="0"/>
-      </a:lnRef>
-      <a:fillRef idx="1">
-        <a:scrgbClr r="0" g="0" b="0"/>
-      </a:fillRef>
-      <a:effectRef idx="0">
-        <a:scrgbClr r="0" g="0" b="0"/>
-      </a:effectRef>
-      <a:fontRef idx="minor"/>
-    </dgm:style>
-  </dgm:styleLbl>
-  <dgm:styleLbl name="dkBgShp">
-    <dgm:scene3d>
-      <a:camera prst="orthographicFront"/>
-      <a:lightRig rig="threePt" dir="t"/>
-    </dgm:scene3d>
-    <dgm:sp3d/>
-    <dgm:txPr/>
-    <dgm:style>
-      <a:lnRef idx="0">
-        <a:scrgbClr r="0" g="0" b="0"/>
-      </a:lnRef>
-      <a:fillRef idx="1">
-        <a:scrgbClr r="0" g="0" b="0"/>
-      </a:fillRef>
-      <a:effectRef idx="0">
-        <a:scrgbClr r="0" g="0" b="0"/>
-      </a:effectRef>
-      <a:fontRef idx="minor"/>
-    </dgm:style>
-  </dgm:styleLbl>
-  <dgm:styleLbl name="trBgShp">
-    <dgm:scene3d>
-      <a:camera prst="orthographicFront"/>
-      <a:lightRig rig="threePt" dir="t"/>
-    </dgm:scene3d>
-    <dgm:sp3d/>
-    <dgm:txPr/>
-    <dgm:style>
-      <a:lnRef idx="0">
-        <a:scrgbClr r="0" g="0" b="0"/>
-      </a:lnRef>
-      <a:fillRef idx="1">
-        <a:scrgbClr r="0" g="0" b="0"/>
-      </a:fillRef>
-      <a:effectRef idx="0">
-        <a:scrgbClr r="0" g="0" b="0"/>
-      </a:effectRef>
-      <a:fontRef idx="minor"/>
-    </dgm:style>
-  </dgm:styleLbl>
-  <dgm:styleLbl name="fgShp">
-    <dgm:scene3d>
-      <a:camera prst="orthographicFront"/>
-      <a:lightRig rig="threePt" dir="t"/>
-    </dgm:scene3d>
-    <dgm:sp3d/>
-    <dgm:txPr/>
-    <dgm:style>
-      <a:lnRef idx="2">
-        <a:scrgbClr r="0" g="0" b="0"/>
-      </a:lnRef>
-      <a:fillRef idx="1">
-        <a:scrgbClr r="0" g="0" b="0"/>
-      </a:fillRef>
-      <a:effectRef idx="0">
-        <a:scrgbClr r="0" g="0" b="0"/>
-      </a:effectRef>
-      <a:fontRef idx="minor"/>
-    </dgm:style>
-  </dgm:styleLbl>
-  <dgm:styleLbl name="revTx">
-    <dgm:scene3d>
-      <a:camera prst="orthographicFront"/>
-      <a:lightRig rig="threePt" dir="t"/>
-    </dgm:scene3d>
-    <dgm:sp3d/>
-    <dgm:txPr/>
-    <dgm:style>
-      <a:lnRef idx="0">
-        <a:scrgbClr r="0" g="0" b="0"/>
-      </a:lnRef>
-      <a:fillRef idx="0">
-        <a:scrgbClr r="0" g="0" b="0"/>
-      </a:fillRef>
-      <a:effectRef idx="0">
-        <a:scrgbClr r="0" g="0" b="0"/>
-      </a:effectRef>
-      <a:fontRef idx="minor"/>
-    </dgm:style>
-  </dgm:styleLbl>
-</dgm:styleDef>
 </file>
 
 <file path=ppt/notesMasters/notesMaster1.xml><?xml version="1.0" encoding="utf-8"?>
@@ -3602,7 +225,7 @@
           <a:p>
             <a:fld id="{A159D31D-A4A7-4388-8D6E-2035DF7AF6AE}" type="datetimeFigureOut">
               <a:rPr lang="es-PE" smtClean="0"/>
-              <a:t>06/07/2012</a:t>
+              <a:t>21/02/2013</a:t>
             </a:fld>
             <a:endParaRPr lang="es-PE"/>
           </a:p>
@@ -3914,18 +537,6 @@
           <a:bodyPr/>
           <a:lstStyle/>
           <a:p>
-            <a:r>
-              <a:rPr lang="es-PE" dirty="0" err="1" smtClean="0"/>
-              <a:t>Dojo</a:t>
-            </a:r>
-            <a:r>
-              <a:rPr lang="es-PE" dirty="0" smtClean="0"/>
-              <a:t>: "El lugar de la vía"</a:t>
-            </a:r>
-            <a:r>
-              <a:rPr lang="es-PE" baseline="0" dirty="0" smtClean="0"/>
-              <a:t> == Búsqueda de la perfección.</a:t>
-            </a:r>
             <a:endParaRPr lang="es-PE" dirty="0"/>
           </a:p>
         </p:txBody>
@@ -3947,7 +558,7 @@
           <a:p>
             <a:fld id="{92D0504E-A398-466F-BEA7-CB196C14635F}" type="slidenum">
               <a:rPr lang="es-PE" smtClean="0"/>
-              <a:t>2</a:t>
+              <a:t>1</a:t>
             </a:fld>
             <a:endParaRPr lang="es-PE"/>
           </a:p>
@@ -3956,7 +567,91 @@
     </p:spTree>
     <p:extLst>
       <p:ext uri="{BB962C8B-B14F-4D97-AF65-F5344CB8AC3E}">
-        <p14:creationId xmlns:p14="http://schemas.microsoft.com/office/powerpoint/2010/main" val="4284866947"/>
+        <p14:creationId xmlns:p14="http://schemas.microsoft.com/office/powerpoint/2010/main" val="4143266104"/>
+      </p:ext>
+    </p:extLst>
+  </p:cSld>
+  <p:clrMapOvr>
+    <a:masterClrMapping/>
+  </p:clrMapOvr>
+</p:notes>
+</file>
+
+<file path=ppt/notesSlides/notesSlide10.xml><?xml version="1.0" encoding="utf-8"?>
+<p:notes xmlns:a="http://schemas.openxmlformats.org/drawingml/2006/main" xmlns:r="http://schemas.openxmlformats.org/officeDocument/2006/relationships" xmlns:p="http://schemas.openxmlformats.org/presentationml/2006/main">
+  <p:cSld>
+    <p:spTree>
+      <p:nvGrpSpPr>
+        <p:cNvPr id="1" name=""/>
+        <p:cNvGrpSpPr/>
+        <p:nvPr/>
+      </p:nvGrpSpPr>
+      <p:grpSpPr>
+        <a:xfrm>
+          <a:off x="0" y="0"/>
+          <a:ext cx="0" cy="0"/>
+          <a:chOff x="0" y="0"/>
+          <a:chExt cx="0" cy="0"/>
+        </a:xfrm>
+      </p:grpSpPr>
+      <p:sp>
+        <p:nvSpPr>
+          <p:cNvPr id="2" name="1 Marcador de imagen de diapositiva"/>
+          <p:cNvSpPr>
+            <a:spLocks noGrp="1" noRot="1" noChangeAspect="1"/>
+          </p:cNvSpPr>
+          <p:nvPr>
+            <p:ph type="sldImg"/>
+          </p:nvPr>
+        </p:nvSpPr>
+        <p:spPr/>
+      </p:sp>
+      <p:sp>
+        <p:nvSpPr>
+          <p:cNvPr id="3" name="2 Marcador de notas"/>
+          <p:cNvSpPr>
+            <a:spLocks noGrp="1"/>
+          </p:cNvSpPr>
+          <p:nvPr>
+            <p:ph type="body" idx="1"/>
+          </p:nvPr>
+        </p:nvSpPr>
+        <p:spPr/>
+        <p:txBody>
+          <a:bodyPr/>
+          <a:lstStyle/>
+          <a:p>
+            <a:endParaRPr lang="es-PE" dirty="0"/>
+          </a:p>
+        </p:txBody>
+      </p:sp>
+      <p:sp>
+        <p:nvSpPr>
+          <p:cNvPr id="4" name="3 Marcador de número de diapositiva"/>
+          <p:cNvSpPr>
+            <a:spLocks noGrp="1"/>
+          </p:cNvSpPr>
+          <p:nvPr>
+            <p:ph type="sldNum" sz="quarter" idx="10"/>
+          </p:nvPr>
+        </p:nvSpPr>
+        <p:spPr/>
+        <p:txBody>
+          <a:bodyPr/>
+          <a:lstStyle/>
+          <a:p>
+            <a:fld id="{92D0504E-A398-466F-BEA7-CB196C14635F}" type="slidenum">
+              <a:rPr lang="es-PE" smtClean="0"/>
+              <a:t>12</a:t>
+            </a:fld>
+            <a:endParaRPr lang="es-PE"/>
+          </a:p>
+        </p:txBody>
+      </p:sp>
+    </p:spTree>
+    <p:extLst>
+      <p:ext uri="{BB962C8B-B14F-4D97-AF65-F5344CB8AC3E}">
+        <p14:creationId xmlns:p14="http://schemas.microsoft.com/office/powerpoint/2010/main" val="3117317914"/>
       </p:ext>
     </p:extLst>
   </p:cSld>
@@ -4011,12 +706,16 @@
           <a:lstStyle/>
           <a:p>
             <a:r>
+              <a:rPr lang="es-PE" dirty="0" err="1" smtClean="0"/>
+              <a:t>Dojo</a:t>
+            </a:r>
+            <a:r>
               <a:rPr lang="es-PE" dirty="0" smtClean="0"/>
-              <a:t>El objetivo no es resolver el problema, sino aprender y entrenar</a:t>
+              <a:t>: "El lugar de la vía"</a:t>
             </a:r>
             <a:r>
               <a:rPr lang="es-PE" baseline="0" dirty="0" smtClean="0"/>
-              <a:t> nuestras habilidades y técnicas.</a:t>
+              <a:t> == Búsqueda de la perfección.</a:t>
             </a:r>
             <a:endParaRPr lang="es-PE" dirty="0"/>
           </a:p>
@@ -4039,7 +738,7 @@
           <a:p>
             <a:fld id="{92D0504E-A398-466F-BEA7-CB196C14635F}" type="slidenum">
               <a:rPr lang="es-PE" smtClean="0"/>
-              <a:t>5</a:t>
+              <a:t>2</a:t>
             </a:fld>
             <a:endParaRPr lang="es-PE"/>
           </a:p>
@@ -4048,7 +747,7 @@
     </p:spTree>
     <p:extLst>
       <p:ext uri="{BB962C8B-B14F-4D97-AF65-F5344CB8AC3E}">
-        <p14:creationId xmlns:p14="http://schemas.microsoft.com/office/powerpoint/2010/main" val="2393869541"/>
+        <p14:creationId xmlns:p14="http://schemas.microsoft.com/office/powerpoint/2010/main" val="4284866947"/>
       </p:ext>
     </p:extLst>
   </p:cSld>
@@ -4102,7 +801,91 @@
           <a:bodyPr/>
           <a:lstStyle/>
           <a:p>
-            <a:endParaRPr lang="es-PE" dirty="0"/>
+            <a:pPr marL="0" marR="0" indent="0" algn="l" defTabSz="914400" rtl="0" eaLnBrk="1" fontAlgn="auto" latinLnBrk="0" hangingPunct="1">
+              <a:lnSpc>
+                <a:spcPct val="100000"/>
+              </a:lnSpc>
+              <a:spcBef>
+                <a:spcPts val="0"/>
+              </a:spcBef>
+              <a:spcAft>
+                <a:spcPts val="0"/>
+              </a:spcAft>
+              <a:buClrTx/>
+              <a:buSzTx/>
+              <a:buFontTx/>
+              <a:buNone/>
+              <a:tabLst/>
+              <a:defRPr/>
+            </a:pPr>
+            <a:r>
+              <a:rPr lang="es-PE" dirty="0" smtClean="0"/>
+              <a:t>El objetivo no es resolver el problema, sino aprender y entrenar</a:t>
+            </a:r>
+            <a:r>
+              <a:rPr lang="es-PE" baseline="0" dirty="0" smtClean="0"/>
+              <a:t> nuestras habilidades y técnicas.</a:t>
+            </a:r>
+          </a:p>
+          <a:p>
+            <a:pPr marL="0" marR="0" indent="0" algn="l" defTabSz="914400" rtl="0" eaLnBrk="1" fontAlgn="auto" latinLnBrk="0" hangingPunct="1">
+              <a:lnSpc>
+                <a:spcPct val="100000"/>
+              </a:lnSpc>
+              <a:spcBef>
+                <a:spcPts val="0"/>
+              </a:spcBef>
+              <a:spcAft>
+                <a:spcPts val="0"/>
+              </a:spcAft>
+              <a:buClrTx/>
+              <a:buSzTx/>
+              <a:buFontTx/>
+              <a:buNone/>
+              <a:tabLst/>
+              <a:defRPr/>
+            </a:pPr>
+            <a:endParaRPr lang="es-PE" baseline="0" dirty="0" smtClean="0"/>
+          </a:p>
+          <a:p>
+            <a:pPr marL="0" marR="0" indent="0" algn="l" defTabSz="914400" rtl="0" eaLnBrk="1" fontAlgn="auto" latinLnBrk="0" hangingPunct="1">
+              <a:lnSpc>
+                <a:spcPct val="100000"/>
+              </a:lnSpc>
+              <a:spcBef>
+                <a:spcPts val="0"/>
+              </a:spcBef>
+              <a:spcAft>
+                <a:spcPts val="0"/>
+              </a:spcAft>
+              <a:buClrTx/>
+              <a:buSzTx/>
+              <a:buFontTx/>
+              <a:buNone/>
+              <a:tabLst/>
+              <a:defRPr/>
+            </a:pPr>
+            <a:r>
+              <a:rPr lang="en-US" dirty="0" smtClean="0"/>
+              <a:t>The rule is that you must repeat the exercise, and every</a:t>
+            </a:r>
+            <a:r>
+              <a:rPr lang="en-US" baseline="0" dirty="0" smtClean="0"/>
+              <a:t> </a:t>
+            </a:r>
+            <a:r>
+              <a:rPr lang="en-US" dirty="0" smtClean="0"/>
+              <a:t>time try to improve the way you solve the problem. Not just the code you end up with, but the</a:t>
+            </a:r>
+            <a:r>
+              <a:rPr lang="en-US" baseline="0" dirty="0" smtClean="0"/>
+              <a:t> </a:t>
+            </a:r>
+            <a:r>
+              <a:rPr lang="en-US" dirty="0" smtClean="0"/>
+              <a:t>process by which you get to it.</a:t>
+            </a:r>
+            <a:endParaRPr lang="es-PE" dirty="0" smtClean="0"/>
           </a:p>
         </p:txBody>
       </p:sp>
@@ -4123,7 +906,7 @@
           <a:p>
             <a:fld id="{92D0504E-A398-466F-BEA7-CB196C14635F}" type="slidenum">
               <a:rPr lang="es-PE" smtClean="0"/>
-              <a:t>6</a:t>
+              <a:t>4</a:t>
             </a:fld>
             <a:endParaRPr lang="es-PE"/>
           </a:p>
@@ -4132,7 +915,7 @@
     </p:spTree>
     <p:extLst>
       <p:ext uri="{BB962C8B-B14F-4D97-AF65-F5344CB8AC3E}">
-        <p14:creationId xmlns:p14="http://schemas.microsoft.com/office/powerpoint/2010/main" val="506323178"/>
+        <p14:creationId xmlns:p14="http://schemas.microsoft.com/office/powerpoint/2010/main" val="1821829365"/>
       </p:ext>
     </p:extLst>
   </p:cSld>
@@ -4186,10 +969,6 @@
           <a:bodyPr/>
           <a:lstStyle/>
           <a:p>
-            <a:r>
-              <a:rPr lang="es-PE" dirty="0" smtClean="0"/>
-              <a:t>Recordar que la pareja debe usar TDD</a:t>
-            </a:r>
             <a:endParaRPr lang="es-PE" dirty="0"/>
           </a:p>
         </p:txBody>
@@ -4211,7 +990,7 @@
           <a:p>
             <a:fld id="{92D0504E-A398-466F-BEA7-CB196C14635F}" type="slidenum">
               <a:rPr lang="es-PE" smtClean="0"/>
-              <a:t>8</a:t>
+              <a:t>5</a:t>
             </a:fld>
             <a:endParaRPr lang="es-PE"/>
           </a:p>
@@ -4220,7 +999,7 @@
     </p:spTree>
     <p:extLst>
       <p:ext uri="{BB962C8B-B14F-4D97-AF65-F5344CB8AC3E}">
-        <p14:creationId xmlns:p14="http://schemas.microsoft.com/office/powerpoint/2010/main" val="3117317914"/>
+        <p14:creationId xmlns:p14="http://schemas.microsoft.com/office/powerpoint/2010/main" val="506323178"/>
       </p:ext>
     </p:extLst>
   </p:cSld>
@@ -4299,7 +1078,7 @@
           <a:p>
             <a:fld id="{92D0504E-A398-466F-BEA7-CB196C14635F}" type="slidenum">
               <a:rPr lang="es-PE" smtClean="0"/>
-              <a:t>9</a:t>
+              <a:t>7</a:t>
             </a:fld>
             <a:endParaRPr lang="es-PE"/>
           </a:p>
@@ -4362,6 +1141,10 @@
           <a:bodyPr/>
           <a:lstStyle/>
           <a:p>
+            <a:r>
+              <a:rPr lang="es-PE" dirty="0" smtClean="0"/>
+              <a:t>Recordar que la pareja debe usar TDD</a:t>
+            </a:r>
             <a:endParaRPr lang="es-PE" dirty="0"/>
           </a:p>
         </p:txBody>
@@ -4383,7 +1166,7 @@
           <a:p>
             <a:fld id="{92D0504E-A398-466F-BEA7-CB196C14635F}" type="slidenum">
               <a:rPr lang="es-PE" smtClean="0"/>
-              <a:t>10</a:t>
+              <a:t>8</a:t>
             </a:fld>
             <a:endParaRPr lang="es-PE"/>
           </a:p>
@@ -4446,6 +1229,377 @@
           <a:bodyPr/>
           <a:lstStyle/>
           <a:p>
+            <a:r>
+              <a:rPr lang="en-US" dirty="0" smtClean="0"/>
+              <a:t>For example you could</a:t>
+            </a:r>
+          </a:p>
+          <a:p>
+            <a:r>
+              <a:rPr lang="en-US" dirty="0" smtClean="0"/>
+              <a:t>ask each person to first write down something they learnt, something that surprised them and</a:t>
+            </a:r>
+          </a:p>
+          <a:p>
+            <a:r>
+              <a:rPr lang="en-US" dirty="0" smtClean="0"/>
+              <a:t>something they still don’t understand, then go around each person asking them to share. </a:t>
+            </a:r>
+          </a:p>
+          <a:p>
+            <a:endParaRPr lang="en-US" dirty="0" smtClean="0"/>
+          </a:p>
+          <a:p>
+            <a:pPr marL="171450" indent="-171450">
+              <a:buFontTx/>
+              <a:buChar char="-"/>
+            </a:pPr>
+            <a:r>
+              <a:rPr lang="en-US" dirty="0" smtClean="0"/>
+              <a:t>What surprised you</a:t>
+            </a:r>
+          </a:p>
+          <a:p>
+            <a:pPr marL="171450" indent="-171450">
+              <a:buFontTx/>
+              <a:buChar char="-"/>
+            </a:pPr>
+            <a:r>
+              <a:rPr lang="en-US" dirty="0" smtClean="0"/>
+              <a:t>What</a:t>
+            </a:r>
+            <a:r>
+              <a:rPr lang="en-US" baseline="0" dirty="0" smtClean="0"/>
+              <a:t> did you learn</a:t>
+            </a:r>
+          </a:p>
+          <a:p>
+            <a:pPr marL="171450" indent="-171450">
+              <a:buFontTx/>
+              <a:buChar char="-"/>
+            </a:pPr>
+            <a:r>
+              <a:rPr lang="en-US" baseline="0" dirty="0" smtClean="0"/>
+              <a:t>What do you want to achieve.</a:t>
+            </a:r>
+          </a:p>
+          <a:p>
+            <a:pPr marL="171450" indent="-171450">
+              <a:buFontTx/>
+              <a:buChar char="-"/>
+            </a:pPr>
+            <a:endParaRPr lang="en-US" baseline="0" dirty="0" smtClean="0"/>
+          </a:p>
+          <a:p>
+            <a:pPr marL="0" indent="0">
+              <a:buFontTx/>
+              <a:buNone/>
+            </a:pPr>
+            <a:r>
+              <a:rPr lang="en-US" baseline="0" dirty="0" smtClean="0"/>
+              <a:t>• “What have we learned?”: Reﬂecting and discussing</a:t>
+            </a:r>
+          </a:p>
+          <a:p>
+            <a:pPr marL="0" indent="0">
+              <a:buFontTx/>
+              <a:buNone/>
+            </a:pPr>
+            <a:r>
+              <a:rPr lang="en-US" baseline="0" dirty="0" smtClean="0"/>
+              <a:t>what was learned is an effective way to make learning</a:t>
+            </a:r>
+          </a:p>
+          <a:p>
+            <a:pPr marL="0" indent="0">
+              <a:buFontTx/>
+              <a:buNone/>
+            </a:pPr>
+            <a:r>
+              <a:rPr lang="en-US" baseline="0" dirty="0" smtClean="0"/>
+              <a:t>an active process and to verify that the session met its</a:t>
+            </a:r>
+          </a:p>
+          <a:p>
+            <a:pPr marL="0" indent="0">
+              <a:buFontTx/>
+              <a:buNone/>
+            </a:pPr>
+            <a:r>
+              <a:rPr lang="en-US" baseline="0" dirty="0" smtClean="0"/>
+              <a:t>goals.</a:t>
+            </a:r>
+          </a:p>
+          <a:p>
+            <a:pPr marL="0" indent="0">
+              <a:buFontTx/>
+              <a:buNone/>
+            </a:pPr>
+            <a:r>
+              <a:rPr lang="en-US" baseline="0" dirty="0" smtClean="0"/>
+              <a:t>• “What has hindered learning?”: The negative aspects of a meeting are discussed, and the main impediments are identiﬁed. The group performs a root</a:t>
+            </a:r>
+          </a:p>
+          <a:p>
+            <a:pPr marL="0" indent="0">
+              <a:buFontTx/>
+              <a:buNone/>
+            </a:pPr>
+            <a:r>
+              <a:rPr lang="en-US" baseline="0" dirty="0" smtClean="0"/>
+              <a:t>cause analysis and discusses how these impediments</a:t>
+            </a:r>
+          </a:p>
+          <a:p>
+            <a:pPr marL="0" indent="0">
+              <a:buFontTx/>
+              <a:buNone/>
+            </a:pPr>
+            <a:r>
+              <a:rPr lang="en-US" baseline="0" dirty="0" smtClean="0"/>
+              <a:t>could be eliminated, coming up with a series of action</a:t>
+            </a:r>
+          </a:p>
+          <a:p>
+            <a:pPr marL="0" indent="0">
+              <a:buFontTx/>
+              <a:buNone/>
+            </a:pPr>
+            <a:r>
+              <a:rPr lang="en-US" baseline="0" dirty="0" smtClean="0"/>
+              <a:t>items. People take responsibility to handle each action</a:t>
+            </a:r>
+          </a:p>
+          <a:p>
+            <a:pPr marL="0" indent="0">
+              <a:buFontTx/>
+              <a:buNone/>
+            </a:pPr>
+            <a:r>
+              <a:rPr lang="en-US" baseline="0" dirty="0" smtClean="0"/>
+              <a:t>item for the next meeting, the results are recorded for</a:t>
+            </a:r>
+          </a:p>
+          <a:p>
+            <a:pPr marL="0" indent="0">
+              <a:buFontTx/>
+              <a:buNone/>
+            </a:pPr>
+            <a:r>
+              <a:rPr lang="en-US" baseline="0" dirty="0" smtClean="0"/>
+              <a:t>future reﬂection, and the effects of the change are reevaluated in the next retrospective.</a:t>
+            </a:r>
+          </a:p>
+          <a:p>
+            <a:pPr marL="0" indent="0">
+              <a:buFontTx/>
+              <a:buNone/>
+            </a:pPr>
+            <a:endParaRPr lang="en-US" baseline="0" dirty="0" smtClean="0"/>
+          </a:p>
+          <a:p>
+            <a:pPr marL="0" indent="0">
+              <a:buFontTx/>
+              <a:buNone/>
+            </a:pPr>
+            <a:r>
+              <a:rPr lang="en-US" baseline="0" dirty="0" smtClean="0"/>
+              <a:t>“What went well?”</a:t>
+            </a:r>
+          </a:p>
+          <a:p>
+            <a:pPr marL="0" indent="0">
+              <a:buFontTx/>
+              <a:buNone/>
+            </a:pPr>
+            <a:r>
+              <a:rPr lang="en-US" baseline="0" dirty="0" smtClean="0"/>
+              <a:t>and “What could be improved?”</a:t>
+            </a:r>
+          </a:p>
+        </p:txBody>
+      </p:sp>
+      <p:sp>
+        <p:nvSpPr>
+          <p:cNvPr id="4" name="3 Marcador de número de diapositiva"/>
+          <p:cNvSpPr>
+            <a:spLocks noGrp="1"/>
+          </p:cNvSpPr>
+          <p:nvPr>
+            <p:ph type="sldNum" sz="quarter" idx="10"/>
+          </p:nvPr>
+        </p:nvSpPr>
+        <p:spPr/>
+        <p:txBody>
+          <a:bodyPr/>
+          <a:lstStyle/>
+          <a:p>
+            <a:fld id="{92D0504E-A398-466F-BEA7-CB196C14635F}" type="slidenum">
+              <a:rPr lang="es-PE" smtClean="0"/>
+              <a:t>9</a:t>
+            </a:fld>
+            <a:endParaRPr lang="es-PE"/>
+          </a:p>
+        </p:txBody>
+      </p:sp>
+    </p:spTree>
+    <p:extLst>
+      <p:ext uri="{BB962C8B-B14F-4D97-AF65-F5344CB8AC3E}">
+        <p14:creationId xmlns:p14="http://schemas.microsoft.com/office/powerpoint/2010/main" val="3117317914"/>
+      </p:ext>
+    </p:extLst>
+  </p:cSld>
+  <p:clrMapOvr>
+    <a:masterClrMapping/>
+  </p:clrMapOvr>
+</p:notes>
+</file>
+
+<file path=ppt/notesSlides/notesSlide8.xml><?xml version="1.0" encoding="utf-8"?>
+<p:notes xmlns:a="http://schemas.openxmlformats.org/drawingml/2006/main" xmlns:r="http://schemas.openxmlformats.org/officeDocument/2006/relationships" xmlns:p="http://schemas.openxmlformats.org/presentationml/2006/main">
+  <p:cSld>
+    <p:spTree>
+      <p:nvGrpSpPr>
+        <p:cNvPr id="1" name=""/>
+        <p:cNvGrpSpPr/>
+        <p:nvPr/>
+      </p:nvGrpSpPr>
+      <p:grpSpPr>
+        <a:xfrm>
+          <a:off x="0" y="0"/>
+          <a:ext cx="0" cy="0"/>
+          <a:chOff x="0" y="0"/>
+          <a:chExt cx="0" cy="0"/>
+        </a:xfrm>
+      </p:grpSpPr>
+      <p:sp>
+        <p:nvSpPr>
+          <p:cNvPr id="2" name="1 Marcador de imagen de diapositiva"/>
+          <p:cNvSpPr>
+            <a:spLocks noGrp="1" noRot="1" noChangeAspect="1"/>
+          </p:cNvSpPr>
+          <p:nvPr>
+            <p:ph type="sldImg"/>
+          </p:nvPr>
+        </p:nvSpPr>
+        <p:spPr/>
+      </p:sp>
+      <p:sp>
+        <p:nvSpPr>
+          <p:cNvPr id="3" name="2 Marcador de notas"/>
+          <p:cNvSpPr>
+            <a:spLocks noGrp="1"/>
+          </p:cNvSpPr>
+          <p:nvPr>
+            <p:ph type="body" idx="1"/>
+          </p:nvPr>
+        </p:nvSpPr>
+        <p:spPr/>
+        <p:txBody>
+          <a:bodyPr/>
+          <a:lstStyle/>
+          <a:p>
+            <a:pPr marL="0" marR="0" indent="0" algn="l" defTabSz="914400" rtl="0" eaLnBrk="1" fontAlgn="auto" latinLnBrk="0" hangingPunct="1">
+              <a:lnSpc>
+                <a:spcPct val="100000"/>
+              </a:lnSpc>
+              <a:spcBef>
+                <a:spcPts val="0"/>
+              </a:spcBef>
+              <a:spcAft>
+                <a:spcPts val="0"/>
+              </a:spcAft>
+              <a:buClrTx/>
+              <a:buSzTx/>
+              <a:buFontTx/>
+              <a:buNone/>
+              <a:tabLst/>
+              <a:defRPr/>
+            </a:pPr>
+            <a:endParaRPr lang="es-PE" dirty="0" smtClean="0"/>
+          </a:p>
+        </p:txBody>
+      </p:sp>
+      <p:sp>
+        <p:nvSpPr>
+          <p:cNvPr id="4" name="3 Marcador de número de diapositiva"/>
+          <p:cNvSpPr>
+            <a:spLocks noGrp="1"/>
+          </p:cNvSpPr>
+          <p:nvPr>
+            <p:ph type="sldNum" sz="quarter" idx="10"/>
+          </p:nvPr>
+        </p:nvSpPr>
+        <p:spPr/>
+        <p:txBody>
+          <a:bodyPr/>
+          <a:lstStyle/>
+          <a:p>
+            <a:fld id="{92D0504E-A398-466F-BEA7-CB196C14635F}" type="slidenum">
+              <a:rPr lang="es-PE" smtClean="0"/>
+              <a:t>10</a:t>
+            </a:fld>
+            <a:endParaRPr lang="es-PE"/>
+          </a:p>
+        </p:txBody>
+      </p:sp>
+    </p:spTree>
+    <p:extLst>
+      <p:ext uri="{BB962C8B-B14F-4D97-AF65-F5344CB8AC3E}">
+        <p14:creationId xmlns:p14="http://schemas.microsoft.com/office/powerpoint/2010/main" val="1821829365"/>
+      </p:ext>
+    </p:extLst>
+  </p:cSld>
+  <p:clrMapOvr>
+    <a:masterClrMapping/>
+  </p:clrMapOvr>
+</p:notes>
+</file>
+
+<file path=ppt/notesSlides/notesSlide9.xml><?xml version="1.0" encoding="utf-8"?>
+<p:notes xmlns:a="http://schemas.openxmlformats.org/drawingml/2006/main" xmlns:r="http://schemas.openxmlformats.org/officeDocument/2006/relationships" xmlns:p="http://schemas.openxmlformats.org/presentationml/2006/main">
+  <p:cSld>
+    <p:spTree>
+      <p:nvGrpSpPr>
+        <p:cNvPr id="1" name=""/>
+        <p:cNvGrpSpPr/>
+        <p:nvPr/>
+      </p:nvGrpSpPr>
+      <p:grpSpPr>
+        <a:xfrm>
+          <a:off x="0" y="0"/>
+          <a:ext cx="0" cy="0"/>
+          <a:chOff x="0" y="0"/>
+          <a:chExt cx="0" cy="0"/>
+        </a:xfrm>
+      </p:grpSpPr>
+      <p:sp>
+        <p:nvSpPr>
+          <p:cNvPr id="2" name="1 Marcador de imagen de diapositiva"/>
+          <p:cNvSpPr>
+            <a:spLocks noGrp="1" noRot="1" noChangeAspect="1"/>
+          </p:cNvSpPr>
+          <p:nvPr>
+            <p:ph type="sldImg"/>
+          </p:nvPr>
+        </p:nvSpPr>
+        <p:spPr/>
+      </p:sp>
+      <p:sp>
+        <p:nvSpPr>
+          <p:cNvPr id="3" name="2 Marcador de notas"/>
+          <p:cNvSpPr>
+            <a:spLocks noGrp="1"/>
+          </p:cNvSpPr>
+          <p:nvPr>
+            <p:ph type="body" idx="1"/>
+          </p:nvPr>
+        </p:nvSpPr>
+        <p:spPr/>
+        <p:txBody>
+          <a:bodyPr/>
+          <a:lstStyle/>
+          <a:p>
             <a:endParaRPr lang="es-PE" dirty="0"/>
           </a:p>
         </p:txBody>
@@ -4671,7 +1825,7 @@
           <a:p>
             <a:fld id="{FCE2F2F3-FB49-4DEF-A20F-C298C96728F0}" type="datetimeFigureOut">
               <a:rPr lang="es-PE" smtClean="0"/>
-              <a:t>06/07/2012</a:t>
+              <a:t>21/02/2013</a:t>
             </a:fld>
             <a:endParaRPr lang="es-PE"/>
           </a:p>
@@ -4848,7 +2002,7 @@
           <a:p>
             <a:fld id="{FCE2F2F3-FB49-4DEF-A20F-C298C96728F0}" type="datetimeFigureOut">
               <a:rPr lang="es-PE" smtClean="0"/>
-              <a:t>06/07/2012</a:t>
+              <a:t>21/02/2013</a:t>
             </a:fld>
             <a:endParaRPr lang="es-PE"/>
           </a:p>
@@ -5035,7 +2189,7 @@
           <a:p>
             <a:fld id="{FCE2F2F3-FB49-4DEF-A20F-C298C96728F0}" type="datetimeFigureOut">
               <a:rPr lang="es-PE" smtClean="0"/>
-              <a:t>06/07/2012</a:t>
+              <a:t>21/02/2013</a:t>
             </a:fld>
             <a:endParaRPr lang="es-PE"/>
           </a:p>
@@ -5212,7 +2366,7 @@
           <a:p>
             <a:fld id="{FCE2F2F3-FB49-4DEF-A20F-C298C96728F0}" type="datetimeFigureOut">
               <a:rPr lang="es-PE" smtClean="0"/>
-              <a:t>06/07/2012</a:t>
+              <a:t>21/02/2013</a:t>
             </a:fld>
             <a:endParaRPr lang="es-PE"/>
           </a:p>
@@ -5465,7 +2619,7 @@
           <a:p>
             <a:fld id="{FCE2F2F3-FB49-4DEF-A20F-C298C96728F0}" type="datetimeFigureOut">
               <a:rPr lang="es-PE" smtClean="0"/>
-              <a:t>06/07/2012</a:t>
+              <a:t>21/02/2013</a:t>
             </a:fld>
             <a:endParaRPr lang="es-PE"/>
           </a:p>
@@ -5760,7 +2914,7 @@
           <a:p>
             <a:fld id="{FCE2F2F3-FB49-4DEF-A20F-C298C96728F0}" type="datetimeFigureOut">
               <a:rPr lang="es-PE" smtClean="0"/>
-              <a:t>06/07/2012</a:t>
+              <a:t>21/02/2013</a:t>
             </a:fld>
             <a:endParaRPr lang="es-PE"/>
           </a:p>
@@ -6189,7 +3343,7 @@
           <a:p>
             <a:fld id="{FCE2F2F3-FB49-4DEF-A20F-C298C96728F0}" type="datetimeFigureOut">
               <a:rPr lang="es-PE" smtClean="0"/>
-              <a:t>06/07/2012</a:t>
+              <a:t>21/02/2013</a:t>
             </a:fld>
             <a:endParaRPr lang="es-PE"/>
           </a:p>
@@ -6314,7 +3468,7 @@
           <a:p>
             <a:fld id="{FCE2F2F3-FB49-4DEF-A20F-C298C96728F0}" type="datetimeFigureOut">
               <a:rPr lang="es-PE" smtClean="0"/>
-              <a:t>06/07/2012</a:t>
+              <a:t>21/02/2013</a:t>
             </a:fld>
             <a:endParaRPr lang="es-PE"/>
           </a:p>
@@ -6416,7 +3570,7 @@
           <a:p>
             <a:fld id="{FCE2F2F3-FB49-4DEF-A20F-C298C96728F0}" type="datetimeFigureOut">
               <a:rPr lang="es-PE" smtClean="0"/>
-              <a:t>06/07/2012</a:t>
+              <a:t>21/02/2013</a:t>
             </a:fld>
             <a:endParaRPr lang="es-PE"/>
           </a:p>
@@ -6700,7 +3854,7 @@
           <a:p>
             <a:fld id="{FCE2F2F3-FB49-4DEF-A20F-C298C96728F0}" type="datetimeFigureOut">
               <a:rPr lang="es-PE" smtClean="0"/>
-              <a:t>06/07/2012</a:t>
+              <a:t>21/02/2013</a:t>
             </a:fld>
             <a:endParaRPr lang="es-PE"/>
           </a:p>
@@ -6967,7 +4121,7 @@
           <a:p>
             <a:fld id="{FCE2F2F3-FB49-4DEF-A20F-C298C96728F0}" type="datetimeFigureOut">
               <a:rPr lang="es-PE" smtClean="0"/>
-              <a:t>06/07/2012</a:t>
+              <a:t>21/02/2013</a:t>
             </a:fld>
             <a:endParaRPr lang="es-PE"/>
           </a:p>
@@ -7212,7 +4366,7 @@
           <a:p>
             <a:fld id="{FCE2F2F3-FB49-4DEF-A20F-C298C96728F0}" type="datetimeFigureOut">
               <a:rPr lang="es-PE" smtClean="0"/>
-              <a:t>06/07/2012</a:t>
+              <a:t>21/02/2013</a:t>
             </a:fld>
             <a:endParaRPr lang="es-PE"/>
           </a:p>
@@ -7737,7 +4891,7 @@
         </p:nvSpPr>
         <p:spPr>
           <a:xfrm>
-            <a:off x="179512" y="1340768"/>
+            <a:off x="179512" y="1095127"/>
             <a:ext cx="8784976" cy="1584176"/>
           </a:xfrm>
         </p:spPr>
@@ -7760,222 +4914,6 @@
               </a:solidFill>
               <a:latin typeface="Matura MT Script Capitals" pitchFamily="66" charset="0"/>
             </a:endParaRPr>
-          </a:p>
-        </p:txBody>
-      </p:sp>
-      <p:sp>
-        <p:nvSpPr>
-          <p:cNvPr id="5" name="2 Subtítulo"/>
-          <p:cNvSpPr txBox="1">
-            <a:spLocks/>
-          </p:cNvSpPr>
-          <p:nvPr/>
-        </p:nvSpPr>
-        <p:spPr bwMode="auto">
-          <a:xfrm>
-            <a:off x="179512" y="5471621"/>
-            <a:ext cx="3214709" cy="515717"/>
-          </a:xfrm>
-          <a:prstGeom prst="rect">
-            <a:avLst/>
-          </a:prstGeom>
-          <a:noFill/>
-          <a:ln w="9525">
-            <a:noFill/>
-            <a:miter lim="800000"/>
-            <a:headEnd/>
-            <a:tailEnd/>
-          </a:ln>
-        </p:spPr>
-        <p:txBody>
-          <a:bodyPr vert="horz" wrap="square" lIns="91440" tIns="45720" rIns="91440" bIns="45720" numCol="1" rtlCol="0" anchor="t" anchorCtr="0" compatLnSpc="1">
-            <a:prstTxWarp prst="textNoShape">
-              <a:avLst/>
-            </a:prstTxWarp>
-            <a:noAutofit/>
-          </a:bodyPr>
-          <a:lstStyle/>
-          <a:p>
-            <a:pPr marL="0" marR="0" lvl="0" indent="0" algn="ctr" defTabSz="914400" rtl="0" eaLnBrk="1" fontAlgn="auto" latinLnBrk="0" hangingPunct="1">
-              <a:lnSpc>
-                <a:spcPct val="100000"/>
-              </a:lnSpc>
-              <a:spcBef>
-                <a:spcPct val="20000"/>
-              </a:spcBef>
-              <a:spcAft>
-                <a:spcPts val="0"/>
-              </a:spcAft>
-              <a:buClrTx/>
-              <a:buSzTx/>
-              <a:buFont typeface="Arial" pitchFamily="34" charset="0"/>
-              <a:buNone/>
-              <a:tabLst/>
-              <a:defRPr/>
-            </a:pPr>
-            <a:r>
-              <a:rPr kumimoji="0" lang="es-PE" sz="2600" b="1" i="0" u="none" strike="noStrike" kern="1200" cap="none" spc="0" normalizeH="0" baseline="0" noProof="0" dirty="0" smtClean="0">
-                <a:ln>
-                  <a:noFill/>
-                </a:ln>
-                <a:solidFill>
-                  <a:srgbClr val="00B050"/>
-                </a:solidFill>
-                <a:effectLst/>
-                <a:uLnTx/>
-                <a:uFillTx/>
-              </a:rPr>
-              <a:t>Angel Núñez Salazar</a:t>
-            </a:r>
-          </a:p>
-        </p:txBody>
-      </p:sp>
-      <p:sp>
-        <p:nvSpPr>
-          <p:cNvPr id="6" name="Rectangle 1"/>
-          <p:cNvSpPr>
-            <a:spLocks noChangeArrowheads="1"/>
-          </p:cNvSpPr>
-          <p:nvPr/>
-        </p:nvSpPr>
-        <p:spPr bwMode="auto">
-          <a:xfrm>
-            <a:off x="3715072" y="5221649"/>
-            <a:ext cx="5105400" cy="1015663"/>
-          </a:xfrm>
-          <a:prstGeom prst="rect">
-            <a:avLst/>
-          </a:prstGeom>
-          <a:noFill/>
-          <a:ln w="9525">
-            <a:noFill/>
-            <a:miter lim="800000"/>
-            <a:headEnd/>
-            <a:tailEnd/>
-          </a:ln>
-          <a:effectLst/>
-        </p:spPr>
-        <p:txBody>
-          <a:bodyPr vert="horz" wrap="square" lIns="91440" tIns="45720" rIns="91440" bIns="45720" numCol="1" anchor="ctr" anchorCtr="0" compatLnSpc="1">
-            <a:prstTxWarp prst="textNoShape">
-              <a:avLst/>
-            </a:prstTxWarp>
-            <a:spAutoFit/>
-          </a:bodyPr>
-          <a:lstStyle/>
-          <a:p>
-            <a:pPr lvl="0" algn="r" fontAlgn="base">
-              <a:spcBef>
-                <a:spcPct val="0"/>
-              </a:spcBef>
-              <a:spcAft>
-                <a:spcPct val="0"/>
-              </a:spcAft>
-            </a:pPr>
-            <a:r>
-              <a:rPr lang="en-US" sz="2000" b="1" dirty="0" smtClean="0">
-                <a:solidFill>
-                  <a:srgbClr val="00B050"/>
-                </a:solidFill>
-                <a:latin typeface="Trebuchet MS" pitchFamily="34" charset="0"/>
-                <a:ea typeface="Calibri" pitchFamily="34" charset="0"/>
-                <a:cs typeface="Arial" pitchFamily="34" charset="0"/>
-              </a:rPr>
-              <a:t>angel.nunez.salazar@gmail.com</a:t>
-            </a:r>
-            <a:endParaRPr lang="en-US" sz="2000" b="1" dirty="0">
-              <a:solidFill>
-                <a:srgbClr val="00B050"/>
-              </a:solidFill>
-              <a:latin typeface="Trebuchet MS" pitchFamily="34" charset="0"/>
-              <a:ea typeface="Calibri" pitchFamily="34" charset="0"/>
-              <a:cs typeface="Arial" pitchFamily="34" charset="0"/>
-            </a:endParaRPr>
-          </a:p>
-          <a:p>
-            <a:pPr lvl="0" algn="r" eaLnBrk="0" fontAlgn="base" hangingPunct="0">
-              <a:spcBef>
-                <a:spcPct val="0"/>
-              </a:spcBef>
-              <a:spcAft>
-                <a:spcPct val="0"/>
-              </a:spcAft>
-            </a:pPr>
-            <a:r>
-              <a:rPr lang="en-US" sz="2000" b="1" dirty="0" smtClean="0">
-                <a:solidFill>
-                  <a:srgbClr val="00B050"/>
-                </a:solidFill>
-                <a:latin typeface="Trebuchet MS" pitchFamily="34" charset="0"/>
-                <a:ea typeface="Calibri" pitchFamily="34" charset="0"/>
-                <a:cs typeface="Arial" pitchFamily="34" charset="0"/>
-              </a:rPr>
-              <a:t>http</a:t>
-            </a:r>
-            <a:r>
-              <a:rPr lang="en-US" sz="2000" b="1" dirty="0">
-                <a:solidFill>
-                  <a:srgbClr val="00B050"/>
-                </a:solidFill>
-                <a:latin typeface="Trebuchet MS" pitchFamily="34" charset="0"/>
-                <a:ea typeface="Calibri" pitchFamily="34" charset="0"/>
-                <a:cs typeface="Arial" pitchFamily="34" charset="0"/>
-              </a:rPr>
-              <a:t>://</a:t>
-            </a:r>
-            <a:r>
-              <a:rPr lang="en-US" sz="2000" b="1" dirty="0" smtClean="0">
-                <a:solidFill>
-                  <a:srgbClr val="00B050"/>
-                </a:solidFill>
-                <a:latin typeface="Trebuchet MS" pitchFamily="34" charset="0"/>
-                <a:ea typeface="Calibri" pitchFamily="34" charset="0"/>
-                <a:cs typeface="Arial" pitchFamily="34" charset="0"/>
-              </a:rPr>
-              <a:t>snahider.blogspot.com</a:t>
-            </a:r>
-          </a:p>
-          <a:p>
-            <a:pPr lvl="0" algn="r" eaLnBrk="0" fontAlgn="base" hangingPunct="0">
-              <a:spcBef>
-                <a:spcPct val="0"/>
-              </a:spcBef>
-              <a:spcAft>
-                <a:spcPct val="0"/>
-              </a:spcAft>
-            </a:pPr>
-            <a:r>
-              <a:rPr lang="en-US" sz="2000" b="1" dirty="0" smtClean="0">
-                <a:solidFill>
-                  <a:srgbClr val="00B050"/>
-                </a:solidFill>
-                <a:latin typeface="Trebuchet MS" pitchFamily="34" charset="0"/>
-                <a:ea typeface="Calibri" pitchFamily="34" charset="0"/>
-                <a:cs typeface="Arial" pitchFamily="34" charset="0"/>
-              </a:rPr>
-              <a:t>@</a:t>
-            </a:r>
-            <a:r>
-              <a:rPr lang="en-US" sz="2000" b="1" dirty="0" err="1" smtClean="0">
-                <a:solidFill>
-                  <a:srgbClr val="00B050"/>
-                </a:solidFill>
-                <a:latin typeface="Trebuchet MS" pitchFamily="34" charset="0"/>
-                <a:ea typeface="Calibri" pitchFamily="34" charset="0"/>
-                <a:cs typeface="Arial" pitchFamily="34" charset="0"/>
-              </a:rPr>
-              <a:t>snahider</a:t>
-            </a:r>
-            <a:r>
-              <a:rPr lang="en-US" sz="2000" b="1" dirty="0" smtClean="0">
-                <a:solidFill>
-                  <a:srgbClr val="00B050"/>
-                </a:solidFill>
-                <a:latin typeface="Trebuchet MS" pitchFamily="34" charset="0"/>
-                <a:cs typeface="Arial" pitchFamily="34" charset="0"/>
-              </a:rPr>
-              <a:t> </a:t>
-            </a:r>
           </a:p>
         </p:txBody>
       </p:sp>
@@ -7988,11 +4926,11 @@
           <p:nvPr/>
         </p:nvPicPr>
         <p:blipFill>
-          <a:blip r:embed="rId2">
+          <a:blip r:embed="rId3">
             <a:extLst>
               <a:ext uri="{BEBA8EAE-BF5A-486C-A8C5-ECC9F3942E4B}">
                 <a14:imgProps xmlns:a14="http://schemas.microsoft.com/office/drawing/2010/main">
-                  <a14:imgLayer r:embed="rId3">
+                  <a14:imgLayer r:embed="rId4">
                     <a14:imgEffect>
                       <a14:backgroundRemoval t="9816" b="100000" l="0" r="100000">
                         <a14:foregroundMark x1="11741" y1="66871" x2="12146" y2="74233"/>
@@ -8018,7 +4956,7 @@
         </p:blipFill>
         <p:spPr>
           <a:xfrm>
-            <a:off x="3456729" y="2636911"/>
+            <a:off x="3402297" y="2391270"/>
             <a:ext cx="2339407" cy="1543819"/>
           </a:xfrm>
           <a:prstGeom prst="rect">
@@ -8034,7 +4972,7 @@
         </p:nvSpPr>
         <p:spPr>
           <a:xfrm>
-            <a:off x="4195432" y="4149080"/>
+            <a:off x="4059680" y="3903439"/>
             <a:ext cx="1024640" cy="461665"/>
           </a:xfrm>
           <a:prstGeom prst="rect">
@@ -8079,6 +5017,540 @@
           </a:p>
         </p:txBody>
       </p:sp>
+      <p:sp>
+        <p:nvSpPr>
+          <p:cNvPr id="10" name="Text Box 2"/>
+          <p:cNvSpPr txBox="1">
+            <a:spLocks noChangeArrowheads="1"/>
+          </p:cNvSpPr>
+          <p:nvPr/>
+        </p:nvSpPr>
+        <p:spPr bwMode="auto">
+          <a:xfrm>
+            <a:off x="330061" y="4725144"/>
+            <a:ext cx="3795712" cy="1730148"/>
+          </a:xfrm>
+          <a:prstGeom prst="rect">
+            <a:avLst/>
+          </a:prstGeom>
+          <a:noFill/>
+          <a:ln>
+            <a:noFill/>
+          </a:ln>
+          <a:extLst>
+            <a:ext uri="{909E8E84-426E-40DD-AFC4-6F175D3DCCD1}">
+              <a14:hiddenFill xmlns:a14="http://schemas.microsoft.com/office/drawing/2010/main">
+                <a:solidFill>
+                  <a:srgbClr val="FFFFFF"/>
+                </a:solidFill>
+              </a14:hiddenFill>
+            </a:ext>
+            <a:ext uri="{91240B29-F687-4F45-9708-019B960494DF}">
+              <a14:hiddenLine xmlns:a14="http://schemas.microsoft.com/office/drawing/2010/main" w="9525">
+                <a:solidFill>
+                  <a:srgbClr val="000000"/>
+                </a:solidFill>
+                <a:round/>
+                <a:headEnd/>
+                <a:tailEnd/>
+              </a14:hiddenLine>
+            </a:ext>
+          </a:extLst>
+        </p:spPr>
+        <p:txBody>
+          <a:bodyPr lIns="90000" tIns="46800" rIns="90000" bIns="46800"/>
+          <a:lstStyle>
+            <a:lvl1pPr marL="319088" indent="-315913" eaLnBrk="0" hangingPunct="0">
+              <a:tabLst>
+                <a:tab pos="319088" algn="l"/>
+                <a:tab pos="776288" algn="l"/>
+                <a:tab pos="1233488" algn="l"/>
+                <a:tab pos="1690688" algn="l"/>
+                <a:tab pos="2147888" algn="l"/>
+                <a:tab pos="2605088" algn="l"/>
+                <a:tab pos="3062288" algn="l"/>
+                <a:tab pos="3519488" algn="l"/>
+                <a:tab pos="3976688" algn="l"/>
+                <a:tab pos="4433888" algn="l"/>
+                <a:tab pos="4891088" algn="l"/>
+                <a:tab pos="5348288" algn="l"/>
+                <a:tab pos="5805488" algn="l"/>
+                <a:tab pos="6262688" algn="l"/>
+                <a:tab pos="6719888" algn="l"/>
+                <a:tab pos="7177088" algn="l"/>
+                <a:tab pos="7634288" algn="l"/>
+                <a:tab pos="8091488" algn="l"/>
+                <a:tab pos="8548688" algn="l"/>
+                <a:tab pos="9005888" algn="l"/>
+                <a:tab pos="9463088" algn="l"/>
+              </a:tabLst>
+              <a:defRPr sz="2400">
+                <a:solidFill>
+                  <a:schemeClr val="tx1"/>
+                </a:solidFill>
+                <a:latin typeface="Arial" pitchFamily="34" charset="0"/>
+                <a:ea typeface="ＭＳ Ｐゴシック" pitchFamily="34" charset="-128"/>
+              </a:defRPr>
+            </a:lvl1pPr>
+            <a:lvl2pPr marL="742950" indent="-285750" eaLnBrk="0" hangingPunct="0">
+              <a:tabLst>
+                <a:tab pos="319088" algn="l"/>
+                <a:tab pos="776288" algn="l"/>
+                <a:tab pos="1233488" algn="l"/>
+                <a:tab pos="1690688" algn="l"/>
+                <a:tab pos="2147888" algn="l"/>
+                <a:tab pos="2605088" algn="l"/>
+                <a:tab pos="3062288" algn="l"/>
+                <a:tab pos="3519488" algn="l"/>
+                <a:tab pos="3976688" algn="l"/>
+                <a:tab pos="4433888" algn="l"/>
+                <a:tab pos="4891088" algn="l"/>
+                <a:tab pos="5348288" algn="l"/>
+                <a:tab pos="5805488" algn="l"/>
+                <a:tab pos="6262688" algn="l"/>
+                <a:tab pos="6719888" algn="l"/>
+                <a:tab pos="7177088" algn="l"/>
+                <a:tab pos="7634288" algn="l"/>
+                <a:tab pos="8091488" algn="l"/>
+                <a:tab pos="8548688" algn="l"/>
+                <a:tab pos="9005888" algn="l"/>
+                <a:tab pos="9463088" algn="l"/>
+              </a:tabLst>
+              <a:defRPr sz="2400">
+                <a:solidFill>
+                  <a:schemeClr val="tx1"/>
+                </a:solidFill>
+                <a:latin typeface="Arial" pitchFamily="34" charset="0"/>
+                <a:ea typeface="ＭＳ Ｐゴシック" pitchFamily="34" charset="-128"/>
+              </a:defRPr>
+            </a:lvl2pPr>
+            <a:lvl3pPr marL="1143000" indent="-228600" eaLnBrk="0" hangingPunct="0">
+              <a:tabLst>
+                <a:tab pos="319088" algn="l"/>
+                <a:tab pos="776288" algn="l"/>
+                <a:tab pos="1233488" algn="l"/>
+                <a:tab pos="1690688" algn="l"/>
+                <a:tab pos="2147888" algn="l"/>
+                <a:tab pos="2605088" algn="l"/>
+                <a:tab pos="3062288" algn="l"/>
+                <a:tab pos="3519488" algn="l"/>
+                <a:tab pos="3976688" algn="l"/>
+                <a:tab pos="4433888" algn="l"/>
+                <a:tab pos="4891088" algn="l"/>
+                <a:tab pos="5348288" algn="l"/>
+                <a:tab pos="5805488" algn="l"/>
+                <a:tab pos="6262688" algn="l"/>
+                <a:tab pos="6719888" algn="l"/>
+                <a:tab pos="7177088" algn="l"/>
+                <a:tab pos="7634288" algn="l"/>
+                <a:tab pos="8091488" algn="l"/>
+                <a:tab pos="8548688" algn="l"/>
+                <a:tab pos="9005888" algn="l"/>
+                <a:tab pos="9463088" algn="l"/>
+              </a:tabLst>
+              <a:defRPr sz="2400">
+                <a:solidFill>
+                  <a:schemeClr val="tx1"/>
+                </a:solidFill>
+                <a:latin typeface="Arial" pitchFamily="34" charset="0"/>
+                <a:ea typeface="ＭＳ Ｐゴシック" pitchFamily="34" charset="-128"/>
+              </a:defRPr>
+            </a:lvl3pPr>
+            <a:lvl4pPr marL="1600200" indent="-228600" eaLnBrk="0" hangingPunct="0">
+              <a:tabLst>
+                <a:tab pos="319088" algn="l"/>
+                <a:tab pos="776288" algn="l"/>
+                <a:tab pos="1233488" algn="l"/>
+                <a:tab pos="1690688" algn="l"/>
+                <a:tab pos="2147888" algn="l"/>
+                <a:tab pos="2605088" algn="l"/>
+                <a:tab pos="3062288" algn="l"/>
+                <a:tab pos="3519488" algn="l"/>
+                <a:tab pos="3976688" algn="l"/>
+                <a:tab pos="4433888" algn="l"/>
+                <a:tab pos="4891088" algn="l"/>
+                <a:tab pos="5348288" algn="l"/>
+                <a:tab pos="5805488" algn="l"/>
+                <a:tab pos="6262688" algn="l"/>
+                <a:tab pos="6719888" algn="l"/>
+                <a:tab pos="7177088" algn="l"/>
+                <a:tab pos="7634288" algn="l"/>
+                <a:tab pos="8091488" algn="l"/>
+                <a:tab pos="8548688" algn="l"/>
+                <a:tab pos="9005888" algn="l"/>
+                <a:tab pos="9463088" algn="l"/>
+              </a:tabLst>
+              <a:defRPr sz="2400">
+                <a:solidFill>
+                  <a:schemeClr val="tx1"/>
+                </a:solidFill>
+                <a:latin typeface="Arial" pitchFamily="34" charset="0"/>
+                <a:ea typeface="ＭＳ Ｐゴシック" pitchFamily="34" charset="-128"/>
+              </a:defRPr>
+            </a:lvl4pPr>
+            <a:lvl5pPr marL="2057400" indent="-228600" eaLnBrk="0" hangingPunct="0">
+              <a:tabLst>
+                <a:tab pos="319088" algn="l"/>
+                <a:tab pos="776288" algn="l"/>
+                <a:tab pos="1233488" algn="l"/>
+                <a:tab pos="1690688" algn="l"/>
+                <a:tab pos="2147888" algn="l"/>
+                <a:tab pos="2605088" algn="l"/>
+                <a:tab pos="3062288" algn="l"/>
+                <a:tab pos="3519488" algn="l"/>
+                <a:tab pos="3976688" algn="l"/>
+                <a:tab pos="4433888" algn="l"/>
+                <a:tab pos="4891088" algn="l"/>
+                <a:tab pos="5348288" algn="l"/>
+                <a:tab pos="5805488" algn="l"/>
+                <a:tab pos="6262688" algn="l"/>
+                <a:tab pos="6719888" algn="l"/>
+                <a:tab pos="7177088" algn="l"/>
+                <a:tab pos="7634288" algn="l"/>
+                <a:tab pos="8091488" algn="l"/>
+                <a:tab pos="8548688" algn="l"/>
+                <a:tab pos="9005888" algn="l"/>
+                <a:tab pos="9463088" algn="l"/>
+              </a:tabLst>
+              <a:defRPr sz="2400">
+                <a:solidFill>
+                  <a:schemeClr val="tx1"/>
+                </a:solidFill>
+                <a:latin typeface="Arial" pitchFamily="34" charset="0"/>
+                <a:ea typeface="ＭＳ Ｐゴシック" pitchFamily="34" charset="-128"/>
+              </a:defRPr>
+            </a:lvl5pPr>
+            <a:lvl6pPr marL="2514600" indent="-228600" eaLnBrk="0" fontAlgn="base" hangingPunct="0">
+              <a:spcBef>
+                <a:spcPct val="0"/>
+              </a:spcBef>
+              <a:spcAft>
+                <a:spcPct val="0"/>
+              </a:spcAft>
+              <a:tabLst>
+                <a:tab pos="319088" algn="l"/>
+                <a:tab pos="776288" algn="l"/>
+                <a:tab pos="1233488" algn="l"/>
+                <a:tab pos="1690688" algn="l"/>
+                <a:tab pos="2147888" algn="l"/>
+                <a:tab pos="2605088" algn="l"/>
+                <a:tab pos="3062288" algn="l"/>
+                <a:tab pos="3519488" algn="l"/>
+                <a:tab pos="3976688" algn="l"/>
+                <a:tab pos="4433888" algn="l"/>
+                <a:tab pos="4891088" algn="l"/>
+                <a:tab pos="5348288" algn="l"/>
+                <a:tab pos="5805488" algn="l"/>
+                <a:tab pos="6262688" algn="l"/>
+                <a:tab pos="6719888" algn="l"/>
+                <a:tab pos="7177088" algn="l"/>
+                <a:tab pos="7634288" algn="l"/>
+                <a:tab pos="8091488" algn="l"/>
+                <a:tab pos="8548688" algn="l"/>
+                <a:tab pos="9005888" algn="l"/>
+                <a:tab pos="9463088" algn="l"/>
+              </a:tabLst>
+              <a:defRPr sz="2400">
+                <a:solidFill>
+                  <a:schemeClr val="tx1"/>
+                </a:solidFill>
+                <a:latin typeface="Arial" pitchFamily="34" charset="0"/>
+                <a:ea typeface="ＭＳ Ｐゴシック" pitchFamily="34" charset="-128"/>
+              </a:defRPr>
+            </a:lvl6pPr>
+            <a:lvl7pPr marL="2971800" indent="-228600" eaLnBrk="0" fontAlgn="base" hangingPunct="0">
+              <a:spcBef>
+                <a:spcPct val="0"/>
+              </a:spcBef>
+              <a:spcAft>
+                <a:spcPct val="0"/>
+              </a:spcAft>
+              <a:tabLst>
+                <a:tab pos="319088" algn="l"/>
+                <a:tab pos="776288" algn="l"/>
+                <a:tab pos="1233488" algn="l"/>
+                <a:tab pos="1690688" algn="l"/>
+                <a:tab pos="2147888" algn="l"/>
+                <a:tab pos="2605088" algn="l"/>
+                <a:tab pos="3062288" algn="l"/>
+                <a:tab pos="3519488" algn="l"/>
+                <a:tab pos="3976688" algn="l"/>
+                <a:tab pos="4433888" algn="l"/>
+                <a:tab pos="4891088" algn="l"/>
+                <a:tab pos="5348288" algn="l"/>
+                <a:tab pos="5805488" algn="l"/>
+                <a:tab pos="6262688" algn="l"/>
+                <a:tab pos="6719888" algn="l"/>
+                <a:tab pos="7177088" algn="l"/>
+                <a:tab pos="7634288" algn="l"/>
+                <a:tab pos="8091488" algn="l"/>
+                <a:tab pos="8548688" algn="l"/>
+                <a:tab pos="9005888" algn="l"/>
+                <a:tab pos="9463088" algn="l"/>
+              </a:tabLst>
+              <a:defRPr sz="2400">
+                <a:solidFill>
+                  <a:schemeClr val="tx1"/>
+                </a:solidFill>
+                <a:latin typeface="Arial" pitchFamily="34" charset="0"/>
+                <a:ea typeface="ＭＳ Ｐゴシック" pitchFamily="34" charset="-128"/>
+              </a:defRPr>
+            </a:lvl7pPr>
+            <a:lvl8pPr marL="3429000" indent="-228600" eaLnBrk="0" fontAlgn="base" hangingPunct="0">
+              <a:spcBef>
+                <a:spcPct val="0"/>
+              </a:spcBef>
+              <a:spcAft>
+                <a:spcPct val="0"/>
+              </a:spcAft>
+              <a:tabLst>
+                <a:tab pos="319088" algn="l"/>
+                <a:tab pos="776288" algn="l"/>
+                <a:tab pos="1233488" algn="l"/>
+                <a:tab pos="1690688" algn="l"/>
+                <a:tab pos="2147888" algn="l"/>
+                <a:tab pos="2605088" algn="l"/>
+                <a:tab pos="3062288" algn="l"/>
+                <a:tab pos="3519488" algn="l"/>
+                <a:tab pos="3976688" algn="l"/>
+                <a:tab pos="4433888" algn="l"/>
+                <a:tab pos="4891088" algn="l"/>
+                <a:tab pos="5348288" algn="l"/>
+                <a:tab pos="5805488" algn="l"/>
+                <a:tab pos="6262688" algn="l"/>
+                <a:tab pos="6719888" algn="l"/>
+                <a:tab pos="7177088" algn="l"/>
+                <a:tab pos="7634288" algn="l"/>
+                <a:tab pos="8091488" algn="l"/>
+                <a:tab pos="8548688" algn="l"/>
+                <a:tab pos="9005888" algn="l"/>
+                <a:tab pos="9463088" algn="l"/>
+              </a:tabLst>
+              <a:defRPr sz="2400">
+                <a:solidFill>
+                  <a:schemeClr val="tx1"/>
+                </a:solidFill>
+                <a:latin typeface="Arial" pitchFamily="34" charset="0"/>
+                <a:ea typeface="ＭＳ Ｐゴシック" pitchFamily="34" charset="-128"/>
+              </a:defRPr>
+            </a:lvl8pPr>
+            <a:lvl9pPr marL="3886200" indent="-228600" eaLnBrk="0" fontAlgn="base" hangingPunct="0">
+              <a:spcBef>
+                <a:spcPct val="0"/>
+              </a:spcBef>
+              <a:spcAft>
+                <a:spcPct val="0"/>
+              </a:spcAft>
+              <a:tabLst>
+                <a:tab pos="319088" algn="l"/>
+                <a:tab pos="776288" algn="l"/>
+                <a:tab pos="1233488" algn="l"/>
+                <a:tab pos="1690688" algn="l"/>
+                <a:tab pos="2147888" algn="l"/>
+                <a:tab pos="2605088" algn="l"/>
+                <a:tab pos="3062288" algn="l"/>
+                <a:tab pos="3519488" algn="l"/>
+                <a:tab pos="3976688" algn="l"/>
+                <a:tab pos="4433888" algn="l"/>
+                <a:tab pos="4891088" algn="l"/>
+                <a:tab pos="5348288" algn="l"/>
+                <a:tab pos="5805488" algn="l"/>
+                <a:tab pos="6262688" algn="l"/>
+                <a:tab pos="6719888" algn="l"/>
+                <a:tab pos="7177088" algn="l"/>
+                <a:tab pos="7634288" algn="l"/>
+                <a:tab pos="8091488" algn="l"/>
+                <a:tab pos="8548688" algn="l"/>
+                <a:tab pos="9005888" algn="l"/>
+                <a:tab pos="9463088" algn="l"/>
+              </a:tabLst>
+              <a:defRPr sz="2400">
+                <a:solidFill>
+                  <a:schemeClr val="tx1"/>
+                </a:solidFill>
+                <a:latin typeface="Arial" pitchFamily="34" charset="0"/>
+                <a:ea typeface="ＭＳ Ｐゴシック" pitchFamily="34" charset="-128"/>
+              </a:defRPr>
+            </a:lvl9pPr>
+          </a:lstStyle>
+          <a:p>
+            <a:pPr eaLnBrk="1" hangingPunct="1">
+              <a:spcBef>
+                <a:spcPts val="700"/>
+              </a:spcBef>
+              <a:buSzPct val="60000"/>
+            </a:pPr>
+            <a:r>
+              <a:rPr lang="es-PE" sz="2800" b="1" i="1" dirty="0" smtClean="0">
+                <a:solidFill>
+                  <a:schemeClr val="bg2">
+                    <a:lumMod val="60000"/>
+                    <a:lumOff val="40000"/>
+                  </a:schemeClr>
+                </a:solidFill>
+                <a:latin typeface="Calibri" pitchFamily="34" charset="0"/>
+              </a:rPr>
+              <a:t>Angel N</a:t>
+            </a:r>
+            <a:r>
+              <a:rPr lang="en-US" sz="2800" b="1" i="1" dirty="0" smtClean="0">
+                <a:solidFill>
+                  <a:schemeClr val="bg2">
+                    <a:lumMod val="60000"/>
+                    <a:lumOff val="40000"/>
+                  </a:schemeClr>
+                </a:solidFill>
+                <a:latin typeface="Calibri" pitchFamily="34" charset="0"/>
+              </a:rPr>
+              <a:t>ú</a:t>
+            </a:r>
+            <a:r>
+              <a:rPr lang="es-PE" sz="2800" b="1" i="1" dirty="0" err="1" smtClean="0">
+                <a:solidFill>
+                  <a:schemeClr val="bg2">
+                    <a:lumMod val="60000"/>
+                    <a:lumOff val="40000"/>
+                  </a:schemeClr>
+                </a:solidFill>
+                <a:latin typeface="Calibri" pitchFamily="34" charset="0"/>
+              </a:rPr>
+              <a:t>ñez</a:t>
+            </a:r>
+            <a:r>
+              <a:rPr lang="es-PE" sz="2800" b="1" i="1" dirty="0" smtClean="0">
+                <a:solidFill>
+                  <a:schemeClr val="bg2">
+                    <a:lumMod val="60000"/>
+                    <a:lumOff val="40000"/>
+                  </a:schemeClr>
+                </a:solidFill>
+                <a:latin typeface="Calibri" pitchFamily="34" charset="0"/>
+              </a:rPr>
+              <a:t> Salazar</a:t>
+            </a:r>
+            <a:endParaRPr lang="es-PE" sz="2800" b="1" i="1" dirty="0">
+              <a:solidFill>
+                <a:schemeClr val="bg2">
+                  <a:lumMod val="60000"/>
+                  <a:lumOff val="40000"/>
+                </a:schemeClr>
+              </a:solidFill>
+              <a:latin typeface="Calibri" pitchFamily="34" charset="0"/>
+            </a:endParaRPr>
+          </a:p>
+          <a:p>
+            <a:pPr eaLnBrk="1" hangingPunct="1">
+              <a:spcBef>
+                <a:spcPts val="700"/>
+              </a:spcBef>
+              <a:buSzPct val="60000"/>
+            </a:pPr>
+            <a:r>
+              <a:rPr lang="es-PE" sz="2000" dirty="0">
+                <a:solidFill>
+                  <a:schemeClr val="bg1"/>
+                </a:solidFill>
+                <a:latin typeface="+mn-lt"/>
+                <a:ea typeface="+mn-ea"/>
+              </a:rPr>
+              <a:t>angel.nunez@openedgetech.com</a:t>
+            </a:r>
+          </a:p>
+          <a:p>
+            <a:pPr eaLnBrk="1" hangingPunct="1">
+              <a:spcBef>
+                <a:spcPts val="700"/>
+              </a:spcBef>
+              <a:buSzPct val="60000"/>
+            </a:pPr>
+            <a:r>
+              <a:rPr lang="es-PE" sz="2000" dirty="0">
+                <a:solidFill>
+                  <a:schemeClr val="bg1"/>
+                </a:solidFill>
+                <a:latin typeface="+mn-lt"/>
+                <a:ea typeface="+mn-ea"/>
+              </a:rPr>
+              <a:t>snahider.blogspot.com</a:t>
+            </a:r>
+          </a:p>
+          <a:p>
+            <a:pPr eaLnBrk="1" hangingPunct="1">
+              <a:spcBef>
+                <a:spcPts val="700"/>
+              </a:spcBef>
+              <a:buSzPct val="60000"/>
+            </a:pPr>
+            <a:r>
+              <a:rPr lang="es-PE" sz="2000" dirty="0">
+                <a:solidFill>
+                  <a:schemeClr val="bg1"/>
+                </a:solidFill>
+                <a:latin typeface="+mn-lt"/>
+                <a:ea typeface="+mn-ea"/>
+              </a:rPr>
+              <a:t>@</a:t>
+            </a:r>
+            <a:r>
+              <a:rPr lang="es-PE" sz="2000" dirty="0" err="1">
+                <a:solidFill>
+                  <a:schemeClr val="bg1"/>
+                </a:solidFill>
+                <a:latin typeface="+mn-lt"/>
+                <a:ea typeface="+mn-ea"/>
+              </a:rPr>
+              <a:t>snahider</a:t>
+            </a:r>
+            <a:endParaRPr lang="es-PE" sz="2000" dirty="0">
+              <a:solidFill>
+                <a:schemeClr val="bg1"/>
+              </a:solidFill>
+              <a:latin typeface="+mn-lt"/>
+              <a:ea typeface="+mn-ea"/>
+            </a:endParaRPr>
+          </a:p>
+          <a:p>
+            <a:pPr eaLnBrk="1" hangingPunct="1">
+              <a:spcBef>
+                <a:spcPts val="700"/>
+              </a:spcBef>
+              <a:buSzPct val="60000"/>
+            </a:pPr>
+            <a:endParaRPr lang="es-PE" sz="1800" i="1" dirty="0">
+              <a:latin typeface="Calibri" pitchFamily="34" charset="0"/>
+            </a:endParaRPr>
+          </a:p>
+        </p:txBody>
+      </p:sp>
+      <p:pic>
+        <p:nvPicPr>
+          <p:cNvPr id="2" name="1 Imagen"/>
+          <p:cNvPicPr>
+            <a:picLocks noChangeAspect="1"/>
+          </p:cNvPicPr>
+          <p:nvPr/>
+        </p:nvPicPr>
+        <p:blipFill rotWithShape="1">
+          <a:blip r:embed="rId5">
+            <a:extLst>
+              <a:ext uri="{28A0092B-C50C-407E-A947-70E740481C1C}">
+                <a14:useLocalDpi xmlns:a14="http://schemas.microsoft.com/office/drawing/2010/main" val="0"/>
+              </a:ext>
+            </a:extLst>
+          </a:blip>
+          <a:srcRect t="16970" b="16970"/>
+          <a:stretch/>
+        </p:blipFill>
+        <p:spPr>
+          <a:xfrm>
+            <a:off x="6228184" y="4725144"/>
+            <a:ext cx="2619048" cy="1730148"/>
+          </a:xfrm>
+          <a:prstGeom prst="rect">
+            <a:avLst/>
+          </a:prstGeom>
+        </p:spPr>
+      </p:pic>
     </p:spTree>
     <p:extLst>
       <p:ext uri="{BB962C8B-B14F-4D97-AF65-F5344CB8AC3E}">
@@ -8128,7 +5600,7 @@
         </p:nvSpPr>
         <p:spPr>
           <a:xfrm>
-            <a:off x="467544" y="216350"/>
+            <a:off x="503220" y="692696"/>
             <a:ext cx="8229600" cy="720080"/>
           </a:xfrm>
         </p:spPr>
@@ -8144,27 +5616,7 @@
                 <a:latin typeface="Arial" pitchFamily="34" charset="0"/>
                 <a:cs typeface="Arial" pitchFamily="34" charset="0"/>
               </a:rPr>
-              <a:t>Desafío: </a:t>
-            </a:r>
-            <a:r>
-              <a:rPr lang="es-PE" dirty="0" err="1" smtClean="0">
-                <a:solidFill>
-                  <a:srgbClr val="C00000"/>
-                </a:solidFill>
-                <a:latin typeface="Arial" pitchFamily="34" charset="0"/>
-                <a:cs typeface="Arial" pitchFamily="34" charset="0"/>
-              </a:rPr>
-              <a:t>Tennis</a:t>
-            </a:r>
-            <a:r>
-              <a:rPr lang="es-PE" dirty="0" smtClean="0">
-                <a:solidFill>
-                  <a:srgbClr val="C00000"/>
-                </a:solidFill>
-                <a:latin typeface="Arial" pitchFamily="34" charset="0"/>
-                <a:cs typeface="Arial" pitchFamily="34" charset="0"/>
-              </a:rPr>
-              <a:t> Kata</a:t>
+              <a:t>Próximos Pasos</a:t>
             </a:r>
             <a:endParaRPr lang="es-PE" dirty="0">
               <a:solidFill>
@@ -8188,179 +5640,133 @@
         </p:nvSpPr>
         <p:spPr>
           <a:xfrm>
-            <a:off x="623689" y="2276872"/>
-            <a:ext cx="7980759" cy="3816424"/>
+            <a:off x="627641" y="1916832"/>
+            <a:ext cx="7980759" cy="2376264"/>
           </a:xfrm>
         </p:spPr>
         <p:txBody>
           <a:bodyPr/>
           <a:lstStyle/>
           <a:p>
-            <a:pPr>
+            <a:pPr marL="0" indent="0" algn="ctr">
               <a:lnSpc>
                 <a:spcPts val="4500"/>
               </a:lnSpc>
               <a:buSzPct val="150000"/>
-              <a:buFontTx/>
-              <a:buChar char="-"/>
+              <a:buNone/>
             </a:pPr>
             <a:r>
-              <a:rPr lang="es-PE" sz="2400" dirty="0" smtClean="0">
+              <a:rPr lang="es-PE" sz="3600" b="1" i="1" dirty="0" smtClean="0">
                 <a:solidFill>
                   <a:schemeClr val="bg1"/>
                 </a:solidFill>
-                <a:cs typeface="Arial" pitchFamily="34" charset="0"/>
-              </a:rPr>
-              <a:t>Cada jugador comienza con 0 y va ganando puntos en la secuencia: 0 – 15 – 30 - 40.</a:t>
-            </a:r>
-          </a:p>
-          <a:p>
-            <a:pPr>
+              </a:rPr>
+              <a:t>Practiquen</a:t>
+            </a:r>
+            <a:r>
+              <a:rPr lang="es-PE" sz="3600" i="1" dirty="0" smtClean="0">
+                <a:solidFill>
+                  <a:schemeClr val="bg1"/>
+                </a:solidFill>
+              </a:rPr>
+              <a:t> este u otro Kata en su casa.</a:t>
+            </a:r>
+          </a:p>
+          <a:p>
+            <a:pPr marL="0" indent="0" algn="ctr">
               <a:lnSpc>
                 <a:spcPts val="4500"/>
               </a:lnSpc>
               <a:buSzPct val="150000"/>
-              <a:buFontTx/>
-              <a:buChar char="-"/>
+              <a:buNone/>
             </a:pPr>
-            <a:r>
-              <a:rPr lang="es-PE" sz="2400" dirty="0" smtClean="0">
-                <a:solidFill>
-                  <a:schemeClr val="bg1"/>
-                </a:solidFill>
-                <a:cs typeface="Arial" pitchFamily="34" charset="0"/>
-              </a:rPr>
-              <a:t>Si un jugador tiene 40 y anota nuevamente, gana!!.</a:t>
-            </a:r>
-          </a:p>
-          <a:p>
-            <a:pPr>
+            <a:endParaRPr lang="es-PE" sz="3600" i="1" dirty="0" smtClean="0">
+              <a:solidFill>
+                <a:schemeClr val="bg1"/>
+              </a:solidFill>
+            </a:endParaRPr>
+          </a:p>
+          <a:p>
+            <a:pPr marL="0" indent="0" algn="ctr">
               <a:lnSpc>
                 <a:spcPts val="4500"/>
               </a:lnSpc>
               <a:buSzPct val="150000"/>
-              <a:buFontTx/>
-              <a:buChar char="-"/>
+              <a:buNone/>
             </a:pPr>
             <a:r>
-              <a:rPr lang="es-PE" sz="2400" dirty="0" smtClean="0">
+              <a:rPr lang="es-PE" sz="3600" b="1" i="1" dirty="0" smtClean="0">
                 <a:solidFill>
                   <a:schemeClr val="bg1"/>
                 </a:solidFill>
                 <a:cs typeface="Arial" pitchFamily="34" charset="0"/>
               </a:rPr>
-              <a:t>Si 2 jugadores tienen  40  es un "</a:t>
-            </a:r>
-            <a:r>
-              <a:rPr lang="es-PE" sz="2400" dirty="0" err="1" smtClean="0">
+              <a:t>Organicen</a:t>
+            </a:r>
+            <a:r>
+              <a:rPr lang="es-PE" sz="3600" i="1" dirty="0" smtClean="0">
                 <a:solidFill>
                   <a:schemeClr val="bg1"/>
                 </a:solidFill>
                 <a:cs typeface="Arial" pitchFamily="34" charset="0"/>
               </a:rPr>
-              <a:t>deuce</a:t>
-            </a:r>
-            <a:r>
-              <a:rPr lang="es-PE" sz="2400" dirty="0" smtClean="0">
+              <a:t> sus propios </a:t>
+            </a:r>
+            <a:r>
+              <a:rPr lang="es-PE" sz="3600" i="1" dirty="0" err="1" smtClean="0">
                 <a:solidFill>
                   <a:schemeClr val="bg1"/>
                 </a:solidFill>
                 <a:cs typeface="Arial" pitchFamily="34" charset="0"/>
               </a:rPr>
-              <a:t>".</a:t>
-            </a:r>
-          </a:p>
-          <a:p>
-            <a:pPr>
+              <a:t>Coding</a:t>
+            </a:r>
+            <a:r>
+              <a:rPr lang="es-PE" sz="3600" i="1" dirty="0" smtClean="0">
+                <a:solidFill>
+                  <a:schemeClr val="bg1"/>
+                </a:solidFill>
+                <a:cs typeface="Arial" pitchFamily="34" charset="0"/>
+              </a:rPr>
+              <a:t> </a:t>
+            </a:r>
+            <a:r>
+              <a:rPr lang="es-PE" sz="3600" i="1" dirty="0" err="1" smtClean="0">
+                <a:solidFill>
+                  <a:schemeClr val="bg1"/>
+                </a:solidFill>
+                <a:cs typeface="Arial" pitchFamily="34" charset="0"/>
+              </a:rPr>
+              <a:t>Dojo</a:t>
+            </a:r>
+            <a:r>
+              <a:rPr lang="es-PE" sz="3600" i="1" dirty="0" smtClean="0">
+                <a:solidFill>
+                  <a:schemeClr val="bg1"/>
+                </a:solidFill>
+                <a:cs typeface="Arial" pitchFamily="34" charset="0"/>
+              </a:rPr>
+              <a:t> en su trabajo o comunidad. </a:t>
+            </a:r>
+          </a:p>
+          <a:p>
+            <a:pPr marL="0" indent="0" algn="ctr">
               <a:lnSpc>
                 <a:spcPts val="4500"/>
               </a:lnSpc>
               <a:buSzPct val="150000"/>
-              <a:buFontTx/>
-              <a:buChar char="-"/>
+              <a:buNone/>
             </a:pPr>
             <a:r>
-              <a:rPr lang="es-PE" sz="2400" dirty="0" smtClean="0">
+              <a:rPr lang="es-PE" sz="3600" i="1" dirty="0" smtClean="0">
                 <a:solidFill>
                   <a:schemeClr val="bg1"/>
                 </a:solidFill>
                 <a:cs typeface="Arial" pitchFamily="34" charset="0"/>
               </a:rPr>
-              <a:t>Durante un "</a:t>
-            </a:r>
-            <a:r>
-              <a:rPr lang="es-PE" sz="2400" dirty="0" err="1" smtClean="0">
-                <a:solidFill>
-                  <a:schemeClr val="bg1"/>
-                </a:solidFill>
-                <a:cs typeface="Arial" pitchFamily="34" charset="0"/>
-              </a:rPr>
-              <a:t>deuce</a:t>
-            </a:r>
-            <a:r>
-              <a:rPr lang="es-PE" sz="2400" dirty="0" smtClean="0">
-                <a:solidFill>
-                  <a:schemeClr val="bg1"/>
-                </a:solidFill>
-                <a:cs typeface="Arial" pitchFamily="34" charset="0"/>
-              </a:rPr>
-              <a:t>", un jugador necesita anotar 2 veces consecutivas para ganar.</a:t>
-            </a:r>
-          </a:p>
-        </p:txBody>
-      </p:sp>
-      <p:sp>
-        <p:nvSpPr>
-          <p:cNvPr id="3" name="2 Rectángulo"/>
-          <p:cNvSpPr/>
-          <p:nvPr/>
-        </p:nvSpPr>
-        <p:spPr>
-          <a:xfrm>
-            <a:off x="395536" y="1596425"/>
-            <a:ext cx="8496944" cy="606384"/>
-          </a:xfrm>
-          <a:prstGeom prst="rect">
-            <a:avLst/>
-          </a:prstGeom>
-        </p:spPr>
-        <p:txBody>
-          <a:bodyPr wrap="square">
-            <a:spAutoFit/>
-          </a:bodyPr>
-          <a:lstStyle/>
-          <a:p>
-            <a:pPr>
-              <a:lnSpc>
-                <a:spcPts val="4500"/>
-              </a:lnSpc>
-              <a:buSzPct val="150000"/>
-            </a:pPr>
-            <a:r>
-              <a:rPr lang="es-PE" sz="2400" dirty="0" smtClean="0">
-                <a:solidFill>
-                  <a:schemeClr val="bg1"/>
-                </a:solidFill>
-              </a:rPr>
-              <a:t>Nos enfocaremos en el manejo del puntaje en un juego de </a:t>
-            </a:r>
-            <a:r>
-              <a:rPr lang="es-PE" sz="2400" dirty="0" err="1" smtClean="0">
-                <a:solidFill>
-                  <a:schemeClr val="bg1"/>
-                </a:solidFill>
-              </a:rPr>
-              <a:t>tennis</a:t>
-            </a:r>
-            <a:r>
-              <a:rPr lang="es-PE" sz="2400" dirty="0" smtClean="0">
-                <a:solidFill>
-                  <a:schemeClr val="bg1"/>
-                </a:solidFill>
-              </a:rPr>
-              <a:t>.</a:t>
-            </a:r>
-            <a:endParaRPr lang="es-PE" sz="2400" dirty="0">
+              <a:t>(pueden utilizar esta presentación)</a:t>
+            </a:r>
+            <a:endParaRPr lang="es-PE" sz="3600" i="1" dirty="0">
               <a:solidFill>
                 <a:schemeClr val="bg1"/>
               </a:solidFill>
@@ -8369,54 +5775,10 @@
           </a:p>
         </p:txBody>
       </p:sp>
-      <p:sp>
-        <p:nvSpPr>
-          <p:cNvPr id="10" name="9 Rectángulo"/>
-          <p:cNvSpPr/>
-          <p:nvPr/>
-        </p:nvSpPr>
-        <p:spPr>
-          <a:xfrm>
-            <a:off x="395536" y="991420"/>
-            <a:ext cx="8496944" cy="619913"/>
-          </a:xfrm>
-          <a:prstGeom prst="rect">
-            <a:avLst/>
-          </a:prstGeom>
-        </p:spPr>
-        <p:txBody>
-          <a:bodyPr wrap="square">
-            <a:spAutoFit/>
-          </a:bodyPr>
-          <a:lstStyle/>
-          <a:p>
-            <a:pPr algn="ctr">
-              <a:lnSpc>
-                <a:spcPts val="4500"/>
-              </a:lnSpc>
-              <a:buSzPct val="150000"/>
-            </a:pPr>
-            <a:r>
-              <a:rPr lang="es-PE" sz="2800" b="1" dirty="0" smtClean="0">
-                <a:solidFill>
-                  <a:srgbClr val="245794"/>
-                </a:solidFill>
-              </a:rPr>
-              <a:t>Descripción</a:t>
-            </a:r>
-            <a:endParaRPr lang="es-PE" sz="2800" b="1" dirty="0">
-              <a:solidFill>
-                <a:srgbClr val="245794"/>
-              </a:solidFill>
-              <a:cs typeface="Arial" pitchFamily="34" charset="0"/>
-            </a:endParaRPr>
-          </a:p>
-        </p:txBody>
-      </p:sp>
     </p:spTree>
     <p:extLst>
       <p:ext uri="{BB962C8B-B14F-4D97-AF65-F5344CB8AC3E}">
-        <p14:creationId xmlns:p14="http://schemas.microsoft.com/office/powerpoint/2010/main" val="2893902924"/>
+        <p14:creationId xmlns:p14="http://schemas.microsoft.com/office/powerpoint/2010/main" val="314296389"/>
       </p:ext>
     </p:extLst>
   </p:cSld>
@@ -8478,27 +5840,7 @@
                 <a:latin typeface="Arial" pitchFamily="34" charset="0"/>
                 <a:cs typeface="Arial" pitchFamily="34" charset="0"/>
               </a:rPr>
-              <a:t>Desafío: </a:t>
-            </a:r>
-            <a:r>
-              <a:rPr lang="es-PE" dirty="0" err="1" smtClean="0">
-                <a:solidFill>
-                  <a:srgbClr val="C00000"/>
-                </a:solidFill>
-                <a:latin typeface="Arial" pitchFamily="34" charset="0"/>
-                <a:cs typeface="Arial" pitchFamily="34" charset="0"/>
-              </a:rPr>
-              <a:t>Tennis</a:t>
-            </a:r>
-            <a:r>
-              <a:rPr lang="es-PE" dirty="0" smtClean="0">
-                <a:solidFill>
-                  <a:srgbClr val="C00000"/>
-                </a:solidFill>
-                <a:latin typeface="Arial" pitchFamily="34" charset="0"/>
-                <a:cs typeface="Arial" pitchFamily="34" charset="0"/>
-              </a:rPr>
-              <a:t> Kata</a:t>
+              <a:t>Referencias</a:t>
             </a:r>
             <a:endParaRPr lang="es-PE" dirty="0">
               <a:solidFill>
@@ -8512,204 +5854,553 @@
       </p:sp>
       <p:sp>
         <p:nvSpPr>
-          <p:cNvPr id="7" name="2 Marcador de contenido"/>
-          <p:cNvSpPr>
-            <a:spLocks noGrp="1"/>
+          <p:cNvPr id="9" name="2 Marcador de contenido"/>
+          <p:cNvSpPr txBox="1">
+            <a:spLocks/>
           </p:cNvSpPr>
-          <p:nvPr>
-            <p:ph idx="1"/>
-          </p:nvPr>
-        </p:nvSpPr>
-        <p:spPr>
+          <p:nvPr/>
+        </p:nvSpPr>
+        <p:spPr bwMode="auto">
           <a:xfrm>
-            <a:off x="372169" y="2878256"/>
-            <a:ext cx="8232279" cy="3143032"/>
-          </a:xfrm>
-        </p:spPr>
-        <p:txBody>
-          <a:bodyPr/>
-          <a:lstStyle/>
-          <a:p>
-            <a:pPr>
-              <a:lnSpc>
-                <a:spcPts val="4500"/>
-              </a:lnSpc>
-              <a:buSzPct val="150000"/>
-              <a:buFontTx/>
-              <a:buChar char="-"/>
-            </a:pPr>
-            <a:r>
-              <a:rPr lang="es-PE" sz="2400" dirty="0" smtClean="0">
-                <a:solidFill>
-                  <a:schemeClr val="bg1"/>
-                </a:solidFill>
-                <a:cs typeface="Arial" pitchFamily="34" charset="0"/>
-              </a:rPr>
-              <a:t>Los jugadores deben poder anotar puntos. El programa debe mostrar el puntaje cada vez que un jugador anote: "15,40"</a:t>
-            </a:r>
-          </a:p>
-          <a:p>
-            <a:pPr>
-              <a:lnSpc>
-                <a:spcPts val="4500"/>
-              </a:lnSpc>
-              <a:buSzPct val="150000"/>
-              <a:buFontTx/>
-              <a:buChar char="-"/>
-            </a:pPr>
-            <a:r>
-              <a:rPr lang="es-PE" sz="2400" dirty="0" smtClean="0">
-                <a:solidFill>
-                  <a:schemeClr val="bg1"/>
-                </a:solidFill>
-                <a:cs typeface="Arial" pitchFamily="34" charset="0"/>
-              </a:rPr>
-              <a:t>El juego debe terminar si hay un ganador y debe mostrar quién ganó: "Juan </a:t>
-            </a:r>
-            <a:r>
-              <a:rPr lang="es-PE" sz="2400" dirty="0" err="1" smtClean="0">
-                <a:solidFill>
-                  <a:schemeClr val="bg1"/>
-                </a:solidFill>
-                <a:cs typeface="Arial" pitchFamily="34" charset="0"/>
-              </a:rPr>
-              <a:t>wins</a:t>
-            </a:r>
-            <a:r>
-              <a:rPr lang="es-PE" sz="2400" dirty="0" smtClean="0">
-                <a:solidFill>
-                  <a:schemeClr val="bg1"/>
-                </a:solidFill>
-                <a:cs typeface="Arial" pitchFamily="34" charset="0"/>
-              </a:rPr>
-              <a:t>".</a:t>
-            </a:r>
-          </a:p>
-          <a:p>
-            <a:pPr>
-              <a:lnSpc>
-                <a:spcPts val="4500"/>
-              </a:lnSpc>
-              <a:buSzPct val="150000"/>
-              <a:buFontTx/>
-              <a:buChar char="-"/>
-            </a:pPr>
-            <a:r>
-              <a:rPr lang="es-PE" sz="2400" dirty="0" smtClean="0">
-                <a:solidFill>
-                  <a:schemeClr val="bg1"/>
-                </a:solidFill>
-                <a:cs typeface="Arial" pitchFamily="34" charset="0"/>
-              </a:rPr>
-              <a:t>Se debe considerar el </a:t>
-            </a:r>
-            <a:r>
-              <a:rPr lang="es-PE" sz="2400" dirty="0" err="1" smtClean="0">
-                <a:solidFill>
-                  <a:schemeClr val="bg1"/>
-                </a:solidFill>
-                <a:cs typeface="Arial" pitchFamily="34" charset="0"/>
-              </a:rPr>
-              <a:t>deuce</a:t>
-            </a:r>
-            <a:r>
-              <a:rPr lang="es-PE" sz="2400" dirty="0" smtClean="0">
-                <a:solidFill>
-                  <a:schemeClr val="bg1"/>
-                </a:solidFill>
-                <a:cs typeface="Arial" pitchFamily="34" charset="0"/>
-              </a:rPr>
-              <a:t>: "</a:t>
-            </a:r>
-            <a:r>
-              <a:rPr lang="es-PE" sz="2400" dirty="0" err="1" smtClean="0">
-                <a:solidFill>
-                  <a:schemeClr val="bg1"/>
-                </a:solidFill>
-                <a:cs typeface="Arial" pitchFamily="34" charset="0"/>
-              </a:rPr>
-              <a:t>Deuce</a:t>
-            </a:r>
-            <a:r>
-              <a:rPr lang="es-PE" sz="2400" dirty="0" smtClean="0">
-                <a:solidFill>
-                  <a:schemeClr val="bg1"/>
-                </a:solidFill>
-                <a:cs typeface="Arial" pitchFamily="34" charset="0"/>
-              </a:rPr>
-              <a:t>", "</a:t>
-            </a:r>
-            <a:r>
-              <a:rPr lang="es-PE" sz="2400" dirty="0" err="1" smtClean="0">
-                <a:solidFill>
-                  <a:schemeClr val="bg1"/>
-                </a:solidFill>
-                <a:cs typeface="Arial" pitchFamily="34" charset="0"/>
-              </a:rPr>
-              <a:t>Advantage</a:t>
-            </a:r>
-            <a:r>
-              <a:rPr lang="es-PE" sz="2400" dirty="0" smtClean="0">
-                <a:solidFill>
-                  <a:schemeClr val="bg1"/>
-                </a:solidFill>
-                <a:cs typeface="Arial" pitchFamily="34" charset="0"/>
-              </a:rPr>
-              <a:t> Juan".</a:t>
-            </a:r>
-          </a:p>
-        </p:txBody>
-      </p:sp>
-      <p:sp>
-        <p:nvSpPr>
-          <p:cNvPr id="3" name="2 Rectángulo"/>
-          <p:cNvSpPr/>
-          <p:nvPr/>
-        </p:nvSpPr>
-        <p:spPr>
-          <a:xfrm>
-            <a:off x="395536" y="1596425"/>
-            <a:ext cx="8496944" cy="1183466"/>
+            <a:off x="468156" y="1124744"/>
+            <a:ext cx="8182786" cy="5184576"/>
           </a:xfrm>
           <a:prstGeom prst="rect">
             <a:avLst/>
           </a:prstGeom>
+          <a:noFill/>
+          <a:ln w="9525">
+            <a:noFill/>
+            <a:miter lim="800000"/>
+            <a:headEnd/>
+            <a:tailEnd/>
+          </a:ln>
         </p:spPr>
         <p:txBody>
-          <a:bodyPr wrap="square">
-            <a:spAutoFit/>
+          <a:bodyPr vert="horz" wrap="square" lIns="91440" tIns="45720" rIns="91440" bIns="45720" numCol="1" anchor="t" anchorCtr="0" compatLnSpc="1">
+            <a:prstTxWarp prst="textNoShape">
+              <a:avLst/>
+            </a:prstTxWarp>
           </a:bodyPr>
-          <a:lstStyle/>
-          <a:p>
-            <a:pPr>
-              <a:lnSpc>
-                <a:spcPts val="4500"/>
-              </a:lnSpc>
+          <a:lstStyle>
+            <a:lvl1pPr marL="342900" indent="-342900" algn="l" rtl="0" eaLnBrk="1" fontAlgn="base" hangingPunct="1">
+              <a:spcBef>
+                <a:spcPct val="20000"/>
+              </a:spcBef>
+              <a:spcAft>
+                <a:spcPct val="0"/>
+              </a:spcAft>
+              <a:buFont typeface="Arial" charset="0"/>
+              <a:buChar char="•"/>
+              <a:defRPr sz="3200" kern="1200">
+                <a:solidFill>
+                  <a:schemeClr val="tx1"/>
+                </a:solidFill>
+                <a:latin typeface="+mn-lt"/>
+                <a:ea typeface="+mn-ea"/>
+                <a:cs typeface="+mn-cs"/>
+              </a:defRPr>
+            </a:lvl1pPr>
+            <a:lvl2pPr marL="742950" indent="-285750" algn="l" rtl="0" eaLnBrk="1" fontAlgn="base" hangingPunct="1">
+              <a:spcBef>
+                <a:spcPct val="20000"/>
+              </a:spcBef>
+              <a:spcAft>
+                <a:spcPct val="0"/>
+              </a:spcAft>
+              <a:buFont typeface="Arial" charset="0"/>
+              <a:buChar char="–"/>
+              <a:defRPr sz="2800" kern="1200">
+                <a:solidFill>
+                  <a:schemeClr val="tx1"/>
+                </a:solidFill>
+                <a:latin typeface="+mn-lt"/>
+                <a:ea typeface="+mn-ea"/>
+                <a:cs typeface="+mn-cs"/>
+              </a:defRPr>
+            </a:lvl2pPr>
+            <a:lvl3pPr marL="1143000" indent="-228600" algn="l" rtl="0" eaLnBrk="1" fontAlgn="base" hangingPunct="1">
+              <a:spcBef>
+                <a:spcPct val="20000"/>
+              </a:spcBef>
+              <a:spcAft>
+                <a:spcPct val="0"/>
+              </a:spcAft>
+              <a:buFont typeface="Arial" charset="0"/>
+              <a:buChar char="•"/>
+              <a:defRPr sz="2400" kern="1200">
+                <a:solidFill>
+                  <a:schemeClr val="tx1"/>
+                </a:solidFill>
+                <a:latin typeface="+mn-lt"/>
+                <a:ea typeface="+mn-ea"/>
+                <a:cs typeface="+mn-cs"/>
+              </a:defRPr>
+            </a:lvl3pPr>
+            <a:lvl4pPr marL="1600200" indent="-228600" algn="l" rtl="0" eaLnBrk="1" fontAlgn="base" hangingPunct="1">
+              <a:spcBef>
+                <a:spcPct val="20000"/>
+              </a:spcBef>
+              <a:spcAft>
+                <a:spcPct val="0"/>
+              </a:spcAft>
+              <a:buFont typeface="Arial" charset="0"/>
+              <a:buChar char="–"/>
+              <a:defRPr sz="2000" kern="1200">
+                <a:solidFill>
+                  <a:schemeClr val="tx1"/>
+                </a:solidFill>
+                <a:latin typeface="+mn-lt"/>
+                <a:ea typeface="+mn-ea"/>
+                <a:cs typeface="+mn-cs"/>
+              </a:defRPr>
+            </a:lvl4pPr>
+            <a:lvl5pPr marL="2057400" indent="-228600" algn="l" rtl="0" eaLnBrk="1" fontAlgn="base" hangingPunct="1">
+              <a:spcBef>
+                <a:spcPct val="20000"/>
+              </a:spcBef>
+              <a:spcAft>
+                <a:spcPct val="0"/>
+              </a:spcAft>
+              <a:buFont typeface="Arial" charset="0"/>
+              <a:buChar char="»"/>
+              <a:defRPr sz="2000" kern="1200">
+                <a:solidFill>
+                  <a:schemeClr val="tx1"/>
+                </a:solidFill>
+                <a:latin typeface="+mn-lt"/>
+                <a:ea typeface="+mn-ea"/>
+                <a:cs typeface="+mn-cs"/>
+              </a:defRPr>
+            </a:lvl5pPr>
+            <a:lvl6pPr marL="2514600" indent="-228600" algn="l" defTabSz="914400" rtl="0" eaLnBrk="1" latinLnBrk="0" hangingPunct="1">
+              <a:spcBef>
+                <a:spcPct val="20000"/>
+              </a:spcBef>
+              <a:buFont typeface="Arial" pitchFamily="34" charset="0"/>
+              <a:buChar char="•"/>
+              <a:defRPr sz="2000" kern="1200">
+                <a:solidFill>
+                  <a:schemeClr val="tx1"/>
+                </a:solidFill>
+                <a:latin typeface="+mn-lt"/>
+                <a:ea typeface="+mn-ea"/>
+                <a:cs typeface="+mn-cs"/>
+              </a:defRPr>
+            </a:lvl6pPr>
+            <a:lvl7pPr marL="2971800" indent="-228600" algn="l" defTabSz="914400" rtl="0" eaLnBrk="1" latinLnBrk="0" hangingPunct="1">
+              <a:spcBef>
+                <a:spcPct val="20000"/>
+              </a:spcBef>
+              <a:buFont typeface="Arial" pitchFamily="34" charset="0"/>
+              <a:buChar char="•"/>
+              <a:defRPr sz="2000" kern="1200">
+                <a:solidFill>
+                  <a:schemeClr val="tx1"/>
+                </a:solidFill>
+                <a:latin typeface="+mn-lt"/>
+                <a:ea typeface="+mn-ea"/>
+                <a:cs typeface="+mn-cs"/>
+              </a:defRPr>
+            </a:lvl7pPr>
+            <a:lvl8pPr marL="3429000" indent="-228600" algn="l" defTabSz="914400" rtl="0" eaLnBrk="1" latinLnBrk="0" hangingPunct="1">
+              <a:spcBef>
+                <a:spcPct val="20000"/>
+              </a:spcBef>
+              <a:buFont typeface="Arial" pitchFamily="34" charset="0"/>
+              <a:buChar char="•"/>
+              <a:defRPr sz="2000" kern="1200">
+                <a:solidFill>
+                  <a:schemeClr val="tx1"/>
+                </a:solidFill>
+                <a:latin typeface="+mn-lt"/>
+                <a:ea typeface="+mn-ea"/>
+                <a:cs typeface="+mn-cs"/>
+              </a:defRPr>
+            </a:lvl8pPr>
+            <a:lvl9pPr marL="3886200" indent="-228600" algn="l" defTabSz="914400" rtl="0" eaLnBrk="1" latinLnBrk="0" hangingPunct="1">
+              <a:spcBef>
+                <a:spcPct val="20000"/>
+              </a:spcBef>
+              <a:buFont typeface="Arial" pitchFamily="34" charset="0"/>
+              <a:buChar char="•"/>
+              <a:defRPr sz="2000" kern="1200">
+                <a:solidFill>
+                  <a:schemeClr val="tx1"/>
+                </a:solidFill>
+                <a:latin typeface="+mn-lt"/>
+                <a:ea typeface="+mn-ea"/>
+                <a:cs typeface="+mn-cs"/>
+              </a:defRPr>
+            </a:lvl9pPr>
+          </a:lstStyle>
+          <a:p>
+            <a:pPr marL="0" indent="0">
+              <a:buSzPct val="100000"/>
+              <a:buNone/>
+            </a:pPr>
+            <a:r>
+              <a:rPr lang="es-PE" sz="2800" b="1" dirty="0" smtClean="0">
+                <a:solidFill>
+                  <a:schemeClr val="bg1"/>
+                </a:solidFill>
+              </a:rPr>
+              <a:t>Más sobre </a:t>
+            </a:r>
+            <a:r>
+              <a:rPr lang="es-PE" sz="2800" b="1" dirty="0" err="1" smtClean="0">
+                <a:solidFill>
+                  <a:schemeClr val="bg1"/>
+                </a:solidFill>
+              </a:rPr>
+              <a:t>Coding</a:t>
+            </a:r>
+            <a:r>
+              <a:rPr lang="es-PE" sz="2800" b="1" dirty="0" smtClean="0">
+                <a:solidFill>
+                  <a:schemeClr val="bg1"/>
+                </a:solidFill>
+              </a:rPr>
+              <a:t> </a:t>
+            </a:r>
+            <a:r>
+              <a:rPr lang="es-PE" sz="2800" b="1" dirty="0" err="1" smtClean="0">
+                <a:solidFill>
+                  <a:schemeClr val="bg1"/>
+                </a:solidFill>
+              </a:rPr>
+              <a:t>Dojo</a:t>
+            </a:r>
+            <a:endParaRPr lang="es-PE" sz="2800" b="1" dirty="0">
+              <a:solidFill>
+                <a:schemeClr val="bg1"/>
+              </a:solidFill>
+            </a:endParaRPr>
+          </a:p>
+          <a:p>
+            <a:pPr marL="0" indent="0">
+              <a:buSzPct val="100000"/>
+              <a:buNone/>
+            </a:pPr>
+            <a:r>
+              <a:rPr lang="es-PE" sz="2400" dirty="0" smtClean="0">
+                <a:solidFill>
+                  <a:schemeClr val="bg1"/>
+                </a:solidFill>
+                <a:cs typeface="Arial" pitchFamily="34" charset="0"/>
+              </a:rPr>
+              <a:t>http</a:t>
+            </a:r>
+            <a:r>
+              <a:rPr lang="es-PE" sz="2400" dirty="0">
+                <a:solidFill>
+                  <a:schemeClr val="bg1"/>
+                </a:solidFill>
+                <a:cs typeface="Arial" pitchFamily="34" charset="0"/>
+              </a:rPr>
+              <a:t>://codingdojo.org/ </a:t>
+            </a:r>
+            <a:r>
+              <a:rPr lang="es-PE" sz="2400" dirty="0" smtClean="0">
+                <a:solidFill>
+                  <a:schemeClr val="bg1"/>
+                </a:solidFill>
+                <a:cs typeface="Arial" pitchFamily="34" charset="0"/>
+              </a:rPr>
+              <a:t>(incluye catálogo </a:t>
+            </a:r>
+            <a:r>
+              <a:rPr lang="es-PE" sz="2400" dirty="0">
+                <a:solidFill>
+                  <a:schemeClr val="bg1"/>
+                </a:solidFill>
+                <a:cs typeface="Arial" pitchFamily="34" charset="0"/>
+              </a:rPr>
+              <a:t>de K</a:t>
+            </a:r>
+            <a:r>
+              <a:rPr lang="es-PE" sz="2400" dirty="0" smtClean="0">
+                <a:solidFill>
+                  <a:schemeClr val="bg1"/>
+                </a:solidFill>
+                <a:cs typeface="Arial" pitchFamily="34" charset="0"/>
+              </a:rPr>
+              <a:t>atas)</a:t>
+            </a:r>
+          </a:p>
+          <a:p>
+            <a:pPr marL="0" indent="0">
+              <a:buSzPct val="100000"/>
+              <a:buNone/>
+            </a:pPr>
+            <a:endParaRPr lang="es-PE" sz="1400" dirty="0">
+              <a:solidFill>
+                <a:schemeClr val="bg1"/>
+              </a:solidFill>
+              <a:cs typeface="Arial" pitchFamily="34" charset="0"/>
+            </a:endParaRPr>
+          </a:p>
+          <a:p>
+            <a:pPr marL="0" indent="0">
+              <a:buSzPct val="100000"/>
+              <a:buNone/>
+            </a:pPr>
+            <a:r>
+              <a:rPr lang="es-PE" sz="2800" b="1" dirty="0" smtClean="0">
+                <a:solidFill>
+                  <a:schemeClr val="bg1"/>
+                </a:solidFill>
+              </a:rPr>
+              <a:t>Comunidad</a:t>
+            </a:r>
+          </a:p>
+          <a:p>
+            <a:pPr marL="0" indent="0">
+              <a:buSzPct val="100000"/>
+              <a:buNone/>
+            </a:pPr>
+            <a:r>
+              <a:rPr lang="es-PE" sz="2400" dirty="0">
+                <a:solidFill>
+                  <a:schemeClr val="bg1"/>
+                </a:solidFill>
+                <a:cs typeface="Arial" pitchFamily="34" charset="0"/>
+              </a:rPr>
+              <a:t>@</a:t>
+            </a:r>
+            <a:r>
+              <a:rPr lang="es-PE" sz="2400" dirty="0" err="1">
+                <a:solidFill>
+                  <a:schemeClr val="bg1"/>
+                </a:solidFill>
+                <a:cs typeface="Arial" pitchFamily="34" charset="0"/>
+              </a:rPr>
+              <a:t>agileperu</a:t>
+            </a:r>
+            <a:r>
+              <a:rPr lang="es-PE" sz="2400" dirty="0">
+                <a:solidFill>
+                  <a:schemeClr val="bg1"/>
+                </a:solidFill>
+                <a:cs typeface="Arial" pitchFamily="34" charset="0"/>
+              </a:rPr>
+              <a:t> </a:t>
+            </a:r>
+            <a:endParaRPr lang="es-PE" sz="2400" dirty="0" smtClean="0">
+              <a:solidFill>
+                <a:schemeClr val="bg1"/>
+              </a:solidFill>
+              <a:cs typeface="Arial" pitchFamily="34" charset="0"/>
+            </a:endParaRPr>
+          </a:p>
+          <a:p>
+            <a:pPr marL="0" indent="0">
+              <a:buSzPct val="100000"/>
+              <a:buNone/>
+            </a:pPr>
+            <a:r>
+              <a:rPr lang="es-PE" sz="2400" dirty="0" smtClean="0">
+                <a:solidFill>
+                  <a:schemeClr val="bg1"/>
+                </a:solidFill>
+                <a:cs typeface="Arial" pitchFamily="34" charset="0"/>
+              </a:rPr>
+              <a:t>https</a:t>
+            </a:r>
+            <a:r>
+              <a:rPr lang="es-PE" sz="2400" dirty="0">
+                <a:solidFill>
+                  <a:schemeClr val="bg1"/>
+                </a:solidFill>
+                <a:cs typeface="Arial" pitchFamily="34" charset="0"/>
+              </a:rPr>
+              <a:t>://groups.google.com/forum/#!</a:t>
+            </a:r>
+            <a:r>
+              <a:rPr lang="es-PE" sz="2400" dirty="0" smtClean="0">
+                <a:solidFill>
+                  <a:schemeClr val="bg1"/>
+                </a:solidFill>
+                <a:cs typeface="Arial" pitchFamily="34" charset="0"/>
+              </a:rPr>
+              <a:t>forum/agileperu </a:t>
+            </a:r>
+          </a:p>
+          <a:p>
+            <a:pPr marL="0" indent="0">
+              <a:buSzPct val="100000"/>
+              <a:buNone/>
+            </a:pPr>
+            <a:endParaRPr lang="es-PE" sz="1400" dirty="0">
+              <a:solidFill>
+                <a:schemeClr val="bg1"/>
+              </a:solidFill>
+              <a:cs typeface="Arial" pitchFamily="34" charset="0"/>
+            </a:endParaRPr>
+          </a:p>
+          <a:p>
+            <a:pPr marL="0" indent="0">
               <a:buSzPct val="150000"/>
+              <a:buFont typeface="Arial" charset="0"/>
+              <a:buNone/>
             </a:pPr>
             <a:r>
-              <a:rPr lang="es-PE" sz="2400" dirty="0" smtClean="0">
+              <a:rPr lang="es-PE" sz="2800" b="1" dirty="0" smtClean="0">
                 <a:solidFill>
                   <a:schemeClr val="bg1"/>
                 </a:solidFill>
               </a:rPr>
-              <a:t>Escribir un programar que maneje los siguiente requerimientos de un juego de </a:t>
-            </a:r>
-            <a:r>
-              <a:rPr lang="es-PE" sz="2400" dirty="0" err="1" smtClean="0">
+              <a:t>Libros</a:t>
+            </a:r>
+          </a:p>
+          <a:p>
+            <a:pPr marL="0" indent="0">
+              <a:buSzPct val="100000"/>
+              <a:buNone/>
+            </a:pPr>
+            <a:r>
+              <a:rPr lang="en-US" sz="2400" dirty="0">
                 <a:solidFill>
                   <a:schemeClr val="bg1"/>
                 </a:solidFill>
-              </a:rPr>
-              <a:t>tennis</a:t>
-            </a:r>
-            <a:r>
-              <a:rPr lang="es-PE" sz="2400" dirty="0" smtClean="0">
+                <a:cs typeface="Arial" pitchFamily="34" charset="0"/>
+              </a:rPr>
+              <a:t>“Clean Code</a:t>
+            </a:r>
+            <a:r>
+              <a:rPr lang="en-US" sz="2400" dirty="0" smtClean="0">
                 <a:solidFill>
                   <a:schemeClr val="bg1"/>
                 </a:solidFill>
-              </a:rPr>
-              <a:t>:</a:t>
+                <a:cs typeface="Arial" pitchFamily="34" charset="0"/>
+              </a:rPr>
+              <a:t>”, Robert </a:t>
+            </a:r>
+            <a:r>
+              <a:rPr lang="en-US" sz="2400" dirty="0">
+                <a:solidFill>
+                  <a:schemeClr val="bg1"/>
+                </a:solidFill>
+                <a:cs typeface="Arial" pitchFamily="34" charset="0"/>
+              </a:rPr>
+              <a:t>C. </a:t>
+            </a:r>
+            <a:r>
+              <a:rPr lang="en-US" sz="2400" dirty="0" smtClean="0">
+                <a:solidFill>
+                  <a:schemeClr val="bg1"/>
+                </a:solidFill>
+                <a:cs typeface="Arial" pitchFamily="34" charset="0"/>
+              </a:rPr>
+              <a:t>Martin.</a:t>
+            </a:r>
+            <a:endParaRPr lang="en-US" sz="2400" dirty="0">
+              <a:solidFill>
+                <a:schemeClr val="bg1"/>
+              </a:solidFill>
+              <a:cs typeface="Arial" pitchFamily="34" charset="0"/>
+            </a:endParaRPr>
+          </a:p>
+          <a:p>
+            <a:pPr marL="0" indent="0">
+              <a:buSzPct val="100000"/>
+              <a:buNone/>
+            </a:pPr>
+            <a:r>
+              <a:rPr lang="en-US" sz="2400" dirty="0">
+                <a:solidFill>
+                  <a:schemeClr val="bg1"/>
+                </a:solidFill>
+                <a:cs typeface="Arial" pitchFamily="34" charset="0"/>
+              </a:rPr>
+              <a:t>“Test Driven Development by Example”, Kent </a:t>
+            </a:r>
+            <a:r>
+              <a:rPr lang="en-US" sz="2400" dirty="0" smtClean="0">
+                <a:solidFill>
+                  <a:schemeClr val="bg1"/>
+                </a:solidFill>
+                <a:cs typeface="Arial" pitchFamily="34" charset="0"/>
+              </a:rPr>
+              <a:t>Beck.</a:t>
+            </a:r>
+            <a:endParaRPr lang="en-US" sz="2400" dirty="0">
+              <a:solidFill>
+                <a:schemeClr val="bg1"/>
+              </a:solidFill>
+              <a:cs typeface="Arial" pitchFamily="34" charset="0"/>
+            </a:endParaRPr>
+          </a:p>
+          <a:p>
+            <a:pPr marL="0" indent="0">
+              <a:buSzPct val="100000"/>
+              <a:buNone/>
+            </a:pPr>
+            <a:r>
+              <a:rPr lang="en-US" sz="2400" dirty="0">
+                <a:solidFill>
+                  <a:schemeClr val="bg1"/>
+                </a:solidFill>
+                <a:cs typeface="Arial" pitchFamily="34" charset="0"/>
+              </a:rPr>
+              <a:t>"Refactoring </a:t>
+            </a:r>
+            <a:r>
+              <a:rPr lang="en-US" sz="2400" dirty="0" smtClean="0">
+                <a:solidFill>
+                  <a:schemeClr val="bg1"/>
+                </a:solidFill>
+                <a:cs typeface="Arial" pitchFamily="34" charset="0"/>
+              </a:rPr>
+              <a:t>, Improving </a:t>
+            </a:r>
+            <a:r>
+              <a:rPr lang="en-US" sz="2400" dirty="0">
+                <a:solidFill>
+                  <a:schemeClr val="bg1"/>
+                </a:solidFill>
+                <a:cs typeface="Arial" pitchFamily="34" charset="0"/>
+              </a:rPr>
+              <a:t>the Design of Existing </a:t>
+            </a:r>
+            <a:r>
+              <a:rPr lang="en-US" sz="2400" dirty="0" smtClean="0">
+                <a:solidFill>
+                  <a:schemeClr val="bg1"/>
+                </a:solidFill>
+                <a:cs typeface="Arial" pitchFamily="34" charset="0"/>
+              </a:rPr>
+              <a:t>Code”, M. Fowler.</a:t>
+            </a:r>
+            <a:endParaRPr lang="en-US" sz="2400" dirty="0">
+              <a:solidFill>
+                <a:schemeClr val="bg1"/>
+              </a:solidFill>
+              <a:cs typeface="Arial" pitchFamily="34" charset="0"/>
+            </a:endParaRPr>
+          </a:p>
+          <a:p>
+            <a:pPr marL="0" indent="0">
+              <a:buSzPct val="100000"/>
+              <a:buNone/>
+            </a:pPr>
+            <a:r>
+              <a:rPr lang="en-US" sz="2400" dirty="0">
+                <a:solidFill>
+                  <a:schemeClr val="bg1"/>
+                </a:solidFill>
+                <a:cs typeface="Arial" pitchFamily="34" charset="0"/>
+              </a:rPr>
+              <a:t>“The Art of Agile Development</a:t>
+            </a:r>
+            <a:r>
+              <a:rPr lang="en-US" sz="2400" dirty="0" smtClean="0">
+                <a:solidFill>
+                  <a:schemeClr val="bg1"/>
+                </a:solidFill>
+                <a:cs typeface="Arial" pitchFamily="34" charset="0"/>
+              </a:rPr>
+              <a:t>”, James Shore.</a:t>
             </a:r>
             <a:endParaRPr lang="es-PE" sz="2400" dirty="0">
               <a:solidFill>
@@ -8720,60 +6411,815 @@
           </a:p>
         </p:txBody>
       </p:sp>
-      <p:sp>
-        <p:nvSpPr>
-          <p:cNvPr id="10" name="9 Rectángulo"/>
-          <p:cNvSpPr/>
-          <p:nvPr/>
-        </p:nvSpPr>
-        <p:spPr>
-          <a:xfrm>
-            <a:off x="395536" y="991420"/>
-            <a:ext cx="8496944" cy="619913"/>
-          </a:xfrm>
-          <a:prstGeom prst="rect">
-            <a:avLst/>
-          </a:prstGeom>
-        </p:spPr>
-        <p:txBody>
-          <a:bodyPr wrap="square">
-            <a:spAutoFit/>
-          </a:bodyPr>
-          <a:lstStyle/>
-          <a:p>
-            <a:pPr algn="ctr">
-              <a:lnSpc>
-                <a:spcPts val="4500"/>
-              </a:lnSpc>
-              <a:buSzPct val="150000"/>
-            </a:pPr>
-            <a:r>
-              <a:rPr lang="es-PE" sz="2800" b="1" dirty="0" smtClean="0">
-                <a:solidFill>
-                  <a:srgbClr val="245794"/>
-                </a:solidFill>
-              </a:rPr>
-              <a:t>Requerimientos</a:t>
-            </a:r>
-            <a:endParaRPr lang="es-PE" sz="2800" b="1" dirty="0">
-              <a:solidFill>
-                <a:srgbClr val="245794"/>
-              </a:solidFill>
-              <a:cs typeface="Arial" pitchFamily="34" charset="0"/>
-            </a:endParaRPr>
-          </a:p>
-        </p:txBody>
-      </p:sp>
     </p:spTree>
     <p:extLst>
       <p:ext uri="{BB962C8B-B14F-4D97-AF65-F5344CB8AC3E}">
-        <p14:creationId xmlns:p14="http://schemas.microsoft.com/office/powerpoint/2010/main" val="3759734768"/>
+        <p14:creationId xmlns:p14="http://schemas.microsoft.com/office/powerpoint/2010/main" val="2571467541"/>
       </p:ext>
     </p:extLst>
   </p:cSld>
   <p:clrMapOvr>
     <a:masterClrMapping/>
   </p:clrMapOvr>
+  <mc:AlternateContent xmlns:mc="http://schemas.openxmlformats.org/markup-compatibility/2006" xmlns:p14="http://schemas.microsoft.com/office/powerpoint/2010/main">
+    <mc:Choice Requires="p14">
+      <p:transition spd="slow" p14:dur="2000"/>
+    </mc:Choice>
+    <mc:Fallback xmlns="">
+      <p:transition spd="slow"/>
+    </mc:Fallback>
+  </mc:AlternateContent>
+  <p:timing>
+    <p:tnLst>
+      <p:par>
+        <p:cTn id="1" dur="indefinite" restart="never" nodeType="tmRoot"/>
+      </p:par>
+    </p:tnLst>
+  </p:timing>
+</p:sld>
+</file>
+
+<file path=ppt/slides/slide12.xml><?xml version="1.0" encoding="utf-8"?>
+<p:sld xmlns:a="http://schemas.openxmlformats.org/drawingml/2006/main" xmlns:r="http://schemas.openxmlformats.org/officeDocument/2006/relationships" xmlns:p="http://schemas.openxmlformats.org/presentationml/2006/main">
+  <p:cSld>
+    <p:spTree>
+      <p:nvGrpSpPr>
+        <p:cNvPr id="1" name=""/>
+        <p:cNvGrpSpPr/>
+        <p:nvPr/>
+      </p:nvGrpSpPr>
+      <p:grpSpPr>
+        <a:xfrm>
+          <a:off x="0" y="0"/>
+          <a:ext cx="0" cy="0"/>
+          <a:chOff x="0" y="0"/>
+          <a:chExt cx="0" cy="0"/>
+        </a:xfrm>
+      </p:grpSpPr>
+      <p:sp>
+        <p:nvSpPr>
+          <p:cNvPr id="5" name="Text Box 2"/>
+          <p:cNvSpPr txBox="1">
+            <a:spLocks noChangeArrowheads="1"/>
+          </p:cNvSpPr>
+          <p:nvPr/>
+        </p:nvSpPr>
+        <p:spPr bwMode="auto">
+          <a:xfrm>
+            <a:off x="457200" y="2256960"/>
+            <a:ext cx="8077200" cy="1600200"/>
+          </a:xfrm>
+          <a:prstGeom prst="rect">
+            <a:avLst/>
+          </a:prstGeom>
+          <a:noFill/>
+          <a:ln>
+            <a:noFill/>
+          </a:ln>
+          <a:extLst>
+            <a:ext uri="{909E8E84-426E-40DD-AFC4-6F175D3DCCD1}">
+              <a14:hiddenFill xmlns:a14="http://schemas.microsoft.com/office/drawing/2010/main">
+                <a:solidFill>
+                  <a:srgbClr val="FFFFFF"/>
+                </a:solidFill>
+              </a14:hiddenFill>
+            </a:ext>
+            <a:ext uri="{91240B29-F687-4F45-9708-019B960494DF}">
+              <a14:hiddenLine xmlns:a14="http://schemas.microsoft.com/office/drawing/2010/main" w="9525">
+                <a:solidFill>
+                  <a:srgbClr val="000000"/>
+                </a:solidFill>
+                <a:round/>
+                <a:headEnd/>
+                <a:tailEnd/>
+              </a14:hiddenLine>
+            </a:ext>
+          </a:extLst>
+        </p:spPr>
+        <p:txBody>
+          <a:bodyPr lIns="90000" tIns="46800" rIns="90000" bIns="46800"/>
+          <a:lstStyle>
+            <a:lvl1pPr marL="315913" indent="-315913" eaLnBrk="0" hangingPunct="0">
+              <a:tabLst>
+                <a:tab pos="315913" algn="l"/>
+                <a:tab pos="773113" algn="l"/>
+                <a:tab pos="1230313" algn="l"/>
+                <a:tab pos="1687513" algn="l"/>
+                <a:tab pos="2144713" algn="l"/>
+                <a:tab pos="2601913" algn="l"/>
+                <a:tab pos="3059113" algn="l"/>
+                <a:tab pos="3516313" algn="l"/>
+                <a:tab pos="3973513" algn="l"/>
+                <a:tab pos="4430713" algn="l"/>
+                <a:tab pos="4887913" algn="l"/>
+                <a:tab pos="5345113" algn="l"/>
+                <a:tab pos="5802313" algn="l"/>
+                <a:tab pos="6259513" algn="l"/>
+                <a:tab pos="6716713" algn="l"/>
+                <a:tab pos="7173913" algn="l"/>
+                <a:tab pos="7631113" algn="l"/>
+                <a:tab pos="8088313" algn="l"/>
+                <a:tab pos="8545513" algn="l"/>
+                <a:tab pos="9002713" algn="l"/>
+                <a:tab pos="9459913" algn="l"/>
+              </a:tabLst>
+              <a:defRPr sz="2400">
+                <a:solidFill>
+                  <a:schemeClr val="tx1"/>
+                </a:solidFill>
+                <a:latin typeface="Arial" pitchFamily="34" charset="0"/>
+                <a:ea typeface="ＭＳ Ｐゴシック" pitchFamily="34" charset="-128"/>
+              </a:defRPr>
+            </a:lvl1pPr>
+            <a:lvl2pPr marL="742950" indent="-285750" eaLnBrk="0" hangingPunct="0">
+              <a:tabLst>
+                <a:tab pos="315913" algn="l"/>
+                <a:tab pos="773113" algn="l"/>
+                <a:tab pos="1230313" algn="l"/>
+                <a:tab pos="1687513" algn="l"/>
+                <a:tab pos="2144713" algn="l"/>
+                <a:tab pos="2601913" algn="l"/>
+                <a:tab pos="3059113" algn="l"/>
+                <a:tab pos="3516313" algn="l"/>
+                <a:tab pos="3973513" algn="l"/>
+                <a:tab pos="4430713" algn="l"/>
+                <a:tab pos="4887913" algn="l"/>
+                <a:tab pos="5345113" algn="l"/>
+                <a:tab pos="5802313" algn="l"/>
+                <a:tab pos="6259513" algn="l"/>
+                <a:tab pos="6716713" algn="l"/>
+                <a:tab pos="7173913" algn="l"/>
+                <a:tab pos="7631113" algn="l"/>
+                <a:tab pos="8088313" algn="l"/>
+                <a:tab pos="8545513" algn="l"/>
+                <a:tab pos="9002713" algn="l"/>
+                <a:tab pos="9459913" algn="l"/>
+              </a:tabLst>
+              <a:defRPr sz="2400">
+                <a:solidFill>
+                  <a:schemeClr val="tx1"/>
+                </a:solidFill>
+                <a:latin typeface="Arial" pitchFamily="34" charset="0"/>
+                <a:ea typeface="ＭＳ Ｐゴシック" pitchFamily="34" charset="-128"/>
+              </a:defRPr>
+            </a:lvl2pPr>
+            <a:lvl3pPr marL="1143000" indent="-228600" eaLnBrk="0" hangingPunct="0">
+              <a:tabLst>
+                <a:tab pos="315913" algn="l"/>
+                <a:tab pos="773113" algn="l"/>
+                <a:tab pos="1230313" algn="l"/>
+                <a:tab pos="1687513" algn="l"/>
+                <a:tab pos="2144713" algn="l"/>
+                <a:tab pos="2601913" algn="l"/>
+                <a:tab pos="3059113" algn="l"/>
+                <a:tab pos="3516313" algn="l"/>
+                <a:tab pos="3973513" algn="l"/>
+                <a:tab pos="4430713" algn="l"/>
+                <a:tab pos="4887913" algn="l"/>
+                <a:tab pos="5345113" algn="l"/>
+                <a:tab pos="5802313" algn="l"/>
+                <a:tab pos="6259513" algn="l"/>
+                <a:tab pos="6716713" algn="l"/>
+                <a:tab pos="7173913" algn="l"/>
+                <a:tab pos="7631113" algn="l"/>
+                <a:tab pos="8088313" algn="l"/>
+                <a:tab pos="8545513" algn="l"/>
+                <a:tab pos="9002713" algn="l"/>
+                <a:tab pos="9459913" algn="l"/>
+              </a:tabLst>
+              <a:defRPr sz="2400">
+                <a:solidFill>
+                  <a:schemeClr val="tx1"/>
+                </a:solidFill>
+                <a:latin typeface="Arial" pitchFamily="34" charset="0"/>
+                <a:ea typeface="ＭＳ Ｐゴシック" pitchFamily="34" charset="-128"/>
+              </a:defRPr>
+            </a:lvl3pPr>
+            <a:lvl4pPr marL="1600200" indent="-228600" eaLnBrk="0" hangingPunct="0">
+              <a:tabLst>
+                <a:tab pos="315913" algn="l"/>
+                <a:tab pos="773113" algn="l"/>
+                <a:tab pos="1230313" algn="l"/>
+                <a:tab pos="1687513" algn="l"/>
+                <a:tab pos="2144713" algn="l"/>
+                <a:tab pos="2601913" algn="l"/>
+                <a:tab pos="3059113" algn="l"/>
+                <a:tab pos="3516313" algn="l"/>
+                <a:tab pos="3973513" algn="l"/>
+                <a:tab pos="4430713" algn="l"/>
+                <a:tab pos="4887913" algn="l"/>
+                <a:tab pos="5345113" algn="l"/>
+                <a:tab pos="5802313" algn="l"/>
+                <a:tab pos="6259513" algn="l"/>
+                <a:tab pos="6716713" algn="l"/>
+                <a:tab pos="7173913" algn="l"/>
+                <a:tab pos="7631113" algn="l"/>
+                <a:tab pos="8088313" algn="l"/>
+                <a:tab pos="8545513" algn="l"/>
+                <a:tab pos="9002713" algn="l"/>
+                <a:tab pos="9459913" algn="l"/>
+              </a:tabLst>
+              <a:defRPr sz="2400">
+                <a:solidFill>
+                  <a:schemeClr val="tx1"/>
+                </a:solidFill>
+                <a:latin typeface="Arial" pitchFamily="34" charset="0"/>
+                <a:ea typeface="ＭＳ Ｐゴシック" pitchFamily="34" charset="-128"/>
+              </a:defRPr>
+            </a:lvl4pPr>
+            <a:lvl5pPr marL="2057400" indent="-228600" eaLnBrk="0" hangingPunct="0">
+              <a:tabLst>
+                <a:tab pos="315913" algn="l"/>
+                <a:tab pos="773113" algn="l"/>
+                <a:tab pos="1230313" algn="l"/>
+                <a:tab pos="1687513" algn="l"/>
+                <a:tab pos="2144713" algn="l"/>
+                <a:tab pos="2601913" algn="l"/>
+                <a:tab pos="3059113" algn="l"/>
+                <a:tab pos="3516313" algn="l"/>
+                <a:tab pos="3973513" algn="l"/>
+                <a:tab pos="4430713" algn="l"/>
+                <a:tab pos="4887913" algn="l"/>
+                <a:tab pos="5345113" algn="l"/>
+                <a:tab pos="5802313" algn="l"/>
+                <a:tab pos="6259513" algn="l"/>
+                <a:tab pos="6716713" algn="l"/>
+                <a:tab pos="7173913" algn="l"/>
+                <a:tab pos="7631113" algn="l"/>
+                <a:tab pos="8088313" algn="l"/>
+                <a:tab pos="8545513" algn="l"/>
+                <a:tab pos="9002713" algn="l"/>
+                <a:tab pos="9459913" algn="l"/>
+              </a:tabLst>
+              <a:defRPr sz="2400">
+                <a:solidFill>
+                  <a:schemeClr val="tx1"/>
+                </a:solidFill>
+                <a:latin typeface="Arial" pitchFamily="34" charset="0"/>
+                <a:ea typeface="ＭＳ Ｐゴシック" pitchFamily="34" charset="-128"/>
+              </a:defRPr>
+            </a:lvl5pPr>
+            <a:lvl6pPr marL="2514600" indent="-228600" eaLnBrk="0" fontAlgn="base" hangingPunct="0">
+              <a:spcBef>
+                <a:spcPct val="0"/>
+              </a:spcBef>
+              <a:spcAft>
+                <a:spcPct val="0"/>
+              </a:spcAft>
+              <a:tabLst>
+                <a:tab pos="315913" algn="l"/>
+                <a:tab pos="773113" algn="l"/>
+                <a:tab pos="1230313" algn="l"/>
+                <a:tab pos="1687513" algn="l"/>
+                <a:tab pos="2144713" algn="l"/>
+                <a:tab pos="2601913" algn="l"/>
+                <a:tab pos="3059113" algn="l"/>
+                <a:tab pos="3516313" algn="l"/>
+                <a:tab pos="3973513" algn="l"/>
+                <a:tab pos="4430713" algn="l"/>
+                <a:tab pos="4887913" algn="l"/>
+                <a:tab pos="5345113" algn="l"/>
+                <a:tab pos="5802313" algn="l"/>
+                <a:tab pos="6259513" algn="l"/>
+                <a:tab pos="6716713" algn="l"/>
+                <a:tab pos="7173913" algn="l"/>
+                <a:tab pos="7631113" algn="l"/>
+                <a:tab pos="8088313" algn="l"/>
+                <a:tab pos="8545513" algn="l"/>
+                <a:tab pos="9002713" algn="l"/>
+                <a:tab pos="9459913" algn="l"/>
+              </a:tabLst>
+              <a:defRPr sz="2400">
+                <a:solidFill>
+                  <a:schemeClr val="tx1"/>
+                </a:solidFill>
+                <a:latin typeface="Arial" pitchFamily="34" charset="0"/>
+                <a:ea typeface="ＭＳ Ｐゴシック" pitchFamily="34" charset="-128"/>
+              </a:defRPr>
+            </a:lvl6pPr>
+            <a:lvl7pPr marL="2971800" indent="-228600" eaLnBrk="0" fontAlgn="base" hangingPunct="0">
+              <a:spcBef>
+                <a:spcPct val="0"/>
+              </a:spcBef>
+              <a:spcAft>
+                <a:spcPct val="0"/>
+              </a:spcAft>
+              <a:tabLst>
+                <a:tab pos="315913" algn="l"/>
+                <a:tab pos="773113" algn="l"/>
+                <a:tab pos="1230313" algn="l"/>
+                <a:tab pos="1687513" algn="l"/>
+                <a:tab pos="2144713" algn="l"/>
+                <a:tab pos="2601913" algn="l"/>
+                <a:tab pos="3059113" algn="l"/>
+                <a:tab pos="3516313" algn="l"/>
+                <a:tab pos="3973513" algn="l"/>
+                <a:tab pos="4430713" algn="l"/>
+                <a:tab pos="4887913" algn="l"/>
+                <a:tab pos="5345113" algn="l"/>
+                <a:tab pos="5802313" algn="l"/>
+                <a:tab pos="6259513" algn="l"/>
+                <a:tab pos="6716713" algn="l"/>
+                <a:tab pos="7173913" algn="l"/>
+                <a:tab pos="7631113" algn="l"/>
+                <a:tab pos="8088313" algn="l"/>
+                <a:tab pos="8545513" algn="l"/>
+                <a:tab pos="9002713" algn="l"/>
+                <a:tab pos="9459913" algn="l"/>
+              </a:tabLst>
+              <a:defRPr sz="2400">
+                <a:solidFill>
+                  <a:schemeClr val="tx1"/>
+                </a:solidFill>
+                <a:latin typeface="Arial" pitchFamily="34" charset="0"/>
+                <a:ea typeface="ＭＳ Ｐゴシック" pitchFamily="34" charset="-128"/>
+              </a:defRPr>
+            </a:lvl7pPr>
+            <a:lvl8pPr marL="3429000" indent="-228600" eaLnBrk="0" fontAlgn="base" hangingPunct="0">
+              <a:spcBef>
+                <a:spcPct val="0"/>
+              </a:spcBef>
+              <a:spcAft>
+                <a:spcPct val="0"/>
+              </a:spcAft>
+              <a:tabLst>
+                <a:tab pos="315913" algn="l"/>
+                <a:tab pos="773113" algn="l"/>
+                <a:tab pos="1230313" algn="l"/>
+                <a:tab pos="1687513" algn="l"/>
+                <a:tab pos="2144713" algn="l"/>
+                <a:tab pos="2601913" algn="l"/>
+                <a:tab pos="3059113" algn="l"/>
+                <a:tab pos="3516313" algn="l"/>
+                <a:tab pos="3973513" algn="l"/>
+                <a:tab pos="4430713" algn="l"/>
+                <a:tab pos="4887913" algn="l"/>
+                <a:tab pos="5345113" algn="l"/>
+                <a:tab pos="5802313" algn="l"/>
+                <a:tab pos="6259513" algn="l"/>
+                <a:tab pos="6716713" algn="l"/>
+                <a:tab pos="7173913" algn="l"/>
+                <a:tab pos="7631113" algn="l"/>
+                <a:tab pos="8088313" algn="l"/>
+                <a:tab pos="8545513" algn="l"/>
+                <a:tab pos="9002713" algn="l"/>
+                <a:tab pos="9459913" algn="l"/>
+              </a:tabLst>
+              <a:defRPr sz="2400">
+                <a:solidFill>
+                  <a:schemeClr val="tx1"/>
+                </a:solidFill>
+                <a:latin typeface="Arial" pitchFamily="34" charset="0"/>
+                <a:ea typeface="ＭＳ Ｐゴシック" pitchFamily="34" charset="-128"/>
+              </a:defRPr>
+            </a:lvl8pPr>
+            <a:lvl9pPr marL="3886200" indent="-228600" eaLnBrk="0" fontAlgn="base" hangingPunct="0">
+              <a:spcBef>
+                <a:spcPct val="0"/>
+              </a:spcBef>
+              <a:spcAft>
+                <a:spcPct val="0"/>
+              </a:spcAft>
+              <a:tabLst>
+                <a:tab pos="315913" algn="l"/>
+                <a:tab pos="773113" algn="l"/>
+                <a:tab pos="1230313" algn="l"/>
+                <a:tab pos="1687513" algn="l"/>
+                <a:tab pos="2144713" algn="l"/>
+                <a:tab pos="2601913" algn="l"/>
+                <a:tab pos="3059113" algn="l"/>
+                <a:tab pos="3516313" algn="l"/>
+                <a:tab pos="3973513" algn="l"/>
+                <a:tab pos="4430713" algn="l"/>
+                <a:tab pos="4887913" algn="l"/>
+                <a:tab pos="5345113" algn="l"/>
+                <a:tab pos="5802313" algn="l"/>
+                <a:tab pos="6259513" algn="l"/>
+                <a:tab pos="6716713" algn="l"/>
+                <a:tab pos="7173913" algn="l"/>
+                <a:tab pos="7631113" algn="l"/>
+                <a:tab pos="8088313" algn="l"/>
+                <a:tab pos="8545513" algn="l"/>
+                <a:tab pos="9002713" algn="l"/>
+                <a:tab pos="9459913" algn="l"/>
+              </a:tabLst>
+              <a:defRPr sz="2400">
+                <a:solidFill>
+                  <a:schemeClr val="tx1"/>
+                </a:solidFill>
+                <a:latin typeface="Arial" pitchFamily="34" charset="0"/>
+                <a:ea typeface="ＭＳ Ｐゴシック" pitchFamily="34" charset="-128"/>
+              </a:defRPr>
+            </a:lvl9pPr>
+          </a:lstStyle>
+          <a:p>
+            <a:pPr algn="ctr" eaLnBrk="1" hangingPunct="1">
+              <a:spcBef>
+                <a:spcPts val="700"/>
+              </a:spcBef>
+              <a:buClr>
+                <a:srgbClr val="F6640A"/>
+              </a:buClr>
+              <a:buSzPct val="60000"/>
+            </a:pPr>
+            <a:r>
+              <a:rPr lang="es-ES" sz="2800" dirty="0">
+                <a:solidFill>
+                  <a:srgbClr val="404040"/>
+                </a:solidFill>
+                <a:latin typeface="+mj-lt"/>
+              </a:rPr>
+              <a:t>Somos una empresa de consultoría en </a:t>
+            </a:r>
+            <a:r>
+              <a:rPr lang="es-ES" sz="2800" b="1" dirty="0">
+                <a:solidFill>
+                  <a:srgbClr val="404040"/>
+                </a:solidFill>
+                <a:latin typeface="+mj-lt"/>
+              </a:rPr>
+              <a:t>métodos ágiles </a:t>
+            </a:r>
+            <a:r>
+              <a:rPr lang="es-ES" sz="2800" dirty="0">
+                <a:solidFill>
+                  <a:srgbClr val="404040"/>
+                </a:solidFill>
+                <a:latin typeface="+mj-lt"/>
+              </a:rPr>
+              <a:t>que brinda training, </a:t>
+            </a:r>
+            <a:r>
+              <a:rPr lang="es-ES" sz="2800" dirty="0" err="1">
+                <a:solidFill>
+                  <a:srgbClr val="404040"/>
+                </a:solidFill>
+                <a:latin typeface="+mj-lt"/>
+              </a:rPr>
+              <a:t>mentoría</a:t>
+            </a:r>
+            <a:r>
+              <a:rPr lang="es-ES" sz="2800" dirty="0">
+                <a:solidFill>
+                  <a:srgbClr val="404040"/>
+                </a:solidFill>
+                <a:latin typeface="+mj-lt"/>
+              </a:rPr>
+              <a:t> y </a:t>
+            </a:r>
+            <a:r>
+              <a:rPr lang="es-ES" sz="2800" dirty="0" err="1">
+                <a:solidFill>
+                  <a:srgbClr val="404040"/>
+                </a:solidFill>
+                <a:latin typeface="+mj-lt"/>
+              </a:rPr>
+              <a:t>coaching</a:t>
+            </a:r>
+            <a:r>
+              <a:rPr lang="es-ES" sz="2800" dirty="0">
+                <a:solidFill>
+                  <a:srgbClr val="404040"/>
+                </a:solidFill>
+                <a:latin typeface="+mj-lt"/>
+              </a:rPr>
+              <a:t> en Scrum, Extreme </a:t>
+            </a:r>
+            <a:r>
+              <a:rPr lang="es-ES" sz="2800" dirty="0" err="1">
+                <a:solidFill>
+                  <a:srgbClr val="404040"/>
+                </a:solidFill>
+                <a:latin typeface="+mj-lt"/>
+              </a:rPr>
+              <a:t>Programming</a:t>
+            </a:r>
+            <a:r>
+              <a:rPr lang="es-ES" sz="2800" dirty="0">
+                <a:solidFill>
+                  <a:srgbClr val="404040"/>
+                </a:solidFill>
+                <a:latin typeface="+mj-lt"/>
+              </a:rPr>
+              <a:t> y </a:t>
+            </a:r>
+            <a:r>
+              <a:rPr lang="es-ES" sz="2800" dirty="0" err="1">
+                <a:solidFill>
+                  <a:srgbClr val="404040"/>
+                </a:solidFill>
+                <a:latin typeface="+mj-lt"/>
+              </a:rPr>
+              <a:t>Kanban</a:t>
+            </a:r>
+            <a:r>
+              <a:rPr lang="es-ES" sz="2800" dirty="0">
+                <a:solidFill>
+                  <a:srgbClr val="404040"/>
+                </a:solidFill>
+                <a:latin typeface="+mj-lt"/>
+              </a:rPr>
+              <a:t>.</a:t>
+            </a:r>
+            <a:endParaRPr lang="es-PE" sz="2800" dirty="0">
+              <a:solidFill>
+                <a:srgbClr val="404040"/>
+              </a:solidFill>
+              <a:latin typeface="+mj-lt"/>
+            </a:endParaRPr>
+          </a:p>
+        </p:txBody>
+      </p:sp>
+      <p:grpSp>
+        <p:nvGrpSpPr>
+          <p:cNvPr id="6" name="8 Grupo"/>
+          <p:cNvGrpSpPr>
+            <a:grpSpLocks/>
+          </p:cNvGrpSpPr>
+          <p:nvPr/>
+        </p:nvGrpSpPr>
+        <p:grpSpPr bwMode="auto">
+          <a:xfrm>
+            <a:off x="3060386" y="188640"/>
+            <a:ext cx="3039102" cy="1987754"/>
+            <a:chOff x="389808" y="5672352"/>
+            <a:chExt cx="1720177" cy="1072114"/>
+          </a:xfrm>
+        </p:grpSpPr>
+        <p:pic>
+          <p:nvPicPr>
+            <p:cNvPr id="7" name="Picture 6" descr="C:\Gustavo\Open Edge\Logos\OET_Logos\logo_96.png"/>
+            <p:cNvPicPr>
+              <a:picLocks noChangeAspect="1" noChangeArrowheads="1"/>
+            </p:cNvPicPr>
+            <p:nvPr/>
+          </p:nvPicPr>
+          <p:blipFill>
+            <a:blip r:embed="rId3">
+              <a:extLst>
+                <a:ext uri="{28A0092B-C50C-407E-A947-70E740481C1C}">
+                  <a14:useLocalDpi xmlns:a14="http://schemas.microsoft.com/office/drawing/2010/main" val="0"/>
+                </a:ext>
+              </a:extLst>
+            </a:blip>
+            <a:srcRect t="21286" b="21951"/>
+            <a:stretch>
+              <a:fillRect/>
+            </a:stretch>
+          </p:blipFill>
+          <p:spPr bwMode="auto">
+            <a:xfrm>
+              <a:off x="457200" y="5672352"/>
+              <a:ext cx="1600200" cy="908317"/>
+            </a:xfrm>
+            <a:prstGeom prst="rect">
+              <a:avLst/>
+            </a:prstGeom>
+            <a:noFill/>
+            <a:ln>
+              <a:noFill/>
+            </a:ln>
+            <a:extLst>
+              <a:ext uri="{909E8E84-426E-40DD-AFC4-6F175D3DCCD1}">
+                <a14:hiddenFill xmlns:a14="http://schemas.microsoft.com/office/drawing/2010/main">
+                  <a:solidFill>
+                    <a:srgbClr val="FFFFFF"/>
+                  </a:solidFill>
+                </a14:hiddenFill>
+              </a:ext>
+              <a:ext uri="{91240B29-F687-4F45-9708-019B960494DF}">
+                <a14:hiddenLine xmlns:a14="http://schemas.microsoft.com/office/drawing/2010/main" w="9525">
+                  <a:solidFill>
+                    <a:srgbClr val="000000"/>
+                  </a:solidFill>
+                  <a:miter lim="800000"/>
+                  <a:headEnd/>
+                  <a:tailEnd/>
+                </a14:hiddenLine>
+              </a:ext>
+            </a:extLst>
+          </p:spPr>
+        </p:pic>
+        <p:sp>
+          <p:nvSpPr>
+            <p:cNvPr id="8" name="7 Rectángulo"/>
+            <p:cNvSpPr>
+              <a:spLocks noChangeArrowheads="1"/>
+            </p:cNvSpPr>
+            <p:nvPr/>
+          </p:nvSpPr>
+          <p:spPr bwMode="auto">
+            <a:xfrm>
+              <a:off x="389808" y="6528663"/>
+              <a:ext cx="1720177" cy="215803"/>
+            </a:xfrm>
+            <a:prstGeom prst="rect">
+              <a:avLst/>
+            </a:prstGeom>
+            <a:noFill/>
+            <a:ln>
+              <a:noFill/>
+            </a:ln>
+            <a:extLst>
+              <a:ext uri="{909E8E84-426E-40DD-AFC4-6F175D3DCCD1}">
+                <a14:hiddenFill xmlns:a14="http://schemas.microsoft.com/office/drawing/2010/main">
+                  <a:solidFill>
+                    <a:srgbClr val="FFFFFF"/>
+                  </a:solidFill>
+                </a14:hiddenFill>
+              </a:ext>
+              <a:ext uri="{91240B29-F687-4F45-9708-019B960494DF}">
+                <a14:hiddenLine xmlns:a14="http://schemas.microsoft.com/office/drawing/2010/main" w="9525">
+                  <a:solidFill>
+                    <a:srgbClr val="000000"/>
+                  </a:solidFill>
+                  <a:miter lim="800000"/>
+                  <a:headEnd/>
+                  <a:tailEnd/>
+                </a14:hiddenLine>
+              </a:ext>
+            </a:extLst>
+          </p:spPr>
+          <p:txBody>
+            <a:bodyPr wrap="none">
+              <a:spAutoFit/>
+            </a:bodyPr>
+            <a:lstStyle/>
+            <a:p>
+              <a:pPr algn="ctr"/>
+              <a:r>
+                <a:rPr lang="es-PE" sz="2000" b="1" dirty="0">
+                  <a:solidFill>
+                    <a:schemeClr val="bg1"/>
+                  </a:solidFill>
+                  <a:latin typeface="Cambria" pitchFamily="18" charset="0"/>
+                </a:rPr>
+                <a:t>www.openedgetech.com</a:t>
+              </a:r>
+              <a:endParaRPr lang="es-ES" sz="2000" b="1" dirty="0">
+                <a:solidFill>
+                  <a:schemeClr val="bg1"/>
+                </a:solidFill>
+              </a:endParaRPr>
+            </a:p>
+          </p:txBody>
+        </p:sp>
+      </p:grpSp>
+      <p:grpSp>
+        <p:nvGrpSpPr>
+          <p:cNvPr id="3" name="2 Grupo"/>
+          <p:cNvGrpSpPr/>
+          <p:nvPr/>
+        </p:nvGrpSpPr>
+        <p:grpSpPr>
+          <a:xfrm>
+            <a:off x="932657" y="3904586"/>
+            <a:ext cx="7278687" cy="2489200"/>
+            <a:chOff x="1154113" y="4186238"/>
+            <a:chExt cx="7278687" cy="2489200"/>
+          </a:xfrm>
+        </p:grpSpPr>
+        <p:pic>
+          <p:nvPicPr>
+            <p:cNvPr id="10" name="Picture 7"/>
+            <p:cNvPicPr>
+              <a:picLocks noChangeAspect="1"/>
+            </p:cNvPicPr>
+            <p:nvPr/>
+          </p:nvPicPr>
+          <p:blipFill>
+            <a:blip r:embed="rId4">
+              <a:extLst>
+                <a:ext uri="{28A0092B-C50C-407E-A947-70E740481C1C}">
+                  <a14:useLocalDpi xmlns:a14="http://schemas.microsoft.com/office/drawing/2010/main" val="0"/>
+                </a:ext>
+              </a:extLst>
+            </a:blip>
+            <a:srcRect/>
+            <a:stretch>
+              <a:fillRect/>
+            </a:stretch>
+          </p:blipFill>
+          <p:spPr bwMode="auto">
+            <a:xfrm>
+              <a:off x="1154113" y="4186238"/>
+              <a:ext cx="3281362" cy="2462212"/>
+            </a:xfrm>
+            <a:prstGeom prst="rect">
+              <a:avLst/>
+            </a:prstGeom>
+            <a:noFill/>
+            <a:ln>
+              <a:noFill/>
+            </a:ln>
+            <a:effectLst>
+              <a:outerShdw blurRad="292100" dist="139700" dir="2700000" algn="tl" rotWithShape="0">
+                <a:srgbClr val="333333">
+                  <a:alpha val="64999"/>
+                </a:srgbClr>
+              </a:outerShdw>
+            </a:effectLst>
+            <a:extLst>
+              <a:ext uri="{909E8E84-426E-40DD-AFC4-6F175D3DCCD1}">
+                <a14:hiddenFill xmlns:a14="http://schemas.microsoft.com/office/drawing/2010/main">
+                  <a:solidFill>
+                    <a:srgbClr val="FFFFFF"/>
+                  </a:solidFill>
+                </a14:hiddenFill>
+              </a:ext>
+              <a:ext uri="{91240B29-F687-4F45-9708-019B960494DF}">
+                <a14:hiddenLine xmlns:a14="http://schemas.microsoft.com/office/drawing/2010/main" w="9525">
+                  <a:solidFill>
+                    <a:srgbClr val="000000"/>
+                  </a:solidFill>
+                  <a:miter lim="800000"/>
+                  <a:headEnd/>
+                  <a:tailEnd/>
+                </a14:hiddenLine>
+              </a:ext>
+            </a:extLst>
+          </p:spPr>
+        </p:pic>
+        <p:pic>
+          <p:nvPicPr>
+            <p:cNvPr id="11" name="Picture 8"/>
+            <p:cNvPicPr>
+              <a:picLocks noChangeAspect="1"/>
+            </p:cNvPicPr>
+            <p:nvPr/>
+          </p:nvPicPr>
+          <p:blipFill>
+            <a:blip r:embed="rId5">
+              <a:extLst>
+                <a:ext uri="{28A0092B-C50C-407E-A947-70E740481C1C}">
+                  <a14:useLocalDpi xmlns:a14="http://schemas.microsoft.com/office/drawing/2010/main" val="0"/>
+                </a:ext>
+              </a:extLst>
+            </a:blip>
+            <a:srcRect/>
+            <a:stretch>
+              <a:fillRect/>
+            </a:stretch>
+          </p:blipFill>
+          <p:spPr bwMode="auto">
+            <a:xfrm>
+              <a:off x="5114925" y="4186238"/>
+              <a:ext cx="3317875" cy="2489200"/>
+            </a:xfrm>
+            <a:prstGeom prst="rect">
+              <a:avLst/>
+            </a:prstGeom>
+            <a:noFill/>
+            <a:ln>
+              <a:noFill/>
+            </a:ln>
+            <a:effectLst>
+              <a:outerShdw blurRad="292100" dist="139700" dir="2700000" algn="tl" rotWithShape="0">
+                <a:srgbClr val="333333">
+                  <a:alpha val="64999"/>
+                </a:srgbClr>
+              </a:outerShdw>
+            </a:effectLst>
+            <a:extLst>
+              <a:ext uri="{909E8E84-426E-40DD-AFC4-6F175D3DCCD1}">
+                <a14:hiddenFill xmlns:a14="http://schemas.microsoft.com/office/drawing/2010/main">
+                  <a:solidFill>
+                    <a:srgbClr val="FFFFFF"/>
+                  </a:solidFill>
+                </a14:hiddenFill>
+              </a:ext>
+              <a:ext uri="{91240B29-F687-4F45-9708-019B960494DF}">
+                <a14:hiddenLine xmlns:a14="http://schemas.microsoft.com/office/drawing/2010/main" w="9525">
+                  <a:solidFill>
+                    <a:srgbClr val="000000"/>
+                  </a:solidFill>
+                  <a:miter lim="800000"/>
+                  <a:headEnd/>
+                  <a:tailEnd/>
+                </a14:hiddenLine>
+              </a:ext>
+            </a:extLst>
+          </p:spPr>
+        </p:pic>
+      </p:grpSp>
+    </p:spTree>
+    <p:extLst>
+      <p:ext uri="{BB962C8B-B14F-4D97-AF65-F5344CB8AC3E}">
+        <p14:creationId xmlns:p14="http://schemas.microsoft.com/office/powerpoint/2010/main" val="1732144882"/>
+      </p:ext>
+    </p:extLst>
+  </p:cSld>
+  <p:clrMapOvr>
+    <a:masterClrMapping/>
+  </p:clrMapOvr>
+  <mc:AlternateContent xmlns:mc="http://schemas.openxmlformats.org/markup-compatibility/2006" xmlns:p14="http://schemas.microsoft.com/office/powerpoint/2010/main">
+    <mc:Choice Requires="p14">
+      <p:transition spd="slow" p14:dur="2000"/>
+    </mc:Choice>
+    <mc:Fallback xmlns="">
+      <p:transition spd="slow"/>
+    </mc:Fallback>
+  </mc:AlternateContent>
   <p:timing>
     <p:tnLst>
       <p:par>
@@ -9207,7 +7653,7 @@
                   <a:schemeClr val="bg1"/>
                 </a:solidFill>
               </a:rPr>
-              <a:t>Aprender</a:t>
+              <a:t>Aprender, enseñar </a:t>
             </a:r>
             <a:r>
               <a:rPr lang="es-PE" sz="3600" i="1" dirty="0">
@@ -9215,7 +7661,7 @@
                   <a:schemeClr val="bg1"/>
                 </a:solidFill>
               </a:rPr>
-              <a:t>, enseñar y mejorar nuestras habilidades de programación compartiendo con </a:t>
+              <a:t>y mejorar nuestras habilidades de programación compartiendo con </a:t>
             </a:r>
             <a:r>
               <a:rPr lang="es-PE" sz="3600" i="1" dirty="0" smtClean="0">
@@ -9241,8 +7687,8 @@
         </p:nvSpPr>
         <p:spPr>
           <a:xfrm>
-            <a:off x="1741302" y="1742373"/>
-            <a:ext cx="5665333" cy="461665"/>
+            <a:off x="927727" y="1742373"/>
+            <a:ext cx="7460697" cy="461665"/>
           </a:xfrm>
           <a:prstGeom prst="rect">
             <a:avLst/>
@@ -9257,7 +7703,7 @@
           <a:p>
             <a:pPr algn="ctr"/>
             <a:r>
-              <a:rPr lang="es-PE" sz="2400" dirty="0" smtClean="0">
+              <a:rPr lang="es-PE" sz="2400" dirty="0" err="1">
                 <a:solidFill>
                   <a:schemeClr val="tx1">
                     <a:lumMod val="50000"/>
@@ -9266,17 +7712,56 @@
                 <a:latin typeface="Arial" pitchFamily="34" charset="0"/>
                 <a:cs typeface="Arial" pitchFamily="34" charset="0"/>
               </a:rPr>
-              <a:t>El camino en búsqueda de la perfección</a:t>
-            </a:r>
-            <a:endParaRPr lang="es-PE" sz="2400" dirty="0">
-              <a:solidFill>
-                <a:schemeClr val="tx1">
-                  <a:lumMod val="50000"/>
-                </a:schemeClr>
-              </a:solidFill>
-              <a:latin typeface="Arial" pitchFamily="34" charset="0"/>
-              <a:cs typeface="Arial" pitchFamily="34" charset="0"/>
-            </a:endParaRPr>
+              <a:t>Dojo</a:t>
+            </a:r>
+            <a:r>
+              <a:rPr lang="es-AR" sz="2400" dirty="0">
+                <a:solidFill>
+                  <a:schemeClr val="tx1">
+                    <a:lumMod val="50000"/>
+                  </a:schemeClr>
+                </a:solidFill>
+                <a:latin typeface="Arial" pitchFamily="34" charset="0"/>
+                <a:cs typeface="Arial" pitchFamily="34" charset="0"/>
+              </a:rPr>
+              <a:t> (</a:t>
+            </a:r>
+            <a:r>
+              <a:rPr lang="zh-CN" altLang="es-PE" sz="2400" dirty="0">
+                <a:solidFill>
+                  <a:schemeClr val="tx1">
+                    <a:lumMod val="50000"/>
+                  </a:schemeClr>
+                </a:solidFill>
+                <a:latin typeface="Arial" pitchFamily="34" charset="0"/>
+                <a:cs typeface="Arial" pitchFamily="34" charset="0"/>
+              </a:rPr>
+              <a:t>道場</a:t>
+            </a:r>
+            <a:r>
+              <a:rPr lang="es-AR" sz="2400" dirty="0" smtClean="0">
+                <a:solidFill>
+                  <a:schemeClr val="tx1">
+                    <a:lumMod val="50000"/>
+                  </a:schemeClr>
+                </a:solidFill>
+                <a:latin typeface="Arial" pitchFamily="34" charset="0"/>
+                <a:cs typeface="Arial" pitchFamily="34" charset="0"/>
+              </a:rPr>
+              <a:t>)</a:t>
+            </a:r>
+            <a:r>
+              <a:rPr lang="es-PE" sz="2400" dirty="0" smtClean="0">
+                <a:solidFill>
+                  <a:schemeClr val="tx1">
+                    <a:lumMod val="50000"/>
+                  </a:schemeClr>
+                </a:solidFill>
+                <a:latin typeface="Arial" pitchFamily="34" charset="0"/>
+                <a:cs typeface="Arial" pitchFamily="34" charset="0"/>
+              </a:rPr>
+              <a:t>: El camino en búsqueda de la perfección.</a:t>
+            </a:r>
           </a:p>
         </p:txBody>
       </p:sp>
@@ -9503,7 +7988,7 @@
         </p:nvSpPr>
         <p:spPr>
           <a:xfrm>
-            <a:off x="467544" y="1052736"/>
+            <a:off x="503220" y="548680"/>
             <a:ext cx="8229600" cy="720080"/>
           </a:xfrm>
         </p:spPr>
@@ -9512,14 +7997,24 @@
           <a:lstStyle/>
           <a:p>
             <a:r>
-              <a:rPr lang="es-PE" dirty="0" smtClean="0">
+              <a:rPr lang="es-PE" dirty="0" err="1" smtClean="0">
                 <a:solidFill>
                   <a:srgbClr val="C00000"/>
                 </a:solidFill>
                 <a:latin typeface="Arial" pitchFamily="34" charset="0"/>
                 <a:cs typeface="Arial" pitchFamily="34" charset="0"/>
               </a:rPr>
-              <a:t>Kata</a:t>
+              <a:t>Code</a:t>
+            </a:r>
+            <a:r>
+              <a:rPr lang="es-PE" dirty="0" smtClean="0">
+                <a:solidFill>
+                  <a:srgbClr val="C00000"/>
+                </a:solidFill>
+                <a:latin typeface="Arial" pitchFamily="34" charset="0"/>
+                <a:cs typeface="Arial" pitchFamily="34" charset="0"/>
+              </a:rPr>
+              <a:t> Kata</a:t>
             </a:r>
             <a:endParaRPr lang="es-PE" dirty="0">
               <a:solidFill>
@@ -9533,7 +8028,102 @@
       </p:sp>
       <p:sp>
         <p:nvSpPr>
-          <p:cNvPr id="5" name="2 Marcador de contenido"/>
+          <p:cNvPr id="6" name="5 CuadroTexto"/>
+          <p:cNvSpPr txBox="1"/>
+          <p:nvPr/>
+        </p:nvSpPr>
+        <p:spPr>
+          <a:xfrm>
+            <a:off x="405552" y="1310325"/>
+            <a:ext cx="8424936" cy="830997"/>
+          </a:xfrm>
+          <a:prstGeom prst="rect">
+            <a:avLst/>
+          </a:prstGeom>
+          <a:noFill/>
+        </p:spPr>
+        <p:txBody>
+          <a:bodyPr wrap="square" rtlCol="0">
+            <a:spAutoFit/>
+          </a:bodyPr>
+          <a:lstStyle/>
+          <a:p>
+            <a:pPr algn="ctr"/>
+            <a:r>
+              <a:rPr lang="es-PE" sz="2400" dirty="0" smtClean="0">
+                <a:solidFill>
+                  <a:schemeClr val="tx1">
+                    <a:lumMod val="50000"/>
+                  </a:schemeClr>
+                </a:solidFill>
+                <a:latin typeface="Arial" pitchFamily="34" charset="0"/>
+                <a:cs typeface="Arial" pitchFamily="34" charset="0"/>
+              </a:rPr>
+              <a:t>Kata(型 </a:t>
+            </a:r>
+            <a:r>
+              <a:rPr lang="es-PE" sz="2400" dirty="0">
+                <a:solidFill>
+                  <a:schemeClr val="tx1">
+                    <a:lumMod val="50000"/>
+                  </a:schemeClr>
+                </a:solidFill>
+                <a:latin typeface="Arial" pitchFamily="34" charset="0"/>
+                <a:cs typeface="Arial" pitchFamily="34" charset="0"/>
+              </a:rPr>
+              <a:t>o </a:t>
+            </a:r>
+            <a:r>
+              <a:rPr lang="es-PE" sz="2400" dirty="0" smtClean="0">
+                <a:solidFill>
+                  <a:schemeClr val="tx1">
+                    <a:lumMod val="50000"/>
+                  </a:schemeClr>
+                </a:solidFill>
+                <a:latin typeface="Arial" pitchFamily="34" charset="0"/>
+                <a:cs typeface="Arial" pitchFamily="34" charset="0"/>
+              </a:rPr>
+              <a:t>形): repetición de </a:t>
+            </a:r>
+            <a:r>
+              <a:rPr lang="es-PE" sz="2400" dirty="0">
+                <a:solidFill>
+                  <a:schemeClr val="tx1">
+                    <a:lumMod val="50000"/>
+                  </a:schemeClr>
+                </a:solidFill>
+                <a:latin typeface="Arial" pitchFamily="34" charset="0"/>
+                <a:cs typeface="Arial" pitchFamily="34" charset="0"/>
+              </a:rPr>
+              <a:t>movimientos </a:t>
+            </a:r>
+            <a:r>
+              <a:rPr lang="es-PE" sz="2400" dirty="0" smtClean="0">
+                <a:solidFill>
+                  <a:schemeClr val="tx1">
+                    <a:lumMod val="50000"/>
+                  </a:schemeClr>
+                </a:solidFill>
+                <a:latin typeface="Arial" pitchFamily="34" charset="0"/>
+                <a:cs typeface="Arial" pitchFamily="34" charset="0"/>
+              </a:rPr>
+              <a:t>establecidos, buscando la perfección en la ejecución.</a:t>
+            </a:r>
+            <a:endParaRPr lang="es-PE" sz="2400" dirty="0">
+              <a:solidFill>
+                <a:schemeClr val="tx1">
+                  <a:lumMod val="50000"/>
+                </a:schemeClr>
+              </a:solidFill>
+              <a:latin typeface="Arial" pitchFamily="34" charset="0"/>
+              <a:cs typeface="Arial" pitchFamily="34" charset="0"/>
+            </a:endParaRPr>
+          </a:p>
+        </p:txBody>
+      </p:sp>
+      <p:sp>
+        <p:nvSpPr>
+          <p:cNvPr id="7" name="2 Marcador de contenido"/>
           <p:cNvSpPr>
             <a:spLocks noGrp="1"/>
           </p:cNvSpPr>
@@ -9543,8 +8133,8 @@
         </p:nvSpPr>
         <p:spPr>
           <a:xfrm>
-            <a:off x="695697" y="2825227"/>
-            <a:ext cx="7752607" cy="1872208"/>
+            <a:off x="627641" y="2636912"/>
+            <a:ext cx="7980759" cy="2376264"/>
           </a:xfrm>
         </p:spPr>
         <p:txBody>
@@ -9564,15 +8154,22 @@
                   <a:schemeClr val="bg1"/>
                 </a:solidFill>
               </a:rPr>
-              <a:t>Secuencia </a:t>
-            </a:r>
-            <a:r>
-              <a:rPr lang="es-PE" sz="3600" i="1" dirty="0">
+              <a:t>Nos divertiremos y mejoraremos nuestras habilidades de codificación resolviendo un problema de programación aplicando </a:t>
+            </a:r>
+            <a:br>
+              <a:rPr lang="es-PE" sz="3600" i="1" dirty="0" smtClean="0">
                 <a:solidFill>
                   <a:schemeClr val="bg1"/>
                 </a:solidFill>
               </a:rPr>
-              <a:t>de movimientos establecidos que se pueden practicar normalmente solo </a:t>
+            </a:br>
+            <a:r>
+              <a:rPr lang="es-PE" sz="3600" i="1" dirty="0" err="1" smtClean="0">
+                <a:solidFill>
+                  <a:schemeClr val="bg1"/>
+                </a:solidFill>
+              </a:rPr>
+              <a:t>Pair</a:t>
             </a:r>
             <a:r>
               <a:rPr lang="es-PE" sz="3600" i="1" dirty="0" smtClean="0">
@@ -9580,138 +8177,27 @@
                   <a:schemeClr val="bg1"/>
                 </a:solidFill>
               </a:rPr>
-              <a:t>o </a:t>
-            </a:r>
-            <a:r>
-              <a:rPr lang="es-PE" sz="3600" i="1" dirty="0">
+              <a:t> </a:t>
+            </a:r>
+            <a:r>
+              <a:rPr lang="es-PE" sz="3600" i="1" dirty="0" err="1" smtClean="0">
                 <a:solidFill>
                   <a:schemeClr val="bg1"/>
                 </a:solidFill>
               </a:rPr>
-              <a:t>en parejas. </a:t>
+              <a:t>Programing</a:t>
+            </a:r>
+            <a:r>
+              <a:rPr lang="es-PE" sz="3600" i="1" dirty="0" smtClean="0">
+                <a:solidFill>
+                  <a:schemeClr val="bg1"/>
+                </a:solidFill>
+              </a:rPr>
+              <a:t> y TDD.</a:t>
             </a:r>
             <a:endParaRPr lang="es-PE" sz="3600" i="1" dirty="0">
               <a:solidFill>
                 <a:schemeClr val="bg1"/>
-              </a:solidFill>
-              <a:latin typeface="Arial" pitchFamily="34" charset="0"/>
-              <a:cs typeface="Arial" pitchFamily="34" charset="0"/>
-            </a:endParaRPr>
-          </a:p>
-        </p:txBody>
-      </p:sp>
-      <p:sp>
-        <p:nvSpPr>
-          <p:cNvPr id="6" name="5 CuadroTexto"/>
-          <p:cNvSpPr txBox="1"/>
-          <p:nvPr/>
-        </p:nvSpPr>
-        <p:spPr>
-          <a:xfrm>
-            <a:off x="2045063" y="1814381"/>
-            <a:ext cx="5057795" cy="523220"/>
-          </a:xfrm>
-          <a:prstGeom prst="rect">
-            <a:avLst/>
-          </a:prstGeom>
-          <a:noFill/>
-        </p:spPr>
-        <p:txBody>
-          <a:bodyPr wrap="none" rtlCol="0">
-            <a:spAutoFit/>
-          </a:bodyPr>
-          <a:lstStyle/>
-          <a:p>
-            <a:pPr algn="ctr"/>
-            <a:r>
-              <a:rPr lang="es-PE" sz="2800" dirty="0" smtClean="0">
-                <a:solidFill>
-                  <a:schemeClr val="tx1">
-                    <a:lumMod val="50000"/>
-                  </a:schemeClr>
-                </a:solidFill>
-                <a:latin typeface="Arial" pitchFamily="34" charset="0"/>
-                <a:cs typeface="Arial" pitchFamily="34" charset="0"/>
-              </a:rPr>
-              <a:t>(型 </a:t>
-            </a:r>
-            <a:r>
-              <a:rPr lang="es-PE" sz="2800" dirty="0">
-                <a:solidFill>
-                  <a:schemeClr val="tx1">
-                    <a:lumMod val="50000"/>
-                  </a:schemeClr>
-                </a:solidFill>
-                <a:latin typeface="Arial" pitchFamily="34" charset="0"/>
-                <a:cs typeface="Arial" pitchFamily="34" charset="0"/>
-              </a:rPr>
-              <a:t>o </a:t>
-            </a:r>
-            <a:r>
-              <a:rPr lang="es-PE" sz="2800" dirty="0" smtClean="0">
-                <a:solidFill>
-                  <a:schemeClr val="tx1">
-                    <a:lumMod val="50000"/>
-                  </a:schemeClr>
-                </a:solidFill>
-                <a:latin typeface="Arial" pitchFamily="34" charset="0"/>
-                <a:cs typeface="Arial" pitchFamily="34" charset="0"/>
-              </a:rPr>
-              <a:t>形</a:t>
-            </a:r>
-            <a:r>
-              <a:rPr lang="es-PE" sz="2800" dirty="0">
-                <a:solidFill>
-                  <a:schemeClr val="tx1">
-                    <a:lumMod val="50000"/>
-                  </a:schemeClr>
-                </a:solidFill>
-                <a:latin typeface="Arial" pitchFamily="34" charset="0"/>
-                <a:cs typeface="Arial" pitchFamily="34" charset="0"/>
-              </a:rPr>
-              <a:t> </a:t>
-            </a:r>
-            <a:r>
-              <a:rPr lang="es-PE" sz="2800" dirty="0" smtClean="0">
-                <a:solidFill>
-                  <a:schemeClr val="tx1">
-                    <a:lumMod val="50000"/>
-                  </a:schemeClr>
-                </a:solidFill>
-                <a:latin typeface="Arial" pitchFamily="34" charset="0"/>
-                <a:cs typeface="Arial" pitchFamily="34" charset="0"/>
-              </a:rPr>
-              <a:t>literalmente</a:t>
-            </a:r>
-            <a:r>
-              <a:rPr lang="es-PE" sz="2800" dirty="0">
-                <a:solidFill>
-                  <a:schemeClr val="tx1">
-                    <a:lumMod val="50000"/>
-                  </a:schemeClr>
-                </a:solidFill>
-                <a:latin typeface="Arial" pitchFamily="34" charset="0"/>
-                <a:cs typeface="Arial" pitchFamily="34" charset="0"/>
-              </a:rPr>
-              <a:t>: "formas</a:t>
-            </a:r>
-            <a:r>
-              <a:rPr lang="es-PE" sz="2800" dirty="0" smtClean="0">
-                <a:solidFill>
-                  <a:schemeClr val="tx1">
-                    <a:lumMod val="50000"/>
-                  </a:schemeClr>
-                </a:solidFill>
-                <a:latin typeface="Arial" pitchFamily="34" charset="0"/>
-                <a:cs typeface="Arial" pitchFamily="34" charset="0"/>
-              </a:rPr>
-              <a:t>")</a:t>
-            </a:r>
-            <a:endParaRPr lang="es-PE" sz="2800" dirty="0">
-              <a:solidFill>
-                <a:schemeClr val="tx1">
-                  <a:lumMod val="50000"/>
-                </a:schemeClr>
               </a:solidFill>
               <a:latin typeface="Arial" pitchFamily="34" charset="0"/>
               <a:cs typeface="Arial" pitchFamily="34" charset="0"/>
@@ -9758,144 +8244,6 @@
       </p:grpSpPr>
       <p:sp>
         <p:nvSpPr>
-          <p:cNvPr id="7" name="2 Marcador de contenido"/>
-          <p:cNvSpPr>
-            <a:spLocks noGrp="1"/>
-          </p:cNvSpPr>
-          <p:nvPr>
-            <p:ph idx="1"/>
-          </p:nvPr>
-        </p:nvSpPr>
-        <p:spPr>
-          <a:xfrm>
-            <a:off x="581621" y="1916832"/>
-            <a:ext cx="7980759" cy="2376264"/>
-          </a:xfrm>
-        </p:spPr>
-        <p:txBody>
-          <a:bodyPr/>
-          <a:lstStyle/>
-          <a:p>
-            <a:pPr marL="0" indent="0">
-              <a:lnSpc>
-                <a:spcPts val="4500"/>
-              </a:lnSpc>
-              <a:buSzPct val="150000"/>
-              <a:buNone/>
-            </a:pPr>
-            <a:r>
-              <a:rPr lang="es-PE" sz="3600" i="1" dirty="0" smtClean="0">
-                <a:solidFill>
-                  <a:schemeClr val="bg1"/>
-                </a:solidFill>
-              </a:rPr>
-              <a:t>Nos divertiremos y mejoraremos nuestras habilidades de codificación resolviendo un problema de programación (</a:t>
-            </a:r>
-            <a:r>
-              <a:rPr lang="es-PE" sz="3600" i="1" dirty="0" err="1" smtClean="0">
-                <a:solidFill>
-                  <a:schemeClr val="bg1"/>
-                </a:solidFill>
-              </a:rPr>
-              <a:t>Code</a:t>
-            </a:r>
-            <a:r>
-              <a:rPr lang="es-PE" sz="3600" i="1" dirty="0">
-                <a:solidFill>
-                  <a:schemeClr val="bg1"/>
-                </a:solidFill>
-              </a:rPr>
-              <a:t>-</a:t>
-            </a:r>
-            <a:r>
-              <a:rPr lang="es-PE" sz="3600" i="1" dirty="0" smtClean="0">
-                <a:solidFill>
-                  <a:schemeClr val="bg1"/>
-                </a:solidFill>
-              </a:rPr>
-              <a:t>Kata) aplicando </a:t>
-            </a:r>
-            <a:r>
-              <a:rPr lang="es-PE" sz="3600" i="1" dirty="0" err="1" smtClean="0">
-                <a:solidFill>
-                  <a:schemeClr val="bg1"/>
-                </a:solidFill>
-              </a:rPr>
-              <a:t>Pair</a:t>
-            </a:r>
-            <a:r>
-              <a:rPr lang="es-PE" sz="3600" i="1" dirty="0" smtClean="0">
-                <a:solidFill>
-                  <a:schemeClr val="bg1"/>
-                </a:solidFill>
-              </a:rPr>
-              <a:t> </a:t>
-            </a:r>
-            <a:r>
-              <a:rPr lang="es-PE" sz="3600" i="1" dirty="0" err="1" smtClean="0">
-                <a:solidFill>
-                  <a:schemeClr val="bg1"/>
-                </a:solidFill>
-              </a:rPr>
-              <a:t>Programing</a:t>
-            </a:r>
-            <a:r>
-              <a:rPr lang="es-PE" sz="3600" i="1" dirty="0" smtClean="0">
-                <a:solidFill>
-                  <a:schemeClr val="bg1"/>
-                </a:solidFill>
-              </a:rPr>
-              <a:t> y TDD.</a:t>
-            </a:r>
-            <a:endParaRPr lang="es-PE" sz="3600" i="1" dirty="0">
-              <a:solidFill>
-                <a:schemeClr val="bg1"/>
-              </a:solidFill>
-              <a:latin typeface="Arial" pitchFamily="34" charset="0"/>
-              <a:cs typeface="Arial" pitchFamily="34" charset="0"/>
-            </a:endParaRPr>
-          </a:p>
-        </p:txBody>
-      </p:sp>
-    </p:spTree>
-    <p:extLst>
-      <p:ext uri="{BB962C8B-B14F-4D97-AF65-F5344CB8AC3E}">
-        <p14:creationId xmlns:p14="http://schemas.microsoft.com/office/powerpoint/2010/main" val="3798997990"/>
-      </p:ext>
-    </p:extLst>
-  </p:cSld>
-  <p:clrMapOvr>
-    <a:masterClrMapping/>
-  </p:clrMapOvr>
-  <p:timing>
-    <p:tnLst>
-      <p:par>
-        <p:cTn id="1" dur="indefinite" restart="never" nodeType="tmRoot"/>
-      </p:par>
-    </p:tnLst>
-  </p:timing>
-</p:sld>
-</file>
-
-<file path=ppt/slides/slide6.xml><?xml version="1.0" encoding="utf-8"?>
-<p:sld xmlns:a="http://schemas.openxmlformats.org/drawingml/2006/main" xmlns:r="http://schemas.openxmlformats.org/officeDocument/2006/relationships" xmlns:p="http://schemas.openxmlformats.org/presentationml/2006/main">
-  <p:cSld>
-    <p:spTree>
-      <p:nvGrpSpPr>
-        <p:cNvPr id="1" name=""/>
-        <p:cNvGrpSpPr/>
-        <p:nvPr/>
-      </p:nvGrpSpPr>
-      <p:grpSpPr>
-        <a:xfrm>
-          <a:off x="0" y="0"/>
-          <a:ext cx="0" cy="0"/>
-          <a:chOff x="0" y="0"/>
-          <a:chExt cx="0" cy="0"/>
-        </a:xfrm>
-      </p:grpSpPr>
-      <p:sp>
-        <p:nvSpPr>
           <p:cNvPr id="4" name="1 Título"/>
           <p:cNvSpPr>
             <a:spLocks noGrp="1"/>
@@ -9964,28 +8312,1093 @@
           </a:p>
         </p:txBody>
       </p:sp>
-      <p:graphicFrame>
-        <p:nvGraphicFramePr>
-          <p:cNvPr id="14" name="13 Diagrama"/>
-          <p:cNvGraphicFramePr/>
-          <p:nvPr>
-            <p:extLst>
-              <p:ext uri="{D42A27DB-BD31-4B8C-83A1-F6EECF244321}">
-                <p14:modId xmlns:p14="http://schemas.microsoft.com/office/powerpoint/2010/main" val="2994212143"/>
-              </p:ext>
-            </p:extLst>
-          </p:nvPr>
-        </p:nvGraphicFramePr>
-        <p:xfrm>
-          <a:off x="1007604" y="1196752"/>
-          <a:ext cx="7128792" cy="5200352"/>
-        </p:xfrm>
-        <a:graphic>
-          <a:graphicData uri="http://schemas.openxmlformats.org/drawingml/2006/diagram">
-            <dgm:relIds xmlns:dgm="http://schemas.openxmlformats.org/drawingml/2006/diagram" xmlns:r="http://schemas.openxmlformats.org/officeDocument/2006/relationships" r:dm="rId3" r:lo="rId4" r:qs="rId5" r:cs="rId6"/>
-          </a:graphicData>
-        </a:graphic>
-      </p:graphicFrame>
+      <p:grpSp>
+        <p:nvGrpSpPr>
+          <p:cNvPr id="5" name="4 Grupo"/>
+          <p:cNvGrpSpPr/>
+          <p:nvPr/>
+        </p:nvGrpSpPr>
+        <p:grpSpPr>
+          <a:xfrm>
+            <a:off x="3417497" y="1052736"/>
+            <a:ext cx="2309005" cy="1569865"/>
+            <a:chOff x="2409893" y="500"/>
+            <a:chExt cx="2309005" cy="1569865"/>
+          </a:xfrm>
+        </p:grpSpPr>
+        <p:sp>
+          <p:nvSpPr>
+            <p:cNvPr id="34" name="33 Elipse"/>
+            <p:cNvSpPr/>
+            <p:nvPr/>
+          </p:nvSpPr>
+          <p:spPr>
+            <a:xfrm>
+              <a:off x="2409893" y="500"/>
+              <a:ext cx="2309005" cy="1569865"/>
+            </a:xfrm>
+            <a:prstGeom prst="ellipse">
+              <a:avLst/>
+            </a:prstGeom>
+            <a:ln>
+              <a:noFill/>
+            </a:ln>
+          </p:spPr>
+          <p:style>
+            <a:lnRef idx="1">
+              <a:schemeClr val="dk1"/>
+            </a:lnRef>
+            <a:fillRef idx="2">
+              <a:schemeClr val="dk1"/>
+            </a:fillRef>
+            <a:effectRef idx="1">
+              <a:schemeClr val="dk1"/>
+            </a:effectRef>
+            <a:fontRef idx="minor">
+              <a:schemeClr val="dk1"/>
+            </a:fontRef>
+          </p:style>
+        </p:sp>
+        <p:sp>
+          <p:nvSpPr>
+            <p:cNvPr id="35" name="Elipse 4"/>
+            <p:cNvSpPr/>
+            <p:nvPr/>
+          </p:nvSpPr>
+          <p:spPr>
+            <a:xfrm>
+              <a:off x="2748039" y="230401"/>
+              <a:ext cx="1632713" cy="1110063"/>
+            </a:xfrm>
+            <a:prstGeom prst="rect">
+              <a:avLst/>
+            </a:prstGeom>
+          </p:spPr>
+          <p:style>
+            <a:lnRef idx="0">
+              <a:scrgbClr r="0" g="0" b="0"/>
+            </a:lnRef>
+            <a:fillRef idx="0">
+              <a:scrgbClr r="0" g="0" b="0"/>
+            </a:fillRef>
+            <a:effectRef idx="0">
+              <a:scrgbClr r="0" g="0" b="0"/>
+            </a:effectRef>
+            <a:fontRef idx="minor">
+              <a:schemeClr val="dk1"/>
+            </a:fontRef>
+          </p:style>
+          <p:txBody>
+            <a:bodyPr spcFirstLastPara="0" vert="horz" wrap="square" lIns="35560" tIns="35560" rIns="35560" bIns="35560" numCol="1" spcCol="1270" anchor="ctr" anchorCtr="0">
+              <a:noAutofit/>
+            </a:bodyPr>
+            <a:lstStyle/>
+            <a:p>
+              <a:pPr lvl="0" algn="ctr" defTabSz="1244600">
+                <a:lnSpc>
+                  <a:spcPct val="90000"/>
+                </a:lnSpc>
+                <a:spcBef>
+                  <a:spcPct val="0"/>
+                </a:spcBef>
+                <a:spcAft>
+                  <a:spcPct val="35000"/>
+                </a:spcAft>
+              </a:pPr>
+              <a:r>
+                <a:rPr lang="es-PE" sz="2800" kern="1200" dirty="0" smtClean="0"/>
+                <a:t>Ejemplo Concreto</a:t>
+              </a:r>
+              <a:br>
+                <a:rPr lang="es-PE" sz="2800" kern="1200" dirty="0" smtClean="0"/>
+              </a:br>
+              <a:r>
+                <a:rPr lang="es-PE" sz="2800" kern="1200" dirty="0" smtClean="0"/>
+                <a:t>(Prueba)</a:t>
+              </a:r>
+            </a:p>
+          </p:txBody>
+        </p:sp>
+      </p:grpSp>
+      <p:grpSp>
+        <p:nvGrpSpPr>
+          <p:cNvPr id="6" name="5 Grupo"/>
+          <p:cNvGrpSpPr/>
+          <p:nvPr/>
+        </p:nvGrpSpPr>
+        <p:grpSpPr>
+          <a:xfrm>
+            <a:off x="5366519" y="2358349"/>
+            <a:ext cx="305783" cy="529829"/>
+            <a:chOff x="4358915" y="1306113"/>
+            <a:chExt cx="305783" cy="529829"/>
+          </a:xfrm>
+        </p:grpSpPr>
+        <p:sp>
+          <p:nvSpPr>
+            <p:cNvPr id="32" name="31 Flecha derecha"/>
+            <p:cNvSpPr/>
+            <p:nvPr/>
+          </p:nvSpPr>
+          <p:spPr>
+            <a:xfrm rot="2379933">
+              <a:off x="4358915" y="1306113"/>
+              <a:ext cx="305783" cy="529829"/>
+            </a:xfrm>
+            <a:prstGeom prst="rightArrow">
+              <a:avLst>
+                <a:gd name="adj1" fmla="val 60000"/>
+                <a:gd name="adj2" fmla="val 50000"/>
+              </a:avLst>
+            </a:prstGeom>
+          </p:spPr>
+          <p:style>
+            <a:lnRef idx="0">
+              <a:schemeClr val="accent1">
+                <a:tint val="60000"/>
+                <a:hueOff val="0"/>
+                <a:satOff val="0"/>
+                <a:lumOff val="0"/>
+                <a:alphaOff val="0"/>
+              </a:schemeClr>
+            </a:lnRef>
+            <a:fillRef idx="1">
+              <a:schemeClr val="accent1">
+                <a:tint val="60000"/>
+                <a:hueOff val="0"/>
+                <a:satOff val="0"/>
+                <a:lumOff val="0"/>
+                <a:alphaOff val="0"/>
+              </a:schemeClr>
+            </a:fillRef>
+            <a:effectRef idx="0">
+              <a:schemeClr val="accent1">
+                <a:tint val="60000"/>
+                <a:hueOff val="0"/>
+                <a:satOff val="0"/>
+                <a:lumOff val="0"/>
+                <a:alphaOff val="0"/>
+              </a:schemeClr>
+            </a:effectRef>
+            <a:fontRef idx="minor">
+              <a:schemeClr val="lt1"/>
+            </a:fontRef>
+          </p:style>
+        </p:sp>
+        <p:sp>
+          <p:nvSpPr>
+            <p:cNvPr id="33" name="Flecha derecha 6"/>
+            <p:cNvSpPr/>
+            <p:nvPr/>
+          </p:nvSpPr>
+          <p:spPr>
+            <a:xfrm rot="2379933">
+              <a:off x="4369474" y="1382802"/>
+              <a:ext cx="214048" cy="317897"/>
+            </a:xfrm>
+            <a:prstGeom prst="rect">
+              <a:avLst/>
+            </a:prstGeom>
+          </p:spPr>
+          <p:style>
+            <a:lnRef idx="0">
+              <a:scrgbClr r="0" g="0" b="0"/>
+            </a:lnRef>
+            <a:fillRef idx="0">
+              <a:scrgbClr r="0" g="0" b="0"/>
+            </a:fillRef>
+            <a:effectRef idx="0">
+              <a:scrgbClr r="0" g="0" b="0"/>
+            </a:effectRef>
+            <a:fontRef idx="minor">
+              <a:schemeClr val="lt1"/>
+            </a:fontRef>
+          </p:style>
+          <p:txBody>
+            <a:bodyPr spcFirstLastPara="0" vert="horz" wrap="square" lIns="0" tIns="0" rIns="0" bIns="0" numCol="1" spcCol="1270" anchor="ctr" anchorCtr="0">
+              <a:noAutofit/>
+            </a:bodyPr>
+            <a:lstStyle/>
+            <a:p>
+              <a:pPr lvl="0" algn="ctr" defTabSz="977900">
+                <a:lnSpc>
+                  <a:spcPct val="90000"/>
+                </a:lnSpc>
+                <a:spcBef>
+                  <a:spcPct val="0"/>
+                </a:spcBef>
+                <a:spcAft>
+                  <a:spcPct val="35000"/>
+                </a:spcAft>
+              </a:pPr>
+              <a:endParaRPr lang="es-PE" sz="2200" kern="1200"/>
+            </a:p>
+          </p:txBody>
+        </p:sp>
+      </p:grpSp>
+      <p:grpSp>
+        <p:nvGrpSpPr>
+          <p:cNvPr id="7" name="6 Grupo"/>
+          <p:cNvGrpSpPr/>
+          <p:nvPr/>
+        </p:nvGrpSpPr>
+        <p:grpSpPr>
+          <a:xfrm>
+            <a:off x="5325644" y="2634974"/>
+            <a:ext cx="2309005" cy="1569865"/>
+            <a:chOff x="4318040" y="1582738"/>
+            <a:chExt cx="2309005" cy="1569865"/>
+          </a:xfrm>
+        </p:grpSpPr>
+        <p:sp>
+          <p:nvSpPr>
+            <p:cNvPr id="30" name="29 Elipse"/>
+            <p:cNvSpPr/>
+            <p:nvPr/>
+          </p:nvSpPr>
+          <p:spPr>
+            <a:xfrm>
+              <a:off x="4318040" y="1582738"/>
+              <a:ext cx="2309005" cy="1569865"/>
+            </a:xfrm>
+            <a:prstGeom prst="ellipse">
+              <a:avLst/>
+            </a:prstGeom>
+          </p:spPr>
+          <p:style>
+            <a:lnRef idx="1">
+              <a:schemeClr val="accent2"/>
+            </a:lnRef>
+            <a:fillRef idx="3">
+              <a:schemeClr val="accent2"/>
+            </a:fillRef>
+            <a:effectRef idx="2">
+              <a:schemeClr val="accent2"/>
+            </a:effectRef>
+            <a:fontRef idx="minor">
+              <a:schemeClr val="lt1"/>
+            </a:fontRef>
+          </p:style>
+        </p:sp>
+        <p:sp>
+          <p:nvSpPr>
+            <p:cNvPr id="31" name="Elipse 8"/>
+            <p:cNvSpPr/>
+            <p:nvPr/>
+          </p:nvSpPr>
+          <p:spPr>
+            <a:xfrm>
+              <a:off x="4656186" y="1812639"/>
+              <a:ext cx="1632713" cy="1110063"/>
+            </a:xfrm>
+            <a:prstGeom prst="rect">
+              <a:avLst/>
+            </a:prstGeom>
+          </p:spPr>
+          <p:style>
+            <a:lnRef idx="0">
+              <a:scrgbClr r="0" g="0" b="0"/>
+            </a:lnRef>
+            <a:fillRef idx="0">
+              <a:scrgbClr r="0" g="0" b="0"/>
+            </a:fillRef>
+            <a:effectRef idx="0">
+              <a:scrgbClr r="0" g="0" b="0"/>
+            </a:effectRef>
+            <a:fontRef idx="minor">
+              <a:schemeClr val="lt1"/>
+            </a:fontRef>
+          </p:style>
+          <p:txBody>
+            <a:bodyPr spcFirstLastPara="0" vert="horz" wrap="square" lIns="35560" tIns="35560" rIns="35560" bIns="35560" numCol="1" spcCol="1270" anchor="ctr" anchorCtr="0">
+              <a:noAutofit/>
+            </a:bodyPr>
+            <a:lstStyle/>
+            <a:p>
+              <a:pPr lvl="0" algn="ctr" defTabSz="1244600">
+                <a:lnSpc>
+                  <a:spcPct val="90000"/>
+                </a:lnSpc>
+                <a:spcBef>
+                  <a:spcPct val="0"/>
+                </a:spcBef>
+                <a:spcAft>
+                  <a:spcPct val="35000"/>
+                </a:spcAft>
+              </a:pPr>
+              <a:r>
+                <a:rPr lang="es-PE" sz="2800" kern="1200" dirty="0" smtClean="0"/>
+                <a:t>Falla</a:t>
+              </a:r>
+              <a:endParaRPr lang="es-PE" sz="2800" kern="1200" dirty="0"/>
+            </a:p>
+          </p:txBody>
+        </p:sp>
+      </p:grpSp>
+      <p:grpSp>
+        <p:nvGrpSpPr>
+          <p:cNvPr id="8" name="7 Grupo"/>
+          <p:cNvGrpSpPr/>
+          <p:nvPr/>
+        </p:nvGrpSpPr>
+        <p:grpSpPr>
+          <a:xfrm>
+            <a:off x="6011709" y="4303258"/>
+            <a:ext cx="529829" cy="265797"/>
+            <a:chOff x="5004105" y="3251022"/>
+            <a:chExt cx="529829" cy="265797"/>
+          </a:xfrm>
+        </p:grpSpPr>
+        <p:sp>
+          <p:nvSpPr>
+            <p:cNvPr id="28" name="27 Flecha derecha"/>
+            <p:cNvSpPr/>
+            <p:nvPr/>
+          </p:nvSpPr>
+          <p:spPr>
+            <a:xfrm rot="6079481">
+              <a:off x="5136121" y="3119006"/>
+              <a:ext cx="265797" cy="529829"/>
+            </a:xfrm>
+            <a:prstGeom prst="rightArrow">
+              <a:avLst>
+                <a:gd name="adj1" fmla="val 60000"/>
+                <a:gd name="adj2" fmla="val 50000"/>
+              </a:avLst>
+            </a:prstGeom>
+          </p:spPr>
+          <p:style>
+            <a:lnRef idx="0">
+              <a:schemeClr val="accent1">
+                <a:tint val="60000"/>
+                <a:hueOff val="0"/>
+                <a:satOff val="0"/>
+                <a:lumOff val="0"/>
+                <a:alphaOff val="0"/>
+              </a:schemeClr>
+            </a:lnRef>
+            <a:fillRef idx="1">
+              <a:schemeClr val="accent1">
+                <a:tint val="60000"/>
+                <a:hueOff val="0"/>
+                <a:satOff val="0"/>
+                <a:lumOff val="0"/>
+                <a:alphaOff val="0"/>
+              </a:schemeClr>
+            </a:fillRef>
+            <a:effectRef idx="0">
+              <a:schemeClr val="accent1">
+                <a:tint val="60000"/>
+                <a:hueOff val="0"/>
+                <a:satOff val="0"/>
+                <a:lumOff val="0"/>
+                <a:alphaOff val="0"/>
+              </a:schemeClr>
+            </a:effectRef>
+            <a:fontRef idx="minor">
+              <a:schemeClr val="lt1"/>
+            </a:fontRef>
+          </p:style>
+        </p:sp>
+        <p:sp>
+          <p:nvSpPr>
+            <p:cNvPr id="29" name="Flecha derecha 10"/>
+            <p:cNvSpPr/>
+            <p:nvPr/>
+          </p:nvSpPr>
+          <p:spPr>
+            <a:xfrm rot="16879481">
+              <a:off x="5183820" y="3185879"/>
+              <a:ext cx="186058" cy="317897"/>
+            </a:xfrm>
+            <a:prstGeom prst="rect">
+              <a:avLst/>
+            </a:prstGeom>
+          </p:spPr>
+          <p:style>
+            <a:lnRef idx="0">
+              <a:scrgbClr r="0" g="0" b="0"/>
+            </a:lnRef>
+            <a:fillRef idx="0">
+              <a:scrgbClr r="0" g="0" b="0"/>
+            </a:fillRef>
+            <a:effectRef idx="0">
+              <a:scrgbClr r="0" g="0" b="0"/>
+            </a:effectRef>
+            <a:fontRef idx="minor">
+              <a:schemeClr val="lt1"/>
+            </a:fontRef>
+          </p:style>
+          <p:txBody>
+            <a:bodyPr spcFirstLastPara="0" vert="horz" wrap="square" lIns="0" tIns="0" rIns="0" bIns="0" numCol="1" spcCol="1270" anchor="ctr" anchorCtr="0">
+              <a:noAutofit/>
+            </a:bodyPr>
+            <a:lstStyle/>
+            <a:p>
+              <a:pPr lvl="0" algn="ctr" defTabSz="977900">
+                <a:lnSpc>
+                  <a:spcPct val="90000"/>
+                </a:lnSpc>
+                <a:spcBef>
+                  <a:spcPct val="0"/>
+                </a:spcBef>
+                <a:spcAft>
+                  <a:spcPct val="35000"/>
+                </a:spcAft>
+              </a:pPr>
+              <a:endParaRPr lang="es-PE" sz="2200" kern="1200"/>
+            </a:p>
+          </p:txBody>
+        </p:sp>
+      </p:grpSp>
+      <p:grpSp>
+        <p:nvGrpSpPr>
+          <p:cNvPr id="9" name="8 Grupo"/>
+          <p:cNvGrpSpPr/>
+          <p:nvPr/>
+        </p:nvGrpSpPr>
+        <p:grpSpPr>
+          <a:xfrm>
+            <a:off x="4915645" y="4682228"/>
+            <a:ext cx="2309005" cy="1569865"/>
+            <a:chOff x="3908041" y="3629992"/>
+            <a:chExt cx="2309005" cy="1569865"/>
+          </a:xfrm>
+        </p:grpSpPr>
+        <p:sp>
+          <p:nvSpPr>
+            <p:cNvPr id="26" name="25 Elipse"/>
+            <p:cNvSpPr/>
+            <p:nvPr/>
+          </p:nvSpPr>
+          <p:spPr>
+            <a:xfrm>
+              <a:off x="3908041" y="3629992"/>
+              <a:ext cx="2309005" cy="1569865"/>
+            </a:xfrm>
+            <a:prstGeom prst="ellipse">
+              <a:avLst/>
+            </a:prstGeom>
+            <a:ln>
+              <a:noFill/>
+            </a:ln>
+          </p:spPr>
+          <p:style>
+            <a:lnRef idx="1">
+              <a:schemeClr val="dk1"/>
+            </a:lnRef>
+            <a:fillRef idx="2">
+              <a:schemeClr val="dk1"/>
+            </a:fillRef>
+            <a:effectRef idx="1">
+              <a:schemeClr val="dk1"/>
+            </a:effectRef>
+            <a:fontRef idx="minor">
+              <a:schemeClr val="dk1"/>
+            </a:fontRef>
+          </p:style>
+        </p:sp>
+        <p:sp>
+          <p:nvSpPr>
+            <p:cNvPr id="27" name="Elipse 12"/>
+            <p:cNvSpPr/>
+            <p:nvPr/>
+          </p:nvSpPr>
+          <p:spPr>
+            <a:xfrm>
+              <a:off x="4246187" y="3859893"/>
+              <a:ext cx="1632713" cy="1110063"/>
+            </a:xfrm>
+            <a:prstGeom prst="rect">
+              <a:avLst/>
+            </a:prstGeom>
+          </p:spPr>
+          <p:style>
+            <a:lnRef idx="0">
+              <a:scrgbClr r="0" g="0" b="0"/>
+            </a:lnRef>
+            <a:fillRef idx="0">
+              <a:scrgbClr r="0" g="0" b="0"/>
+            </a:fillRef>
+            <a:effectRef idx="0">
+              <a:scrgbClr r="0" g="0" b="0"/>
+            </a:effectRef>
+            <a:fontRef idx="minor">
+              <a:schemeClr val="dk1"/>
+            </a:fontRef>
+          </p:style>
+          <p:txBody>
+            <a:bodyPr spcFirstLastPara="0" vert="horz" wrap="square" lIns="35560" tIns="35560" rIns="35560" bIns="35560" numCol="1" spcCol="1270" anchor="ctr" anchorCtr="0">
+              <a:noAutofit/>
+            </a:bodyPr>
+            <a:lstStyle/>
+            <a:p>
+              <a:pPr lvl="0" algn="ctr" defTabSz="1244600">
+                <a:lnSpc>
+                  <a:spcPct val="90000"/>
+                </a:lnSpc>
+                <a:spcBef>
+                  <a:spcPct val="0"/>
+                </a:spcBef>
+                <a:spcAft>
+                  <a:spcPct val="35000"/>
+                </a:spcAft>
+              </a:pPr>
+              <a:r>
+                <a:rPr lang="es-PE" sz="2800" kern="1200" dirty="0" smtClean="0"/>
+                <a:t>Codificar</a:t>
+              </a:r>
+              <a:endParaRPr lang="es-PE" sz="2800" kern="1200" dirty="0"/>
+            </a:p>
+          </p:txBody>
+        </p:sp>
+      </p:grpSp>
+      <p:grpSp>
+        <p:nvGrpSpPr>
+          <p:cNvPr id="10" name="9 Grupo"/>
+          <p:cNvGrpSpPr/>
+          <p:nvPr/>
+        </p:nvGrpSpPr>
+        <p:grpSpPr>
+          <a:xfrm>
+            <a:off x="4490199" y="5202239"/>
+            <a:ext cx="300648" cy="529829"/>
+            <a:chOff x="3482595" y="4150003"/>
+            <a:chExt cx="300648" cy="529829"/>
+          </a:xfrm>
+        </p:grpSpPr>
+        <p:sp>
+          <p:nvSpPr>
+            <p:cNvPr id="24" name="23 Flecha derecha"/>
+            <p:cNvSpPr/>
+            <p:nvPr/>
+          </p:nvSpPr>
+          <p:spPr>
+            <a:xfrm rot="10800015">
+              <a:off x="3482595" y="4150003"/>
+              <a:ext cx="300648" cy="529829"/>
+            </a:xfrm>
+            <a:prstGeom prst="rightArrow">
+              <a:avLst>
+                <a:gd name="adj1" fmla="val 60000"/>
+                <a:gd name="adj2" fmla="val 50000"/>
+              </a:avLst>
+            </a:prstGeom>
+          </p:spPr>
+          <p:style>
+            <a:lnRef idx="0">
+              <a:schemeClr val="accent1">
+                <a:tint val="60000"/>
+                <a:hueOff val="0"/>
+                <a:satOff val="0"/>
+                <a:lumOff val="0"/>
+                <a:alphaOff val="0"/>
+              </a:schemeClr>
+            </a:lnRef>
+            <a:fillRef idx="1">
+              <a:schemeClr val="accent1">
+                <a:tint val="60000"/>
+                <a:hueOff val="0"/>
+                <a:satOff val="0"/>
+                <a:lumOff val="0"/>
+                <a:alphaOff val="0"/>
+              </a:schemeClr>
+            </a:fillRef>
+            <a:effectRef idx="0">
+              <a:schemeClr val="accent1">
+                <a:tint val="60000"/>
+                <a:hueOff val="0"/>
+                <a:satOff val="0"/>
+                <a:lumOff val="0"/>
+                <a:alphaOff val="0"/>
+              </a:schemeClr>
+            </a:effectRef>
+            <a:fontRef idx="minor">
+              <a:schemeClr val="lt1"/>
+            </a:fontRef>
+          </p:style>
+        </p:sp>
+        <p:sp>
+          <p:nvSpPr>
+            <p:cNvPr id="25" name="Flecha derecha 14"/>
+            <p:cNvSpPr/>
+            <p:nvPr/>
+          </p:nvSpPr>
+          <p:spPr>
+            <a:xfrm rot="21600015">
+              <a:off x="3572789" y="4255969"/>
+              <a:ext cx="210454" cy="317897"/>
+            </a:xfrm>
+            <a:prstGeom prst="rect">
+              <a:avLst/>
+            </a:prstGeom>
+          </p:spPr>
+          <p:style>
+            <a:lnRef idx="0">
+              <a:scrgbClr r="0" g="0" b="0"/>
+            </a:lnRef>
+            <a:fillRef idx="0">
+              <a:scrgbClr r="0" g="0" b="0"/>
+            </a:fillRef>
+            <a:effectRef idx="0">
+              <a:scrgbClr r="0" g="0" b="0"/>
+            </a:effectRef>
+            <a:fontRef idx="minor">
+              <a:schemeClr val="lt1"/>
+            </a:fontRef>
+          </p:style>
+          <p:txBody>
+            <a:bodyPr spcFirstLastPara="0" vert="horz" wrap="square" lIns="0" tIns="0" rIns="0" bIns="0" numCol="1" spcCol="1270" anchor="ctr" anchorCtr="0">
+              <a:noAutofit/>
+            </a:bodyPr>
+            <a:lstStyle/>
+            <a:p>
+              <a:pPr lvl="0" algn="ctr" defTabSz="977900">
+                <a:lnSpc>
+                  <a:spcPct val="90000"/>
+                </a:lnSpc>
+                <a:spcBef>
+                  <a:spcPct val="0"/>
+                </a:spcBef>
+                <a:spcAft>
+                  <a:spcPct val="35000"/>
+                </a:spcAft>
+              </a:pPr>
+              <a:endParaRPr lang="es-PE" sz="2200" kern="1200"/>
+            </a:p>
+          </p:txBody>
+        </p:sp>
+      </p:grpSp>
+      <p:grpSp>
+        <p:nvGrpSpPr>
+          <p:cNvPr id="11" name="10 Grupo"/>
+          <p:cNvGrpSpPr/>
+          <p:nvPr/>
+        </p:nvGrpSpPr>
+        <p:grpSpPr>
+          <a:xfrm>
+            <a:off x="2039378" y="4682215"/>
+            <a:ext cx="2309005" cy="1569865"/>
+            <a:chOff x="1031774" y="3629979"/>
+            <a:chExt cx="2309005" cy="1569865"/>
+          </a:xfrm>
+        </p:grpSpPr>
+        <p:sp>
+          <p:nvSpPr>
+            <p:cNvPr id="22" name="21 Elipse"/>
+            <p:cNvSpPr/>
+            <p:nvPr/>
+          </p:nvSpPr>
+          <p:spPr>
+            <a:xfrm>
+              <a:off x="1031774" y="3629979"/>
+              <a:ext cx="2309005" cy="1569865"/>
+            </a:xfrm>
+            <a:prstGeom prst="ellipse">
+              <a:avLst/>
+            </a:prstGeom>
+          </p:spPr>
+          <p:style>
+            <a:lnRef idx="1">
+              <a:schemeClr val="accent3"/>
+            </a:lnRef>
+            <a:fillRef idx="3">
+              <a:schemeClr val="accent3"/>
+            </a:fillRef>
+            <a:effectRef idx="2">
+              <a:schemeClr val="accent3"/>
+            </a:effectRef>
+            <a:fontRef idx="minor">
+              <a:schemeClr val="lt1"/>
+            </a:fontRef>
+          </p:style>
+        </p:sp>
+        <p:sp>
+          <p:nvSpPr>
+            <p:cNvPr id="23" name="Elipse 16"/>
+            <p:cNvSpPr/>
+            <p:nvPr/>
+          </p:nvSpPr>
+          <p:spPr>
+            <a:xfrm>
+              <a:off x="1369920" y="3859880"/>
+              <a:ext cx="1632713" cy="1110063"/>
+            </a:xfrm>
+            <a:prstGeom prst="rect">
+              <a:avLst/>
+            </a:prstGeom>
+          </p:spPr>
+          <p:style>
+            <a:lnRef idx="0">
+              <a:scrgbClr r="0" g="0" b="0"/>
+            </a:lnRef>
+            <a:fillRef idx="0">
+              <a:scrgbClr r="0" g="0" b="0"/>
+            </a:fillRef>
+            <a:effectRef idx="0">
+              <a:scrgbClr r="0" g="0" b="0"/>
+            </a:effectRef>
+            <a:fontRef idx="minor">
+              <a:schemeClr val="lt1"/>
+            </a:fontRef>
+          </p:style>
+          <p:txBody>
+            <a:bodyPr spcFirstLastPara="0" vert="horz" wrap="square" lIns="35560" tIns="35560" rIns="35560" bIns="35560" numCol="1" spcCol="1270" anchor="ctr" anchorCtr="0">
+              <a:noAutofit/>
+            </a:bodyPr>
+            <a:lstStyle/>
+            <a:p>
+              <a:pPr lvl="0" algn="ctr" defTabSz="1244600">
+                <a:lnSpc>
+                  <a:spcPct val="90000"/>
+                </a:lnSpc>
+                <a:spcBef>
+                  <a:spcPct val="0"/>
+                </a:spcBef>
+                <a:spcAft>
+                  <a:spcPct val="35000"/>
+                </a:spcAft>
+              </a:pPr>
+              <a:r>
+                <a:rPr lang="es-PE" sz="2800" kern="1200" dirty="0" smtClean="0"/>
+                <a:t>Funciona</a:t>
+              </a:r>
+              <a:endParaRPr lang="es-PE" sz="2800" kern="1200" dirty="0"/>
+            </a:p>
+          </p:txBody>
+        </p:sp>
+      </p:grpSp>
+      <p:grpSp>
+        <p:nvGrpSpPr>
+          <p:cNvPr id="12" name="11 Grupo"/>
+          <p:cNvGrpSpPr/>
+          <p:nvPr/>
+        </p:nvGrpSpPr>
+        <p:grpSpPr>
+          <a:xfrm>
+            <a:off x="2665898" y="4313862"/>
+            <a:ext cx="529829" cy="274363"/>
+            <a:chOff x="1658294" y="3261626"/>
+            <a:chExt cx="529829" cy="274363"/>
+          </a:xfrm>
+        </p:grpSpPr>
+        <p:sp>
+          <p:nvSpPr>
+            <p:cNvPr id="20" name="19 Flecha derecha"/>
+            <p:cNvSpPr/>
+            <p:nvPr/>
+          </p:nvSpPr>
+          <p:spPr>
+            <a:xfrm rot="15329094">
+              <a:off x="1786027" y="3133893"/>
+              <a:ext cx="274363" cy="529829"/>
+            </a:xfrm>
+            <a:prstGeom prst="rightArrow">
+              <a:avLst>
+                <a:gd name="adj1" fmla="val 60000"/>
+                <a:gd name="adj2" fmla="val 50000"/>
+              </a:avLst>
+            </a:prstGeom>
+          </p:spPr>
+          <p:style>
+            <a:lnRef idx="0">
+              <a:schemeClr val="accent1">
+                <a:tint val="60000"/>
+                <a:hueOff val="0"/>
+                <a:satOff val="0"/>
+                <a:lumOff val="0"/>
+                <a:alphaOff val="0"/>
+              </a:schemeClr>
+            </a:lnRef>
+            <a:fillRef idx="1">
+              <a:schemeClr val="accent1">
+                <a:tint val="60000"/>
+                <a:hueOff val="0"/>
+                <a:satOff val="0"/>
+                <a:lumOff val="0"/>
+                <a:alphaOff val="0"/>
+              </a:schemeClr>
+            </a:fillRef>
+            <a:effectRef idx="0">
+              <a:schemeClr val="accent1">
+                <a:tint val="60000"/>
+                <a:hueOff val="0"/>
+                <a:satOff val="0"/>
+                <a:lumOff val="0"/>
+                <a:alphaOff val="0"/>
+              </a:schemeClr>
+            </a:effectRef>
+            <a:fontRef idx="minor">
+              <a:schemeClr val="lt1"/>
+            </a:fontRef>
+          </p:style>
+        </p:sp>
+        <p:sp>
+          <p:nvSpPr>
+            <p:cNvPr id="21" name="Flecha derecha 18"/>
+            <p:cNvSpPr/>
+            <p:nvPr/>
+          </p:nvSpPr>
+          <p:spPr>
+            <a:xfrm rot="26129094">
+              <a:off x="1837496" y="3279700"/>
+              <a:ext cx="192054" cy="317897"/>
+            </a:xfrm>
+            <a:prstGeom prst="rect">
+              <a:avLst/>
+            </a:prstGeom>
+          </p:spPr>
+          <p:style>
+            <a:lnRef idx="0">
+              <a:scrgbClr r="0" g="0" b="0"/>
+            </a:lnRef>
+            <a:fillRef idx="0">
+              <a:scrgbClr r="0" g="0" b="0"/>
+            </a:fillRef>
+            <a:effectRef idx="0">
+              <a:scrgbClr r="0" g="0" b="0"/>
+            </a:effectRef>
+            <a:fontRef idx="minor">
+              <a:schemeClr val="lt1"/>
+            </a:fontRef>
+          </p:style>
+          <p:txBody>
+            <a:bodyPr spcFirstLastPara="0" vert="horz" wrap="square" lIns="0" tIns="0" rIns="0" bIns="0" numCol="1" spcCol="1270" anchor="ctr" anchorCtr="0">
+              <a:noAutofit/>
+            </a:bodyPr>
+            <a:lstStyle/>
+            <a:p>
+              <a:pPr lvl="0" algn="ctr" defTabSz="977900">
+                <a:lnSpc>
+                  <a:spcPct val="90000"/>
+                </a:lnSpc>
+                <a:spcBef>
+                  <a:spcPct val="0"/>
+                </a:spcBef>
+                <a:spcAft>
+                  <a:spcPct val="35000"/>
+                </a:spcAft>
+              </a:pPr>
+              <a:endParaRPr lang="es-PE" sz="2200" kern="1200"/>
+            </a:p>
+          </p:txBody>
+        </p:sp>
+      </p:grpSp>
+      <p:grpSp>
+        <p:nvGrpSpPr>
+          <p:cNvPr id="13" name="12 Grupo"/>
+          <p:cNvGrpSpPr/>
+          <p:nvPr/>
+        </p:nvGrpSpPr>
+        <p:grpSpPr>
+          <a:xfrm>
+            <a:off x="1509350" y="2634974"/>
+            <a:ext cx="2309005" cy="1569865"/>
+            <a:chOff x="501746" y="1582738"/>
+            <a:chExt cx="2309005" cy="1569865"/>
+          </a:xfrm>
+        </p:grpSpPr>
+        <p:sp>
+          <p:nvSpPr>
+            <p:cNvPr id="18" name="17 Elipse"/>
+            <p:cNvSpPr/>
+            <p:nvPr/>
+          </p:nvSpPr>
+          <p:spPr>
+            <a:xfrm>
+              <a:off x="501746" y="1582738"/>
+              <a:ext cx="2309005" cy="1569865"/>
+            </a:xfrm>
+            <a:prstGeom prst="ellipse">
+              <a:avLst/>
+            </a:prstGeom>
+          </p:spPr>
+          <p:style>
+            <a:lnRef idx="1">
+              <a:schemeClr val="accent6"/>
+            </a:lnRef>
+            <a:fillRef idx="3">
+              <a:schemeClr val="accent6"/>
+            </a:fillRef>
+            <a:effectRef idx="2">
+              <a:schemeClr val="accent6"/>
+            </a:effectRef>
+            <a:fontRef idx="minor">
+              <a:schemeClr val="lt1"/>
+            </a:fontRef>
+          </p:style>
+        </p:sp>
+        <p:sp>
+          <p:nvSpPr>
+            <p:cNvPr id="19" name="Elipse 20"/>
+            <p:cNvSpPr/>
+            <p:nvPr/>
+          </p:nvSpPr>
+          <p:spPr>
+            <a:xfrm>
+              <a:off x="839892" y="1812639"/>
+              <a:ext cx="1632713" cy="1110063"/>
+            </a:xfrm>
+            <a:prstGeom prst="rect">
+              <a:avLst/>
+            </a:prstGeom>
+          </p:spPr>
+          <p:style>
+            <a:lnRef idx="0">
+              <a:scrgbClr r="0" g="0" b="0"/>
+            </a:lnRef>
+            <a:fillRef idx="0">
+              <a:scrgbClr r="0" g="0" b="0"/>
+            </a:fillRef>
+            <a:effectRef idx="0">
+              <a:scrgbClr r="0" g="0" b="0"/>
+            </a:effectRef>
+            <a:fontRef idx="minor">
+              <a:schemeClr val="lt1"/>
+            </a:fontRef>
+          </p:style>
+          <p:txBody>
+            <a:bodyPr spcFirstLastPara="0" vert="horz" wrap="square" lIns="35560" tIns="35560" rIns="35560" bIns="35560" numCol="1" spcCol="1270" anchor="ctr" anchorCtr="0">
+              <a:noAutofit/>
+            </a:bodyPr>
+            <a:lstStyle/>
+            <a:p>
+              <a:pPr lvl="0" algn="ctr" defTabSz="1244600">
+                <a:lnSpc>
+                  <a:spcPct val="90000"/>
+                </a:lnSpc>
+                <a:spcBef>
+                  <a:spcPct val="0"/>
+                </a:spcBef>
+                <a:spcAft>
+                  <a:spcPct val="35000"/>
+                </a:spcAft>
+              </a:pPr>
+              <a:r>
+                <a:rPr lang="es-PE" sz="2800" kern="1200" dirty="0" smtClean="0"/>
+                <a:t>Mejorar</a:t>
+              </a:r>
+              <a:endParaRPr lang="es-PE" sz="2400" kern="1200" dirty="0"/>
+            </a:p>
+          </p:txBody>
+        </p:sp>
+      </p:grpSp>
+      <p:grpSp>
+        <p:nvGrpSpPr>
+          <p:cNvPr id="15" name="14 Grupo"/>
+          <p:cNvGrpSpPr/>
+          <p:nvPr/>
+        </p:nvGrpSpPr>
+        <p:grpSpPr>
+          <a:xfrm>
+            <a:off x="3458372" y="2369397"/>
+            <a:ext cx="305783" cy="529829"/>
+            <a:chOff x="2450768" y="1317161"/>
+            <a:chExt cx="305783" cy="529829"/>
+          </a:xfrm>
+        </p:grpSpPr>
+        <p:sp>
+          <p:nvSpPr>
+            <p:cNvPr id="16" name="15 Flecha derecha"/>
+            <p:cNvSpPr/>
+            <p:nvPr/>
+          </p:nvSpPr>
+          <p:spPr>
+            <a:xfrm rot="19220067">
+              <a:off x="2450768" y="1317161"/>
+              <a:ext cx="305783" cy="529829"/>
+            </a:xfrm>
+            <a:prstGeom prst="rightArrow">
+              <a:avLst>
+                <a:gd name="adj1" fmla="val 60000"/>
+                <a:gd name="adj2" fmla="val 50000"/>
+              </a:avLst>
+            </a:prstGeom>
+          </p:spPr>
+          <p:style>
+            <a:lnRef idx="0">
+              <a:schemeClr val="accent1">
+                <a:tint val="60000"/>
+                <a:hueOff val="0"/>
+                <a:satOff val="0"/>
+                <a:lumOff val="0"/>
+                <a:alphaOff val="0"/>
+              </a:schemeClr>
+            </a:lnRef>
+            <a:fillRef idx="1">
+              <a:schemeClr val="accent1">
+                <a:tint val="60000"/>
+                <a:hueOff val="0"/>
+                <a:satOff val="0"/>
+                <a:lumOff val="0"/>
+                <a:alphaOff val="0"/>
+              </a:schemeClr>
+            </a:fillRef>
+            <a:effectRef idx="0">
+              <a:schemeClr val="accent1">
+                <a:tint val="60000"/>
+                <a:hueOff val="0"/>
+                <a:satOff val="0"/>
+                <a:lumOff val="0"/>
+                <a:alphaOff val="0"/>
+              </a:schemeClr>
+            </a:effectRef>
+            <a:fontRef idx="minor">
+              <a:schemeClr val="lt1"/>
+            </a:fontRef>
+          </p:style>
+        </p:sp>
+        <p:sp>
+          <p:nvSpPr>
+            <p:cNvPr id="17" name="Flecha derecha 22"/>
+            <p:cNvSpPr/>
+            <p:nvPr/>
+          </p:nvSpPr>
+          <p:spPr>
+            <a:xfrm rot="19220067">
+              <a:off x="2461327" y="1452404"/>
+              <a:ext cx="214048" cy="317897"/>
+            </a:xfrm>
+            <a:prstGeom prst="rect">
+              <a:avLst/>
+            </a:prstGeom>
+          </p:spPr>
+          <p:style>
+            <a:lnRef idx="0">
+              <a:scrgbClr r="0" g="0" b="0"/>
+            </a:lnRef>
+            <a:fillRef idx="0">
+              <a:scrgbClr r="0" g="0" b="0"/>
+            </a:fillRef>
+            <a:effectRef idx="0">
+              <a:scrgbClr r="0" g="0" b="0"/>
+            </a:effectRef>
+            <a:fontRef idx="minor">
+              <a:schemeClr val="lt1"/>
+            </a:fontRef>
+          </p:style>
+          <p:txBody>
+            <a:bodyPr spcFirstLastPara="0" vert="horz" wrap="square" lIns="0" tIns="0" rIns="0" bIns="0" numCol="1" spcCol="1270" anchor="ctr" anchorCtr="0">
+              <a:noAutofit/>
+            </a:bodyPr>
+            <a:lstStyle/>
+            <a:p>
+              <a:pPr lvl="0" algn="ctr" defTabSz="977900">
+                <a:lnSpc>
+                  <a:spcPct val="90000"/>
+                </a:lnSpc>
+                <a:spcBef>
+                  <a:spcPct val="0"/>
+                </a:spcBef>
+                <a:spcAft>
+                  <a:spcPct val="35000"/>
+                </a:spcAft>
+              </a:pPr>
+              <a:endParaRPr lang="es-PE" sz="2200" kern="1200"/>
+            </a:p>
+          </p:txBody>
+        </p:sp>
+      </p:grpSp>
     </p:spTree>
     <p:extLst>
       <p:ext uri="{BB962C8B-B14F-4D97-AF65-F5344CB8AC3E}">
@@ -9999,14 +9412,415 @@
   <p:timing>
     <p:tnLst>
       <p:par>
-        <p:cTn id="1" dur="indefinite" restart="never" nodeType="tmRoot"/>
+        <p:cTn id="1" dur="indefinite" restart="never" nodeType="tmRoot">
+          <p:childTnLst>
+            <p:seq concurrent="1" nextAc="seek">
+              <p:cTn id="2" dur="indefinite" nodeType="mainSeq">
+                <p:childTnLst>
+                  <p:par>
+                    <p:cTn id="3" fill="hold">
+                      <p:stCondLst>
+                        <p:cond delay="indefinite"/>
+                      </p:stCondLst>
+                      <p:childTnLst>
+                        <p:par>
+                          <p:cTn id="4" fill="hold">
+                            <p:stCondLst>
+                              <p:cond delay="0"/>
+                            </p:stCondLst>
+                            <p:childTnLst>
+                              <p:par>
+                                <p:cTn id="5" presetID="1" presetClass="entr" presetSubtype="0" fill="hold" nodeType="clickEffect">
+                                  <p:stCondLst>
+                                    <p:cond delay="0"/>
+                                  </p:stCondLst>
+                                  <p:childTnLst>
+                                    <p:set>
+                                      <p:cBhvr>
+                                        <p:cTn id="6" dur="1" fill="hold">
+                                          <p:stCondLst>
+                                            <p:cond delay="0"/>
+                                          </p:stCondLst>
+                                        </p:cTn>
+                                        <p:tgtEl>
+                                          <p:spTgt spid="5"/>
+                                        </p:tgtEl>
+                                        <p:attrNameLst>
+                                          <p:attrName>style.visibility</p:attrName>
+                                        </p:attrNameLst>
+                                      </p:cBhvr>
+                                      <p:to>
+                                        <p:strVal val="visible"/>
+                                      </p:to>
+                                    </p:set>
+                                  </p:childTnLst>
+                                </p:cTn>
+                              </p:par>
+                            </p:childTnLst>
+                          </p:cTn>
+                        </p:par>
+                      </p:childTnLst>
+                    </p:cTn>
+                  </p:par>
+                  <p:par>
+                    <p:cTn id="7" fill="hold">
+                      <p:stCondLst>
+                        <p:cond delay="indefinite"/>
+                      </p:stCondLst>
+                      <p:childTnLst>
+                        <p:par>
+                          <p:cTn id="8" fill="hold">
+                            <p:stCondLst>
+                              <p:cond delay="0"/>
+                            </p:stCondLst>
+                            <p:childTnLst>
+                              <p:par>
+                                <p:cTn id="9" presetID="1" presetClass="entr" presetSubtype="0" fill="hold" nodeType="clickEffect">
+                                  <p:stCondLst>
+                                    <p:cond delay="0"/>
+                                  </p:stCondLst>
+                                  <p:childTnLst>
+                                    <p:set>
+                                      <p:cBhvr>
+                                        <p:cTn id="10" dur="1" fill="hold">
+                                          <p:stCondLst>
+                                            <p:cond delay="0"/>
+                                          </p:stCondLst>
+                                        </p:cTn>
+                                        <p:tgtEl>
+                                          <p:spTgt spid="6"/>
+                                        </p:tgtEl>
+                                        <p:attrNameLst>
+                                          <p:attrName>style.visibility</p:attrName>
+                                        </p:attrNameLst>
+                                      </p:cBhvr>
+                                      <p:to>
+                                        <p:strVal val="visible"/>
+                                      </p:to>
+                                    </p:set>
+                                  </p:childTnLst>
+                                </p:cTn>
+                              </p:par>
+                              <p:par>
+                                <p:cTn id="11" presetID="1" presetClass="entr" presetSubtype="0" fill="hold" nodeType="withEffect">
+                                  <p:stCondLst>
+                                    <p:cond delay="0"/>
+                                  </p:stCondLst>
+                                  <p:childTnLst>
+                                    <p:set>
+                                      <p:cBhvr>
+                                        <p:cTn id="12" dur="1" fill="hold">
+                                          <p:stCondLst>
+                                            <p:cond delay="0"/>
+                                          </p:stCondLst>
+                                        </p:cTn>
+                                        <p:tgtEl>
+                                          <p:spTgt spid="7"/>
+                                        </p:tgtEl>
+                                        <p:attrNameLst>
+                                          <p:attrName>style.visibility</p:attrName>
+                                        </p:attrNameLst>
+                                      </p:cBhvr>
+                                      <p:to>
+                                        <p:strVal val="visible"/>
+                                      </p:to>
+                                    </p:set>
+                                  </p:childTnLst>
+                                </p:cTn>
+                              </p:par>
+                            </p:childTnLst>
+                          </p:cTn>
+                        </p:par>
+                      </p:childTnLst>
+                    </p:cTn>
+                  </p:par>
+                  <p:par>
+                    <p:cTn id="13" fill="hold">
+                      <p:stCondLst>
+                        <p:cond delay="indefinite"/>
+                      </p:stCondLst>
+                      <p:childTnLst>
+                        <p:par>
+                          <p:cTn id="14" fill="hold">
+                            <p:stCondLst>
+                              <p:cond delay="0"/>
+                            </p:stCondLst>
+                            <p:childTnLst>
+                              <p:par>
+                                <p:cTn id="15" presetID="1" presetClass="entr" presetSubtype="0" fill="hold" nodeType="clickEffect">
+                                  <p:stCondLst>
+                                    <p:cond delay="0"/>
+                                  </p:stCondLst>
+                                  <p:childTnLst>
+                                    <p:set>
+                                      <p:cBhvr>
+                                        <p:cTn id="16" dur="1" fill="hold">
+                                          <p:stCondLst>
+                                            <p:cond delay="0"/>
+                                          </p:stCondLst>
+                                        </p:cTn>
+                                        <p:tgtEl>
+                                          <p:spTgt spid="8"/>
+                                        </p:tgtEl>
+                                        <p:attrNameLst>
+                                          <p:attrName>style.visibility</p:attrName>
+                                        </p:attrNameLst>
+                                      </p:cBhvr>
+                                      <p:to>
+                                        <p:strVal val="visible"/>
+                                      </p:to>
+                                    </p:set>
+                                  </p:childTnLst>
+                                </p:cTn>
+                              </p:par>
+                              <p:par>
+                                <p:cTn id="17" presetID="1" presetClass="entr" presetSubtype="0" fill="hold" nodeType="withEffect">
+                                  <p:stCondLst>
+                                    <p:cond delay="0"/>
+                                  </p:stCondLst>
+                                  <p:childTnLst>
+                                    <p:set>
+                                      <p:cBhvr>
+                                        <p:cTn id="18" dur="1" fill="hold">
+                                          <p:stCondLst>
+                                            <p:cond delay="0"/>
+                                          </p:stCondLst>
+                                        </p:cTn>
+                                        <p:tgtEl>
+                                          <p:spTgt spid="9"/>
+                                        </p:tgtEl>
+                                        <p:attrNameLst>
+                                          <p:attrName>style.visibility</p:attrName>
+                                        </p:attrNameLst>
+                                      </p:cBhvr>
+                                      <p:to>
+                                        <p:strVal val="visible"/>
+                                      </p:to>
+                                    </p:set>
+                                  </p:childTnLst>
+                                </p:cTn>
+                              </p:par>
+                            </p:childTnLst>
+                          </p:cTn>
+                        </p:par>
+                      </p:childTnLst>
+                    </p:cTn>
+                  </p:par>
+                  <p:par>
+                    <p:cTn id="19" fill="hold">
+                      <p:stCondLst>
+                        <p:cond delay="indefinite"/>
+                      </p:stCondLst>
+                      <p:childTnLst>
+                        <p:par>
+                          <p:cTn id="20" fill="hold">
+                            <p:stCondLst>
+                              <p:cond delay="0"/>
+                            </p:stCondLst>
+                            <p:childTnLst>
+                              <p:par>
+                                <p:cTn id="21" presetID="1" presetClass="entr" presetSubtype="0" fill="hold" nodeType="clickEffect">
+                                  <p:stCondLst>
+                                    <p:cond delay="0"/>
+                                  </p:stCondLst>
+                                  <p:childTnLst>
+                                    <p:set>
+                                      <p:cBhvr>
+                                        <p:cTn id="22" dur="1" fill="hold">
+                                          <p:stCondLst>
+                                            <p:cond delay="0"/>
+                                          </p:stCondLst>
+                                        </p:cTn>
+                                        <p:tgtEl>
+                                          <p:spTgt spid="10"/>
+                                        </p:tgtEl>
+                                        <p:attrNameLst>
+                                          <p:attrName>style.visibility</p:attrName>
+                                        </p:attrNameLst>
+                                      </p:cBhvr>
+                                      <p:to>
+                                        <p:strVal val="visible"/>
+                                      </p:to>
+                                    </p:set>
+                                  </p:childTnLst>
+                                </p:cTn>
+                              </p:par>
+                              <p:par>
+                                <p:cTn id="23" presetID="1" presetClass="entr" presetSubtype="0" fill="hold" nodeType="withEffect">
+                                  <p:stCondLst>
+                                    <p:cond delay="0"/>
+                                  </p:stCondLst>
+                                  <p:childTnLst>
+                                    <p:set>
+                                      <p:cBhvr>
+                                        <p:cTn id="24" dur="1" fill="hold">
+                                          <p:stCondLst>
+                                            <p:cond delay="0"/>
+                                          </p:stCondLst>
+                                        </p:cTn>
+                                        <p:tgtEl>
+                                          <p:spTgt spid="11"/>
+                                        </p:tgtEl>
+                                        <p:attrNameLst>
+                                          <p:attrName>style.visibility</p:attrName>
+                                        </p:attrNameLst>
+                                      </p:cBhvr>
+                                      <p:to>
+                                        <p:strVal val="visible"/>
+                                      </p:to>
+                                    </p:set>
+                                  </p:childTnLst>
+                                </p:cTn>
+                              </p:par>
+                            </p:childTnLst>
+                          </p:cTn>
+                        </p:par>
+                      </p:childTnLst>
+                    </p:cTn>
+                  </p:par>
+                  <p:par>
+                    <p:cTn id="25" fill="hold">
+                      <p:stCondLst>
+                        <p:cond delay="indefinite"/>
+                      </p:stCondLst>
+                      <p:childTnLst>
+                        <p:par>
+                          <p:cTn id="26" fill="hold">
+                            <p:stCondLst>
+                              <p:cond delay="0"/>
+                            </p:stCondLst>
+                            <p:childTnLst>
+                              <p:par>
+                                <p:cTn id="27" presetID="1" presetClass="entr" presetSubtype="0" fill="hold" nodeType="clickEffect">
+                                  <p:stCondLst>
+                                    <p:cond delay="0"/>
+                                  </p:stCondLst>
+                                  <p:childTnLst>
+                                    <p:set>
+                                      <p:cBhvr>
+                                        <p:cTn id="28" dur="1" fill="hold">
+                                          <p:stCondLst>
+                                            <p:cond delay="0"/>
+                                          </p:stCondLst>
+                                        </p:cTn>
+                                        <p:tgtEl>
+                                          <p:spTgt spid="12"/>
+                                        </p:tgtEl>
+                                        <p:attrNameLst>
+                                          <p:attrName>style.visibility</p:attrName>
+                                        </p:attrNameLst>
+                                      </p:cBhvr>
+                                      <p:to>
+                                        <p:strVal val="visible"/>
+                                      </p:to>
+                                    </p:set>
+                                  </p:childTnLst>
+                                </p:cTn>
+                              </p:par>
+                              <p:par>
+                                <p:cTn id="29" presetID="1" presetClass="entr" presetSubtype="0" fill="hold" nodeType="withEffect">
+                                  <p:stCondLst>
+                                    <p:cond delay="0"/>
+                                  </p:stCondLst>
+                                  <p:childTnLst>
+                                    <p:set>
+                                      <p:cBhvr>
+                                        <p:cTn id="30" dur="1" fill="hold">
+                                          <p:stCondLst>
+                                            <p:cond delay="0"/>
+                                          </p:stCondLst>
+                                        </p:cTn>
+                                        <p:tgtEl>
+                                          <p:spTgt spid="13"/>
+                                        </p:tgtEl>
+                                        <p:attrNameLst>
+                                          <p:attrName>style.visibility</p:attrName>
+                                        </p:attrNameLst>
+                                      </p:cBhvr>
+                                      <p:to>
+                                        <p:strVal val="visible"/>
+                                      </p:to>
+                                    </p:set>
+                                  </p:childTnLst>
+                                </p:cTn>
+                              </p:par>
+                            </p:childTnLst>
+                          </p:cTn>
+                        </p:par>
+                      </p:childTnLst>
+                    </p:cTn>
+                  </p:par>
+                  <p:par>
+                    <p:cTn id="31" fill="hold">
+                      <p:stCondLst>
+                        <p:cond delay="indefinite"/>
+                      </p:stCondLst>
+                      <p:childTnLst>
+                        <p:par>
+                          <p:cTn id="32" fill="hold">
+                            <p:stCondLst>
+                              <p:cond delay="0"/>
+                            </p:stCondLst>
+                            <p:childTnLst>
+                              <p:par>
+                                <p:cTn id="33" presetID="1" presetClass="entr" presetSubtype="0" fill="hold" nodeType="clickEffect">
+                                  <p:stCondLst>
+                                    <p:cond delay="0"/>
+                                  </p:stCondLst>
+                                  <p:childTnLst>
+                                    <p:set>
+                                      <p:cBhvr>
+                                        <p:cTn id="34" dur="1" fill="hold">
+                                          <p:stCondLst>
+                                            <p:cond delay="0"/>
+                                          </p:stCondLst>
+                                        </p:cTn>
+                                        <p:tgtEl>
+                                          <p:spTgt spid="15"/>
+                                        </p:tgtEl>
+                                        <p:attrNameLst>
+                                          <p:attrName>style.visibility</p:attrName>
+                                        </p:attrNameLst>
+                                      </p:cBhvr>
+                                      <p:to>
+                                        <p:strVal val="visible"/>
+                                      </p:to>
+                                    </p:set>
+                                  </p:childTnLst>
+                                </p:cTn>
+                              </p:par>
+                            </p:childTnLst>
+                          </p:cTn>
+                        </p:par>
+                      </p:childTnLst>
+                    </p:cTn>
+                  </p:par>
+                </p:childTnLst>
+              </p:cTn>
+              <p:prevCondLst>
+                <p:cond evt="onPrev" delay="0">
+                  <p:tgtEl>
+                    <p:sldTgt/>
+                  </p:tgtEl>
+                </p:cond>
+              </p:prevCondLst>
+              <p:nextCondLst>
+                <p:cond evt="onNext" delay="0">
+                  <p:tgtEl>
+                    <p:sldTgt/>
+                  </p:tgtEl>
+                </p:cond>
+              </p:nextCondLst>
+            </p:seq>
+          </p:childTnLst>
+        </p:cTn>
       </p:par>
     </p:tnLst>
   </p:timing>
 </p:sld>
 </file>
 
-<file path=ppt/slides/slide7.xml><?xml version="1.0" encoding="utf-8"?>
+<file path=ppt/slides/slide6.xml><?xml version="1.0" encoding="utf-8"?>
 <p:sld xmlns:a="http://schemas.openxmlformats.org/drawingml/2006/main" xmlns:r="http://schemas.openxmlformats.org/officeDocument/2006/relationships" xmlns:p="http://schemas.openxmlformats.org/presentationml/2006/main">
   <p:cSld>
     <p:spTree>
@@ -10354,6 +10168,14 @@
   <p:clrMapOvr>
     <a:masterClrMapping/>
   </p:clrMapOvr>
+  <mc:AlternateContent xmlns:mc="http://schemas.openxmlformats.org/markup-compatibility/2006">
+    <mc:Choice xmlns:p14="http://schemas.microsoft.com/office/powerpoint/2010/main" Requires="p14">
+      <p:transition spd="slow" p14:dur="2000"/>
+    </mc:Choice>
+    <mc:Fallback>
+      <p:transition spd="slow"/>
+    </mc:Fallback>
+  </mc:AlternateContent>
   <p:timing>
     <p:tnLst>
       <p:par>
@@ -10364,7 +10186,7 @@
 </p:sld>
 </file>
 
-<file path=ppt/slides/slide8.xml><?xml version="1.0" encoding="utf-8"?>
+<file path=ppt/slides/slide7.xml><?xml version="1.0" encoding="utf-8"?>
 <p:sld xmlns:a="http://schemas.openxmlformats.org/drawingml/2006/main" xmlns:r="http://schemas.openxmlformats.org/officeDocument/2006/relationships" xmlns:p="http://schemas.openxmlformats.org/presentationml/2006/main">
   <p:cSld>
     <p:spTree>
@@ -10648,21 +10470,8 @@
                   <a:schemeClr val="bg1"/>
                 </a:solidFill>
               </a:rPr>
-              <a:t> -&gt; </a:t>
-            </a:r>
-            <a:r>
-              <a:rPr lang="es-PE" sz="2800" dirty="0" smtClean="0">
-                <a:solidFill>
-                  <a:schemeClr val="bg1"/>
-                </a:solidFill>
-              </a:rPr>
-              <a:t>Regresa al público</a:t>
-            </a:r>
-            <a:endParaRPr lang="es-PE" sz="2800" dirty="0" smtClean="0">
-              <a:solidFill>
-                <a:schemeClr val="bg1"/>
-              </a:solidFill>
-            </a:endParaRPr>
+              <a:t> -&gt; Regresa al público</a:t>
+            </a:r>
           </a:p>
           <a:p>
             <a:pPr>
@@ -10708,16 +10517,7 @@
                 </a:solidFill>
                 <a:cs typeface="Arial" pitchFamily="34" charset="0"/>
               </a:rPr>
-              <a:t>Público -&gt; </a:t>
-            </a:r>
-            <a:r>
-              <a:rPr lang="es-PE" sz="2800" dirty="0" smtClean="0">
-                <a:solidFill>
-                  <a:schemeClr val="bg1"/>
-                </a:solidFill>
-                <a:cs typeface="Arial" pitchFamily="34" charset="0"/>
-              </a:rPr>
-              <a:t>Copiloto</a:t>
+              <a:t>Público -&gt; Copiloto</a:t>
             </a:r>
             <a:endParaRPr lang="es-PE" sz="2800" dirty="0">
               <a:solidFill>
@@ -11203,6 +11003,14 @@
   <p:clrMapOvr>
     <a:masterClrMapping/>
   </p:clrMapOvr>
+  <mc:AlternateContent xmlns:mc="http://schemas.openxmlformats.org/markup-compatibility/2006">
+    <mc:Choice xmlns:p14="http://schemas.microsoft.com/office/powerpoint/2010/main" Requires="p14">
+      <p:transition spd="slow" p14:dur="2000"/>
+    </mc:Choice>
+    <mc:Fallback>
+      <p:transition spd="slow"/>
+    </mc:Fallback>
+  </mc:AlternateContent>
   <p:timing>
     <p:tnLst>
       <p:par>
@@ -11213,7 +11021,7 @@
 </p:sld>
 </file>
 
-<file path=ppt/slides/slide9.xml><?xml version="1.0" encoding="utf-8"?>
+<file path=ppt/slides/slide8.xml><?xml version="1.0" encoding="utf-8"?>
 <p:sld xmlns:a="http://schemas.openxmlformats.org/drawingml/2006/main" xmlns:r="http://schemas.openxmlformats.org/officeDocument/2006/relationships" xmlns:p="http://schemas.openxmlformats.org/presentationml/2006/main" show="0">
   <p:cSld>
     <p:spTree>
@@ -11300,65 +11108,6 @@
           </a:p>
         </p:txBody>
       </p:sp>
-      <p:pic>
-        <p:nvPicPr>
-          <p:cNvPr id="1029" name="Picture 5"/>
-          <p:cNvPicPr>
-            <a:picLocks noChangeAspect="1" noChangeArrowheads="1"/>
-          </p:cNvPicPr>
-          <p:nvPr/>
-        </p:nvPicPr>
-        <p:blipFill>
-          <a:blip r:embed="rId3">
-            <a:extLst>
-              <a:ext uri="{28A0092B-C50C-407E-A947-70E740481C1C}">
-                <a14:useLocalDpi xmlns:a14="http://schemas.microsoft.com/office/drawing/2010/main" val="0"/>
-              </a:ext>
-            </a:extLst>
-          </a:blip>
-          <a:srcRect/>
-          <a:stretch>
-            <a:fillRect/>
-          </a:stretch>
-        </p:blipFill>
-        <p:spPr bwMode="auto">
-          <a:xfrm>
-            <a:off x="409575" y="1846684"/>
-            <a:ext cx="4162425" cy="3238500"/>
-          </a:xfrm>
-          <a:prstGeom prst="rect">
-            <a:avLst/>
-          </a:prstGeom>
-          <a:noFill/>
-          <a:ln w="9525">
-            <a:solidFill>
-              <a:schemeClr val="tx1"/>
-            </a:solidFill>
-            <a:miter lim="800000"/>
-            <a:headEnd/>
-            <a:tailEnd/>
-          </a:ln>
-          <a:effectLst/>
-          <a:extLst>
-            <a:ext uri="{909E8E84-426E-40DD-AFC4-6F175D3DCCD1}">
-              <a14:hiddenFill xmlns:a14="http://schemas.microsoft.com/office/drawing/2010/main">
-                <a:solidFill>
-                  <a:schemeClr val="accent1"/>
-                </a:solidFill>
-              </a14:hiddenFill>
-            </a:ext>
-            <a:ext uri="{AF507438-7753-43E0-B8FC-AC1667EBCBE1}">
-              <a14:hiddenEffects xmlns:a14="http://schemas.microsoft.com/office/drawing/2010/main">
-                <a:effectLst>
-                  <a:outerShdw dist="35921" dir="2700000" algn="ctr" rotWithShape="0">
-                    <a:schemeClr val="bg2"/>
-                  </a:outerShdw>
-                </a:effectLst>
-              </a14:hiddenEffects>
-            </a:ext>
-          </a:extLst>
-        </p:spPr>
-      </p:pic>
       <p:sp>
         <p:nvSpPr>
           <p:cNvPr id="8" name="2 Marcador de contenido"/>
@@ -11371,8 +11120,8 @@
         </p:nvSpPr>
         <p:spPr>
           <a:xfrm>
-            <a:off x="4716016" y="1196752"/>
-            <a:ext cx="4211960" cy="2160240"/>
+            <a:off x="5148064" y="1268760"/>
+            <a:ext cx="3744416" cy="2160240"/>
           </a:xfrm>
         </p:spPr>
         <p:txBody>
@@ -11384,7 +11133,7 @@
               <a:buNone/>
             </a:pPr>
             <a:r>
-              <a:rPr lang="es-PE" sz="2800" b="1" dirty="0" smtClean="0">
+              <a:rPr lang="es-PE" sz="2400" b="1" dirty="0" smtClean="0">
                 <a:solidFill>
                   <a:schemeClr val="bg1"/>
                 </a:solidFill>
@@ -11399,7 +11148,7 @@
               <a:buChar char="-"/>
             </a:pPr>
             <a:r>
-              <a:rPr lang="es-PE" sz="2800" dirty="0" smtClean="0">
+              <a:rPr lang="es-PE" sz="2400" dirty="0" smtClean="0">
                 <a:solidFill>
                   <a:schemeClr val="bg1"/>
                 </a:solidFill>
@@ -11407,14 +11156,14 @@
               <a:t>1 </a:t>
             </a:r>
             <a:r>
-              <a:rPr lang="es-PE" sz="2800" dirty="0" err="1" smtClean="0">
+              <a:rPr lang="es-PE" sz="2400" dirty="0" err="1" smtClean="0">
                 <a:solidFill>
                   <a:schemeClr val="bg1"/>
                 </a:solidFill>
               </a:rPr>
               <a:t>Coder</a:t>
             </a:r>
-            <a:endParaRPr lang="es-PE" sz="2800" dirty="0" smtClean="0">
+            <a:endParaRPr lang="es-PE" sz="2400" dirty="0" smtClean="0">
               <a:solidFill>
                 <a:schemeClr val="bg1"/>
               </a:solidFill>
@@ -11427,7 +11176,7 @@
               <a:buChar char="-"/>
             </a:pPr>
             <a:r>
-              <a:rPr lang="es-PE" sz="2800" dirty="0" smtClean="0">
+              <a:rPr lang="es-PE" sz="2400" dirty="0" smtClean="0">
                 <a:solidFill>
                   <a:schemeClr val="bg1"/>
                 </a:solidFill>
@@ -11443,7 +11192,7 @@
               <a:buChar char="-"/>
             </a:pPr>
             <a:r>
-              <a:rPr lang="es-PE" sz="2800" dirty="0" smtClean="0">
+              <a:rPr lang="es-PE" sz="2400" dirty="0" smtClean="0">
                 <a:solidFill>
                   <a:schemeClr val="bg1"/>
                 </a:solidFill>
@@ -11451,7 +11200,7 @@
               </a:rPr>
               <a:t>Asistentes interactuando</a:t>
             </a:r>
-            <a:endParaRPr lang="es-PE" sz="2800" dirty="0">
+            <a:endParaRPr lang="es-PE" sz="2400" dirty="0">
               <a:solidFill>
                 <a:schemeClr val="bg1"/>
               </a:solidFill>
@@ -11470,8 +11219,8 @@
         </p:nvSpPr>
         <p:spPr bwMode="auto">
           <a:xfrm>
-            <a:off x="4716016" y="3573016"/>
-            <a:ext cx="4211960" cy="2160240"/>
+            <a:off x="5148064" y="3645024"/>
+            <a:ext cx="3744416" cy="2160240"/>
           </a:xfrm>
           <a:prstGeom prst="rect">
             <a:avLst/>
@@ -11649,7 +11398,7 @@
               <a:buNone/>
             </a:pPr>
             <a:r>
-              <a:rPr lang="es-PE" sz="2800" b="1" smtClean="0">
+              <a:rPr lang="es-PE" sz="2400" b="1" smtClean="0">
                 <a:solidFill>
                   <a:schemeClr val="bg1"/>
                 </a:solidFill>
@@ -11664,7 +11413,7 @@
               <a:buChar char="-"/>
             </a:pPr>
             <a:r>
-              <a:rPr lang="es-PE" sz="2800" smtClean="0">
+              <a:rPr lang="es-PE" sz="2400" smtClean="0">
                 <a:solidFill>
                   <a:schemeClr val="bg1"/>
                 </a:solidFill>
@@ -11679,7 +11428,7 @@
               <a:buChar char="-"/>
             </a:pPr>
             <a:r>
-              <a:rPr lang="es-PE" sz="2800" smtClean="0">
+              <a:rPr lang="es-PE" sz="2400" smtClean="0">
                 <a:solidFill>
                   <a:schemeClr val="bg1"/>
                 </a:solidFill>
@@ -11695,7 +11444,7 @@
               <a:buChar char="-"/>
             </a:pPr>
             <a:r>
-              <a:rPr lang="es-PE" sz="2800" smtClean="0">
+              <a:rPr lang="es-PE" sz="2400" smtClean="0">
                 <a:solidFill>
                   <a:schemeClr val="bg1"/>
                 </a:solidFill>
@@ -11703,7 +11452,7 @@
               </a:rPr>
               <a:t>Asistente -&gt; Copiloto</a:t>
             </a:r>
-            <a:endParaRPr lang="es-PE" sz="2800">
+            <a:endParaRPr lang="es-PE" sz="2400">
               <a:solidFill>
                 <a:schemeClr val="bg1"/>
               </a:solidFill>
@@ -11712,6 +11461,38 @@
           </a:p>
         </p:txBody>
       </p:sp>
+      <p:pic>
+        <p:nvPicPr>
+          <p:cNvPr id="6" name="5 Imagen"/>
+          <p:cNvPicPr>
+            <a:picLocks noChangeAspect="1"/>
+          </p:cNvPicPr>
+          <p:nvPr/>
+        </p:nvPicPr>
+        <p:blipFill>
+          <a:blip r:embed="rId3">
+            <a:lum/>
+            <a:alphaModFix/>
+          </a:blip>
+          <a:srcRect/>
+          <a:stretch>
+            <a:fillRect/>
+          </a:stretch>
+        </p:blipFill>
+        <p:spPr>
+          <a:xfrm>
+            <a:off x="395536" y="1772815"/>
+            <a:ext cx="4608512" cy="3456385"/>
+          </a:xfrm>
+          <a:prstGeom prst="rect">
+            <a:avLst/>
+          </a:prstGeom>
+          <a:noFill/>
+          <a:ln>
+            <a:noFill/>
+          </a:ln>
+        </p:spPr>
+      </p:pic>
     </p:spTree>
     <p:extLst>
       <p:ext uri="{BB962C8B-B14F-4D97-AF65-F5344CB8AC3E}">
@@ -11727,6 +11508,110 @@
       <p:transition spd="slow" p14:dur="2000"/>
     </mc:Choice>
     <mc:Fallback>
+      <p:transition spd="slow"/>
+    </mc:Fallback>
+  </mc:AlternateContent>
+  <p:timing>
+    <p:tnLst>
+      <p:par>
+        <p:cTn id="1" dur="indefinite" restart="never" nodeType="tmRoot"/>
+      </p:par>
+    </p:tnLst>
+  </p:timing>
+</p:sld>
+</file>
+
+<file path=ppt/slides/slide9.xml><?xml version="1.0" encoding="utf-8"?>
+<p:sld xmlns:a="http://schemas.openxmlformats.org/drawingml/2006/main" xmlns:r="http://schemas.openxmlformats.org/officeDocument/2006/relationships" xmlns:p="http://schemas.openxmlformats.org/presentationml/2006/main">
+  <p:cSld>
+    <p:spTree>
+      <p:nvGrpSpPr>
+        <p:cNvPr id="1" name=""/>
+        <p:cNvGrpSpPr/>
+        <p:nvPr/>
+      </p:nvGrpSpPr>
+      <p:grpSpPr>
+        <a:xfrm>
+          <a:off x="0" y="0"/>
+          <a:ext cx="0" cy="0"/>
+          <a:chOff x="0" y="0"/>
+          <a:chExt cx="0" cy="0"/>
+        </a:xfrm>
+      </p:grpSpPr>
+      <p:sp>
+        <p:nvSpPr>
+          <p:cNvPr id="4" name="1 Título"/>
+          <p:cNvSpPr>
+            <a:spLocks noGrp="1"/>
+          </p:cNvSpPr>
+          <p:nvPr>
+            <p:ph type="title"/>
+          </p:nvPr>
+        </p:nvSpPr>
+        <p:spPr>
+          <a:xfrm>
+            <a:off x="467544" y="216350"/>
+            <a:ext cx="8229600" cy="720080"/>
+          </a:xfrm>
+        </p:spPr>
+        <p:txBody>
+          <a:bodyPr/>
+          <a:lstStyle/>
+          <a:p>
+            <a:r>
+              <a:rPr lang="es-PE" dirty="0" smtClean="0">
+                <a:solidFill>
+                  <a:srgbClr val="C00000"/>
+                </a:solidFill>
+                <a:latin typeface="Arial" pitchFamily="34" charset="0"/>
+                <a:cs typeface="Arial" pitchFamily="34" charset="0"/>
+              </a:rPr>
+              <a:t>Retrospectiva</a:t>
+            </a:r>
+            <a:endParaRPr lang="es-PE" dirty="0">
+              <a:solidFill>
+                <a:srgbClr val="C00000"/>
+              </a:solidFill>
+              <a:latin typeface="Arial" pitchFamily="34" charset="0"/>
+              <a:cs typeface="Arial" pitchFamily="34" charset="0"/>
+            </a:endParaRPr>
+          </a:p>
+        </p:txBody>
+      </p:sp>
+      <p:sp>
+        <p:nvSpPr>
+          <p:cNvPr id="2" name="1 Marcador de contenido"/>
+          <p:cNvSpPr>
+            <a:spLocks noGrp="1"/>
+          </p:cNvSpPr>
+          <p:nvPr>
+            <p:ph idx="1"/>
+          </p:nvPr>
+        </p:nvSpPr>
+        <p:spPr/>
+        <p:txBody>
+          <a:bodyPr/>
+          <a:lstStyle/>
+          <a:p>
+            <a:endParaRPr lang="es-PE"/>
+          </a:p>
+        </p:txBody>
+      </p:sp>
+    </p:spTree>
+    <p:extLst>
+      <p:ext uri="{BB962C8B-B14F-4D97-AF65-F5344CB8AC3E}">
+        <p14:creationId xmlns:p14="http://schemas.microsoft.com/office/powerpoint/2010/main" val="54196530"/>
+      </p:ext>
+    </p:extLst>
+  </p:cSld>
+  <p:clrMapOvr>
+    <a:masterClrMapping/>
+  </p:clrMapOvr>
+  <mc:AlternateContent xmlns:mc="http://schemas.openxmlformats.org/markup-compatibility/2006" xmlns:p14="http://schemas.microsoft.com/office/powerpoint/2010/main">
+    <mc:Choice Requires="p14">
+      <p:transition spd="slow" p14:dur="2000"/>
+    </mc:Choice>
+    <mc:Fallback xmlns="">
       <p:transition spd="slow"/>
     </mc:Fallback>
   </mc:AlternateContent>

--- a/Randori/Coding Dojo.pptx
+++ b/Randori/Coding Dojo.pptx
@@ -118,28 +118,7 @@
       </a:defRPr>
     </a:lvl9pPr>
   </p:defaultTextStyle>
-  <p:extLst>
-    <p:ext uri="{521415D9-36F7-43E2-AB2F-B90AF26B5E84}">
-      <p14:sectionLst xmlns:p14="http://schemas.microsoft.com/office/powerpoint/2010/main">
-        <p14:section name="Sección predeterminada" id="{4178DA89-4432-4F5B-9C10-871F7510AB7F}">
-          <p14:sldIdLst>
-            <p14:sldId id="256"/>
-            <p14:sldId id="257"/>
-            <p14:sldId id="258"/>
-            <p14:sldId id="259"/>
-            <p14:sldId id="261"/>
-            <p14:sldId id="262"/>
-            <p14:sldId id="263"/>
-            <p14:sldId id="266"/>
-            <p14:sldId id="267"/>
-            <p14:sldId id="268"/>
-            <p14:sldId id="269"/>
-            <p14:sldId id="270"/>
-          </p14:sldIdLst>
-        </p14:section>
-      </p14:sectionLst>
-    </p:ext>
-  </p:extLst>
+  <p:extLst/>
 </p:presentation>
 </file>
 
@@ -225,7 +204,7 @@
           <a:p>
             <a:fld id="{A159D31D-A4A7-4388-8D6E-2035DF7AF6AE}" type="datetimeFigureOut">
               <a:rPr lang="es-PE" smtClean="0"/>
-              <a:t>21/02/2013</a:t>
+              <a:t>07/03/2013</a:t>
             </a:fld>
             <a:endParaRPr lang="es-PE"/>
           </a:p>
@@ -1825,7 +1804,7 @@
           <a:p>
             <a:fld id="{FCE2F2F3-FB49-4DEF-A20F-C298C96728F0}" type="datetimeFigureOut">
               <a:rPr lang="es-PE" smtClean="0"/>
-              <a:t>21/02/2013</a:t>
+              <a:t>07/03/2013</a:t>
             </a:fld>
             <a:endParaRPr lang="es-PE"/>
           </a:p>
@@ -2002,7 +1981,7 @@
           <a:p>
             <a:fld id="{FCE2F2F3-FB49-4DEF-A20F-C298C96728F0}" type="datetimeFigureOut">
               <a:rPr lang="es-PE" smtClean="0"/>
-              <a:t>21/02/2013</a:t>
+              <a:t>07/03/2013</a:t>
             </a:fld>
             <a:endParaRPr lang="es-PE"/>
           </a:p>
@@ -2189,7 +2168,7 @@
           <a:p>
             <a:fld id="{FCE2F2F3-FB49-4DEF-A20F-C298C96728F0}" type="datetimeFigureOut">
               <a:rPr lang="es-PE" smtClean="0"/>
-              <a:t>21/02/2013</a:t>
+              <a:t>07/03/2013</a:t>
             </a:fld>
             <a:endParaRPr lang="es-PE"/>
           </a:p>
@@ -2366,7 +2345,7 @@
           <a:p>
             <a:fld id="{FCE2F2F3-FB49-4DEF-A20F-C298C96728F0}" type="datetimeFigureOut">
               <a:rPr lang="es-PE" smtClean="0"/>
-              <a:t>21/02/2013</a:t>
+              <a:t>07/03/2013</a:t>
             </a:fld>
             <a:endParaRPr lang="es-PE"/>
           </a:p>
@@ -2619,7 +2598,7 @@
           <a:p>
             <a:fld id="{FCE2F2F3-FB49-4DEF-A20F-C298C96728F0}" type="datetimeFigureOut">
               <a:rPr lang="es-PE" smtClean="0"/>
-              <a:t>21/02/2013</a:t>
+              <a:t>07/03/2013</a:t>
             </a:fld>
             <a:endParaRPr lang="es-PE"/>
           </a:p>
@@ -2914,7 +2893,7 @@
           <a:p>
             <a:fld id="{FCE2F2F3-FB49-4DEF-A20F-C298C96728F0}" type="datetimeFigureOut">
               <a:rPr lang="es-PE" smtClean="0"/>
-              <a:t>21/02/2013</a:t>
+              <a:t>07/03/2013</a:t>
             </a:fld>
             <a:endParaRPr lang="es-PE"/>
           </a:p>
@@ -3343,7 +3322,7 @@
           <a:p>
             <a:fld id="{FCE2F2F3-FB49-4DEF-A20F-C298C96728F0}" type="datetimeFigureOut">
               <a:rPr lang="es-PE" smtClean="0"/>
-              <a:t>21/02/2013</a:t>
+              <a:t>07/03/2013</a:t>
             </a:fld>
             <a:endParaRPr lang="es-PE"/>
           </a:p>
@@ -3468,7 +3447,7 @@
           <a:p>
             <a:fld id="{FCE2F2F3-FB49-4DEF-A20F-C298C96728F0}" type="datetimeFigureOut">
               <a:rPr lang="es-PE" smtClean="0"/>
-              <a:t>21/02/2013</a:t>
+              <a:t>07/03/2013</a:t>
             </a:fld>
             <a:endParaRPr lang="es-PE"/>
           </a:p>
@@ -3570,7 +3549,7 @@
           <a:p>
             <a:fld id="{FCE2F2F3-FB49-4DEF-A20F-C298C96728F0}" type="datetimeFigureOut">
               <a:rPr lang="es-PE" smtClean="0"/>
-              <a:t>21/02/2013</a:t>
+              <a:t>07/03/2013</a:t>
             </a:fld>
             <a:endParaRPr lang="es-PE"/>
           </a:p>
@@ -3854,7 +3833,7 @@
           <a:p>
             <a:fld id="{FCE2F2F3-FB49-4DEF-A20F-C298C96728F0}" type="datetimeFigureOut">
               <a:rPr lang="es-PE" smtClean="0"/>
-              <a:t>21/02/2013</a:t>
+              <a:t>07/03/2013</a:t>
             </a:fld>
             <a:endParaRPr lang="es-PE"/>
           </a:p>
@@ -4121,7 +4100,7 @@
           <a:p>
             <a:fld id="{FCE2F2F3-FB49-4DEF-A20F-C298C96728F0}" type="datetimeFigureOut">
               <a:rPr lang="es-PE" smtClean="0"/>
-              <a:t>21/02/2013</a:t>
+              <a:t>07/03/2013</a:t>
             </a:fld>
             <a:endParaRPr lang="es-PE"/>
           </a:p>
@@ -4366,7 +4345,7 @@
           <a:p>
             <a:fld id="{FCE2F2F3-FB49-4DEF-A20F-C298C96728F0}" type="datetimeFigureOut">
               <a:rPr lang="es-PE" smtClean="0"/>
-              <a:t>21/02/2013</a:t>
+              <a:t>07/03/2013</a:t>
             </a:fld>
             <a:endParaRPr lang="es-PE"/>
           </a:p>
@@ -10168,11 +10147,11 @@
   <p:clrMapOvr>
     <a:masterClrMapping/>
   </p:clrMapOvr>
-  <mc:AlternateContent xmlns:mc="http://schemas.openxmlformats.org/markup-compatibility/2006">
-    <mc:Choice xmlns:p14="http://schemas.microsoft.com/office/powerpoint/2010/main" Requires="p14">
+  <mc:AlternateContent xmlns:mc="http://schemas.openxmlformats.org/markup-compatibility/2006" xmlns:p14="http://schemas.microsoft.com/office/powerpoint/2010/main">
+    <mc:Choice Requires="p14">
       <p:transition spd="slow" p14:dur="2000"/>
     </mc:Choice>
-    <mc:Fallback>
+    <mc:Fallback xmlns="">
       <p:transition spd="slow"/>
     </mc:Fallback>
   </mc:AlternateContent>
@@ -11003,11 +10982,11 @@
   <p:clrMapOvr>
     <a:masterClrMapping/>
   </p:clrMapOvr>
-  <mc:AlternateContent xmlns:mc="http://schemas.openxmlformats.org/markup-compatibility/2006">
-    <mc:Choice xmlns:p14="http://schemas.microsoft.com/office/powerpoint/2010/main" Requires="p14">
+  <mc:AlternateContent xmlns:mc="http://schemas.openxmlformats.org/markup-compatibility/2006" xmlns:p14="http://schemas.microsoft.com/office/powerpoint/2010/main">
+    <mc:Choice Requires="p14">
       <p:transition spd="slow" p14:dur="2000"/>
     </mc:Choice>
-    <mc:Fallback>
+    <mc:Fallback xmlns="">
       <p:transition spd="slow"/>
     </mc:Fallback>
   </mc:AlternateContent>
@@ -11503,11 +11482,11 @@
   <p:clrMapOvr>
     <a:masterClrMapping/>
   </p:clrMapOvr>
-  <mc:AlternateContent xmlns:mc="http://schemas.openxmlformats.org/markup-compatibility/2006">
-    <mc:Choice xmlns:p14="http://schemas.microsoft.com/office/powerpoint/2010/main" Requires="p14">
+  <mc:AlternateContent xmlns:mc="http://schemas.openxmlformats.org/markup-compatibility/2006" xmlns:p14="http://schemas.microsoft.com/office/powerpoint/2010/main">
+    <mc:Choice Requires="p14">
       <p:transition spd="slow" p14:dur="2000"/>
     </mc:Choice>
-    <mc:Fallback>
+    <mc:Fallback xmlns="">
       <p:transition spd="slow"/>
     </mc:Fallback>
   </mc:AlternateContent>

--- a/Randori/Coding Dojo.pptx
+++ b/Randori/Coding Dojo.pptx
@@ -5,7 +5,7 @@
     <p:sldMasterId id="2147483660" r:id="rId1"/>
   </p:sldMasterIdLst>
   <p:notesMasterIdLst>
-    <p:notesMasterId r:id="rId14"/>
+    <p:notesMasterId r:id="rId13"/>
   </p:notesMasterIdLst>
   <p:sldIdLst>
     <p:sldId id="256" r:id="rId2"/>
@@ -16,10 +16,9 @@
     <p:sldId id="262" r:id="rId7"/>
     <p:sldId id="263" r:id="rId8"/>
     <p:sldId id="266" r:id="rId9"/>
-    <p:sldId id="267" r:id="rId10"/>
-    <p:sldId id="268" r:id="rId11"/>
-    <p:sldId id="269" r:id="rId12"/>
-    <p:sldId id="270" r:id="rId13"/>
+    <p:sldId id="268" r:id="rId10"/>
+    <p:sldId id="269" r:id="rId11"/>
+    <p:sldId id="267" r:id="rId12"/>
   </p:sldIdLst>
   <p:sldSz cx="9144000" cy="6858000" type="screen4x3"/>
   <p:notesSz cx="6858000" cy="9144000"/>
@@ -204,7 +203,7 @@
           <a:p>
             <a:fld id="{A159D31D-A4A7-4388-8D6E-2035DF7AF6AE}" type="datetimeFigureOut">
               <a:rPr lang="es-PE" smtClean="0"/>
-              <a:t>07/03/2013</a:t>
+              <a:t>8/13/17</a:t>
             </a:fld>
             <a:endParaRPr lang="es-PE"/>
           </a:p>
@@ -363,7 +362,7 @@
           <a:p>
             <a:fld id="{92D0504E-A398-466F-BEA7-CB196C14635F}" type="slidenum">
               <a:rPr lang="es-PE" smtClean="0"/>
-              <a:t>‹Nº›</a:t>
+              <a:t>‹#›</a:t>
             </a:fld>
             <a:endParaRPr lang="es-PE"/>
           </a:p>
@@ -621,7 +620,277 @@
           <a:p>
             <a:fld id="{92D0504E-A398-466F-BEA7-CB196C14635F}" type="slidenum">
               <a:rPr lang="es-PE" smtClean="0"/>
-              <a:t>12</a:t>
+              <a:t>10</a:t>
+            </a:fld>
+            <a:endParaRPr lang="es-PE"/>
+          </a:p>
+        </p:txBody>
+      </p:sp>
+    </p:spTree>
+    <p:extLst>
+      <p:ext uri="{BB962C8B-B14F-4D97-AF65-F5344CB8AC3E}">
+        <p14:creationId xmlns:p14="http://schemas.microsoft.com/office/powerpoint/2010/main" val="3117317914"/>
+      </p:ext>
+    </p:extLst>
+  </p:cSld>
+  <p:clrMapOvr>
+    <a:masterClrMapping/>
+  </p:clrMapOvr>
+</p:notes>
+</file>
+
+<file path=ppt/notesSlides/notesSlide11.xml><?xml version="1.0" encoding="utf-8"?>
+<p:notes xmlns:a="http://schemas.openxmlformats.org/drawingml/2006/main" xmlns:r="http://schemas.openxmlformats.org/officeDocument/2006/relationships" xmlns:p="http://schemas.openxmlformats.org/presentationml/2006/main">
+  <p:cSld>
+    <p:spTree>
+      <p:nvGrpSpPr>
+        <p:cNvPr id="1" name=""/>
+        <p:cNvGrpSpPr/>
+        <p:nvPr/>
+      </p:nvGrpSpPr>
+      <p:grpSpPr>
+        <a:xfrm>
+          <a:off x="0" y="0"/>
+          <a:ext cx="0" cy="0"/>
+          <a:chOff x="0" y="0"/>
+          <a:chExt cx="0" cy="0"/>
+        </a:xfrm>
+      </p:grpSpPr>
+      <p:sp>
+        <p:nvSpPr>
+          <p:cNvPr id="2" name="1 Marcador de imagen de diapositiva"/>
+          <p:cNvSpPr>
+            <a:spLocks noGrp="1" noRot="1" noChangeAspect="1"/>
+          </p:cNvSpPr>
+          <p:nvPr>
+            <p:ph type="sldImg"/>
+          </p:nvPr>
+        </p:nvSpPr>
+        <p:spPr/>
+      </p:sp>
+      <p:sp>
+        <p:nvSpPr>
+          <p:cNvPr id="3" name="2 Marcador de notas"/>
+          <p:cNvSpPr>
+            <a:spLocks noGrp="1"/>
+          </p:cNvSpPr>
+          <p:nvPr>
+            <p:ph type="body" idx="1"/>
+          </p:nvPr>
+        </p:nvSpPr>
+        <p:spPr/>
+        <p:txBody>
+          <a:bodyPr/>
+          <a:lstStyle/>
+          <a:p>
+            <a:r>
+              <a:rPr lang="en-US" dirty="0" smtClean="0"/>
+              <a:t>For example you could</a:t>
+            </a:r>
+          </a:p>
+          <a:p>
+            <a:r>
+              <a:rPr lang="en-US" dirty="0" smtClean="0"/>
+              <a:t>ask each person to first write down something they learnt, something that surprised them and</a:t>
+            </a:r>
+          </a:p>
+          <a:p>
+            <a:r>
+              <a:rPr lang="en-US" dirty="0" smtClean="0"/>
+              <a:t>something they still don’t understand, then go around each person asking them to share. </a:t>
+            </a:r>
+          </a:p>
+          <a:p>
+            <a:endParaRPr lang="en-US" dirty="0" smtClean="0"/>
+          </a:p>
+          <a:p>
+            <a:pPr marL="171450" indent="-171450">
+              <a:buFontTx/>
+              <a:buChar char="-"/>
+            </a:pPr>
+            <a:r>
+              <a:rPr lang="en-US" dirty="0" smtClean="0"/>
+              <a:t>What surprised you</a:t>
+            </a:r>
+          </a:p>
+          <a:p>
+            <a:pPr marL="171450" indent="-171450">
+              <a:buFontTx/>
+              <a:buChar char="-"/>
+            </a:pPr>
+            <a:r>
+              <a:rPr lang="en-US" dirty="0" smtClean="0"/>
+              <a:t>What</a:t>
+            </a:r>
+            <a:r>
+              <a:rPr lang="en-US" baseline="0" dirty="0" smtClean="0"/>
+              <a:t> did you learn</a:t>
+            </a:r>
+          </a:p>
+          <a:p>
+            <a:pPr marL="171450" indent="-171450">
+              <a:buFontTx/>
+              <a:buChar char="-"/>
+            </a:pPr>
+            <a:r>
+              <a:rPr lang="en-US" baseline="0" dirty="0" smtClean="0"/>
+              <a:t>What do you want to achieve.</a:t>
+            </a:r>
+          </a:p>
+          <a:p>
+            <a:pPr marL="171450" indent="-171450">
+              <a:buFontTx/>
+              <a:buChar char="-"/>
+            </a:pPr>
+            <a:endParaRPr lang="en-US" baseline="0" dirty="0" smtClean="0"/>
+          </a:p>
+          <a:p>
+            <a:pPr marL="0" indent="0">
+              <a:buFontTx/>
+              <a:buNone/>
+            </a:pPr>
+            <a:r>
+              <a:rPr lang="en-US" baseline="0" dirty="0" smtClean="0"/>
+              <a:t>• “What have we learned?”: Reﬂecting and discussing</a:t>
+            </a:r>
+          </a:p>
+          <a:p>
+            <a:pPr marL="0" indent="0">
+              <a:buFontTx/>
+              <a:buNone/>
+            </a:pPr>
+            <a:r>
+              <a:rPr lang="en-US" baseline="0" dirty="0" smtClean="0"/>
+              <a:t>what was learned is an effective way to make learning</a:t>
+            </a:r>
+          </a:p>
+          <a:p>
+            <a:pPr marL="0" indent="0">
+              <a:buFontTx/>
+              <a:buNone/>
+            </a:pPr>
+            <a:r>
+              <a:rPr lang="en-US" baseline="0" dirty="0" smtClean="0"/>
+              <a:t>an active process and to verify that the session met its</a:t>
+            </a:r>
+          </a:p>
+          <a:p>
+            <a:pPr marL="0" indent="0">
+              <a:buFontTx/>
+              <a:buNone/>
+            </a:pPr>
+            <a:r>
+              <a:rPr lang="en-US" baseline="0" dirty="0" smtClean="0"/>
+              <a:t>goals.</a:t>
+            </a:r>
+          </a:p>
+          <a:p>
+            <a:pPr marL="0" indent="0">
+              <a:buFontTx/>
+              <a:buNone/>
+            </a:pPr>
+            <a:r>
+              <a:rPr lang="en-US" baseline="0" dirty="0" smtClean="0"/>
+              <a:t>• “What has hindered learning?”: The negative aspects of a meeting are discussed, and the main impediments are identiﬁed. The group performs a root</a:t>
+            </a:r>
+          </a:p>
+          <a:p>
+            <a:pPr marL="0" indent="0">
+              <a:buFontTx/>
+              <a:buNone/>
+            </a:pPr>
+            <a:r>
+              <a:rPr lang="en-US" baseline="0" dirty="0" smtClean="0"/>
+              <a:t>cause analysis and discusses how these impediments</a:t>
+            </a:r>
+          </a:p>
+          <a:p>
+            <a:pPr marL="0" indent="0">
+              <a:buFontTx/>
+              <a:buNone/>
+            </a:pPr>
+            <a:r>
+              <a:rPr lang="en-US" baseline="0" dirty="0" smtClean="0"/>
+              <a:t>could be eliminated, coming up with a series of action</a:t>
+            </a:r>
+          </a:p>
+          <a:p>
+            <a:pPr marL="0" indent="0">
+              <a:buFontTx/>
+              <a:buNone/>
+            </a:pPr>
+            <a:r>
+              <a:rPr lang="en-US" baseline="0" dirty="0" smtClean="0"/>
+              <a:t>items. People take responsibility to handle each action</a:t>
+            </a:r>
+          </a:p>
+          <a:p>
+            <a:pPr marL="0" indent="0">
+              <a:buFontTx/>
+              <a:buNone/>
+            </a:pPr>
+            <a:r>
+              <a:rPr lang="en-US" baseline="0" dirty="0" smtClean="0"/>
+              <a:t>item for the next meeting, the results are recorded for</a:t>
+            </a:r>
+          </a:p>
+          <a:p>
+            <a:pPr marL="0" indent="0">
+              <a:buFontTx/>
+              <a:buNone/>
+            </a:pPr>
+            <a:r>
+              <a:rPr lang="en-US" baseline="0" dirty="0" smtClean="0"/>
+              <a:t>future reﬂection, and the effects of the change are reevaluated in the next retrospective.</a:t>
+            </a:r>
+          </a:p>
+          <a:p>
+            <a:pPr marL="0" indent="0">
+              <a:buFontTx/>
+              <a:buNone/>
+            </a:pPr>
+            <a:endParaRPr lang="en-US" baseline="0" dirty="0" smtClean="0"/>
+          </a:p>
+          <a:p>
+            <a:pPr marL="0" indent="0">
+              <a:buFontTx/>
+              <a:buNone/>
+            </a:pPr>
+            <a:r>
+              <a:rPr lang="en-US" baseline="0" dirty="0" smtClean="0"/>
+              <a:t>“What went well?”</a:t>
+            </a:r>
+          </a:p>
+          <a:p>
+            <a:pPr marL="0" indent="0">
+              <a:buFontTx/>
+              <a:buNone/>
+            </a:pPr>
+            <a:r>
+              <a:rPr lang="en-US" baseline="0" dirty="0" smtClean="0"/>
+              <a:t>and “What could be improved?”</a:t>
+            </a:r>
+          </a:p>
+        </p:txBody>
+      </p:sp>
+      <p:sp>
+        <p:nvSpPr>
+          <p:cNvPr id="4" name="3 Marcador de número de diapositiva"/>
+          <p:cNvSpPr>
+            <a:spLocks noGrp="1"/>
+          </p:cNvSpPr>
+          <p:nvPr>
+            <p:ph type="sldNum" sz="quarter" idx="10"/>
+          </p:nvPr>
+        </p:nvSpPr>
+        <p:spPr/>
+        <p:txBody>
+          <a:bodyPr/>
+          <a:lstStyle/>
+          <a:p>
+            <a:fld id="{92D0504E-A398-466F-BEA7-CB196C14635F}" type="slidenum">
+              <a:rPr lang="es-PE" smtClean="0"/>
+              <a:t>11</a:t>
             </a:fld>
             <a:endParaRPr lang="es-PE"/>
           </a:p>
@@ -685,18 +954,282 @@
           <a:lstStyle/>
           <a:p>
             <a:r>
-              <a:rPr lang="es-PE" dirty="0" err="1" smtClean="0"/>
-              <a:t>Dojo</a:t>
-            </a:r>
-            <a:r>
               <a:rPr lang="es-PE" dirty="0" smtClean="0"/>
-              <a:t>: "El lugar de la vía"</a:t>
+              <a:t>Dojo: "El lugar de la vía"</a:t>
             </a:r>
             <a:r>
               <a:rPr lang="es-PE" baseline="0" dirty="0" smtClean="0"/>
               <a:t> == Búsqueda de la perfección.</a:t>
             </a:r>
-            <a:endParaRPr lang="es-PE" dirty="0"/>
+          </a:p>
+          <a:p>
+            <a:endParaRPr lang="es-PE" baseline="0" dirty="0" smtClean="0"/>
+          </a:p>
+          <a:p>
+            <a:r>
+              <a:rPr lang="es-PE" sz="1200" b="1" kern="1200" dirty="0" smtClean="0">
+                <a:solidFill>
+                  <a:schemeClr val="tx1"/>
+                </a:solidFill>
+                <a:effectLst/>
+                <a:latin typeface="+mn-lt"/>
+                <a:ea typeface="+mn-ea"/>
+                <a:cs typeface="+mn-cs"/>
+              </a:rPr>
+              <a:t>¿Por qué "Dojo"?</a:t>
+            </a:r>
+            <a:endParaRPr lang="en-US" sz="1200" kern="1200" dirty="0" smtClean="0">
+              <a:solidFill>
+                <a:schemeClr val="tx1"/>
+              </a:solidFill>
+              <a:effectLst/>
+              <a:latin typeface="+mn-lt"/>
+              <a:ea typeface="+mn-ea"/>
+              <a:cs typeface="+mn-cs"/>
+            </a:endParaRPr>
+          </a:p>
+          <a:p>
+            <a:r>
+              <a:rPr lang="es-PE" sz="1200" kern="1200" dirty="0" smtClean="0">
+                <a:solidFill>
+                  <a:schemeClr val="tx1"/>
+                </a:solidFill>
+                <a:effectLst/>
+                <a:latin typeface="+mn-lt"/>
+                <a:ea typeface="+mn-ea"/>
+                <a:cs typeface="+mn-cs"/>
+              </a:rPr>
+              <a:t>Dojo es un término de origen japonés, mediante el cual se designa a los espacios destinados al aprendizaje, la meditación y la sabiduría. Quién ocupa el lugar de "guía" en un Dojo, es llamado Sensei.</a:t>
+            </a:r>
+            <a:endParaRPr lang="en-US" sz="1200" kern="1200" dirty="0" smtClean="0">
+              <a:solidFill>
+                <a:schemeClr val="tx1"/>
+              </a:solidFill>
+              <a:effectLst/>
+              <a:latin typeface="+mn-lt"/>
+              <a:ea typeface="+mn-ea"/>
+              <a:cs typeface="+mn-cs"/>
+            </a:endParaRPr>
+          </a:p>
+          <a:p>
+            <a:r>
+              <a:rPr lang="es-PE" sz="1200" kern="1200" dirty="0" smtClean="0">
+                <a:solidFill>
+                  <a:schemeClr val="tx1"/>
+                </a:solidFill>
+                <a:effectLst/>
+                <a:latin typeface="+mn-lt"/>
+                <a:ea typeface="+mn-ea"/>
+                <a:cs typeface="+mn-cs"/>
+              </a:rPr>
+              <a:t>Por ello, el significado semántico de Dojo, se refiere a la búsqueda de la perfección y de allí, es que se adopta el término de "Coding Dojo": </a:t>
+            </a:r>
+            <a:r>
+              <a:rPr lang="es-PE" sz="1200" b="1" kern="1200" dirty="0" smtClean="0">
+                <a:solidFill>
+                  <a:schemeClr val="tx1"/>
+                </a:solidFill>
+                <a:effectLst/>
+                <a:latin typeface="+mn-lt"/>
+                <a:ea typeface="+mn-ea"/>
+                <a:cs typeface="+mn-cs"/>
+              </a:rPr>
+              <a:t>el lugar donde los programadores se reúnen en búsqueda de perfeccionarse profesionalmente.</a:t>
+            </a:r>
+            <a:endParaRPr lang="en-US" sz="1200" kern="1200" dirty="0" smtClean="0">
+              <a:solidFill>
+                <a:schemeClr val="tx1"/>
+              </a:solidFill>
+              <a:effectLst/>
+              <a:latin typeface="+mn-lt"/>
+              <a:ea typeface="+mn-ea"/>
+              <a:cs typeface="+mn-cs"/>
+            </a:endParaRPr>
+          </a:p>
+          <a:p>
+            <a:endParaRPr lang="es-PE" dirty="0" smtClean="0"/>
+          </a:p>
+          <a:p>
+            <a:r>
+              <a:rPr lang="es-PE" sz="1200" b="1" kern="1200" dirty="0" smtClean="0">
+                <a:solidFill>
+                  <a:schemeClr val="tx1"/>
+                </a:solidFill>
+                <a:effectLst/>
+                <a:latin typeface="+mn-lt"/>
+                <a:ea typeface="+mn-ea"/>
+                <a:cs typeface="+mn-cs"/>
+              </a:rPr>
+              <a:t>Coding Dojo</a:t>
+            </a:r>
+            <a:endParaRPr lang="en-US" sz="1200" kern="1200" dirty="0" smtClean="0">
+              <a:solidFill>
+                <a:schemeClr val="tx1"/>
+              </a:solidFill>
+              <a:effectLst/>
+              <a:latin typeface="+mn-lt"/>
+              <a:ea typeface="+mn-ea"/>
+              <a:cs typeface="+mn-cs"/>
+            </a:endParaRPr>
+          </a:p>
+          <a:p>
+            <a:r>
+              <a:rPr lang="es-PE" sz="1200" kern="1200" dirty="0" smtClean="0">
+                <a:solidFill>
+                  <a:schemeClr val="tx1"/>
+                </a:solidFill>
+                <a:effectLst/>
+                <a:latin typeface="+mn-lt"/>
+                <a:ea typeface="+mn-ea"/>
+                <a:cs typeface="+mn-cs"/>
+              </a:rPr>
+              <a:t>El Coding Dojo es una reunión de desarrolladores con el objetivo de aprender, enseñar y mejorar nuevas habilidades y técnicas.</a:t>
+            </a:r>
+            <a:endParaRPr lang="en-US" sz="1200" kern="1200" dirty="0" smtClean="0">
+              <a:solidFill>
+                <a:schemeClr val="tx1"/>
+              </a:solidFill>
+              <a:effectLst/>
+              <a:latin typeface="+mn-lt"/>
+              <a:ea typeface="+mn-ea"/>
+              <a:cs typeface="+mn-cs"/>
+            </a:endParaRPr>
+          </a:p>
+          <a:p>
+            <a:endParaRPr lang="es-PE" dirty="0" smtClean="0"/>
+          </a:p>
+          <a:p>
+            <a:endParaRPr lang="es-PE" dirty="0" smtClean="0"/>
+          </a:p>
+          <a:p>
+            <a:r>
+              <a:rPr lang="es-PE" sz="1200" b="1" kern="1200" dirty="0" smtClean="0">
+                <a:solidFill>
+                  <a:schemeClr val="tx1"/>
+                </a:solidFill>
+                <a:effectLst/>
+                <a:latin typeface="+mn-lt"/>
+                <a:ea typeface="+mn-ea"/>
+                <a:cs typeface="+mn-cs"/>
+              </a:rPr>
+              <a:t>¿Por qué asistir a un Coding Dojo? ¿Cuál es la finalidad?</a:t>
+            </a:r>
+            <a:endParaRPr lang="en-US" sz="1200" kern="1200" dirty="0" smtClean="0">
+              <a:solidFill>
+                <a:schemeClr val="tx1"/>
+              </a:solidFill>
+              <a:effectLst/>
+              <a:latin typeface="+mn-lt"/>
+              <a:ea typeface="+mn-ea"/>
+              <a:cs typeface="+mn-cs"/>
+            </a:endParaRPr>
+          </a:p>
+          <a:p>
+            <a:r>
+              <a:rPr lang="es-PE" sz="1200" kern="1200" dirty="0" smtClean="0">
+                <a:solidFill>
+                  <a:schemeClr val="tx1"/>
+                </a:solidFill>
+                <a:effectLst/>
+                <a:latin typeface="+mn-lt"/>
+                <a:ea typeface="+mn-ea"/>
+                <a:cs typeface="+mn-cs"/>
+              </a:rPr>
+              <a:t>Fundamentalmente entender que adquirir nuevas habilidades de programación es un proceso continuo en la que como programadores debemos estar abiertos siempre a aprender nuevas técnicas y tecnologías.</a:t>
+            </a:r>
+            <a:endParaRPr lang="en-US" sz="1200" kern="1200" dirty="0" smtClean="0">
+              <a:solidFill>
+                <a:schemeClr val="tx1"/>
+              </a:solidFill>
+              <a:effectLst/>
+              <a:latin typeface="+mn-lt"/>
+              <a:ea typeface="+mn-ea"/>
+              <a:cs typeface="+mn-cs"/>
+            </a:endParaRPr>
+          </a:p>
+          <a:p>
+            <a:r>
+              <a:rPr lang="es-PE" sz="1200" kern="1200" dirty="0" smtClean="0">
+                <a:solidFill>
+                  <a:schemeClr val="tx1"/>
+                </a:solidFill>
+                <a:effectLst/>
+                <a:latin typeface="+mn-lt"/>
+                <a:ea typeface="+mn-ea"/>
+                <a:cs typeface="+mn-cs"/>
+              </a:rPr>
+              <a:t>Para un desarrollador, participar de un Coding Dojo es una experiencia vital para su carrera. </a:t>
+            </a:r>
+            <a:r>
+              <a:rPr lang="es-PE" sz="1200" b="1" kern="1200" dirty="0" smtClean="0">
+                <a:solidFill>
+                  <a:schemeClr val="tx1"/>
+                </a:solidFill>
+                <a:effectLst/>
+                <a:latin typeface="+mn-lt"/>
+                <a:ea typeface="+mn-ea"/>
+                <a:cs typeface="+mn-cs"/>
+              </a:rPr>
+              <a:t>La finalidad de un Coding Dojo, es aprender de otros programadores y adquirir nuevas habilidades.</a:t>
+            </a:r>
+            <a:endParaRPr lang="en-US" sz="1200" kern="1200" dirty="0" smtClean="0">
+              <a:solidFill>
+                <a:schemeClr val="tx1"/>
+              </a:solidFill>
+              <a:effectLst/>
+              <a:latin typeface="+mn-lt"/>
+              <a:ea typeface="+mn-ea"/>
+              <a:cs typeface="+mn-cs"/>
+            </a:endParaRPr>
+          </a:p>
+          <a:p>
+            <a:r>
+              <a:rPr lang="es-PE" sz="1200" kern="1200" dirty="0" smtClean="0">
+                <a:solidFill>
+                  <a:schemeClr val="tx1"/>
+                </a:solidFill>
+                <a:effectLst/>
+                <a:latin typeface="+mn-lt"/>
+                <a:ea typeface="+mn-ea"/>
+                <a:cs typeface="+mn-cs"/>
+              </a:rPr>
+              <a:t>Un Coding Dojo, es un lugar exento de competitividad y por el contrario, se sostiene sobre la base de un espíritu de colaboración mutua entre todos los participantes. Esto, es un concepto fundamental, ya que marca la máxima diferencia, con cualquier otro tipo de eventos para programadores.</a:t>
+            </a:r>
+            <a:endParaRPr lang="en-US" sz="1200" kern="1200" dirty="0" smtClean="0">
+              <a:solidFill>
+                <a:schemeClr val="tx1"/>
+              </a:solidFill>
+              <a:effectLst/>
+              <a:latin typeface="+mn-lt"/>
+              <a:ea typeface="+mn-ea"/>
+              <a:cs typeface="+mn-cs"/>
+            </a:endParaRPr>
+          </a:p>
+          <a:p>
+            <a:r>
+              <a:rPr lang="es-PE" sz="1200" kern="1200" dirty="0" smtClean="0">
+                <a:solidFill>
+                  <a:schemeClr val="tx1"/>
+                </a:solidFill>
+                <a:effectLst/>
+                <a:latin typeface="+mn-lt"/>
+                <a:ea typeface="+mn-ea"/>
+                <a:cs typeface="+mn-cs"/>
+              </a:rPr>
+              <a:t>Es muy divertido ya que estamos para pasar un buen rato a parte de aprender.</a:t>
+            </a:r>
+            <a:endParaRPr lang="en-US" sz="1200" kern="1200" dirty="0" smtClean="0">
+              <a:solidFill>
+                <a:schemeClr val="tx1"/>
+              </a:solidFill>
+              <a:effectLst/>
+              <a:latin typeface="+mn-lt"/>
+              <a:ea typeface="+mn-ea"/>
+              <a:cs typeface="+mn-cs"/>
+            </a:endParaRPr>
+          </a:p>
+          <a:p>
+            <a:endParaRPr lang="es-PE" dirty="0" smtClean="0"/>
           </a:p>
         </p:txBody>
       </p:sp>
@@ -755,7 +1288,7 @@
       </p:grpSpPr>
       <p:sp>
         <p:nvSpPr>
-          <p:cNvPr id="2" name="1 Marcador de imagen de diapositiva"/>
+          <p:cNvPr id="2" name="Slide Image Placeholder 1"/>
           <p:cNvSpPr>
             <a:spLocks noGrp="1" noRot="1" noChangeAspect="1"/>
           </p:cNvSpPr>
@@ -767,7 +1300,7 @@
       </p:sp>
       <p:sp>
         <p:nvSpPr>
-          <p:cNvPr id="3" name="2 Marcador de notas"/>
+          <p:cNvPr id="3" name="Notes Placeholder 2"/>
           <p:cNvSpPr>
             <a:spLocks noGrp="1"/>
           </p:cNvSpPr>
@@ -779,6 +1312,56 @@
         <p:txBody>
           <a:bodyPr/>
           <a:lstStyle/>
+          <a:p>
+            <a:r>
+              <a:rPr lang="es-ES" dirty="0" smtClean="0"/>
+              <a:t>Muchos expertos en varias disciplinas han</a:t>
+            </a:r>
+            <a:r>
+              <a:rPr lang="es-ES" baseline="0" dirty="0" smtClean="0"/>
+              <a:t> logrado lo que saben y pueden </a:t>
+            </a:r>
+            <a:r>
+              <a:rPr lang="es-ES" dirty="0" smtClean="0"/>
+              <a:t>debido al gran esfuerzo</a:t>
+            </a:r>
+            <a:r>
+              <a:rPr lang="es-ES" baseline="0" dirty="0" smtClean="0"/>
+              <a:t> que han puesto en lograr maestría y artesanía en sus respectivos trabajos. Y muchos han revelado que la cantidad y calidad de la práctica que han realizado es un factor clave en el nivel de </a:t>
+            </a:r>
+            <a:r>
+              <a:rPr lang="es-ES" baseline="0" dirty="0" err="1" smtClean="0"/>
+              <a:t>expertise</a:t>
+            </a:r>
+            <a:r>
+              <a:rPr lang="es-ES" baseline="0" dirty="0" smtClean="0"/>
+              <a:t> que han logrado.</a:t>
+            </a:r>
+            <a:endParaRPr lang="es-ES" dirty="0" smtClean="0"/>
+          </a:p>
+          <a:p>
+            <a:endParaRPr lang="es-ES" dirty="0" smtClean="0"/>
+          </a:p>
+          <a:p>
+            <a:endParaRPr lang="es-ES" baseline="0" dirty="0" smtClean="0"/>
+          </a:p>
+          <a:p>
+            <a:r>
+              <a:rPr lang="es-ES" baseline="0" dirty="0" smtClean="0"/>
+              <a:t>No toda la práctica nos ayuda a mejorar (no mejoramos solo por hacer nuestro trabajo), necesitamos un tipo de práctica en particular, la practica </a:t>
+            </a:r>
+            <a:r>
+              <a:rPr lang="es-ES" baseline="0" dirty="0" err="1" smtClean="0"/>
+              <a:t>deliverada</a:t>
+            </a:r>
+            <a:r>
+              <a:rPr lang="es-ES" baseline="0" dirty="0" smtClean="0"/>
+              <a:t> (que es un momento de práctica enfocada, con un propósito en particular, para mejorar habilidades que no las hacemos muy bien)</a:t>
+            </a:r>
+          </a:p>
+          <a:p>
+            <a:endParaRPr lang="es-ES" baseline="0" dirty="0" smtClean="0"/>
+          </a:p>
           <a:p>
             <a:pPr marL="0" marR="0" indent="0" algn="l" defTabSz="914400" rtl="0" eaLnBrk="1" fontAlgn="auto" latinLnBrk="0" hangingPunct="1">
               <a:lnSpc>
@@ -798,79 +1381,49 @@
               <a:defRPr/>
             </a:pPr>
             <a:r>
-              <a:rPr lang="es-PE" dirty="0" smtClean="0"/>
-              <a:t>El objetivo no es resolver el problema, sino aprender y entrenar</a:t>
-            </a:r>
-            <a:r>
-              <a:rPr lang="es-PE" baseline="0" dirty="0" smtClean="0"/>
-              <a:t> nuestras habilidades y técnicas.</a:t>
-            </a:r>
-          </a:p>
-          <a:p>
-            <a:pPr marL="0" marR="0" indent="0" algn="l" defTabSz="914400" rtl="0" eaLnBrk="1" fontAlgn="auto" latinLnBrk="0" hangingPunct="1">
-              <a:lnSpc>
-                <a:spcPct val="100000"/>
-              </a:lnSpc>
-              <a:spcBef>
-                <a:spcPts val="0"/>
-              </a:spcBef>
-              <a:spcAft>
-                <a:spcPts val="0"/>
-              </a:spcAft>
-              <a:buClrTx/>
-              <a:buSzTx/>
-              <a:buFontTx/>
-              <a:buNone/>
-              <a:tabLst/>
-              <a:defRPr/>
-            </a:pPr>
-            <a:endParaRPr lang="es-PE" baseline="0" dirty="0" smtClean="0"/>
-          </a:p>
-          <a:p>
-            <a:pPr marL="0" marR="0" indent="0" algn="l" defTabSz="914400" rtl="0" eaLnBrk="1" fontAlgn="auto" latinLnBrk="0" hangingPunct="1">
-              <a:lnSpc>
-                <a:spcPct val="100000"/>
-              </a:lnSpc>
-              <a:spcBef>
-                <a:spcPts val="0"/>
-              </a:spcBef>
-              <a:spcAft>
-                <a:spcPts val="0"/>
-              </a:spcAft>
-              <a:buClrTx/>
-              <a:buSzTx/>
-              <a:buFontTx/>
-              <a:buNone/>
-              <a:tabLst/>
-              <a:defRPr/>
-            </a:pPr>
-            <a:r>
-              <a:rPr lang="en-US" dirty="0" smtClean="0"/>
-              <a:t>The rule is that you must repeat the exercise, and every</a:t>
-            </a:r>
-            <a:r>
-              <a:rPr lang="en-US" baseline="0" dirty="0" smtClean="0"/>
+              <a:rPr lang="es-ES" dirty="0" smtClean="0"/>
+              <a:t>En muchas otras profesiones en la música, los doctores, los</a:t>
+            </a:r>
+            <a:r>
+              <a:rPr lang="es-ES" baseline="0" dirty="0" smtClean="0"/>
+              <a:t> deportes, tienen momentos </a:t>
+            </a:r>
+            <a:r>
+              <a:rPr lang="es-ES" baseline="0" dirty="0" err="1" smtClean="0"/>
+              <a:t>deliverados</a:t>
+            </a:r>
+            <a:r>
+              <a:rPr lang="es-ES" baseline="0" dirty="0" smtClean="0"/>
+              <a:t> de práctica, no solo la practica del trabajo.</a:t>
+            </a:r>
+          </a:p>
+          <a:p>
+            <a:endParaRPr lang="es-ES" dirty="0" smtClean="0"/>
+          </a:p>
+          <a:p>
+            <a:r>
+              <a:rPr lang="es-ES" dirty="0" smtClean="0"/>
+              <a:t>Este es un momento de práctica</a:t>
+            </a:r>
+            <a:r>
+              <a:rPr lang="es-ES" baseline="0" dirty="0" smtClean="0"/>
               <a:t> </a:t>
             </a:r>
             <a:r>
-              <a:rPr lang="en-US" dirty="0" smtClean="0"/>
-              <a:t>time try to improve the way you solve the problem. Not just the code you end up with, but the</a:t>
-            </a:r>
-            <a:r>
-              <a:rPr lang="en-US" baseline="0" dirty="0" smtClean="0"/>
-              <a:t> </a:t>
-            </a:r>
-            <a:r>
-              <a:rPr lang="en-US" dirty="0" smtClean="0"/>
-              <a:t>process by which you get to it.</a:t>
-            </a:r>
-            <a:endParaRPr lang="es-PE" dirty="0" smtClean="0"/>
-          </a:p>
-        </p:txBody>
-      </p:sp>
-      <p:sp>
-        <p:nvSpPr>
-          <p:cNvPr id="4" name="3 Marcador de número de diapositiva"/>
+              <a:rPr lang="es-ES" baseline="0" dirty="0" err="1" smtClean="0"/>
+              <a:t>deliverada</a:t>
+            </a:r>
+            <a:r>
+              <a:rPr lang="es-ES" baseline="0" dirty="0" smtClean="0"/>
+              <a:t>.</a:t>
+            </a:r>
+            <a:endParaRPr lang="es-ES" dirty="0"/>
+          </a:p>
+        </p:txBody>
+      </p:sp>
+      <p:sp>
+        <p:nvSpPr>
+          <p:cNvPr id="4" name="Slide Number Placeholder 3"/>
           <p:cNvSpPr>
             <a:spLocks noGrp="1"/>
           </p:cNvSpPr>
@@ -885,7 +1438,7 @@
           <a:p>
             <a:fld id="{92D0504E-A398-466F-BEA7-CB196C14635F}" type="slidenum">
               <a:rPr lang="es-PE" smtClean="0"/>
-              <a:t>4</a:t>
+              <a:t>3</a:t>
             </a:fld>
             <a:endParaRPr lang="es-PE"/>
           </a:p>
@@ -894,7 +1447,7 @@
     </p:spTree>
     <p:extLst>
       <p:ext uri="{BB962C8B-B14F-4D97-AF65-F5344CB8AC3E}">
-        <p14:creationId xmlns:p14="http://schemas.microsoft.com/office/powerpoint/2010/main" val="1821829365"/>
+        <p14:creationId xmlns:p14="http://schemas.microsoft.com/office/powerpoint/2010/main" val="365388130"/>
       </p:ext>
     </p:extLst>
   </p:cSld>
@@ -948,7 +1501,123 @@
           <a:bodyPr/>
           <a:lstStyle/>
           <a:p>
-            <a:endParaRPr lang="es-PE" dirty="0"/>
+            <a:pPr marL="0" marR="0" indent="0" algn="l" defTabSz="914400" rtl="0" eaLnBrk="1" fontAlgn="auto" latinLnBrk="0" hangingPunct="1">
+              <a:lnSpc>
+                <a:spcPct val="100000"/>
+              </a:lnSpc>
+              <a:spcBef>
+                <a:spcPts val="0"/>
+              </a:spcBef>
+              <a:spcAft>
+                <a:spcPts val="0"/>
+              </a:spcAft>
+              <a:buClrTx/>
+              <a:buSzTx/>
+              <a:buFontTx/>
+              <a:buNone/>
+              <a:tabLst/>
+              <a:defRPr/>
+            </a:pPr>
+            <a:r>
+              <a:rPr lang="es-PE" dirty="0" smtClean="0"/>
+              <a:t>Un kata es la repetición de movimiento establecidos,</a:t>
+            </a:r>
+            <a:r>
+              <a:rPr lang="es-PE" baseline="0" dirty="0" smtClean="0"/>
+              <a:t> buscando la perfección en su ejecución y parte de nuestra memoria muscular.</a:t>
+            </a:r>
+            <a:endParaRPr lang="es-PE" dirty="0" smtClean="0"/>
+          </a:p>
+          <a:p>
+            <a:pPr marL="0" marR="0" indent="0" algn="l" defTabSz="914400" rtl="0" eaLnBrk="1" fontAlgn="auto" latinLnBrk="0" hangingPunct="1">
+              <a:lnSpc>
+                <a:spcPct val="100000"/>
+              </a:lnSpc>
+              <a:spcBef>
+                <a:spcPts val="0"/>
+              </a:spcBef>
+              <a:spcAft>
+                <a:spcPts val="0"/>
+              </a:spcAft>
+              <a:buClrTx/>
+              <a:buSzTx/>
+              <a:buFontTx/>
+              <a:buNone/>
+              <a:tabLst/>
+              <a:defRPr/>
+            </a:pPr>
+            <a:endParaRPr lang="es-PE" dirty="0" smtClean="0"/>
+          </a:p>
+          <a:p>
+            <a:pPr marL="0" marR="0" indent="0" algn="l" defTabSz="914400" rtl="0" eaLnBrk="1" fontAlgn="auto" latinLnBrk="0" hangingPunct="1">
+              <a:lnSpc>
+                <a:spcPct val="100000"/>
+              </a:lnSpc>
+              <a:spcBef>
+                <a:spcPts val="0"/>
+              </a:spcBef>
+              <a:spcAft>
+                <a:spcPts val="0"/>
+              </a:spcAft>
+              <a:buClrTx/>
+              <a:buSzTx/>
+              <a:buFontTx/>
+              <a:buNone/>
+              <a:tabLst/>
+              <a:defRPr/>
+            </a:pPr>
+            <a:r>
+              <a:rPr lang="es-PE" dirty="0" smtClean="0"/>
+              <a:t>Nos divertiremos y mejoraremos nuestra habilidades de codificación  resolviendo un problema de programación aplicando Pair Programming y TDD.</a:t>
+            </a:r>
+          </a:p>
+          <a:p>
+            <a:pPr marL="0" marR="0" indent="0" algn="l" defTabSz="914400" rtl="0" eaLnBrk="1" fontAlgn="auto" latinLnBrk="0" hangingPunct="1">
+              <a:lnSpc>
+                <a:spcPct val="100000"/>
+              </a:lnSpc>
+              <a:spcBef>
+                <a:spcPts val="0"/>
+              </a:spcBef>
+              <a:spcAft>
+                <a:spcPts val="0"/>
+              </a:spcAft>
+              <a:buClrTx/>
+              <a:buSzTx/>
+              <a:buFontTx/>
+              <a:buNone/>
+              <a:tabLst/>
+              <a:defRPr/>
+            </a:pPr>
+            <a:endParaRPr lang="es-PE" dirty="0" smtClean="0"/>
+          </a:p>
+          <a:p>
+            <a:pPr marL="0" marR="0" indent="0" algn="l" defTabSz="914400" rtl="0" eaLnBrk="1" fontAlgn="auto" latinLnBrk="0" hangingPunct="1">
+              <a:lnSpc>
+                <a:spcPct val="100000"/>
+              </a:lnSpc>
+              <a:spcBef>
+                <a:spcPts val="0"/>
+              </a:spcBef>
+              <a:spcAft>
+                <a:spcPts val="0"/>
+              </a:spcAft>
+              <a:buClrTx/>
+              <a:buSzTx/>
+              <a:buFontTx/>
+              <a:buNone/>
+              <a:tabLst/>
+              <a:defRPr/>
+            </a:pPr>
+            <a:r>
+              <a:rPr lang="es-PE" dirty="0" smtClean="0"/>
+              <a:t>El objetivo no es resolver el problema, sino aprender y entrenar</a:t>
+            </a:r>
+            <a:r>
+              <a:rPr lang="es-PE" baseline="0" dirty="0" smtClean="0"/>
+              <a:t> nuestras habilidades y técnicas.</a:t>
+            </a:r>
+            <a:endParaRPr lang="es-PE" dirty="0" smtClean="0"/>
           </a:p>
         </p:txBody>
       </p:sp>
@@ -969,7 +1638,7 @@
           <a:p>
             <a:fld id="{92D0504E-A398-466F-BEA7-CB196C14635F}" type="slidenum">
               <a:rPr lang="es-PE" smtClean="0"/>
-              <a:t>5</a:t>
+              <a:t>4</a:t>
             </a:fld>
             <a:endParaRPr lang="es-PE"/>
           </a:p>
@@ -978,7 +1647,7 @@
     </p:spTree>
     <p:extLst>
       <p:ext uri="{BB962C8B-B14F-4D97-AF65-F5344CB8AC3E}">
-        <p14:creationId xmlns:p14="http://schemas.microsoft.com/office/powerpoint/2010/main" val="506323178"/>
+        <p14:creationId xmlns:p14="http://schemas.microsoft.com/office/powerpoint/2010/main" val="1821829365"/>
       </p:ext>
     </p:extLst>
   </p:cSld>
@@ -1032,10 +1701,6 @@
           <a:bodyPr/>
           <a:lstStyle/>
           <a:p>
-            <a:r>
-              <a:rPr lang="es-PE" dirty="0" smtClean="0"/>
-              <a:t>Recordar que la pareja debe usar TDD</a:t>
-            </a:r>
             <a:endParaRPr lang="es-PE" dirty="0"/>
           </a:p>
         </p:txBody>
@@ -1057,7 +1722,7 @@
           <a:p>
             <a:fld id="{92D0504E-A398-466F-BEA7-CB196C14635F}" type="slidenum">
               <a:rPr lang="es-PE" smtClean="0"/>
-              <a:t>7</a:t>
+              <a:t>5</a:t>
             </a:fld>
             <a:endParaRPr lang="es-PE"/>
           </a:p>
@@ -1066,7 +1731,7 @@
     </p:spTree>
     <p:extLst>
       <p:ext uri="{BB962C8B-B14F-4D97-AF65-F5344CB8AC3E}">
-        <p14:creationId xmlns:p14="http://schemas.microsoft.com/office/powerpoint/2010/main" val="3117317914"/>
+        <p14:creationId xmlns:p14="http://schemas.microsoft.com/office/powerpoint/2010/main" val="506323178"/>
       </p:ext>
     </p:extLst>
   </p:cSld>
@@ -1095,7 +1760,7 @@
       </p:grpSpPr>
       <p:sp>
         <p:nvSpPr>
-          <p:cNvPr id="2" name="1 Marcador de imagen de diapositiva"/>
+          <p:cNvPr id="2" name="Slide Image Placeholder 1"/>
           <p:cNvSpPr>
             <a:spLocks noGrp="1" noRot="1" noChangeAspect="1"/>
           </p:cNvSpPr>
@@ -1107,7 +1772,7 @@
       </p:sp>
       <p:sp>
         <p:nvSpPr>
-          <p:cNvPr id="3" name="2 Marcador de notas"/>
+          <p:cNvPr id="3" name="Notes Placeholder 2"/>
           <p:cNvSpPr>
             <a:spLocks noGrp="1"/>
           </p:cNvSpPr>
@@ -1120,17 +1785,13 @@
           <a:bodyPr/>
           <a:lstStyle/>
           <a:p>
-            <a:r>
-              <a:rPr lang="es-PE" dirty="0" smtClean="0"/>
-              <a:t>Recordar que la pareja debe usar TDD</a:t>
-            </a:r>
-            <a:endParaRPr lang="es-PE" dirty="0"/>
-          </a:p>
-        </p:txBody>
-      </p:sp>
-      <p:sp>
-        <p:nvSpPr>
-          <p:cNvPr id="4" name="3 Marcador de número de diapositiva"/>
+            <a:endParaRPr lang="es-ES" dirty="0"/>
+          </a:p>
+        </p:txBody>
+      </p:sp>
+      <p:sp>
+        <p:nvSpPr>
+          <p:cNvPr id="4" name="Slide Number Placeholder 3"/>
           <p:cNvSpPr>
             <a:spLocks noGrp="1"/>
           </p:cNvSpPr>
@@ -1145,7 +1806,7 @@
           <a:p>
             <a:fld id="{92D0504E-A398-466F-BEA7-CB196C14635F}" type="slidenum">
               <a:rPr lang="es-PE" smtClean="0"/>
-              <a:t>8</a:t>
+              <a:t>6</a:t>
             </a:fld>
             <a:endParaRPr lang="es-PE"/>
           </a:p>
@@ -1154,7 +1815,7 @@
     </p:spTree>
     <p:extLst>
       <p:ext uri="{BB962C8B-B14F-4D97-AF65-F5344CB8AC3E}">
-        <p14:creationId xmlns:p14="http://schemas.microsoft.com/office/powerpoint/2010/main" val="3117317914"/>
+        <p14:creationId xmlns:p14="http://schemas.microsoft.com/office/powerpoint/2010/main" val="3712105502"/>
       </p:ext>
     </p:extLst>
   </p:cSld>
@@ -1209,192 +1870,10 @@
           <a:lstStyle/>
           <a:p>
             <a:r>
-              <a:rPr lang="en-US" dirty="0" smtClean="0"/>
-              <a:t>For example you could</a:t>
-            </a:r>
-          </a:p>
-          <a:p>
-            <a:r>
-              <a:rPr lang="en-US" dirty="0" smtClean="0"/>
-              <a:t>ask each person to first write down something they learnt, something that surprised them and</a:t>
-            </a:r>
-          </a:p>
-          <a:p>
-            <a:r>
-              <a:rPr lang="en-US" dirty="0" smtClean="0"/>
-              <a:t>something they still don’t understand, then go around each person asking them to share. </a:t>
-            </a:r>
-          </a:p>
-          <a:p>
-            <a:endParaRPr lang="en-US" dirty="0" smtClean="0"/>
-          </a:p>
-          <a:p>
-            <a:pPr marL="171450" indent="-171450">
-              <a:buFontTx/>
-              <a:buChar char="-"/>
-            </a:pPr>
-            <a:r>
-              <a:rPr lang="en-US" dirty="0" smtClean="0"/>
-              <a:t>What surprised you</a:t>
-            </a:r>
-          </a:p>
-          <a:p>
-            <a:pPr marL="171450" indent="-171450">
-              <a:buFontTx/>
-              <a:buChar char="-"/>
-            </a:pPr>
-            <a:r>
-              <a:rPr lang="en-US" dirty="0" smtClean="0"/>
-              <a:t>What</a:t>
-            </a:r>
-            <a:r>
-              <a:rPr lang="en-US" baseline="0" dirty="0" smtClean="0"/>
-              <a:t> did you learn</a:t>
-            </a:r>
-          </a:p>
-          <a:p>
-            <a:pPr marL="171450" indent="-171450">
-              <a:buFontTx/>
-              <a:buChar char="-"/>
-            </a:pPr>
-            <a:r>
-              <a:rPr lang="en-US" baseline="0" dirty="0" smtClean="0"/>
-              <a:t>What do you want to achieve.</a:t>
-            </a:r>
-          </a:p>
-          <a:p>
-            <a:pPr marL="171450" indent="-171450">
-              <a:buFontTx/>
-              <a:buChar char="-"/>
-            </a:pPr>
-            <a:endParaRPr lang="en-US" baseline="0" dirty="0" smtClean="0"/>
-          </a:p>
-          <a:p>
-            <a:pPr marL="0" indent="0">
-              <a:buFontTx/>
-              <a:buNone/>
-            </a:pPr>
-            <a:r>
-              <a:rPr lang="en-US" baseline="0" dirty="0" smtClean="0"/>
-              <a:t>• “What have we learned?”: Reﬂecting and discussing</a:t>
-            </a:r>
-          </a:p>
-          <a:p>
-            <a:pPr marL="0" indent="0">
-              <a:buFontTx/>
-              <a:buNone/>
-            </a:pPr>
-            <a:r>
-              <a:rPr lang="en-US" baseline="0" dirty="0" smtClean="0"/>
-              <a:t>what was learned is an effective way to make learning</a:t>
-            </a:r>
-          </a:p>
-          <a:p>
-            <a:pPr marL="0" indent="0">
-              <a:buFontTx/>
-              <a:buNone/>
-            </a:pPr>
-            <a:r>
-              <a:rPr lang="en-US" baseline="0" dirty="0" smtClean="0"/>
-              <a:t>an active process and to verify that the session met its</a:t>
-            </a:r>
-          </a:p>
-          <a:p>
-            <a:pPr marL="0" indent="0">
-              <a:buFontTx/>
-              <a:buNone/>
-            </a:pPr>
-            <a:r>
-              <a:rPr lang="en-US" baseline="0" dirty="0" smtClean="0"/>
-              <a:t>goals.</a:t>
-            </a:r>
-          </a:p>
-          <a:p>
-            <a:pPr marL="0" indent="0">
-              <a:buFontTx/>
-              <a:buNone/>
-            </a:pPr>
-            <a:r>
-              <a:rPr lang="en-US" baseline="0" dirty="0" smtClean="0"/>
-              <a:t>• “What has hindered learning?”: The negative aspects of a meeting are discussed, and the main impediments are identiﬁed. The group performs a root</a:t>
-            </a:r>
-          </a:p>
-          <a:p>
-            <a:pPr marL="0" indent="0">
-              <a:buFontTx/>
-              <a:buNone/>
-            </a:pPr>
-            <a:r>
-              <a:rPr lang="en-US" baseline="0" dirty="0" smtClean="0"/>
-              <a:t>cause analysis and discusses how these impediments</a:t>
-            </a:r>
-          </a:p>
-          <a:p>
-            <a:pPr marL="0" indent="0">
-              <a:buFontTx/>
-              <a:buNone/>
-            </a:pPr>
-            <a:r>
-              <a:rPr lang="en-US" baseline="0" dirty="0" smtClean="0"/>
-              <a:t>could be eliminated, coming up with a series of action</a:t>
-            </a:r>
-          </a:p>
-          <a:p>
-            <a:pPr marL="0" indent="0">
-              <a:buFontTx/>
-              <a:buNone/>
-            </a:pPr>
-            <a:r>
-              <a:rPr lang="en-US" baseline="0" dirty="0" smtClean="0"/>
-              <a:t>items. People take responsibility to handle each action</a:t>
-            </a:r>
-          </a:p>
-          <a:p>
-            <a:pPr marL="0" indent="0">
-              <a:buFontTx/>
-              <a:buNone/>
-            </a:pPr>
-            <a:r>
-              <a:rPr lang="en-US" baseline="0" dirty="0" smtClean="0"/>
-              <a:t>item for the next meeting, the results are recorded for</a:t>
-            </a:r>
-          </a:p>
-          <a:p>
-            <a:pPr marL="0" indent="0">
-              <a:buFontTx/>
-              <a:buNone/>
-            </a:pPr>
-            <a:r>
-              <a:rPr lang="en-US" baseline="0" dirty="0" smtClean="0"/>
-              <a:t>future reﬂection, and the effects of the change are reevaluated in the next retrospective.</a:t>
-            </a:r>
-          </a:p>
-          <a:p>
-            <a:pPr marL="0" indent="0">
-              <a:buFontTx/>
-              <a:buNone/>
-            </a:pPr>
-            <a:endParaRPr lang="en-US" baseline="0" dirty="0" smtClean="0"/>
-          </a:p>
-          <a:p>
-            <a:pPr marL="0" indent="0">
-              <a:buFontTx/>
-              <a:buNone/>
-            </a:pPr>
-            <a:r>
-              <a:rPr lang="en-US" baseline="0" dirty="0" smtClean="0"/>
-              <a:t>“What went well?”</a:t>
-            </a:r>
-          </a:p>
-          <a:p>
-            <a:pPr marL="0" indent="0">
-              <a:buFontTx/>
-              <a:buNone/>
-            </a:pPr>
-            <a:r>
-              <a:rPr lang="en-US" baseline="0" dirty="0" smtClean="0"/>
-              <a:t>and “What could be improved?”</a:t>
-            </a:r>
+              <a:rPr lang="es-PE" dirty="0" smtClean="0"/>
+              <a:t>Recordar que la pareja debe usar TDD</a:t>
+            </a:r>
+            <a:endParaRPr lang="es-PE" dirty="0"/>
           </a:p>
         </p:txBody>
       </p:sp>
@@ -1415,7 +1894,7 @@
           <a:p>
             <a:fld id="{92D0504E-A398-466F-BEA7-CB196C14635F}" type="slidenum">
               <a:rPr lang="es-PE" smtClean="0"/>
-              <a:t>9</a:t>
+              <a:t>7</a:t>
             </a:fld>
             <a:endParaRPr lang="es-PE"/>
           </a:p>
@@ -1478,24 +1957,11 @@
           <a:bodyPr/>
           <a:lstStyle/>
           <a:p>
-            <a:pPr marL="0" marR="0" indent="0" algn="l" defTabSz="914400" rtl="0" eaLnBrk="1" fontAlgn="auto" latinLnBrk="0" hangingPunct="1">
-              <a:lnSpc>
-                <a:spcPct val="100000"/>
-              </a:lnSpc>
-              <a:spcBef>
-                <a:spcPts val="0"/>
-              </a:spcBef>
-              <a:spcAft>
-                <a:spcPts val="0"/>
-              </a:spcAft>
-              <a:buClrTx/>
-              <a:buSzTx/>
-              <a:buFontTx/>
-              <a:buNone/>
-              <a:tabLst/>
-              <a:defRPr/>
-            </a:pPr>
-            <a:endParaRPr lang="es-PE" dirty="0" smtClean="0"/>
+            <a:r>
+              <a:rPr lang="es-PE" dirty="0" smtClean="0"/>
+              <a:t>Recordar que la pareja debe usar TDD</a:t>
+            </a:r>
+            <a:endParaRPr lang="es-PE" dirty="0"/>
           </a:p>
         </p:txBody>
       </p:sp>
@@ -1516,7 +1982,7 @@
           <a:p>
             <a:fld id="{92D0504E-A398-466F-BEA7-CB196C14635F}" type="slidenum">
               <a:rPr lang="es-PE" smtClean="0"/>
-              <a:t>10</a:t>
+              <a:t>8</a:t>
             </a:fld>
             <a:endParaRPr lang="es-PE"/>
           </a:p>
@@ -1525,7 +1991,7 @@
     </p:spTree>
     <p:extLst>
       <p:ext uri="{BB962C8B-B14F-4D97-AF65-F5344CB8AC3E}">
-        <p14:creationId xmlns:p14="http://schemas.microsoft.com/office/powerpoint/2010/main" val="1821829365"/>
+        <p14:creationId xmlns:p14="http://schemas.microsoft.com/office/powerpoint/2010/main" val="3117317914"/>
       </p:ext>
     </p:extLst>
   </p:cSld>
@@ -1579,7 +2045,24 @@
           <a:bodyPr/>
           <a:lstStyle/>
           <a:p>
-            <a:endParaRPr lang="es-PE" dirty="0"/>
+            <a:pPr marL="0" marR="0" indent="0" algn="l" defTabSz="914400" rtl="0" eaLnBrk="1" fontAlgn="auto" latinLnBrk="0" hangingPunct="1">
+              <a:lnSpc>
+                <a:spcPct val="100000"/>
+              </a:lnSpc>
+              <a:spcBef>
+                <a:spcPts val="0"/>
+              </a:spcBef>
+              <a:spcAft>
+                <a:spcPts val="0"/>
+              </a:spcAft>
+              <a:buClrTx/>
+              <a:buSzTx/>
+              <a:buFontTx/>
+              <a:buNone/>
+              <a:tabLst/>
+              <a:defRPr/>
+            </a:pPr>
+            <a:endParaRPr lang="es-PE" dirty="0" smtClean="0"/>
           </a:p>
         </p:txBody>
       </p:sp>
@@ -1600,7 +2083,7 @@
           <a:p>
             <a:fld id="{92D0504E-A398-466F-BEA7-CB196C14635F}" type="slidenum">
               <a:rPr lang="es-PE" smtClean="0"/>
-              <a:t>11</a:t>
+              <a:t>9</a:t>
             </a:fld>
             <a:endParaRPr lang="es-PE"/>
           </a:p>
@@ -1609,7 +2092,7 @@
     </p:spTree>
     <p:extLst>
       <p:ext uri="{BB962C8B-B14F-4D97-AF65-F5344CB8AC3E}">
-        <p14:creationId xmlns:p14="http://schemas.microsoft.com/office/powerpoint/2010/main" val="3117317914"/>
+        <p14:creationId xmlns:p14="http://schemas.microsoft.com/office/powerpoint/2010/main" val="1821829365"/>
       </p:ext>
     </p:extLst>
   </p:cSld>
@@ -1804,7 +2287,7 @@
           <a:p>
             <a:fld id="{FCE2F2F3-FB49-4DEF-A20F-C298C96728F0}" type="datetimeFigureOut">
               <a:rPr lang="es-PE" smtClean="0"/>
-              <a:t>07/03/2013</a:t>
+              <a:t>8/13/17</a:t>
             </a:fld>
             <a:endParaRPr lang="es-PE"/>
           </a:p>
@@ -1854,7 +2337,7 @@
           <a:p>
             <a:fld id="{C9950930-8421-4D73-BA25-AB5E8A31A2D2}" type="slidenum">
               <a:rPr lang="es-PE" smtClean="0"/>
-              <a:t>‹Nº›</a:t>
+              <a:t>‹#›</a:t>
             </a:fld>
             <a:endParaRPr lang="es-PE"/>
           </a:p>
@@ -1981,7 +2464,7 @@
           <a:p>
             <a:fld id="{FCE2F2F3-FB49-4DEF-A20F-C298C96728F0}" type="datetimeFigureOut">
               <a:rPr lang="es-PE" smtClean="0"/>
-              <a:t>07/03/2013</a:t>
+              <a:t>8/13/17</a:t>
             </a:fld>
             <a:endParaRPr lang="es-PE"/>
           </a:p>
@@ -2031,7 +2514,7 @@
           <a:p>
             <a:fld id="{C9950930-8421-4D73-BA25-AB5E8A31A2D2}" type="slidenum">
               <a:rPr lang="es-PE" smtClean="0"/>
-              <a:t>‹Nº›</a:t>
+              <a:t>‹#›</a:t>
             </a:fld>
             <a:endParaRPr lang="es-PE"/>
           </a:p>
@@ -2168,7 +2651,7 @@
           <a:p>
             <a:fld id="{FCE2F2F3-FB49-4DEF-A20F-C298C96728F0}" type="datetimeFigureOut">
               <a:rPr lang="es-PE" smtClean="0"/>
-              <a:t>07/03/2013</a:t>
+              <a:t>8/13/17</a:t>
             </a:fld>
             <a:endParaRPr lang="es-PE"/>
           </a:p>
@@ -2218,7 +2701,7 @@
           <a:p>
             <a:fld id="{C9950930-8421-4D73-BA25-AB5E8A31A2D2}" type="slidenum">
               <a:rPr lang="es-PE" smtClean="0"/>
-              <a:t>‹Nº›</a:t>
+              <a:t>‹#›</a:t>
             </a:fld>
             <a:endParaRPr lang="es-PE"/>
           </a:p>
@@ -2345,7 +2828,7 @@
           <a:p>
             <a:fld id="{FCE2F2F3-FB49-4DEF-A20F-C298C96728F0}" type="datetimeFigureOut">
               <a:rPr lang="es-PE" smtClean="0"/>
-              <a:t>07/03/2013</a:t>
+              <a:t>8/13/17</a:t>
             </a:fld>
             <a:endParaRPr lang="es-PE"/>
           </a:p>
@@ -2395,7 +2878,7 @@
           <a:p>
             <a:fld id="{C9950930-8421-4D73-BA25-AB5E8A31A2D2}" type="slidenum">
               <a:rPr lang="es-PE" smtClean="0"/>
-              <a:t>‹Nº›</a:t>
+              <a:t>‹#›</a:t>
             </a:fld>
             <a:endParaRPr lang="es-PE"/>
           </a:p>
@@ -2598,7 +3081,7 @@
           <a:p>
             <a:fld id="{FCE2F2F3-FB49-4DEF-A20F-C298C96728F0}" type="datetimeFigureOut">
               <a:rPr lang="es-PE" smtClean="0"/>
-              <a:t>07/03/2013</a:t>
+              <a:t>8/13/17</a:t>
             </a:fld>
             <a:endParaRPr lang="es-PE"/>
           </a:p>
@@ -2648,7 +3131,7 @@
           <a:p>
             <a:fld id="{C9950930-8421-4D73-BA25-AB5E8A31A2D2}" type="slidenum">
               <a:rPr lang="es-PE" smtClean="0"/>
-              <a:t>‹Nº›</a:t>
+              <a:t>‹#›</a:t>
             </a:fld>
             <a:endParaRPr lang="es-PE"/>
           </a:p>
@@ -2893,7 +3376,7 @@
           <a:p>
             <a:fld id="{FCE2F2F3-FB49-4DEF-A20F-C298C96728F0}" type="datetimeFigureOut">
               <a:rPr lang="es-PE" smtClean="0"/>
-              <a:t>07/03/2013</a:t>
+              <a:t>8/13/17</a:t>
             </a:fld>
             <a:endParaRPr lang="es-PE"/>
           </a:p>
@@ -2943,7 +3426,7 @@
           <a:p>
             <a:fld id="{C9950930-8421-4D73-BA25-AB5E8A31A2D2}" type="slidenum">
               <a:rPr lang="es-PE" smtClean="0"/>
-              <a:t>‹Nº›</a:t>
+              <a:t>‹#›</a:t>
             </a:fld>
             <a:endParaRPr lang="es-PE"/>
           </a:p>
@@ -3322,7 +3805,7 @@
           <a:p>
             <a:fld id="{FCE2F2F3-FB49-4DEF-A20F-C298C96728F0}" type="datetimeFigureOut">
               <a:rPr lang="es-PE" smtClean="0"/>
-              <a:t>07/03/2013</a:t>
+              <a:t>8/13/17</a:t>
             </a:fld>
             <a:endParaRPr lang="es-PE"/>
           </a:p>
@@ -3372,7 +3855,7 @@
           <a:p>
             <a:fld id="{C9950930-8421-4D73-BA25-AB5E8A31A2D2}" type="slidenum">
               <a:rPr lang="es-PE" smtClean="0"/>
-              <a:t>‹Nº›</a:t>
+              <a:t>‹#›</a:t>
             </a:fld>
             <a:endParaRPr lang="es-PE"/>
           </a:p>
@@ -3447,7 +3930,7 @@
           <a:p>
             <a:fld id="{FCE2F2F3-FB49-4DEF-A20F-C298C96728F0}" type="datetimeFigureOut">
               <a:rPr lang="es-PE" smtClean="0"/>
-              <a:t>07/03/2013</a:t>
+              <a:t>8/13/17</a:t>
             </a:fld>
             <a:endParaRPr lang="es-PE"/>
           </a:p>
@@ -3497,7 +3980,7 @@
           <a:p>
             <a:fld id="{C9950930-8421-4D73-BA25-AB5E8A31A2D2}" type="slidenum">
               <a:rPr lang="es-PE" smtClean="0"/>
-              <a:t>‹Nº›</a:t>
+              <a:t>‹#›</a:t>
             </a:fld>
             <a:endParaRPr lang="es-PE"/>
           </a:p>
@@ -3549,7 +4032,7 @@
           <a:p>
             <a:fld id="{FCE2F2F3-FB49-4DEF-A20F-C298C96728F0}" type="datetimeFigureOut">
               <a:rPr lang="es-PE" smtClean="0"/>
-              <a:t>07/03/2013</a:t>
+              <a:t>8/13/17</a:t>
             </a:fld>
             <a:endParaRPr lang="es-PE"/>
           </a:p>
@@ -3599,7 +4082,7 @@
           <a:p>
             <a:fld id="{C9950930-8421-4D73-BA25-AB5E8A31A2D2}" type="slidenum">
               <a:rPr lang="es-PE" smtClean="0"/>
-              <a:t>‹Nº›</a:t>
+              <a:t>‹#›</a:t>
             </a:fld>
             <a:endParaRPr lang="es-PE"/>
           </a:p>
@@ -3833,7 +4316,7 @@
           <a:p>
             <a:fld id="{FCE2F2F3-FB49-4DEF-A20F-C298C96728F0}" type="datetimeFigureOut">
               <a:rPr lang="es-PE" smtClean="0"/>
-              <a:t>07/03/2013</a:t>
+              <a:t>8/13/17</a:t>
             </a:fld>
             <a:endParaRPr lang="es-PE"/>
           </a:p>
@@ -3883,7 +4366,7 @@
           <a:p>
             <a:fld id="{C9950930-8421-4D73-BA25-AB5E8A31A2D2}" type="slidenum">
               <a:rPr lang="es-PE" smtClean="0"/>
-              <a:t>‹Nº›</a:t>
+              <a:t>‹#›</a:t>
             </a:fld>
             <a:endParaRPr lang="es-PE"/>
           </a:p>
@@ -4100,7 +4583,7 @@
           <a:p>
             <a:fld id="{FCE2F2F3-FB49-4DEF-A20F-C298C96728F0}" type="datetimeFigureOut">
               <a:rPr lang="es-PE" smtClean="0"/>
-              <a:t>07/03/2013</a:t>
+              <a:t>8/13/17</a:t>
             </a:fld>
             <a:endParaRPr lang="es-PE"/>
           </a:p>
@@ -4150,7 +4633,7 @@
           <a:p>
             <a:fld id="{C9950930-8421-4D73-BA25-AB5E8A31A2D2}" type="slidenum">
               <a:rPr lang="es-PE" smtClean="0"/>
-              <a:t>‹Nº›</a:t>
+              <a:t>‹#›</a:t>
             </a:fld>
             <a:endParaRPr lang="es-PE"/>
           </a:p>
@@ -4168,14 +4651,9 @@
 <p:sldMaster xmlns:a="http://schemas.openxmlformats.org/drawingml/2006/main" xmlns:r="http://schemas.openxmlformats.org/officeDocument/2006/relationships" xmlns:p="http://schemas.openxmlformats.org/presentationml/2006/main">
   <p:cSld>
     <p:bg>
-      <p:bgPr>
-        <a:solidFill>
-          <a:schemeClr val="tx1">
-            <a:lumMod val="95000"/>
-          </a:schemeClr>
-        </a:solidFill>
-        <a:effectLst/>
-      </p:bgPr>
+      <p:bgRef idx="1001">
+        <a:schemeClr val="bg1"/>
+      </p:bgRef>
     </p:bg>
     <p:spTree>
       <p:nvGrpSpPr>
@@ -4227,7 +4705,7 @@
           <a:p>
             <a:pPr lvl="0"/>
             <a:r>
-              <a:rPr lang="es-ES" smtClean="0"/>
+              <a:rPr lang="es-ES" dirty="0" smtClean="0"/>
               <a:t>Haga clic para modificar el estilo de título del patrón</a:t>
             </a:r>
           </a:p>
@@ -4345,7 +4823,7 @@
           <a:p>
             <a:fld id="{FCE2F2F3-FB49-4DEF-A20F-C298C96728F0}" type="datetimeFigureOut">
               <a:rPr lang="es-PE" smtClean="0"/>
-              <a:t>07/03/2013</a:t>
+              <a:t>8/13/17</a:t>
             </a:fld>
             <a:endParaRPr lang="es-PE"/>
           </a:p>
@@ -4437,7 +4915,7 @@
           <a:p>
             <a:fld id="{C9950930-8421-4D73-BA25-AB5E8A31A2D2}" type="slidenum">
               <a:rPr lang="es-PE" smtClean="0"/>
-              <a:t>‹Nº›</a:t>
+              <a:t>‹#›</a:t>
             </a:fld>
             <a:endParaRPr lang="es-PE"/>
           </a:p>
@@ -4445,7 +4923,7 @@
       </p:sp>
     </p:spTree>
   </p:cSld>
-  <p:clrMap bg1="dk1" tx1="lt1" bg2="dk2" tx2="lt2" accent1="accent1" accent2="accent2" accent3="accent3" accent4="accent4" accent5="accent5" accent6="accent6" hlink="hlink" folHlink="folHlink"/>
+  <p:clrMap bg1="lt1" tx1="dk1" bg2="lt2" tx2="dk2" accent1="accent1" accent2="accent2" accent3="accent3" accent4="accent4" accent5="accent5" accent6="accent6" hlink="hlink" folHlink="folHlink"/>
   <p:sldLayoutIdLst>
     <p:sldLayoutId id="2147483661" r:id="rId1"/>
     <p:sldLayoutId id="2147483662" r:id="rId2"/>
@@ -4470,11 +4948,11 @@
         </a:spcAft>
         <a:defRPr sz="4400" kern="1200">
           <a:solidFill>
-            <a:schemeClr val="tx1"/>
+            <a:srgbClr val="275EA1"/>
           </a:solidFill>
-          <a:latin typeface="+mj-lt"/>
+          <a:latin typeface="Dosis"/>
           <a:ea typeface="+mj-ea"/>
-          <a:cs typeface="+mj-cs"/>
+          <a:cs typeface="Dosis"/>
         </a:defRPr>
       </a:lvl1pPr>
       <a:lvl2pPr algn="ctr" rtl="0" eaLnBrk="1" fontAlgn="base" hangingPunct="1">
@@ -4604,9 +5082,9 @@
           <a:solidFill>
             <a:schemeClr val="tx1"/>
           </a:solidFill>
-          <a:latin typeface="+mn-lt"/>
+          <a:latin typeface="Dosis"/>
           <a:ea typeface="+mn-ea"/>
-          <a:cs typeface="+mn-cs"/>
+          <a:cs typeface="Dosis"/>
         </a:defRPr>
       </a:lvl1pPr>
       <a:lvl2pPr marL="742950" indent="-285750" algn="l" rtl="0" eaLnBrk="1" fontAlgn="base" hangingPunct="1">
@@ -4622,9 +5100,9 @@
           <a:solidFill>
             <a:schemeClr val="tx1"/>
           </a:solidFill>
-          <a:latin typeface="+mn-lt"/>
+          <a:latin typeface="Dosis"/>
           <a:ea typeface="+mn-ea"/>
-          <a:cs typeface="+mn-cs"/>
+          <a:cs typeface="Dosis"/>
         </a:defRPr>
       </a:lvl2pPr>
       <a:lvl3pPr marL="1143000" indent="-228600" algn="l" rtl="0" eaLnBrk="1" fontAlgn="base" hangingPunct="1">
@@ -4640,9 +5118,9 @@
           <a:solidFill>
             <a:schemeClr val="tx1"/>
           </a:solidFill>
-          <a:latin typeface="+mn-lt"/>
+          <a:latin typeface="Dosis"/>
           <a:ea typeface="+mn-ea"/>
-          <a:cs typeface="+mn-cs"/>
+          <a:cs typeface="Dosis"/>
         </a:defRPr>
       </a:lvl3pPr>
       <a:lvl4pPr marL="1600200" indent="-228600" algn="l" rtl="0" eaLnBrk="1" fontAlgn="base" hangingPunct="1">
@@ -4658,9 +5136,9 @@
           <a:solidFill>
             <a:schemeClr val="tx1"/>
           </a:solidFill>
-          <a:latin typeface="+mn-lt"/>
+          <a:latin typeface="Dosis"/>
           <a:ea typeface="+mn-ea"/>
-          <a:cs typeface="+mn-cs"/>
+          <a:cs typeface="Dosis"/>
         </a:defRPr>
       </a:lvl4pPr>
       <a:lvl5pPr marL="2057400" indent="-228600" algn="l" rtl="0" eaLnBrk="1" fontAlgn="base" hangingPunct="1">
@@ -4676,9 +5154,9 @@
           <a:solidFill>
             <a:schemeClr val="tx1"/>
           </a:solidFill>
-          <a:latin typeface="+mn-lt"/>
+          <a:latin typeface="Dosis"/>
           <a:ea typeface="+mn-ea"/>
-          <a:cs typeface="+mn-cs"/>
+          <a:cs typeface="Dosis"/>
         </a:defRPr>
       </a:lvl5pPr>
       <a:lvl6pPr marL="2514600" indent="-228600" algn="l" defTabSz="914400" rtl="0" eaLnBrk="1" latinLnBrk="0" hangingPunct="1">
@@ -4870,7 +5348,7 @@
         </p:nvSpPr>
         <p:spPr>
           <a:xfrm>
-            <a:off x="179512" y="1095127"/>
+            <a:off x="196221" y="764704"/>
             <a:ext cx="8784976" cy="1584176"/>
           </a:xfrm>
         </p:spPr>
@@ -4879,7 +5357,7 @@
           <a:lstStyle/>
           <a:p>
             <a:r>
-              <a:rPr lang="es-PE" sz="11500" b="1" spc="600" dirty="0" err="1" smtClean="0">
+              <a:rPr lang="es-PE" sz="13800" spc="600" dirty="0" smtClean="0">
                 <a:solidFill>
                   <a:srgbClr val="275EA1"/>
                 </a:solidFill>
@@ -4887,7 +5365,7 @@
               </a:rPr>
               <a:t>Coding</a:t>
             </a:r>
-            <a:endParaRPr lang="es-ES" sz="11500" b="1" spc="600" dirty="0">
+            <a:endParaRPr lang="es-ES" sz="13800" spc="600" dirty="0">
               <a:solidFill>
                 <a:srgbClr val="275EA1"/>
               </a:solidFill>
@@ -4951,8 +5429,8 @@
         </p:nvSpPr>
         <p:spPr>
           <a:xfrm>
-            <a:off x="4059680" y="3903439"/>
-            <a:ext cx="1024640" cy="461665"/>
+            <a:off x="4014720" y="3789040"/>
+            <a:ext cx="1114561" cy="584776"/>
           </a:xfrm>
           <a:prstGeom prst="rect">
             <a:avLst/>
@@ -4981,18 +5459,30 @@
           </a:lstStyle>
           <a:p>
             <a:r>
-              <a:rPr lang="es-PE" dirty="0" smtClean="0"/>
+              <a:rPr lang="es-PE" sz="3200" dirty="0" smtClean="0">
+                <a:latin typeface="Dosis"/>
+                <a:cs typeface="Dosis"/>
+              </a:rPr>
               <a:t>(</a:t>
             </a:r>
             <a:r>
-              <a:rPr lang="es-PE" dirty="0" err="1" smtClean="0"/>
+              <a:rPr lang="es-PE" sz="3200" dirty="0" err="1" smtClean="0">
+                <a:latin typeface="Dosis"/>
+                <a:cs typeface="Dosis"/>
+              </a:rPr>
               <a:t>Dojo</a:t>
             </a:r>
             <a:r>
-              <a:rPr lang="es-PE" dirty="0" smtClean="0"/>
+              <a:rPr lang="es-PE" sz="3200" dirty="0" smtClean="0">
+                <a:latin typeface="Dosis"/>
+                <a:cs typeface="Dosis"/>
+              </a:rPr>
               <a:t>)</a:t>
             </a:r>
-            <a:endParaRPr lang="es-PE" dirty="0"/>
+            <a:endParaRPr lang="es-PE" sz="3200" dirty="0">
+              <a:latin typeface="Dosis"/>
+              <a:cs typeface="Dosis"/>
+            </a:endParaRPr>
           </a:p>
         </p:txBody>
       </p:sp>
@@ -5006,8 +5496,8 @@
         </p:nvSpPr>
         <p:spPr bwMode="auto">
           <a:xfrm>
-            <a:off x="330061" y="4725144"/>
-            <a:ext cx="3795712" cy="1730148"/>
+            <a:off x="1547664" y="4797152"/>
+            <a:ext cx="3795712" cy="1512168"/>
           </a:xfrm>
           <a:prstGeom prst="rect">
             <a:avLst/>
@@ -5017,14 +5507,14 @@
             <a:noFill/>
           </a:ln>
           <a:extLst>
-            <a:ext uri="{909E8E84-426E-40DD-AFC4-6F175D3DCCD1}">
+            <a:ext uri="{909E8E84-426E-40dd-AFC4-6F175D3DCCD1}">
               <a14:hiddenFill xmlns:a14="http://schemas.microsoft.com/office/drawing/2010/main">
                 <a:solidFill>
                   <a:srgbClr val="FFFFFF"/>
                 </a:solidFill>
               </a14:hiddenFill>
             </a:ext>
-            <a:ext uri="{91240B29-F687-4F45-9708-019B960494DF}">
+            <a:ext uri="{91240B29-F687-4f45-9708-019B960494DF}">
               <a14:hiddenLine xmlns:a14="http://schemas.microsoft.com/office/drawing/2010/main" w="9525">
                 <a:solidFill>
                   <a:srgbClr val="000000"/>
@@ -5360,61 +5850,51 @@
               <a:buSzPct val="60000"/>
             </a:pPr>
             <a:r>
-              <a:rPr lang="es-PE" sz="2800" b="1" i="1" dirty="0" smtClean="0">
-                <a:solidFill>
-                  <a:schemeClr val="bg2">
-                    <a:lumMod val="60000"/>
-                    <a:lumOff val="40000"/>
-                  </a:schemeClr>
-                </a:solidFill>
-                <a:latin typeface="Calibri" pitchFamily="34" charset="0"/>
+              <a:rPr lang="es-PE" sz="3200" b="1" i="1" dirty="0" smtClean="0">
+                <a:solidFill>
+                  <a:srgbClr val="000000"/>
+                </a:solidFill>
+                <a:latin typeface="Dosis"/>
+                <a:cs typeface="Dosis"/>
               </a:rPr>
               <a:t>Angel N</a:t>
             </a:r>
             <a:r>
-              <a:rPr lang="en-US" sz="2800" b="1" i="1" dirty="0" smtClean="0">
-                <a:solidFill>
-                  <a:schemeClr val="bg2">
-                    <a:lumMod val="60000"/>
-                    <a:lumOff val="40000"/>
-                  </a:schemeClr>
-                </a:solidFill>
-                <a:latin typeface="Calibri" pitchFamily="34" charset="0"/>
+              <a:rPr lang="en-US" sz="3200" b="1" i="1" dirty="0" smtClean="0">
+                <a:solidFill>
+                  <a:srgbClr val="000000"/>
+                </a:solidFill>
+                <a:latin typeface="Dosis"/>
+                <a:cs typeface="Dosis"/>
               </a:rPr>
               <a:t>ú</a:t>
             </a:r>
             <a:r>
-              <a:rPr lang="es-PE" sz="2800" b="1" i="1" dirty="0" err="1" smtClean="0">
-                <a:solidFill>
-                  <a:schemeClr val="bg2">
-                    <a:lumMod val="60000"/>
-                    <a:lumOff val="40000"/>
-                  </a:schemeClr>
-                </a:solidFill>
-                <a:latin typeface="Calibri" pitchFamily="34" charset="0"/>
+              <a:rPr lang="es-PE" sz="3200" b="1" i="1" dirty="0" err="1" smtClean="0">
+                <a:solidFill>
+                  <a:srgbClr val="000000"/>
+                </a:solidFill>
+                <a:latin typeface="Dosis"/>
+                <a:cs typeface="Dosis"/>
               </a:rPr>
               <a:t>ñez</a:t>
             </a:r>
             <a:r>
-              <a:rPr lang="es-PE" sz="2800" b="1" i="1" dirty="0" smtClean="0">
-                <a:solidFill>
-                  <a:schemeClr val="bg2">
-                    <a:lumMod val="60000"/>
-                    <a:lumOff val="40000"/>
-                  </a:schemeClr>
-                </a:solidFill>
-                <a:latin typeface="Calibri" pitchFamily="34" charset="0"/>
+              <a:rPr lang="es-PE" sz="3200" b="1" i="1" dirty="0" smtClean="0">
+                <a:solidFill>
+                  <a:srgbClr val="000000"/>
+                </a:solidFill>
+                <a:latin typeface="Dosis"/>
+                <a:cs typeface="Dosis"/>
               </a:rPr>
               <a:t> Salazar</a:t>
             </a:r>
-            <a:endParaRPr lang="es-PE" sz="2800" b="1" i="1" dirty="0">
+            <a:endParaRPr lang="es-PE" sz="3200" b="1" i="1" dirty="0">
               <a:solidFill>
-                <a:schemeClr val="bg2">
-                  <a:lumMod val="60000"/>
-                  <a:lumOff val="40000"/>
-                </a:schemeClr>
+                <a:srgbClr val="000000"/>
               </a:solidFill>
-              <a:latin typeface="Calibri" pitchFamily="34" charset="0"/>
+              <a:latin typeface="Dosis"/>
+              <a:cs typeface="Dosis"/>
             </a:endParaRPr>
           </a:p>
           <a:p>
@@ -5425,15 +5905,35 @@
               <a:buSzPct val="60000"/>
             </a:pPr>
             <a:r>
-              <a:rPr lang="es-PE" sz="2000" dirty="0">
-                <a:solidFill>
-                  <a:schemeClr val="bg1"/>
-                </a:solidFill>
-                <a:latin typeface="+mn-lt"/>
+              <a:rPr lang="es-PE" dirty="0">
+                <a:solidFill>
+                  <a:srgbClr val="000000"/>
+                </a:solidFill>
+                <a:latin typeface="Dosis"/>
                 <a:ea typeface="+mn-ea"/>
-              </a:rPr>
-              <a:t>angel.nunez@openedgetech.com</a:t>
-            </a:r>
+                <a:cs typeface="Dosis"/>
+              </a:rPr>
+              <a:t>angel.nunez</a:t>
+            </a:r>
+            <a:r>
+              <a:rPr lang="es-PE" dirty="0" smtClean="0">
+                <a:solidFill>
+                  <a:srgbClr val="000000"/>
+                </a:solidFill>
+                <a:latin typeface="Dosis"/>
+                <a:ea typeface="+mn-ea"/>
+                <a:cs typeface="Dosis"/>
+              </a:rPr>
+              <a:t>@kleer.la</a:t>
+            </a:r>
+            <a:endParaRPr lang="es-PE" dirty="0">
+              <a:solidFill>
+                <a:srgbClr val="000000"/>
+              </a:solidFill>
+              <a:latin typeface="Dosis"/>
+              <a:ea typeface="+mn-ea"/>
+              <a:cs typeface="Dosis"/>
+            </a:endParaRPr>
           </a:p>
           <a:p>
             <a:pPr eaLnBrk="1" hangingPunct="1">
@@ -5443,87 +5943,56 @@
               <a:buSzPct val="60000"/>
             </a:pPr>
             <a:r>
-              <a:rPr lang="es-PE" sz="2000" dirty="0">
-                <a:solidFill>
-                  <a:schemeClr val="bg1"/>
-                </a:solidFill>
-                <a:latin typeface="+mn-lt"/>
+              <a:rPr lang="es-PE" dirty="0">
+                <a:solidFill>
+                  <a:srgbClr val="000000"/>
+                </a:solidFill>
+                <a:latin typeface="Dosis"/>
                 <a:ea typeface="+mn-ea"/>
-              </a:rPr>
-              <a:t>snahider.blogspot.com</a:t>
-            </a:r>
-          </a:p>
-          <a:p>
-            <a:pPr eaLnBrk="1" hangingPunct="1">
-              <a:spcBef>
-                <a:spcPts val="700"/>
-              </a:spcBef>
-              <a:buSzPct val="60000"/>
-            </a:pPr>
-            <a:r>
-              <a:rPr lang="es-PE" sz="2000" dirty="0">
-                <a:solidFill>
-                  <a:schemeClr val="bg1"/>
-                </a:solidFill>
-                <a:latin typeface="+mn-lt"/>
+                <a:cs typeface="Dosis"/>
+              </a:rPr>
+              <a:t>@</a:t>
+            </a:r>
+            <a:r>
+              <a:rPr lang="es-PE" dirty="0" smtClean="0">
+                <a:solidFill>
+                  <a:srgbClr val="000000"/>
+                </a:solidFill>
+                <a:latin typeface="Dosis"/>
                 <a:ea typeface="+mn-ea"/>
-              </a:rPr>
-              <a:t>@</a:t>
-            </a:r>
-            <a:r>
-              <a:rPr lang="es-PE" sz="2000" dirty="0" err="1">
-                <a:solidFill>
-                  <a:schemeClr val="bg1"/>
-                </a:solidFill>
-                <a:latin typeface="+mn-lt"/>
-                <a:ea typeface="+mn-ea"/>
+                <a:cs typeface="Dosis"/>
               </a:rPr>
               <a:t>snahider</a:t>
             </a:r>
-            <a:endParaRPr lang="es-PE" sz="2000" dirty="0">
+            <a:endParaRPr lang="es-PE" dirty="0">
               <a:solidFill>
-                <a:schemeClr val="bg1"/>
+                <a:srgbClr val="000000"/>
               </a:solidFill>
-              <a:latin typeface="+mn-lt"/>
+              <a:latin typeface="Dosis"/>
               <a:ea typeface="+mn-ea"/>
-            </a:endParaRPr>
-          </a:p>
-          <a:p>
-            <a:pPr eaLnBrk="1" hangingPunct="1">
-              <a:spcBef>
-                <a:spcPts val="700"/>
-              </a:spcBef>
-              <a:buSzPct val="60000"/>
-            </a:pPr>
-            <a:endParaRPr lang="es-PE" sz="1800" i="1" dirty="0">
-              <a:latin typeface="Calibri" pitchFamily="34" charset="0"/>
+              <a:cs typeface="Dosis"/>
             </a:endParaRPr>
           </a:p>
         </p:txBody>
       </p:sp>
       <p:pic>
         <p:nvPicPr>
-          <p:cNvPr id="2" name="1 Imagen"/>
+          <p:cNvPr id="3" name="Picture 2"/>
           <p:cNvPicPr>
             <a:picLocks noChangeAspect="1"/>
           </p:cNvPicPr>
           <p:nvPr/>
         </p:nvPicPr>
-        <p:blipFill rotWithShape="1">
-          <a:blip r:embed="rId5">
-            <a:extLst>
-              <a:ext uri="{28A0092B-C50C-407E-A947-70E740481C1C}">
-                <a14:useLocalDpi xmlns:a14="http://schemas.microsoft.com/office/drawing/2010/main" val="0"/>
-              </a:ext>
-            </a:extLst>
-          </a:blip>
-          <a:srcRect t="16970" b="16970"/>
-          <a:stretch/>
+        <p:blipFill>
+          <a:blip r:embed="rId5"/>
+          <a:stretch>
+            <a:fillRect/>
+          </a:stretch>
         </p:blipFill>
         <p:spPr>
           <a:xfrm>
-            <a:off x="6228184" y="4725144"/>
-            <a:ext cx="2619048" cy="1730148"/>
+            <a:off x="323528" y="5013176"/>
+            <a:ext cx="1137949" cy="1137949"/>
           </a:xfrm>
           <a:prstGeom prst="rect">
             <a:avLst/>
@@ -5543,7 +6012,7 @@
   <p:timing>
     <p:tnLst>
       <p:par>
-        <p:cTn id="1" dur="indefinite" restart="never" nodeType="tmRoot"/>
+        <p:cTn xmlns:p14="http://schemas.microsoft.com/office/powerpoint/2010/main" id="1" dur="indefinite" restart="never" nodeType="tmRoot"/>
       </p:par>
     </p:tnLst>
   </p:timing>
@@ -5579,7 +6048,7 @@
         </p:nvSpPr>
         <p:spPr>
           <a:xfrm>
-            <a:off x="503220" y="692696"/>
+            <a:off x="467544" y="216350"/>
             <a:ext cx="8229600" cy="720080"/>
           </a:xfrm>
         </p:spPr>
@@ -5588,186 +6057,516 @@
           <a:lstStyle/>
           <a:p>
             <a:r>
-              <a:rPr lang="es-PE" dirty="0" smtClean="0">
-                <a:solidFill>
-                  <a:srgbClr val="C00000"/>
-                </a:solidFill>
-                <a:latin typeface="Arial" pitchFamily="34" charset="0"/>
-                <a:cs typeface="Arial" pitchFamily="34" charset="0"/>
-              </a:rPr>
-              <a:t>Próximos Pasos</a:t>
-            </a:r>
-            <a:endParaRPr lang="es-PE" dirty="0">
-              <a:solidFill>
-                <a:srgbClr val="C00000"/>
-              </a:solidFill>
-              <a:latin typeface="Arial" pitchFamily="34" charset="0"/>
-              <a:cs typeface="Arial" pitchFamily="34" charset="0"/>
-            </a:endParaRPr>
-          </a:p>
-        </p:txBody>
-      </p:sp>
-      <p:sp>
-        <p:nvSpPr>
-          <p:cNvPr id="7" name="2 Marcador de contenido"/>
-          <p:cNvSpPr>
-            <a:spLocks noGrp="1"/>
-          </p:cNvSpPr>
-          <p:nvPr>
-            <p:ph idx="1"/>
-          </p:nvPr>
-        </p:nvSpPr>
-        <p:spPr>
+              <a:rPr lang="es-PE" b="1" dirty="0" smtClean="0"/>
+              <a:t>Referencias</a:t>
+            </a:r>
+            <a:endParaRPr lang="es-PE" b="1" dirty="0"/>
+          </a:p>
+        </p:txBody>
+      </p:sp>
+      <p:sp>
+        <p:nvSpPr>
+          <p:cNvPr id="9" name="2 Marcador de contenido"/>
+          <p:cNvSpPr txBox="1">
+            <a:spLocks/>
+          </p:cNvSpPr>
+          <p:nvPr/>
+        </p:nvSpPr>
+        <p:spPr bwMode="auto">
           <a:xfrm>
-            <a:off x="627641" y="1916832"/>
-            <a:ext cx="7980759" cy="2376264"/>
+            <a:off x="468156" y="1124744"/>
+            <a:ext cx="8182786" cy="5184576"/>
           </a:xfrm>
+          <a:prstGeom prst="rect">
+            <a:avLst/>
+          </a:prstGeom>
+          <a:noFill/>
+          <a:ln w="9525">
+            <a:noFill/>
+            <a:miter lim="800000"/>
+            <a:headEnd/>
+            <a:tailEnd/>
+          </a:ln>
         </p:spPr>
         <p:txBody>
-          <a:bodyPr/>
-          <a:lstStyle/>
-          <a:p>
-            <a:pPr marL="0" indent="0" algn="ctr">
-              <a:lnSpc>
-                <a:spcPts val="4500"/>
-              </a:lnSpc>
-              <a:buSzPct val="150000"/>
+          <a:bodyPr vert="horz" wrap="square" lIns="91440" tIns="45720" rIns="91440" bIns="45720" numCol="1" anchor="t" anchorCtr="0" compatLnSpc="1">
+            <a:prstTxWarp prst="textNoShape">
+              <a:avLst/>
+            </a:prstTxWarp>
+          </a:bodyPr>
+          <a:lstStyle>
+            <a:lvl1pPr marL="342900" indent="-342900" algn="l" rtl="0" eaLnBrk="1" fontAlgn="base" hangingPunct="1">
+              <a:spcBef>
+                <a:spcPct val="20000"/>
+              </a:spcBef>
+              <a:spcAft>
+                <a:spcPct val="0"/>
+              </a:spcAft>
+              <a:buFont typeface="Arial" charset="0"/>
+              <a:buChar char="•"/>
+              <a:defRPr sz="3200" kern="1200">
+                <a:solidFill>
+                  <a:schemeClr val="tx1"/>
+                </a:solidFill>
+                <a:latin typeface="+mn-lt"/>
+                <a:ea typeface="+mn-ea"/>
+                <a:cs typeface="+mn-cs"/>
+              </a:defRPr>
+            </a:lvl1pPr>
+            <a:lvl2pPr marL="742950" indent="-285750" algn="l" rtl="0" eaLnBrk="1" fontAlgn="base" hangingPunct="1">
+              <a:spcBef>
+                <a:spcPct val="20000"/>
+              </a:spcBef>
+              <a:spcAft>
+                <a:spcPct val="0"/>
+              </a:spcAft>
+              <a:buFont typeface="Arial" charset="0"/>
+              <a:buChar char="–"/>
+              <a:defRPr sz="2800" kern="1200">
+                <a:solidFill>
+                  <a:schemeClr val="tx1"/>
+                </a:solidFill>
+                <a:latin typeface="+mn-lt"/>
+                <a:ea typeface="+mn-ea"/>
+                <a:cs typeface="+mn-cs"/>
+              </a:defRPr>
+            </a:lvl2pPr>
+            <a:lvl3pPr marL="1143000" indent="-228600" algn="l" rtl="0" eaLnBrk="1" fontAlgn="base" hangingPunct="1">
+              <a:spcBef>
+                <a:spcPct val="20000"/>
+              </a:spcBef>
+              <a:spcAft>
+                <a:spcPct val="0"/>
+              </a:spcAft>
+              <a:buFont typeface="Arial" charset="0"/>
+              <a:buChar char="•"/>
+              <a:defRPr sz="2400" kern="1200">
+                <a:solidFill>
+                  <a:schemeClr val="tx1"/>
+                </a:solidFill>
+                <a:latin typeface="+mn-lt"/>
+                <a:ea typeface="+mn-ea"/>
+                <a:cs typeface="+mn-cs"/>
+              </a:defRPr>
+            </a:lvl3pPr>
+            <a:lvl4pPr marL="1600200" indent="-228600" algn="l" rtl="0" eaLnBrk="1" fontAlgn="base" hangingPunct="1">
+              <a:spcBef>
+                <a:spcPct val="20000"/>
+              </a:spcBef>
+              <a:spcAft>
+                <a:spcPct val="0"/>
+              </a:spcAft>
+              <a:buFont typeface="Arial" charset="0"/>
+              <a:buChar char="–"/>
+              <a:defRPr sz="2000" kern="1200">
+                <a:solidFill>
+                  <a:schemeClr val="tx1"/>
+                </a:solidFill>
+                <a:latin typeface="+mn-lt"/>
+                <a:ea typeface="+mn-ea"/>
+                <a:cs typeface="+mn-cs"/>
+              </a:defRPr>
+            </a:lvl4pPr>
+            <a:lvl5pPr marL="2057400" indent="-228600" algn="l" rtl="0" eaLnBrk="1" fontAlgn="base" hangingPunct="1">
+              <a:spcBef>
+                <a:spcPct val="20000"/>
+              </a:spcBef>
+              <a:spcAft>
+                <a:spcPct val="0"/>
+              </a:spcAft>
+              <a:buFont typeface="Arial" charset="0"/>
+              <a:buChar char="»"/>
+              <a:defRPr sz="2000" kern="1200">
+                <a:solidFill>
+                  <a:schemeClr val="tx1"/>
+                </a:solidFill>
+                <a:latin typeface="+mn-lt"/>
+                <a:ea typeface="+mn-ea"/>
+                <a:cs typeface="+mn-cs"/>
+              </a:defRPr>
+            </a:lvl5pPr>
+            <a:lvl6pPr marL="2514600" indent="-228600" algn="l" defTabSz="914400" rtl="0" eaLnBrk="1" latinLnBrk="0" hangingPunct="1">
+              <a:spcBef>
+                <a:spcPct val="20000"/>
+              </a:spcBef>
+              <a:buFont typeface="Arial" pitchFamily="34" charset="0"/>
+              <a:buChar char="•"/>
+              <a:defRPr sz="2000" kern="1200">
+                <a:solidFill>
+                  <a:schemeClr val="tx1"/>
+                </a:solidFill>
+                <a:latin typeface="+mn-lt"/>
+                <a:ea typeface="+mn-ea"/>
+                <a:cs typeface="+mn-cs"/>
+              </a:defRPr>
+            </a:lvl6pPr>
+            <a:lvl7pPr marL="2971800" indent="-228600" algn="l" defTabSz="914400" rtl="0" eaLnBrk="1" latinLnBrk="0" hangingPunct="1">
+              <a:spcBef>
+                <a:spcPct val="20000"/>
+              </a:spcBef>
+              <a:buFont typeface="Arial" pitchFamily="34" charset="0"/>
+              <a:buChar char="•"/>
+              <a:defRPr sz="2000" kern="1200">
+                <a:solidFill>
+                  <a:schemeClr val="tx1"/>
+                </a:solidFill>
+                <a:latin typeface="+mn-lt"/>
+                <a:ea typeface="+mn-ea"/>
+                <a:cs typeface="+mn-cs"/>
+              </a:defRPr>
+            </a:lvl7pPr>
+            <a:lvl8pPr marL="3429000" indent="-228600" algn="l" defTabSz="914400" rtl="0" eaLnBrk="1" latinLnBrk="0" hangingPunct="1">
+              <a:spcBef>
+                <a:spcPct val="20000"/>
+              </a:spcBef>
+              <a:buFont typeface="Arial" pitchFamily="34" charset="0"/>
+              <a:buChar char="•"/>
+              <a:defRPr sz="2000" kern="1200">
+                <a:solidFill>
+                  <a:schemeClr val="tx1"/>
+                </a:solidFill>
+                <a:latin typeface="+mn-lt"/>
+                <a:ea typeface="+mn-ea"/>
+                <a:cs typeface="+mn-cs"/>
+              </a:defRPr>
+            </a:lvl8pPr>
+            <a:lvl9pPr marL="3886200" indent="-228600" algn="l" defTabSz="914400" rtl="0" eaLnBrk="1" latinLnBrk="0" hangingPunct="1">
+              <a:spcBef>
+                <a:spcPct val="20000"/>
+              </a:spcBef>
+              <a:buFont typeface="Arial" pitchFamily="34" charset="0"/>
+              <a:buChar char="•"/>
+              <a:defRPr sz="2000" kern="1200">
+                <a:solidFill>
+                  <a:schemeClr val="tx1"/>
+                </a:solidFill>
+                <a:latin typeface="+mn-lt"/>
+                <a:ea typeface="+mn-ea"/>
+                <a:cs typeface="+mn-cs"/>
+              </a:defRPr>
+            </a:lvl9pPr>
+          </a:lstStyle>
+          <a:p>
+            <a:pPr marL="0" indent="0">
+              <a:buSzPct val="100000"/>
               <a:buNone/>
             </a:pPr>
             <a:r>
-              <a:rPr lang="es-PE" sz="3600" b="1" i="1" dirty="0" smtClean="0">
-                <a:solidFill>
-                  <a:schemeClr val="bg1"/>
-                </a:solidFill>
-              </a:rPr>
-              <a:t>Practiquen</a:t>
-            </a:r>
-            <a:r>
-              <a:rPr lang="es-PE" sz="3600" i="1" dirty="0" smtClean="0">
-                <a:solidFill>
-                  <a:schemeClr val="bg1"/>
-                </a:solidFill>
-              </a:rPr>
-              <a:t> este u otro Kata en su casa.</a:t>
-            </a:r>
-          </a:p>
-          <a:p>
-            <a:pPr marL="0" indent="0" algn="ctr">
-              <a:lnSpc>
-                <a:spcPts val="4500"/>
-              </a:lnSpc>
-              <a:buSzPct val="150000"/>
+              <a:rPr lang="es-PE" sz="2800" b="1" dirty="0" smtClean="0">
+                <a:solidFill>
+                  <a:srgbClr val="000000"/>
+                </a:solidFill>
+                <a:latin typeface="Dosis"/>
+                <a:cs typeface="Dosis"/>
+              </a:rPr>
+              <a:t>Más sobre </a:t>
+            </a:r>
+            <a:r>
+              <a:rPr lang="es-PE" sz="2800" b="1" dirty="0" err="1" smtClean="0">
+                <a:solidFill>
+                  <a:srgbClr val="000000"/>
+                </a:solidFill>
+                <a:latin typeface="Dosis"/>
+                <a:cs typeface="Dosis"/>
+              </a:rPr>
+              <a:t>Coding</a:t>
+            </a:r>
+            <a:r>
+              <a:rPr lang="es-PE" sz="2800" b="1" dirty="0" smtClean="0">
+                <a:solidFill>
+                  <a:srgbClr val="000000"/>
+                </a:solidFill>
+                <a:latin typeface="Dosis"/>
+                <a:cs typeface="Dosis"/>
+              </a:rPr>
+              <a:t> </a:t>
+            </a:r>
+            <a:r>
+              <a:rPr lang="es-PE" sz="2800" b="1" dirty="0" err="1" smtClean="0">
+                <a:solidFill>
+                  <a:srgbClr val="000000"/>
+                </a:solidFill>
+                <a:latin typeface="Dosis"/>
+                <a:cs typeface="Dosis"/>
+              </a:rPr>
+              <a:t>Dojo</a:t>
+            </a:r>
+            <a:endParaRPr lang="es-PE" sz="2800" b="1" dirty="0">
+              <a:solidFill>
+                <a:srgbClr val="000000"/>
+              </a:solidFill>
+              <a:latin typeface="Dosis"/>
+              <a:cs typeface="Dosis"/>
+            </a:endParaRPr>
+          </a:p>
+          <a:p>
+            <a:pPr marL="0" indent="0">
+              <a:buSzPct val="100000"/>
               <a:buNone/>
             </a:pPr>
-            <a:endParaRPr lang="es-PE" sz="3600" i="1" dirty="0" smtClean="0">
-              <a:solidFill>
-                <a:schemeClr val="bg1"/>
-              </a:solidFill>
-            </a:endParaRPr>
-          </a:p>
-          <a:p>
-            <a:pPr marL="0" indent="0" algn="ctr">
-              <a:lnSpc>
-                <a:spcPts val="4500"/>
-              </a:lnSpc>
-              <a:buSzPct val="150000"/>
+            <a:r>
+              <a:rPr lang="es-PE" sz="2400" dirty="0" smtClean="0">
+                <a:solidFill>
+                  <a:srgbClr val="000000"/>
+                </a:solidFill>
+                <a:latin typeface="Dosis"/>
+                <a:cs typeface="Dosis"/>
+              </a:rPr>
+              <a:t>http</a:t>
+            </a:r>
+            <a:r>
+              <a:rPr lang="es-PE" sz="2400" dirty="0">
+                <a:solidFill>
+                  <a:srgbClr val="000000"/>
+                </a:solidFill>
+                <a:latin typeface="Dosis"/>
+                <a:cs typeface="Dosis"/>
+              </a:rPr>
+              <a:t>://codingdojo.org/ </a:t>
+            </a:r>
+            <a:r>
+              <a:rPr lang="es-PE" sz="2400" dirty="0" smtClean="0">
+                <a:solidFill>
+                  <a:srgbClr val="000000"/>
+                </a:solidFill>
+                <a:latin typeface="Dosis"/>
+                <a:cs typeface="Dosis"/>
+              </a:rPr>
+              <a:t>(incluye catálogo </a:t>
+            </a:r>
+            <a:r>
+              <a:rPr lang="es-PE" sz="2400" dirty="0">
+                <a:solidFill>
+                  <a:srgbClr val="000000"/>
+                </a:solidFill>
+                <a:latin typeface="Dosis"/>
+                <a:cs typeface="Dosis"/>
+              </a:rPr>
+              <a:t>de K</a:t>
+            </a:r>
+            <a:r>
+              <a:rPr lang="es-PE" sz="2400" dirty="0" smtClean="0">
+                <a:solidFill>
+                  <a:srgbClr val="000000"/>
+                </a:solidFill>
+                <a:latin typeface="Dosis"/>
+                <a:cs typeface="Dosis"/>
+              </a:rPr>
+              <a:t>atas)</a:t>
+            </a:r>
+          </a:p>
+          <a:p>
+            <a:pPr marL="0" indent="0">
+              <a:buSzPct val="100000"/>
               <a:buNone/>
             </a:pPr>
-            <a:r>
-              <a:rPr lang="es-PE" sz="3600" b="1" i="1" dirty="0" smtClean="0">
-                <a:solidFill>
-                  <a:schemeClr val="bg1"/>
-                </a:solidFill>
-                <a:cs typeface="Arial" pitchFamily="34" charset="0"/>
-              </a:rPr>
-              <a:t>Organicen</a:t>
-            </a:r>
-            <a:r>
-              <a:rPr lang="es-PE" sz="3600" i="1" dirty="0" smtClean="0">
-                <a:solidFill>
-                  <a:schemeClr val="bg1"/>
-                </a:solidFill>
-                <a:cs typeface="Arial" pitchFamily="34" charset="0"/>
-              </a:rPr>
-              <a:t> sus propios </a:t>
-            </a:r>
-            <a:r>
-              <a:rPr lang="es-PE" sz="3600" i="1" dirty="0" err="1" smtClean="0">
-                <a:solidFill>
-                  <a:schemeClr val="bg1"/>
-                </a:solidFill>
-                <a:cs typeface="Arial" pitchFamily="34" charset="0"/>
-              </a:rPr>
-              <a:t>Coding</a:t>
-            </a:r>
-            <a:r>
-              <a:rPr lang="es-PE" sz="3600" i="1" dirty="0" smtClean="0">
-                <a:solidFill>
-                  <a:schemeClr val="bg1"/>
-                </a:solidFill>
-                <a:cs typeface="Arial" pitchFamily="34" charset="0"/>
-              </a:rPr>
-              <a:t> </a:t>
-            </a:r>
-            <a:r>
-              <a:rPr lang="es-PE" sz="3600" i="1" dirty="0" err="1" smtClean="0">
-                <a:solidFill>
-                  <a:schemeClr val="bg1"/>
-                </a:solidFill>
-                <a:cs typeface="Arial" pitchFamily="34" charset="0"/>
-              </a:rPr>
-              <a:t>Dojo</a:t>
-            </a:r>
-            <a:r>
-              <a:rPr lang="es-PE" sz="3600" i="1" dirty="0" smtClean="0">
-                <a:solidFill>
-                  <a:schemeClr val="bg1"/>
-                </a:solidFill>
-                <a:cs typeface="Arial" pitchFamily="34" charset="0"/>
-              </a:rPr>
-              <a:t> en su trabajo o comunidad. </a:t>
-            </a:r>
-          </a:p>
-          <a:p>
-            <a:pPr marL="0" indent="0" algn="ctr">
-              <a:lnSpc>
-                <a:spcPts val="4500"/>
-              </a:lnSpc>
-              <a:buSzPct val="150000"/>
+            <a:endParaRPr lang="es-PE" sz="1400" dirty="0">
+              <a:solidFill>
+                <a:srgbClr val="000000"/>
+              </a:solidFill>
+              <a:latin typeface="Dosis"/>
+              <a:cs typeface="Dosis"/>
+            </a:endParaRPr>
+          </a:p>
+          <a:p>
+            <a:pPr marL="0" indent="0">
+              <a:buSzPct val="100000"/>
               <a:buNone/>
             </a:pPr>
-            <a:r>
-              <a:rPr lang="es-PE" sz="3600" i="1" dirty="0" smtClean="0">
-                <a:solidFill>
-                  <a:schemeClr val="bg1"/>
-                </a:solidFill>
-                <a:cs typeface="Arial" pitchFamily="34" charset="0"/>
-              </a:rPr>
-              <a:t>(pueden utilizar esta presentación)</a:t>
-            </a:r>
-            <a:endParaRPr lang="es-PE" sz="3600" i="1" dirty="0">
+            <a:endParaRPr lang="es-PE" sz="1400" dirty="0">
               <a:solidFill>
-                <a:schemeClr val="bg1"/>
+                <a:srgbClr val="000000"/>
               </a:solidFill>
-              <a:cs typeface="Arial" pitchFamily="34" charset="0"/>
+              <a:latin typeface="Dosis"/>
+              <a:cs typeface="Dosis"/>
             </a:endParaRPr>
+          </a:p>
+          <a:p>
+            <a:pPr marL="0" indent="0">
+              <a:buSzPct val="150000"/>
+              <a:buFont typeface="Arial" charset="0"/>
+              <a:buNone/>
+            </a:pPr>
+            <a:r>
+              <a:rPr lang="es-PE" sz="2800" b="1" dirty="0" smtClean="0">
+                <a:solidFill>
+                  <a:srgbClr val="000000"/>
+                </a:solidFill>
+                <a:latin typeface="Dosis"/>
+                <a:cs typeface="Dosis"/>
+              </a:rPr>
+              <a:t>Libros</a:t>
+            </a:r>
+          </a:p>
+          <a:p>
+            <a:pPr marL="0" indent="0">
+              <a:buSzPct val="100000"/>
+              <a:buNone/>
+            </a:pPr>
+            <a:r>
+              <a:rPr lang="en-US" sz="2400" dirty="0">
+                <a:solidFill>
+                  <a:srgbClr val="000000"/>
+                </a:solidFill>
+                <a:latin typeface="Dosis"/>
+                <a:cs typeface="Dosis"/>
+              </a:rPr>
+              <a:t>“The Coding Dojo </a:t>
+            </a:r>
+            <a:r>
+              <a:rPr lang="en-US" sz="2400" dirty="0" smtClean="0">
+                <a:solidFill>
+                  <a:srgbClr val="000000"/>
+                </a:solidFill>
+                <a:latin typeface="Dosis"/>
+                <a:cs typeface="Dosis"/>
+              </a:rPr>
+              <a:t>Handbook”, Emily Bache</a:t>
+            </a:r>
+            <a:endParaRPr lang="en-US" sz="2400" dirty="0">
+              <a:solidFill>
+                <a:srgbClr val="000000"/>
+              </a:solidFill>
+              <a:latin typeface="Dosis"/>
+              <a:cs typeface="Dosis"/>
+            </a:endParaRPr>
+          </a:p>
+          <a:p>
+            <a:pPr marL="0" indent="0">
+              <a:buSzPct val="100000"/>
+              <a:buNone/>
+            </a:pPr>
+            <a:r>
+              <a:rPr lang="en-US" sz="2400" dirty="0" smtClean="0">
+                <a:solidFill>
+                  <a:srgbClr val="000000"/>
+                </a:solidFill>
+                <a:latin typeface="Dosis"/>
+                <a:cs typeface="Dosis"/>
+              </a:rPr>
+              <a:t>“</a:t>
+            </a:r>
+            <a:r>
+              <a:rPr lang="en-US" sz="2400" dirty="0">
+                <a:solidFill>
+                  <a:srgbClr val="000000"/>
+                </a:solidFill>
+                <a:latin typeface="Dosis"/>
+                <a:cs typeface="Dosis"/>
+              </a:rPr>
+              <a:t>Test Driven Development by Example”, Kent </a:t>
+            </a:r>
+            <a:r>
+              <a:rPr lang="en-US" sz="2400" dirty="0" smtClean="0">
+                <a:solidFill>
+                  <a:srgbClr val="000000"/>
+                </a:solidFill>
+                <a:latin typeface="Dosis"/>
+                <a:cs typeface="Dosis"/>
+              </a:rPr>
+              <a:t>Beck.</a:t>
+            </a:r>
+            <a:endParaRPr lang="en-US" sz="2400" dirty="0">
+              <a:solidFill>
+                <a:srgbClr val="000000"/>
+              </a:solidFill>
+              <a:latin typeface="Dosis"/>
+              <a:cs typeface="Dosis"/>
+            </a:endParaRPr>
+          </a:p>
+          <a:p>
+            <a:pPr marL="0" indent="0">
+              <a:buSzPct val="100000"/>
+              <a:buNone/>
+            </a:pPr>
+            <a:r>
+              <a:rPr lang="en-US" sz="2400" dirty="0">
+                <a:solidFill>
+                  <a:srgbClr val="000000"/>
+                </a:solidFill>
+                <a:latin typeface="Dosis"/>
+                <a:cs typeface="Dosis"/>
+              </a:rPr>
+              <a:t>"Refactoring </a:t>
+            </a:r>
+            <a:r>
+              <a:rPr lang="en-US" sz="2400" dirty="0" smtClean="0">
+                <a:solidFill>
+                  <a:srgbClr val="000000"/>
+                </a:solidFill>
+                <a:latin typeface="Dosis"/>
+                <a:cs typeface="Dosis"/>
+              </a:rPr>
+              <a:t>, Improving </a:t>
+            </a:r>
+            <a:r>
+              <a:rPr lang="en-US" sz="2400" dirty="0">
+                <a:solidFill>
+                  <a:srgbClr val="000000"/>
+                </a:solidFill>
+                <a:latin typeface="Dosis"/>
+                <a:cs typeface="Dosis"/>
+              </a:rPr>
+              <a:t>the Design of Existing </a:t>
+            </a:r>
+            <a:r>
+              <a:rPr lang="en-US" sz="2400" dirty="0" smtClean="0">
+                <a:solidFill>
+                  <a:srgbClr val="000000"/>
+                </a:solidFill>
+                <a:latin typeface="Dosis"/>
+                <a:cs typeface="Dosis"/>
+              </a:rPr>
+              <a:t>Code”, M. Fowler.</a:t>
+            </a:r>
+            <a:endParaRPr lang="en-US" sz="2400" dirty="0">
+              <a:solidFill>
+                <a:srgbClr val="000000"/>
+              </a:solidFill>
+              <a:latin typeface="Dosis"/>
+              <a:cs typeface="Dosis"/>
+            </a:endParaRPr>
+          </a:p>
+          <a:p>
+            <a:pPr marL="0" indent="0">
+              <a:buSzPct val="100000"/>
+              <a:buNone/>
+            </a:pPr>
+            <a:r>
+              <a:rPr lang="en-US" sz="2400" dirty="0">
+                <a:solidFill>
+                  <a:srgbClr val="000000"/>
+                </a:solidFill>
+                <a:latin typeface="Dosis"/>
+                <a:cs typeface="Dosis"/>
+              </a:rPr>
+              <a:t>“Clean Code”, Robert C. Martin.</a:t>
+            </a:r>
           </a:p>
         </p:txBody>
       </p:sp>
     </p:spTree>
     <p:extLst>
       <p:ext uri="{BB962C8B-B14F-4D97-AF65-F5344CB8AC3E}">
-        <p14:creationId xmlns:p14="http://schemas.microsoft.com/office/powerpoint/2010/main" val="314296389"/>
+        <p14:creationId xmlns:p14="http://schemas.microsoft.com/office/powerpoint/2010/main" val="2571467541"/>
       </p:ext>
     </p:extLst>
   </p:cSld>
   <p:clrMapOvr>
     <a:masterClrMapping/>
   </p:clrMapOvr>
+  <mc:AlternateContent xmlns:mc="http://schemas.openxmlformats.org/markup-compatibility/2006" xmlns:p14="http://schemas.microsoft.com/office/powerpoint/2010/main">
+    <mc:Choice Requires="p14">
+      <p:transition spd="slow" p14:dur="2000"/>
+    </mc:Choice>
+    <mc:Fallback xmlns="">
+      <p:transition spd="slow"/>
+    </mc:Fallback>
+  </mc:AlternateContent>
   <p:timing>
     <p:tnLst>
       <p:par>
-        <p:cTn id="1" dur="indefinite" restart="never" nodeType="tmRoot"/>
+        <p:cTn xmlns:p14="http://schemas.microsoft.com/office/powerpoint/2010/main" id="1" dur="indefinite" restart="never" nodeType="tmRoot"/>
       </p:par>
     </p:tnLst>
   </p:timing>
@@ -5812,588 +6611,41 @@
           <a:lstStyle/>
           <a:p>
             <a:r>
-              <a:rPr lang="es-PE" dirty="0" smtClean="0">
-                <a:solidFill>
-                  <a:srgbClr val="C00000"/>
-                </a:solidFill>
-                <a:latin typeface="Arial" pitchFamily="34" charset="0"/>
-                <a:cs typeface="Arial" pitchFamily="34" charset="0"/>
-              </a:rPr>
-              <a:t>Referencias</a:t>
-            </a:r>
-            <a:endParaRPr lang="es-PE" dirty="0">
-              <a:solidFill>
-                <a:srgbClr val="C00000"/>
-              </a:solidFill>
-              <a:latin typeface="Arial" pitchFamily="34" charset="0"/>
-              <a:cs typeface="Arial" pitchFamily="34" charset="0"/>
-            </a:endParaRPr>
-          </a:p>
-        </p:txBody>
-      </p:sp>
-      <p:sp>
-        <p:nvSpPr>
-          <p:cNvPr id="9" name="2 Marcador de contenido"/>
-          <p:cNvSpPr txBox="1">
-            <a:spLocks/>
-          </p:cNvSpPr>
+              <a:rPr lang="es-PE" b="1" dirty="0" smtClean="0"/>
+              <a:t>Cierre y Feedback</a:t>
+            </a:r>
+            <a:endParaRPr lang="es-PE" b="1" dirty="0"/>
+          </a:p>
+        </p:txBody>
+      </p:sp>
+      <p:pic>
+        <p:nvPicPr>
+          <p:cNvPr id="3" name="Picture 2"/>
+          <p:cNvPicPr>
+            <a:picLocks noChangeAspect="1"/>
+          </p:cNvPicPr>
           <p:nvPr/>
-        </p:nvSpPr>
-        <p:spPr bwMode="auto">
+        </p:nvPicPr>
+        <p:blipFill>
+          <a:blip r:embed="rId3"/>
+          <a:stretch>
+            <a:fillRect/>
+          </a:stretch>
+        </p:blipFill>
+        <p:spPr>
           <a:xfrm>
-            <a:off x="468156" y="1124744"/>
-            <a:ext cx="8182786" cy="5184576"/>
+            <a:off x="1115616" y="2708920"/>
+            <a:ext cx="6732240" cy="2214907"/>
           </a:xfrm>
           <a:prstGeom prst="rect">
             <a:avLst/>
           </a:prstGeom>
-          <a:noFill/>
-          <a:ln w="9525">
-            <a:noFill/>
-            <a:miter lim="800000"/>
-            <a:headEnd/>
-            <a:tailEnd/>
-          </a:ln>
         </p:spPr>
-        <p:txBody>
-          <a:bodyPr vert="horz" wrap="square" lIns="91440" tIns="45720" rIns="91440" bIns="45720" numCol="1" anchor="t" anchorCtr="0" compatLnSpc="1">
-            <a:prstTxWarp prst="textNoShape">
-              <a:avLst/>
-            </a:prstTxWarp>
-          </a:bodyPr>
-          <a:lstStyle>
-            <a:lvl1pPr marL="342900" indent="-342900" algn="l" rtl="0" eaLnBrk="1" fontAlgn="base" hangingPunct="1">
-              <a:spcBef>
-                <a:spcPct val="20000"/>
-              </a:spcBef>
-              <a:spcAft>
-                <a:spcPct val="0"/>
-              </a:spcAft>
-              <a:buFont typeface="Arial" charset="0"/>
-              <a:buChar char="•"/>
-              <a:defRPr sz="3200" kern="1200">
-                <a:solidFill>
-                  <a:schemeClr val="tx1"/>
-                </a:solidFill>
-                <a:latin typeface="+mn-lt"/>
-                <a:ea typeface="+mn-ea"/>
-                <a:cs typeface="+mn-cs"/>
-              </a:defRPr>
-            </a:lvl1pPr>
-            <a:lvl2pPr marL="742950" indent="-285750" algn="l" rtl="0" eaLnBrk="1" fontAlgn="base" hangingPunct="1">
-              <a:spcBef>
-                <a:spcPct val="20000"/>
-              </a:spcBef>
-              <a:spcAft>
-                <a:spcPct val="0"/>
-              </a:spcAft>
-              <a:buFont typeface="Arial" charset="0"/>
-              <a:buChar char="–"/>
-              <a:defRPr sz="2800" kern="1200">
-                <a:solidFill>
-                  <a:schemeClr val="tx1"/>
-                </a:solidFill>
-                <a:latin typeface="+mn-lt"/>
-                <a:ea typeface="+mn-ea"/>
-                <a:cs typeface="+mn-cs"/>
-              </a:defRPr>
-            </a:lvl2pPr>
-            <a:lvl3pPr marL="1143000" indent="-228600" algn="l" rtl="0" eaLnBrk="1" fontAlgn="base" hangingPunct="1">
-              <a:spcBef>
-                <a:spcPct val="20000"/>
-              </a:spcBef>
-              <a:spcAft>
-                <a:spcPct val="0"/>
-              </a:spcAft>
-              <a:buFont typeface="Arial" charset="0"/>
-              <a:buChar char="•"/>
-              <a:defRPr sz="2400" kern="1200">
-                <a:solidFill>
-                  <a:schemeClr val="tx1"/>
-                </a:solidFill>
-                <a:latin typeface="+mn-lt"/>
-                <a:ea typeface="+mn-ea"/>
-                <a:cs typeface="+mn-cs"/>
-              </a:defRPr>
-            </a:lvl3pPr>
-            <a:lvl4pPr marL="1600200" indent="-228600" algn="l" rtl="0" eaLnBrk="1" fontAlgn="base" hangingPunct="1">
-              <a:spcBef>
-                <a:spcPct val="20000"/>
-              </a:spcBef>
-              <a:spcAft>
-                <a:spcPct val="0"/>
-              </a:spcAft>
-              <a:buFont typeface="Arial" charset="0"/>
-              <a:buChar char="–"/>
-              <a:defRPr sz="2000" kern="1200">
-                <a:solidFill>
-                  <a:schemeClr val="tx1"/>
-                </a:solidFill>
-                <a:latin typeface="+mn-lt"/>
-                <a:ea typeface="+mn-ea"/>
-                <a:cs typeface="+mn-cs"/>
-              </a:defRPr>
-            </a:lvl4pPr>
-            <a:lvl5pPr marL="2057400" indent="-228600" algn="l" rtl="0" eaLnBrk="1" fontAlgn="base" hangingPunct="1">
-              <a:spcBef>
-                <a:spcPct val="20000"/>
-              </a:spcBef>
-              <a:spcAft>
-                <a:spcPct val="0"/>
-              </a:spcAft>
-              <a:buFont typeface="Arial" charset="0"/>
-              <a:buChar char="»"/>
-              <a:defRPr sz="2000" kern="1200">
-                <a:solidFill>
-                  <a:schemeClr val="tx1"/>
-                </a:solidFill>
-                <a:latin typeface="+mn-lt"/>
-                <a:ea typeface="+mn-ea"/>
-                <a:cs typeface="+mn-cs"/>
-              </a:defRPr>
-            </a:lvl5pPr>
-            <a:lvl6pPr marL="2514600" indent="-228600" algn="l" defTabSz="914400" rtl="0" eaLnBrk="1" latinLnBrk="0" hangingPunct="1">
-              <a:spcBef>
-                <a:spcPct val="20000"/>
-              </a:spcBef>
-              <a:buFont typeface="Arial" pitchFamily="34" charset="0"/>
-              <a:buChar char="•"/>
-              <a:defRPr sz="2000" kern="1200">
-                <a:solidFill>
-                  <a:schemeClr val="tx1"/>
-                </a:solidFill>
-                <a:latin typeface="+mn-lt"/>
-                <a:ea typeface="+mn-ea"/>
-                <a:cs typeface="+mn-cs"/>
-              </a:defRPr>
-            </a:lvl6pPr>
-            <a:lvl7pPr marL="2971800" indent="-228600" algn="l" defTabSz="914400" rtl="0" eaLnBrk="1" latinLnBrk="0" hangingPunct="1">
-              <a:spcBef>
-                <a:spcPct val="20000"/>
-              </a:spcBef>
-              <a:buFont typeface="Arial" pitchFamily="34" charset="0"/>
-              <a:buChar char="•"/>
-              <a:defRPr sz="2000" kern="1200">
-                <a:solidFill>
-                  <a:schemeClr val="tx1"/>
-                </a:solidFill>
-                <a:latin typeface="+mn-lt"/>
-                <a:ea typeface="+mn-ea"/>
-                <a:cs typeface="+mn-cs"/>
-              </a:defRPr>
-            </a:lvl7pPr>
-            <a:lvl8pPr marL="3429000" indent="-228600" algn="l" defTabSz="914400" rtl="0" eaLnBrk="1" latinLnBrk="0" hangingPunct="1">
-              <a:spcBef>
-                <a:spcPct val="20000"/>
-              </a:spcBef>
-              <a:buFont typeface="Arial" pitchFamily="34" charset="0"/>
-              <a:buChar char="•"/>
-              <a:defRPr sz="2000" kern="1200">
-                <a:solidFill>
-                  <a:schemeClr val="tx1"/>
-                </a:solidFill>
-                <a:latin typeface="+mn-lt"/>
-                <a:ea typeface="+mn-ea"/>
-                <a:cs typeface="+mn-cs"/>
-              </a:defRPr>
-            </a:lvl8pPr>
-            <a:lvl9pPr marL="3886200" indent="-228600" algn="l" defTabSz="914400" rtl="0" eaLnBrk="1" latinLnBrk="0" hangingPunct="1">
-              <a:spcBef>
-                <a:spcPct val="20000"/>
-              </a:spcBef>
-              <a:buFont typeface="Arial" pitchFamily="34" charset="0"/>
-              <a:buChar char="•"/>
-              <a:defRPr sz="2000" kern="1200">
-                <a:solidFill>
-                  <a:schemeClr val="tx1"/>
-                </a:solidFill>
-                <a:latin typeface="+mn-lt"/>
-                <a:ea typeface="+mn-ea"/>
-                <a:cs typeface="+mn-cs"/>
-              </a:defRPr>
-            </a:lvl9pPr>
-          </a:lstStyle>
-          <a:p>
-            <a:pPr marL="0" indent="0">
-              <a:buSzPct val="100000"/>
-              <a:buNone/>
-            </a:pPr>
-            <a:r>
-              <a:rPr lang="es-PE" sz="2800" b="1" dirty="0" smtClean="0">
-                <a:solidFill>
-                  <a:schemeClr val="bg1"/>
-                </a:solidFill>
-              </a:rPr>
-              <a:t>Más sobre </a:t>
-            </a:r>
-            <a:r>
-              <a:rPr lang="es-PE" sz="2800" b="1" dirty="0" err="1" smtClean="0">
-                <a:solidFill>
-                  <a:schemeClr val="bg1"/>
-                </a:solidFill>
-              </a:rPr>
-              <a:t>Coding</a:t>
-            </a:r>
-            <a:r>
-              <a:rPr lang="es-PE" sz="2800" b="1" dirty="0" smtClean="0">
-                <a:solidFill>
-                  <a:schemeClr val="bg1"/>
-                </a:solidFill>
-              </a:rPr>
-              <a:t> </a:t>
-            </a:r>
-            <a:r>
-              <a:rPr lang="es-PE" sz="2800" b="1" dirty="0" err="1" smtClean="0">
-                <a:solidFill>
-                  <a:schemeClr val="bg1"/>
-                </a:solidFill>
-              </a:rPr>
-              <a:t>Dojo</a:t>
-            </a:r>
-            <a:endParaRPr lang="es-PE" sz="2800" b="1" dirty="0">
-              <a:solidFill>
-                <a:schemeClr val="bg1"/>
-              </a:solidFill>
-            </a:endParaRPr>
-          </a:p>
-          <a:p>
-            <a:pPr marL="0" indent="0">
-              <a:buSzPct val="100000"/>
-              <a:buNone/>
-            </a:pPr>
-            <a:r>
-              <a:rPr lang="es-PE" sz="2400" dirty="0" smtClean="0">
-                <a:solidFill>
-                  <a:schemeClr val="bg1"/>
-                </a:solidFill>
-                <a:cs typeface="Arial" pitchFamily="34" charset="0"/>
-              </a:rPr>
-              <a:t>http</a:t>
-            </a:r>
-            <a:r>
-              <a:rPr lang="es-PE" sz="2400" dirty="0">
-                <a:solidFill>
-                  <a:schemeClr val="bg1"/>
-                </a:solidFill>
-                <a:cs typeface="Arial" pitchFamily="34" charset="0"/>
-              </a:rPr>
-              <a:t>://codingdojo.org/ </a:t>
-            </a:r>
-            <a:r>
-              <a:rPr lang="es-PE" sz="2400" dirty="0" smtClean="0">
-                <a:solidFill>
-                  <a:schemeClr val="bg1"/>
-                </a:solidFill>
-                <a:cs typeface="Arial" pitchFamily="34" charset="0"/>
-              </a:rPr>
-              <a:t>(incluye catálogo </a:t>
-            </a:r>
-            <a:r>
-              <a:rPr lang="es-PE" sz="2400" dirty="0">
-                <a:solidFill>
-                  <a:schemeClr val="bg1"/>
-                </a:solidFill>
-                <a:cs typeface="Arial" pitchFamily="34" charset="0"/>
-              </a:rPr>
-              <a:t>de K</a:t>
-            </a:r>
-            <a:r>
-              <a:rPr lang="es-PE" sz="2400" dirty="0" smtClean="0">
-                <a:solidFill>
-                  <a:schemeClr val="bg1"/>
-                </a:solidFill>
-                <a:cs typeface="Arial" pitchFamily="34" charset="0"/>
-              </a:rPr>
-              <a:t>atas)</a:t>
-            </a:r>
-          </a:p>
-          <a:p>
-            <a:pPr marL="0" indent="0">
-              <a:buSzPct val="100000"/>
-              <a:buNone/>
-            </a:pPr>
-            <a:endParaRPr lang="es-PE" sz="1400" dirty="0">
-              <a:solidFill>
-                <a:schemeClr val="bg1"/>
-              </a:solidFill>
-              <a:cs typeface="Arial" pitchFamily="34" charset="0"/>
-            </a:endParaRPr>
-          </a:p>
-          <a:p>
-            <a:pPr marL="0" indent="0">
-              <a:buSzPct val="100000"/>
-              <a:buNone/>
-            </a:pPr>
-            <a:r>
-              <a:rPr lang="es-PE" sz="2800" b="1" dirty="0" smtClean="0">
-                <a:solidFill>
-                  <a:schemeClr val="bg1"/>
-                </a:solidFill>
-              </a:rPr>
-              <a:t>Comunidad</a:t>
-            </a:r>
-          </a:p>
-          <a:p>
-            <a:pPr marL="0" indent="0">
-              <a:buSzPct val="100000"/>
-              <a:buNone/>
-            </a:pPr>
-            <a:r>
-              <a:rPr lang="es-PE" sz="2400" dirty="0">
-                <a:solidFill>
-                  <a:schemeClr val="bg1"/>
-                </a:solidFill>
-                <a:cs typeface="Arial" pitchFamily="34" charset="0"/>
-              </a:rPr>
-              <a:t>@</a:t>
-            </a:r>
-            <a:r>
-              <a:rPr lang="es-PE" sz="2400" dirty="0" err="1">
-                <a:solidFill>
-                  <a:schemeClr val="bg1"/>
-                </a:solidFill>
-                <a:cs typeface="Arial" pitchFamily="34" charset="0"/>
-              </a:rPr>
-              <a:t>agileperu</a:t>
-            </a:r>
-            <a:r>
-              <a:rPr lang="es-PE" sz="2400" dirty="0">
-                <a:solidFill>
-                  <a:schemeClr val="bg1"/>
-                </a:solidFill>
-                <a:cs typeface="Arial" pitchFamily="34" charset="0"/>
-              </a:rPr>
-              <a:t> </a:t>
-            </a:r>
-            <a:endParaRPr lang="es-PE" sz="2400" dirty="0" smtClean="0">
-              <a:solidFill>
-                <a:schemeClr val="bg1"/>
-              </a:solidFill>
-              <a:cs typeface="Arial" pitchFamily="34" charset="0"/>
-            </a:endParaRPr>
-          </a:p>
-          <a:p>
-            <a:pPr marL="0" indent="0">
-              <a:buSzPct val="100000"/>
-              <a:buNone/>
-            </a:pPr>
-            <a:r>
-              <a:rPr lang="es-PE" sz="2400" dirty="0" smtClean="0">
-                <a:solidFill>
-                  <a:schemeClr val="bg1"/>
-                </a:solidFill>
-                <a:cs typeface="Arial" pitchFamily="34" charset="0"/>
-              </a:rPr>
-              <a:t>https</a:t>
-            </a:r>
-            <a:r>
-              <a:rPr lang="es-PE" sz="2400" dirty="0">
-                <a:solidFill>
-                  <a:schemeClr val="bg1"/>
-                </a:solidFill>
-                <a:cs typeface="Arial" pitchFamily="34" charset="0"/>
-              </a:rPr>
-              <a:t>://groups.google.com/forum/#!</a:t>
-            </a:r>
-            <a:r>
-              <a:rPr lang="es-PE" sz="2400" dirty="0" smtClean="0">
-                <a:solidFill>
-                  <a:schemeClr val="bg1"/>
-                </a:solidFill>
-                <a:cs typeface="Arial" pitchFamily="34" charset="0"/>
-              </a:rPr>
-              <a:t>forum/agileperu </a:t>
-            </a:r>
-          </a:p>
-          <a:p>
-            <a:pPr marL="0" indent="0">
-              <a:buSzPct val="100000"/>
-              <a:buNone/>
-            </a:pPr>
-            <a:endParaRPr lang="es-PE" sz="1400" dirty="0">
-              <a:solidFill>
-                <a:schemeClr val="bg1"/>
-              </a:solidFill>
-              <a:cs typeface="Arial" pitchFamily="34" charset="0"/>
-            </a:endParaRPr>
-          </a:p>
-          <a:p>
-            <a:pPr marL="0" indent="0">
-              <a:buSzPct val="150000"/>
-              <a:buFont typeface="Arial" charset="0"/>
-              <a:buNone/>
-            </a:pPr>
-            <a:r>
-              <a:rPr lang="es-PE" sz="2800" b="1" dirty="0" smtClean="0">
-                <a:solidFill>
-                  <a:schemeClr val="bg1"/>
-                </a:solidFill>
-              </a:rPr>
-              <a:t>Libros</a:t>
-            </a:r>
-          </a:p>
-          <a:p>
-            <a:pPr marL="0" indent="0">
-              <a:buSzPct val="100000"/>
-              <a:buNone/>
-            </a:pPr>
-            <a:r>
-              <a:rPr lang="en-US" sz="2400" dirty="0">
-                <a:solidFill>
-                  <a:schemeClr val="bg1"/>
-                </a:solidFill>
-                <a:cs typeface="Arial" pitchFamily="34" charset="0"/>
-              </a:rPr>
-              <a:t>“Clean Code</a:t>
-            </a:r>
-            <a:r>
-              <a:rPr lang="en-US" sz="2400" dirty="0" smtClean="0">
-                <a:solidFill>
-                  <a:schemeClr val="bg1"/>
-                </a:solidFill>
-                <a:cs typeface="Arial" pitchFamily="34" charset="0"/>
-              </a:rPr>
-              <a:t>”, Robert </a:t>
-            </a:r>
-            <a:r>
-              <a:rPr lang="en-US" sz="2400" dirty="0">
-                <a:solidFill>
-                  <a:schemeClr val="bg1"/>
-                </a:solidFill>
-                <a:cs typeface="Arial" pitchFamily="34" charset="0"/>
-              </a:rPr>
-              <a:t>C. </a:t>
-            </a:r>
-            <a:r>
-              <a:rPr lang="en-US" sz="2400" dirty="0" smtClean="0">
-                <a:solidFill>
-                  <a:schemeClr val="bg1"/>
-                </a:solidFill>
-                <a:cs typeface="Arial" pitchFamily="34" charset="0"/>
-              </a:rPr>
-              <a:t>Martin.</a:t>
-            </a:r>
-            <a:endParaRPr lang="en-US" sz="2400" dirty="0">
-              <a:solidFill>
-                <a:schemeClr val="bg1"/>
-              </a:solidFill>
-              <a:cs typeface="Arial" pitchFamily="34" charset="0"/>
-            </a:endParaRPr>
-          </a:p>
-          <a:p>
-            <a:pPr marL="0" indent="0">
-              <a:buSzPct val="100000"/>
-              <a:buNone/>
-            </a:pPr>
-            <a:r>
-              <a:rPr lang="en-US" sz="2400" dirty="0">
-                <a:solidFill>
-                  <a:schemeClr val="bg1"/>
-                </a:solidFill>
-                <a:cs typeface="Arial" pitchFamily="34" charset="0"/>
-              </a:rPr>
-              <a:t>“Test Driven Development by Example”, Kent </a:t>
-            </a:r>
-            <a:r>
-              <a:rPr lang="en-US" sz="2400" dirty="0" smtClean="0">
-                <a:solidFill>
-                  <a:schemeClr val="bg1"/>
-                </a:solidFill>
-                <a:cs typeface="Arial" pitchFamily="34" charset="0"/>
-              </a:rPr>
-              <a:t>Beck.</a:t>
-            </a:r>
-            <a:endParaRPr lang="en-US" sz="2400" dirty="0">
-              <a:solidFill>
-                <a:schemeClr val="bg1"/>
-              </a:solidFill>
-              <a:cs typeface="Arial" pitchFamily="34" charset="0"/>
-            </a:endParaRPr>
-          </a:p>
-          <a:p>
-            <a:pPr marL="0" indent="0">
-              <a:buSzPct val="100000"/>
-              <a:buNone/>
-            </a:pPr>
-            <a:r>
-              <a:rPr lang="en-US" sz="2400" dirty="0">
-                <a:solidFill>
-                  <a:schemeClr val="bg1"/>
-                </a:solidFill>
-                <a:cs typeface="Arial" pitchFamily="34" charset="0"/>
-              </a:rPr>
-              <a:t>"Refactoring </a:t>
-            </a:r>
-            <a:r>
-              <a:rPr lang="en-US" sz="2400" dirty="0" smtClean="0">
-                <a:solidFill>
-                  <a:schemeClr val="bg1"/>
-                </a:solidFill>
-                <a:cs typeface="Arial" pitchFamily="34" charset="0"/>
-              </a:rPr>
-              <a:t>, Improving </a:t>
-            </a:r>
-            <a:r>
-              <a:rPr lang="en-US" sz="2400" dirty="0">
-                <a:solidFill>
-                  <a:schemeClr val="bg1"/>
-                </a:solidFill>
-                <a:cs typeface="Arial" pitchFamily="34" charset="0"/>
-              </a:rPr>
-              <a:t>the Design of Existing </a:t>
-            </a:r>
-            <a:r>
-              <a:rPr lang="en-US" sz="2400" dirty="0" smtClean="0">
-                <a:solidFill>
-                  <a:schemeClr val="bg1"/>
-                </a:solidFill>
-                <a:cs typeface="Arial" pitchFamily="34" charset="0"/>
-              </a:rPr>
-              <a:t>Code”, M. Fowler.</a:t>
-            </a:r>
-            <a:endParaRPr lang="en-US" sz="2400" dirty="0">
-              <a:solidFill>
-                <a:schemeClr val="bg1"/>
-              </a:solidFill>
-              <a:cs typeface="Arial" pitchFamily="34" charset="0"/>
-            </a:endParaRPr>
-          </a:p>
-          <a:p>
-            <a:pPr marL="0" indent="0">
-              <a:buSzPct val="100000"/>
-              <a:buNone/>
-            </a:pPr>
-            <a:r>
-              <a:rPr lang="en-US" sz="2400" dirty="0">
-                <a:solidFill>
-                  <a:schemeClr val="bg1"/>
-                </a:solidFill>
-                <a:cs typeface="Arial" pitchFamily="34" charset="0"/>
-              </a:rPr>
-              <a:t>“The Art of Agile Development</a:t>
-            </a:r>
-            <a:r>
-              <a:rPr lang="en-US" sz="2400" dirty="0" smtClean="0">
-                <a:solidFill>
-                  <a:schemeClr val="bg1"/>
-                </a:solidFill>
-                <a:cs typeface="Arial" pitchFamily="34" charset="0"/>
-              </a:rPr>
-              <a:t>”, James Shore.</a:t>
-            </a:r>
-            <a:endParaRPr lang="es-PE" sz="2400" dirty="0">
-              <a:solidFill>
-                <a:schemeClr val="bg1"/>
-              </a:solidFill>
-              <a:cs typeface="Arial" pitchFamily="34" charset="0"/>
-            </a:endParaRPr>
-          </a:p>
-        </p:txBody>
-      </p:sp>
+      </p:pic>
     </p:spTree>
     <p:extLst>
       <p:ext uri="{BB962C8B-B14F-4D97-AF65-F5344CB8AC3E}">
-        <p14:creationId xmlns:p14="http://schemas.microsoft.com/office/powerpoint/2010/main" val="2571467541"/>
+        <p14:creationId xmlns:p14="http://schemas.microsoft.com/office/powerpoint/2010/main" val="54196530"/>
       </p:ext>
     </p:extLst>
   </p:cSld>
@@ -6411,798 +6663,7 @@
   <p:timing>
     <p:tnLst>
       <p:par>
-        <p:cTn id="1" dur="indefinite" restart="never" nodeType="tmRoot"/>
-      </p:par>
-    </p:tnLst>
-  </p:timing>
-</p:sld>
-</file>
-
-<file path=ppt/slides/slide12.xml><?xml version="1.0" encoding="utf-8"?>
-<p:sld xmlns:a="http://schemas.openxmlformats.org/drawingml/2006/main" xmlns:r="http://schemas.openxmlformats.org/officeDocument/2006/relationships" xmlns:p="http://schemas.openxmlformats.org/presentationml/2006/main">
-  <p:cSld>
-    <p:spTree>
-      <p:nvGrpSpPr>
-        <p:cNvPr id="1" name=""/>
-        <p:cNvGrpSpPr/>
-        <p:nvPr/>
-      </p:nvGrpSpPr>
-      <p:grpSpPr>
-        <a:xfrm>
-          <a:off x="0" y="0"/>
-          <a:ext cx="0" cy="0"/>
-          <a:chOff x="0" y="0"/>
-          <a:chExt cx="0" cy="0"/>
-        </a:xfrm>
-      </p:grpSpPr>
-      <p:sp>
-        <p:nvSpPr>
-          <p:cNvPr id="5" name="Text Box 2"/>
-          <p:cNvSpPr txBox="1">
-            <a:spLocks noChangeArrowheads="1"/>
-          </p:cNvSpPr>
-          <p:nvPr/>
-        </p:nvSpPr>
-        <p:spPr bwMode="auto">
-          <a:xfrm>
-            <a:off x="457200" y="2256960"/>
-            <a:ext cx="8077200" cy="1600200"/>
-          </a:xfrm>
-          <a:prstGeom prst="rect">
-            <a:avLst/>
-          </a:prstGeom>
-          <a:noFill/>
-          <a:ln>
-            <a:noFill/>
-          </a:ln>
-          <a:extLst>
-            <a:ext uri="{909E8E84-426E-40DD-AFC4-6F175D3DCCD1}">
-              <a14:hiddenFill xmlns:a14="http://schemas.microsoft.com/office/drawing/2010/main">
-                <a:solidFill>
-                  <a:srgbClr val="FFFFFF"/>
-                </a:solidFill>
-              </a14:hiddenFill>
-            </a:ext>
-            <a:ext uri="{91240B29-F687-4F45-9708-019B960494DF}">
-              <a14:hiddenLine xmlns:a14="http://schemas.microsoft.com/office/drawing/2010/main" w="9525">
-                <a:solidFill>
-                  <a:srgbClr val="000000"/>
-                </a:solidFill>
-                <a:round/>
-                <a:headEnd/>
-                <a:tailEnd/>
-              </a14:hiddenLine>
-            </a:ext>
-          </a:extLst>
-        </p:spPr>
-        <p:txBody>
-          <a:bodyPr lIns="90000" tIns="46800" rIns="90000" bIns="46800"/>
-          <a:lstStyle>
-            <a:lvl1pPr marL="315913" indent="-315913" eaLnBrk="0" hangingPunct="0">
-              <a:tabLst>
-                <a:tab pos="315913" algn="l"/>
-                <a:tab pos="773113" algn="l"/>
-                <a:tab pos="1230313" algn="l"/>
-                <a:tab pos="1687513" algn="l"/>
-                <a:tab pos="2144713" algn="l"/>
-                <a:tab pos="2601913" algn="l"/>
-                <a:tab pos="3059113" algn="l"/>
-                <a:tab pos="3516313" algn="l"/>
-                <a:tab pos="3973513" algn="l"/>
-                <a:tab pos="4430713" algn="l"/>
-                <a:tab pos="4887913" algn="l"/>
-                <a:tab pos="5345113" algn="l"/>
-                <a:tab pos="5802313" algn="l"/>
-                <a:tab pos="6259513" algn="l"/>
-                <a:tab pos="6716713" algn="l"/>
-                <a:tab pos="7173913" algn="l"/>
-                <a:tab pos="7631113" algn="l"/>
-                <a:tab pos="8088313" algn="l"/>
-                <a:tab pos="8545513" algn="l"/>
-                <a:tab pos="9002713" algn="l"/>
-                <a:tab pos="9459913" algn="l"/>
-              </a:tabLst>
-              <a:defRPr sz="2400">
-                <a:solidFill>
-                  <a:schemeClr val="tx1"/>
-                </a:solidFill>
-                <a:latin typeface="Arial" pitchFamily="34" charset="0"/>
-                <a:ea typeface="ＭＳ Ｐゴシック" pitchFamily="34" charset="-128"/>
-              </a:defRPr>
-            </a:lvl1pPr>
-            <a:lvl2pPr marL="742950" indent="-285750" eaLnBrk="0" hangingPunct="0">
-              <a:tabLst>
-                <a:tab pos="315913" algn="l"/>
-                <a:tab pos="773113" algn="l"/>
-                <a:tab pos="1230313" algn="l"/>
-                <a:tab pos="1687513" algn="l"/>
-                <a:tab pos="2144713" algn="l"/>
-                <a:tab pos="2601913" algn="l"/>
-                <a:tab pos="3059113" algn="l"/>
-                <a:tab pos="3516313" algn="l"/>
-                <a:tab pos="3973513" algn="l"/>
-                <a:tab pos="4430713" algn="l"/>
-                <a:tab pos="4887913" algn="l"/>
-                <a:tab pos="5345113" algn="l"/>
-                <a:tab pos="5802313" algn="l"/>
-                <a:tab pos="6259513" algn="l"/>
-                <a:tab pos="6716713" algn="l"/>
-                <a:tab pos="7173913" algn="l"/>
-                <a:tab pos="7631113" algn="l"/>
-                <a:tab pos="8088313" algn="l"/>
-                <a:tab pos="8545513" algn="l"/>
-                <a:tab pos="9002713" algn="l"/>
-                <a:tab pos="9459913" algn="l"/>
-              </a:tabLst>
-              <a:defRPr sz="2400">
-                <a:solidFill>
-                  <a:schemeClr val="tx1"/>
-                </a:solidFill>
-                <a:latin typeface="Arial" pitchFamily="34" charset="0"/>
-                <a:ea typeface="ＭＳ Ｐゴシック" pitchFamily="34" charset="-128"/>
-              </a:defRPr>
-            </a:lvl2pPr>
-            <a:lvl3pPr marL="1143000" indent="-228600" eaLnBrk="0" hangingPunct="0">
-              <a:tabLst>
-                <a:tab pos="315913" algn="l"/>
-                <a:tab pos="773113" algn="l"/>
-                <a:tab pos="1230313" algn="l"/>
-                <a:tab pos="1687513" algn="l"/>
-                <a:tab pos="2144713" algn="l"/>
-                <a:tab pos="2601913" algn="l"/>
-                <a:tab pos="3059113" algn="l"/>
-                <a:tab pos="3516313" algn="l"/>
-                <a:tab pos="3973513" algn="l"/>
-                <a:tab pos="4430713" algn="l"/>
-                <a:tab pos="4887913" algn="l"/>
-                <a:tab pos="5345113" algn="l"/>
-                <a:tab pos="5802313" algn="l"/>
-                <a:tab pos="6259513" algn="l"/>
-                <a:tab pos="6716713" algn="l"/>
-                <a:tab pos="7173913" algn="l"/>
-                <a:tab pos="7631113" algn="l"/>
-                <a:tab pos="8088313" algn="l"/>
-                <a:tab pos="8545513" algn="l"/>
-                <a:tab pos="9002713" algn="l"/>
-                <a:tab pos="9459913" algn="l"/>
-              </a:tabLst>
-              <a:defRPr sz="2400">
-                <a:solidFill>
-                  <a:schemeClr val="tx1"/>
-                </a:solidFill>
-                <a:latin typeface="Arial" pitchFamily="34" charset="0"/>
-                <a:ea typeface="ＭＳ Ｐゴシック" pitchFamily="34" charset="-128"/>
-              </a:defRPr>
-            </a:lvl3pPr>
-            <a:lvl4pPr marL="1600200" indent="-228600" eaLnBrk="0" hangingPunct="0">
-              <a:tabLst>
-                <a:tab pos="315913" algn="l"/>
-                <a:tab pos="773113" algn="l"/>
-                <a:tab pos="1230313" algn="l"/>
-                <a:tab pos="1687513" algn="l"/>
-                <a:tab pos="2144713" algn="l"/>
-                <a:tab pos="2601913" algn="l"/>
-                <a:tab pos="3059113" algn="l"/>
-                <a:tab pos="3516313" algn="l"/>
-                <a:tab pos="3973513" algn="l"/>
-                <a:tab pos="4430713" algn="l"/>
-                <a:tab pos="4887913" algn="l"/>
-                <a:tab pos="5345113" algn="l"/>
-                <a:tab pos="5802313" algn="l"/>
-                <a:tab pos="6259513" algn="l"/>
-                <a:tab pos="6716713" algn="l"/>
-                <a:tab pos="7173913" algn="l"/>
-                <a:tab pos="7631113" algn="l"/>
-                <a:tab pos="8088313" algn="l"/>
-                <a:tab pos="8545513" algn="l"/>
-                <a:tab pos="9002713" algn="l"/>
-                <a:tab pos="9459913" algn="l"/>
-              </a:tabLst>
-              <a:defRPr sz="2400">
-                <a:solidFill>
-                  <a:schemeClr val="tx1"/>
-                </a:solidFill>
-                <a:latin typeface="Arial" pitchFamily="34" charset="0"/>
-                <a:ea typeface="ＭＳ Ｐゴシック" pitchFamily="34" charset="-128"/>
-              </a:defRPr>
-            </a:lvl4pPr>
-            <a:lvl5pPr marL="2057400" indent="-228600" eaLnBrk="0" hangingPunct="0">
-              <a:tabLst>
-                <a:tab pos="315913" algn="l"/>
-                <a:tab pos="773113" algn="l"/>
-                <a:tab pos="1230313" algn="l"/>
-                <a:tab pos="1687513" algn="l"/>
-                <a:tab pos="2144713" algn="l"/>
-                <a:tab pos="2601913" algn="l"/>
-                <a:tab pos="3059113" algn="l"/>
-                <a:tab pos="3516313" algn="l"/>
-                <a:tab pos="3973513" algn="l"/>
-                <a:tab pos="4430713" algn="l"/>
-                <a:tab pos="4887913" algn="l"/>
-                <a:tab pos="5345113" algn="l"/>
-                <a:tab pos="5802313" algn="l"/>
-                <a:tab pos="6259513" algn="l"/>
-                <a:tab pos="6716713" algn="l"/>
-                <a:tab pos="7173913" algn="l"/>
-                <a:tab pos="7631113" algn="l"/>
-                <a:tab pos="8088313" algn="l"/>
-                <a:tab pos="8545513" algn="l"/>
-                <a:tab pos="9002713" algn="l"/>
-                <a:tab pos="9459913" algn="l"/>
-              </a:tabLst>
-              <a:defRPr sz="2400">
-                <a:solidFill>
-                  <a:schemeClr val="tx1"/>
-                </a:solidFill>
-                <a:latin typeface="Arial" pitchFamily="34" charset="0"/>
-                <a:ea typeface="ＭＳ Ｐゴシック" pitchFamily="34" charset="-128"/>
-              </a:defRPr>
-            </a:lvl5pPr>
-            <a:lvl6pPr marL="2514600" indent="-228600" eaLnBrk="0" fontAlgn="base" hangingPunct="0">
-              <a:spcBef>
-                <a:spcPct val="0"/>
-              </a:spcBef>
-              <a:spcAft>
-                <a:spcPct val="0"/>
-              </a:spcAft>
-              <a:tabLst>
-                <a:tab pos="315913" algn="l"/>
-                <a:tab pos="773113" algn="l"/>
-                <a:tab pos="1230313" algn="l"/>
-                <a:tab pos="1687513" algn="l"/>
-                <a:tab pos="2144713" algn="l"/>
-                <a:tab pos="2601913" algn="l"/>
-                <a:tab pos="3059113" algn="l"/>
-                <a:tab pos="3516313" algn="l"/>
-                <a:tab pos="3973513" algn="l"/>
-                <a:tab pos="4430713" algn="l"/>
-                <a:tab pos="4887913" algn="l"/>
-                <a:tab pos="5345113" algn="l"/>
-                <a:tab pos="5802313" algn="l"/>
-                <a:tab pos="6259513" algn="l"/>
-                <a:tab pos="6716713" algn="l"/>
-                <a:tab pos="7173913" algn="l"/>
-                <a:tab pos="7631113" algn="l"/>
-                <a:tab pos="8088313" algn="l"/>
-                <a:tab pos="8545513" algn="l"/>
-                <a:tab pos="9002713" algn="l"/>
-                <a:tab pos="9459913" algn="l"/>
-              </a:tabLst>
-              <a:defRPr sz="2400">
-                <a:solidFill>
-                  <a:schemeClr val="tx1"/>
-                </a:solidFill>
-                <a:latin typeface="Arial" pitchFamily="34" charset="0"/>
-                <a:ea typeface="ＭＳ Ｐゴシック" pitchFamily="34" charset="-128"/>
-              </a:defRPr>
-            </a:lvl6pPr>
-            <a:lvl7pPr marL="2971800" indent="-228600" eaLnBrk="0" fontAlgn="base" hangingPunct="0">
-              <a:spcBef>
-                <a:spcPct val="0"/>
-              </a:spcBef>
-              <a:spcAft>
-                <a:spcPct val="0"/>
-              </a:spcAft>
-              <a:tabLst>
-                <a:tab pos="315913" algn="l"/>
-                <a:tab pos="773113" algn="l"/>
-                <a:tab pos="1230313" algn="l"/>
-                <a:tab pos="1687513" algn="l"/>
-                <a:tab pos="2144713" algn="l"/>
-                <a:tab pos="2601913" algn="l"/>
-                <a:tab pos="3059113" algn="l"/>
-                <a:tab pos="3516313" algn="l"/>
-                <a:tab pos="3973513" algn="l"/>
-                <a:tab pos="4430713" algn="l"/>
-                <a:tab pos="4887913" algn="l"/>
-                <a:tab pos="5345113" algn="l"/>
-                <a:tab pos="5802313" algn="l"/>
-                <a:tab pos="6259513" algn="l"/>
-                <a:tab pos="6716713" algn="l"/>
-                <a:tab pos="7173913" algn="l"/>
-                <a:tab pos="7631113" algn="l"/>
-                <a:tab pos="8088313" algn="l"/>
-                <a:tab pos="8545513" algn="l"/>
-                <a:tab pos="9002713" algn="l"/>
-                <a:tab pos="9459913" algn="l"/>
-              </a:tabLst>
-              <a:defRPr sz="2400">
-                <a:solidFill>
-                  <a:schemeClr val="tx1"/>
-                </a:solidFill>
-                <a:latin typeface="Arial" pitchFamily="34" charset="0"/>
-                <a:ea typeface="ＭＳ Ｐゴシック" pitchFamily="34" charset="-128"/>
-              </a:defRPr>
-            </a:lvl7pPr>
-            <a:lvl8pPr marL="3429000" indent="-228600" eaLnBrk="0" fontAlgn="base" hangingPunct="0">
-              <a:spcBef>
-                <a:spcPct val="0"/>
-              </a:spcBef>
-              <a:spcAft>
-                <a:spcPct val="0"/>
-              </a:spcAft>
-              <a:tabLst>
-                <a:tab pos="315913" algn="l"/>
-                <a:tab pos="773113" algn="l"/>
-                <a:tab pos="1230313" algn="l"/>
-                <a:tab pos="1687513" algn="l"/>
-                <a:tab pos="2144713" algn="l"/>
-                <a:tab pos="2601913" algn="l"/>
-                <a:tab pos="3059113" algn="l"/>
-                <a:tab pos="3516313" algn="l"/>
-                <a:tab pos="3973513" algn="l"/>
-                <a:tab pos="4430713" algn="l"/>
-                <a:tab pos="4887913" algn="l"/>
-                <a:tab pos="5345113" algn="l"/>
-                <a:tab pos="5802313" algn="l"/>
-                <a:tab pos="6259513" algn="l"/>
-                <a:tab pos="6716713" algn="l"/>
-                <a:tab pos="7173913" algn="l"/>
-                <a:tab pos="7631113" algn="l"/>
-                <a:tab pos="8088313" algn="l"/>
-                <a:tab pos="8545513" algn="l"/>
-                <a:tab pos="9002713" algn="l"/>
-                <a:tab pos="9459913" algn="l"/>
-              </a:tabLst>
-              <a:defRPr sz="2400">
-                <a:solidFill>
-                  <a:schemeClr val="tx1"/>
-                </a:solidFill>
-                <a:latin typeface="Arial" pitchFamily="34" charset="0"/>
-                <a:ea typeface="ＭＳ Ｐゴシック" pitchFamily="34" charset="-128"/>
-              </a:defRPr>
-            </a:lvl8pPr>
-            <a:lvl9pPr marL="3886200" indent="-228600" eaLnBrk="0" fontAlgn="base" hangingPunct="0">
-              <a:spcBef>
-                <a:spcPct val="0"/>
-              </a:spcBef>
-              <a:spcAft>
-                <a:spcPct val="0"/>
-              </a:spcAft>
-              <a:tabLst>
-                <a:tab pos="315913" algn="l"/>
-                <a:tab pos="773113" algn="l"/>
-                <a:tab pos="1230313" algn="l"/>
-                <a:tab pos="1687513" algn="l"/>
-                <a:tab pos="2144713" algn="l"/>
-                <a:tab pos="2601913" algn="l"/>
-                <a:tab pos="3059113" algn="l"/>
-                <a:tab pos="3516313" algn="l"/>
-                <a:tab pos="3973513" algn="l"/>
-                <a:tab pos="4430713" algn="l"/>
-                <a:tab pos="4887913" algn="l"/>
-                <a:tab pos="5345113" algn="l"/>
-                <a:tab pos="5802313" algn="l"/>
-                <a:tab pos="6259513" algn="l"/>
-                <a:tab pos="6716713" algn="l"/>
-                <a:tab pos="7173913" algn="l"/>
-                <a:tab pos="7631113" algn="l"/>
-                <a:tab pos="8088313" algn="l"/>
-                <a:tab pos="8545513" algn="l"/>
-                <a:tab pos="9002713" algn="l"/>
-                <a:tab pos="9459913" algn="l"/>
-              </a:tabLst>
-              <a:defRPr sz="2400">
-                <a:solidFill>
-                  <a:schemeClr val="tx1"/>
-                </a:solidFill>
-                <a:latin typeface="Arial" pitchFamily="34" charset="0"/>
-                <a:ea typeface="ＭＳ Ｐゴシック" pitchFamily="34" charset="-128"/>
-              </a:defRPr>
-            </a:lvl9pPr>
-          </a:lstStyle>
-          <a:p>
-            <a:pPr algn="ctr" eaLnBrk="1" hangingPunct="1">
-              <a:spcBef>
-                <a:spcPts val="700"/>
-              </a:spcBef>
-              <a:buClr>
-                <a:srgbClr val="F6640A"/>
-              </a:buClr>
-              <a:buSzPct val="60000"/>
-            </a:pPr>
-            <a:r>
-              <a:rPr lang="es-ES" sz="2800" dirty="0">
-                <a:solidFill>
-                  <a:srgbClr val="404040"/>
-                </a:solidFill>
-                <a:latin typeface="+mj-lt"/>
-              </a:rPr>
-              <a:t>Somos una empresa de consultoría en </a:t>
-            </a:r>
-            <a:r>
-              <a:rPr lang="es-ES" sz="2800" b="1" dirty="0">
-                <a:solidFill>
-                  <a:srgbClr val="404040"/>
-                </a:solidFill>
-                <a:latin typeface="+mj-lt"/>
-              </a:rPr>
-              <a:t>métodos ágiles </a:t>
-            </a:r>
-            <a:r>
-              <a:rPr lang="es-ES" sz="2800" dirty="0">
-                <a:solidFill>
-                  <a:srgbClr val="404040"/>
-                </a:solidFill>
-                <a:latin typeface="+mj-lt"/>
-              </a:rPr>
-              <a:t>que brinda training, </a:t>
-            </a:r>
-            <a:r>
-              <a:rPr lang="es-ES" sz="2800" dirty="0" err="1">
-                <a:solidFill>
-                  <a:srgbClr val="404040"/>
-                </a:solidFill>
-                <a:latin typeface="+mj-lt"/>
-              </a:rPr>
-              <a:t>mentoría</a:t>
-            </a:r>
-            <a:r>
-              <a:rPr lang="es-ES" sz="2800" dirty="0">
-                <a:solidFill>
-                  <a:srgbClr val="404040"/>
-                </a:solidFill>
-                <a:latin typeface="+mj-lt"/>
-              </a:rPr>
-              <a:t> y </a:t>
-            </a:r>
-            <a:r>
-              <a:rPr lang="es-ES" sz="2800" dirty="0" err="1">
-                <a:solidFill>
-                  <a:srgbClr val="404040"/>
-                </a:solidFill>
-                <a:latin typeface="+mj-lt"/>
-              </a:rPr>
-              <a:t>coaching</a:t>
-            </a:r>
-            <a:r>
-              <a:rPr lang="es-ES" sz="2800" dirty="0">
-                <a:solidFill>
-                  <a:srgbClr val="404040"/>
-                </a:solidFill>
-                <a:latin typeface="+mj-lt"/>
-              </a:rPr>
-              <a:t> en Scrum, Extreme </a:t>
-            </a:r>
-            <a:r>
-              <a:rPr lang="es-ES" sz="2800" dirty="0" err="1">
-                <a:solidFill>
-                  <a:srgbClr val="404040"/>
-                </a:solidFill>
-                <a:latin typeface="+mj-lt"/>
-              </a:rPr>
-              <a:t>Programming</a:t>
-            </a:r>
-            <a:r>
-              <a:rPr lang="es-ES" sz="2800" dirty="0">
-                <a:solidFill>
-                  <a:srgbClr val="404040"/>
-                </a:solidFill>
-                <a:latin typeface="+mj-lt"/>
-              </a:rPr>
-              <a:t> y </a:t>
-            </a:r>
-            <a:r>
-              <a:rPr lang="es-ES" sz="2800" dirty="0" err="1">
-                <a:solidFill>
-                  <a:srgbClr val="404040"/>
-                </a:solidFill>
-                <a:latin typeface="+mj-lt"/>
-              </a:rPr>
-              <a:t>Kanban</a:t>
-            </a:r>
-            <a:r>
-              <a:rPr lang="es-ES" sz="2800" dirty="0">
-                <a:solidFill>
-                  <a:srgbClr val="404040"/>
-                </a:solidFill>
-                <a:latin typeface="+mj-lt"/>
-              </a:rPr>
-              <a:t>.</a:t>
-            </a:r>
-            <a:endParaRPr lang="es-PE" sz="2800" dirty="0">
-              <a:solidFill>
-                <a:srgbClr val="404040"/>
-              </a:solidFill>
-              <a:latin typeface="+mj-lt"/>
-            </a:endParaRPr>
-          </a:p>
-        </p:txBody>
-      </p:sp>
-      <p:grpSp>
-        <p:nvGrpSpPr>
-          <p:cNvPr id="6" name="8 Grupo"/>
-          <p:cNvGrpSpPr>
-            <a:grpSpLocks/>
-          </p:cNvGrpSpPr>
-          <p:nvPr/>
-        </p:nvGrpSpPr>
-        <p:grpSpPr bwMode="auto">
-          <a:xfrm>
-            <a:off x="3060386" y="188640"/>
-            <a:ext cx="3039102" cy="1987754"/>
-            <a:chOff x="389808" y="5672352"/>
-            <a:chExt cx="1720177" cy="1072114"/>
-          </a:xfrm>
-        </p:grpSpPr>
-        <p:pic>
-          <p:nvPicPr>
-            <p:cNvPr id="7" name="Picture 6" descr="C:\Gustavo\Open Edge\Logos\OET_Logos\logo_96.png"/>
-            <p:cNvPicPr>
-              <a:picLocks noChangeAspect="1" noChangeArrowheads="1"/>
-            </p:cNvPicPr>
-            <p:nvPr/>
-          </p:nvPicPr>
-          <p:blipFill>
-            <a:blip r:embed="rId3">
-              <a:extLst>
-                <a:ext uri="{28A0092B-C50C-407E-A947-70E740481C1C}">
-                  <a14:useLocalDpi xmlns:a14="http://schemas.microsoft.com/office/drawing/2010/main" val="0"/>
-                </a:ext>
-              </a:extLst>
-            </a:blip>
-            <a:srcRect t="21286" b="21951"/>
-            <a:stretch>
-              <a:fillRect/>
-            </a:stretch>
-          </p:blipFill>
-          <p:spPr bwMode="auto">
-            <a:xfrm>
-              <a:off x="457200" y="5672352"/>
-              <a:ext cx="1600200" cy="908317"/>
-            </a:xfrm>
-            <a:prstGeom prst="rect">
-              <a:avLst/>
-            </a:prstGeom>
-            <a:noFill/>
-            <a:ln>
-              <a:noFill/>
-            </a:ln>
-            <a:extLst>
-              <a:ext uri="{909E8E84-426E-40DD-AFC4-6F175D3DCCD1}">
-                <a14:hiddenFill xmlns:a14="http://schemas.microsoft.com/office/drawing/2010/main">
-                  <a:solidFill>
-                    <a:srgbClr val="FFFFFF"/>
-                  </a:solidFill>
-                </a14:hiddenFill>
-              </a:ext>
-              <a:ext uri="{91240B29-F687-4F45-9708-019B960494DF}">
-                <a14:hiddenLine xmlns:a14="http://schemas.microsoft.com/office/drawing/2010/main" w="9525">
-                  <a:solidFill>
-                    <a:srgbClr val="000000"/>
-                  </a:solidFill>
-                  <a:miter lim="800000"/>
-                  <a:headEnd/>
-                  <a:tailEnd/>
-                </a14:hiddenLine>
-              </a:ext>
-            </a:extLst>
-          </p:spPr>
-        </p:pic>
-        <p:sp>
-          <p:nvSpPr>
-            <p:cNvPr id="8" name="7 Rectángulo"/>
-            <p:cNvSpPr>
-              <a:spLocks noChangeArrowheads="1"/>
-            </p:cNvSpPr>
-            <p:nvPr/>
-          </p:nvSpPr>
-          <p:spPr bwMode="auto">
-            <a:xfrm>
-              <a:off x="389808" y="6528663"/>
-              <a:ext cx="1720177" cy="215803"/>
-            </a:xfrm>
-            <a:prstGeom prst="rect">
-              <a:avLst/>
-            </a:prstGeom>
-            <a:noFill/>
-            <a:ln>
-              <a:noFill/>
-            </a:ln>
-            <a:extLst>
-              <a:ext uri="{909E8E84-426E-40DD-AFC4-6F175D3DCCD1}">
-                <a14:hiddenFill xmlns:a14="http://schemas.microsoft.com/office/drawing/2010/main">
-                  <a:solidFill>
-                    <a:srgbClr val="FFFFFF"/>
-                  </a:solidFill>
-                </a14:hiddenFill>
-              </a:ext>
-              <a:ext uri="{91240B29-F687-4F45-9708-019B960494DF}">
-                <a14:hiddenLine xmlns:a14="http://schemas.microsoft.com/office/drawing/2010/main" w="9525">
-                  <a:solidFill>
-                    <a:srgbClr val="000000"/>
-                  </a:solidFill>
-                  <a:miter lim="800000"/>
-                  <a:headEnd/>
-                  <a:tailEnd/>
-                </a14:hiddenLine>
-              </a:ext>
-            </a:extLst>
-          </p:spPr>
-          <p:txBody>
-            <a:bodyPr wrap="none">
-              <a:spAutoFit/>
-            </a:bodyPr>
-            <a:lstStyle/>
-            <a:p>
-              <a:pPr algn="ctr"/>
-              <a:r>
-                <a:rPr lang="es-PE" sz="2000" b="1" dirty="0">
-                  <a:solidFill>
-                    <a:schemeClr val="bg1"/>
-                  </a:solidFill>
-                  <a:latin typeface="Cambria" pitchFamily="18" charset="0"/>
-                </a:rPr>
-                <a:t>www.openedgetech.com</a:t>
-              </a:r>
-              <a:endParaRPr lang="es-ES" sz="2000" b="1" dirty="0">
-                <a:solidFill>
-                  <a:schemeClr val="bg1"/>
-                </a:solidFill>
-              </a:endParaRPr>
-            </a:p>
-          </p:txBody>
-        </p:sp>
-      </p:grpSp>
-      <p:grpSp>
-        <p:nvGrpSpPr>
-          <p:cNvPr id="3" name="2 Grupo"/>
-          <p:cNvGrpSpPr/>
-          <p:nvPr/>
-        </p:nvGrpSpPr>
-        <p:grpSpPr>
-          <a:xfrm>
-            <a:off x="932657" y="3904586"/>
-            <a:ext cx="7278687" cy="2489200"/>
-            <a:chOff x="1154113" y="4186238"/>
-            <a:chExt cx="7278687" cy="2489200"/>
-          </a:xfrm>
-        </p:grpSpPr>
-        <p:pic>
-          <p:nvPicPr>
-            <p:cNvPr id="10" name="Picture 7"/>
-            <p:cNvPicPr>
-              <a:picLocks noChangeAspect="1"/>
-            </p:cNvPicPr>
-            <p:nvPr/>
-          </p:nvPicPr>
-          <p:blipFill>
-            <a:blip r:embed="rId4">
-              <a:extLst>
-                <a:ext uri="{28A0092B-C50C-407E-A947-70E740481C1C}">
-                  <a14:useLocalDpi xmlns:a14="http://schemas.microsoft.com/office/drawing/2010/main" val="0"/>
-                </a:ext>
-              </a:extLst>
-            </a:blip>
-            <a:srcRect/>
-            <a:stretch>
-              <a:fillRect/>
-            </a:stretch>
-          </p:blipFill>
-          <p:spPr bwMode="auto">
-            <a:xfrm>
-              <a:off x="1154113" y="4186238"/>
-              <a:ext cx="3281362" cy="2462212"/>
-            </a:xfrm>
-            <a:prstGeom prst="rect">
-              <a:avLst/>
-            </a:prstGeom>
-            <a:noFill/>
-            <a:ln>
-              <a:noFill/>
-            </a:ln>
-            <a:effectLst>
-              <a:outerShdw blurRad="292100" dist="139700" dir="2700000" algn="tl" rotWithShape="0">
-                <a:srgbClr val="333333">
-                  <a:alpha val="64999"/>
-                </a:srgbClr>
-              </a:outerShdw>
-            </a:effectLst>
-            <a:extLst>
-              <a:ext uri="{909E8E84-426E-40DD-AFC4-6F175D3DCCD1}">
-                <a14:hiddenFill xmlns:a14="http://schemas.microsoft.com/office/drawing/2010/main">
-                  <a:solidFill>
-                    <a:srgbClr val="FFFFFF"/>
-                  </a:solidFill>
-                </a14:hiddenFill>
-              </a:ext>
-              <a:ext uri="{91240B29-F687-4F45-9708-019B960494DF}">
-                <a14:hiddenLine xmlns:a14="http://schemas.microsoft.com/office/drawing/2010/main" w="9525">
-                  <a:solidFill>
-                    <a:srgbClr val="000000"/>
-                  </a:solidFill>
-                  <a:miter lim="800000"/>
-                  <a:headEnd/>
-                  <a:tailEnd/>
-                </a14:hiddenLine>
-              </a:ext>
-            </a:extLst>
-          </p:spPr>
-        </p:pic>
-        <p:pic>
-          <p:nvPicPr>
-            <p:cNvPr id="11" name="Picture 8"/>
-            <p:cNvPicPr>
-              <a:picLocks noChangeAspect="1"/>
-            </p:cNvPicPr>
-            <p:nvPr/>
-          </p:nvPicPr>
-          <p:blipFill>
-            <a:blip r:embed="rId5">
-              <a:extLst>
-                <a:ext uri="{28A0092B-C50C-407E-A947-70E740481C1C}">
-                  <a14:useLocalDpi xmlns:a14="http://schemas.microsoft.com/office/drawing/2010/main" val="0"/>
-                </a:ext>
-              </a:extLst>
-            </a:blip>
-            <a:srcRect/>
-            <a:stretch>
-              <a:fillRect/>
-            </a:stretch>
-          </p:blipFill>
-          <p:spPr bwMode="auto">
-            <a:xfrm>
-              <a:off x="5114925" y="4186238"/>
-              <a:ext cx="3317875" cy="2489200"/>
-            </a:xfrm>
-            <a:prstGeom prst="rect">
-              <a:avLst/>
-            </a:prstGeom>
-            <a:noFill/>
-            <a:ln>
-              <a:noFill/>
-            </a:ln>
-            <a:effectLst>
-              <a:outerShdw blurRad="292100" dist="139700" dir="2700000" algn="tl" rotWithShape="0">
-                <a:srgbClr val="333333">
-                  <a:alpha val="64999"/>
-                </a:srgbClr>
-              </a:outerShdw>
-            </a:effectLst>
-            <a:extLst>
-              <a:ext uri="{909E8E84-426E-40DD-AFC4-6F175D3DCCD1}">
-                <a14:hiddenFill xmlns:a14="http://schemas.microsoft.com/office/drawing/2010/main">
-                  <a:solidFill>
-                    <a:srgbClr val="FFFFFF"/>
-                  </a:solidFill>
-                </a14:hiddenFill>
-              </a:ext>
-              <a:ext uri="{91240B29-F687-4F45-9708-019B960494DF}">
-                <a14:hiddenLine xmlns:a14="http://schemas.microsoft.com/office/drawing/2010/main" w="9525">
-                  <a:solidFill>
-                    <a:srgbClr val="000000"/>
-                  </a:solidFill>
-                  <a:miter lim="800000"/>
-                  <a:headEnd/>
-                  <a:tailEnd/>
-                </a14:hiddenLine>
-              </a:ext>
-            </a:extLst>
-          </p:spPr>
-        </p:pic>
-      </p:grpSp>
-    </p:spTree>
-    <p:extLst>
-      <p:ext uri="{BB962C8B-B14F-4D97-AF65-F5344CB8AC3E}">
-        <p14:creationId xmlns:p14="http://schemas.microsoft.com/office/powerpoint/2010/main" val="1732144882"/>
-      </p:ext>
-    </p:extLst>
-  </p:cSld>
-  <p:clrMapOvr>
-    <a:masterClrMapping/>
-  </p:clrMapOvr>
-  <mc:AlternateContent xmlns:mc="http://schemas.openxmlformats.org/markup-compatibility/2006" xmlns:p14="http://schemas.microsoft.com/office/powerpoint/2010/main">
-    <mc:Choice Requires="p14">
-      <p:transition spd="slow" p14:dur="2000"/>
-    </mc:Choice>
-    <mc:Fallback xmlns="">
-      <p:transition spd="slow"/>
-    </mc:Fallback>
-  </mc:AlternateContent>
-  <p:timing>
-    <p:tnLst>
-      <p:par>
-        <p:cTn id="1" dur="indefinite" restart="never" nodeType="tmRoot"/>
+        <p:cTn xmlns:p14="http://schemas.microsoft.com/office/powerpoint/2010/main" id="1" dur="indefinite" restart="never" nodeType="tmRoot"/>
       </p:par>
     </p:tnLst>
   </p:timing>
@@ -7236,7 +6697,7 @@
         </p:nvSpPr>
         <p:spPr bwMode="auto">
           <a:xfrm>
-            <a:off x="467544" y="980728"/>
+            <a:off x="467544" y="476672"/>
             <a:ext cx="8229600" cy="720080"/>
           </a:xfrm>
           <a:prstGeom prst="rect">
@@ -7388,52 +6849,52 @@
           </a:lstStyle>
           <a:p>
             <a:r>
-              <a:rPr lang="es-PE" dirty="0" smtClean="0">
-                <a:solidFill>
-                  <a:srgbClr val="C00000"/>
-                </a:solidFill>
-                <a:latin typeface="Arial" pitchFamily="34" charset="0"/>
-                <a:cs typeface="Arial" pitchFamily="34" charset="0"/>
+              <a:rPr lang="es-PE" b="1" dirty="0" smtClean="0">
+                <a:solidFill>
+                  <a:srgbClr val="275EA1"/>
+                </a:solidFill>
+                <a:latin typeface="Dosis"/>
+                <a:cs typeface="Dosis"/>
               </a:rPr>
               <a:t>¿ Qué es un </a:t>
             </a:r>
             <a:r>
-              <a:rPr lang="es-PE" dirty="0" err="1" smtClean="0">
-                <a:solidFill>
-                  <a:srgbClr val="C00000"/>
-                </a:solidFill>
-                <a:latin typeface="Arial" pitchFamily="34" charset="0"/>
-                <a:cs typeface="Arial" pitchFamily="34" charset="0"/>
+              <a:rPr lang="es-PE" b="1" dirty="0" err="1" smtClean="0">
+                <a:solidFill>
+                  <a:srgbClr val="275EA1"/>
+                </a:solidFill>
+                <a:latin typeface="Dosis"/>
+                <a:cs typeface="Dosis"/>
               </a:rPr>
               <a:t>Coding</a:t>
             </a:r>
             <a:r>
-              <a:rPr lang="es-PE" dirty="0" smtClean="0">
-                <a:solidFill>
-                  <a:srgbClr val="C00000"/>
-                </a:solidFill>
-                <a:latin typeface="Arial" pitchFamily="34" charset="0"/>
-                <a:cs typeface="Arial" pitchFamily="34" charset="0"/>
+              <a:rPr lang="es-PE" b="1" dirty="0" smtClean="0">
+                <a:solidFill>
+                  <a:srgbClr val="275EA1"/>
+                </a:solidFill>
+                <a:latin typeface="Dosis"/>
+                <a:cs typeface="Dosis"/>
               </a:rPr>
               <a:t> </a:t>
             </a:r>
             <a:r>
-              <a:rPr lang="es-PE" dirty="0" err="1" smtClean="0">
-                <a:solidFill>
-                  <a:srgbClr val="C00000"/>
-                </a:solidFill>
-                <a:latin typeface="Arial" pitchFamily="34" charset="0"/>
-                <a:cs typeface="Arial" pitchFamily="34" charset="0"/>
+              <a:rPr lang="es-PE" b="1" dirty="0" err="1" smtClean="0">
+                <a:solidFill>
+                  <a:srgbClr val="275EA1"/>
+                </a:solidFill>
+                <a:latin typeface="Dosis"/>
+                <a:cs typeface="Dosis"/>
               </a:rPr>
               <a:t>Dojo</a:t>
             </a:r>
             <a:r>
-              <a:rPr lang="es-PE" dirty="0" smtClean="0">
-                <a:solidFill>
-                  <a:srgbClr val="C00000"/>
-                </a:solidFill>
-                <a:latin typeface="Arial" pitchFamily="34" charset="0"/>
-                <a:cs typeface="Arial" pitchFamily="34" charset="0"/>
+              <a:rPr lang="es-PE" b="1" dirty="0" smtClean="0">
+                <a:solidFill>
+                  <a:srgbClr val="275EA1"/>
+                </a:solidFill>
+                <a:latin typeface="Dosis"/>
+                <a:cs typeface="Dosis"/>
               </a:rPr>
               <a:t>?</a:t>
             </a:r>
@@ -7451,7 +6912,7 @@
         <p:spPr bwMode="auto">
           <a:xfrm>
             <a:off x="381324" y="2753218"/>
-            <a:ext cx="8348948" cy="1440160"/>
+            <a:ext cx="8348948" cy="2331966"/>
           </a:xfrm>
           <a:prstGeom prst="rect">
             <a:avLst/>
@@ -7628,32 +7089,42 @@
             </a:pPr>
             <a:r>
               <a:rPr lang="es-PE" sz="3600" i="1" dirty="0" smtClean="0">
-                <a:solidFill>
-                  <a:schemeClr val="bg1"/>
-                </a:solidFill>
+                <a:latin typeface="Dosis"/>
+                <a:cs typeface="Dosis"/>
               </a:rPr>
               <a:t>Aprender, enseñar </a:t>
             </a:r>
             <a:r>
               <a:rPr lang="es-PE" sz="3600" i="1" dirty="0">
-                <a:solidFill>
-                  <a:schemeClr val="bg1"/>
-                </a:solidFill>
-              </a:rPr>
-              <a:t>y mejorar nuestras habilidades de programación compartiendo con </a:t>
+                <a:latin typeface="Dosis"/>
+                <a:cs typeface="Dosis"/>
+              </a:rPr>
+              <a:t>y mejorar nuestras habilidades de </a:t>
             </a:r>
             <a:r>
               <a:rPr lang="es-PE" sz="3600" i="1" dirty="0" smtClean="0">
-                <a:solidFill>
-                  <a:schemeClr val="bg1"/>
-                </a:solidFill>
+                <a:latin typeface="Dosis"/>
+                <a:cs typeface="Dosis"/>
+              </a:rPr>
+              <a:t>diseño y programación, compartiendo </a:t>
+            </a:r>
+            <a:r>
+              <a:rPr lang="es-PE" sz="3600" i="1" dirty="0">
+                <a:latin typeface="Dosis"/>
+                <a:cs typeface="Dosis"/>
+              </a:rPr>
+              <a:t>con </a:t>
+            </a:r>
+            <a:r>
+              <a:rPr lang="es-PE" sz="3600" i="1" dirty="0" smtClean="0">
+                <a:latin typeface="Dosis"/>
+                <a:cs typeface="Dosis"/>
               </a:rPr>
               <a:t>otros desarrolladores de Software.</a:t>
             </a:r>
             <a:endParaRPr lang="es-PE" sz="3600" i="1" dirty="0">
-              <a:solidFill>
-                <a:schemeClr val="bg1"/>
-              </a:solidFill>
+              <a:latin typeface="Dosis"/>
+              <a:cs typeface="Dosis"/>
             </a:endParaRPr>
           </a:p>
         </p:txBody>
@@ -7666,8 +7137,8 @@
         </p:nvSpPr>
         <p:spPr>
           <a:xfrm>
-            <a:off x="927727" y="1742373"/>
-            <a:ext cx="7460697" cy="461665"/>
+            <a:off x="1482285" y="1268760"/>
+            <a:ext cx="6351580" cy="461665"/>
           </a:xfrm>
           <a:prstGeom prst="rect">
             <a:avLst/>
@@ -7688,8 +7159,8 @@
                     <a:lumMod val="50000"/>
                   </a:schemeClr>
                 </a:solidFill>
-                <a:latin typeface="Arial" pitchFamily="34" charset="0"/>
-                <a:cs typeface="Arial" pitchFamily="34" charset="0"/>
+                <a:latin typeface="Dosis"/>
+                <a:cs typeface="Dosis"/>
               </a:rPr>
               <a:t>Dojo</a:t>
             </a:r>
@@ -7700,8 +7171,8 @@
                     <a:lumMod val="50000"/>
                   </a:schemeClr>
                 </a:solidFill>
-                <a:latin typeface="Arial" pitchFamily="34" charset="0"/>
-                <a:cs typeface="Arial" pitchFamily="34" charset="0"/>
+                <a:latin typeface="Dosis"/>
+                <a:cs typeface="Dosis"/>
               </a:rPr>
               <a:t> (</a:t>
             </a:r>
@@ -7712,8 +7183,8 @@
                     <a:lumMod val="50000"/>
                   </a:schemeClr>
                 </a:solidFill>
-                <a:latin typeface="Arial" pitchFamily="34" charset="0"/>
-                <a:cs typeface="Arial" pitchFamily="34" charset="0"/>
+                <a:latin typeface="Dosis"/>
+                <a:cs typeface="Dosis"/>
               </a:rPr>
               <a:t>道場</a:t>
             </a:r>
@@ -7724,8 +7195,8 @@
                     <a:lumMod val="50000"/>
                   </a:schemeClr>
                 </a:solidFill>
-                <a:latin typeface="Arial" pitchFamily="34" charset="0"/>
-                <a:cs typeface="Arial" pitchFamily="34" charset="0"/>
+                <a:latin typeface="Dosis"/>
+                <a:cs typeface="Dosis"/>
               </a:rPr>
               <a:t>)</a:t>
             </a:r>
@@ -7736,8 +7207,8 @@
                     <a:lumMod val="50000"/>
                   </a:schemeClr>
                 </a:solidFill>
-                <a:latin typeface="Arial" pitchFamily="34" charset="0"/>
-                <a:cs typeface="Arial" pitchFamily="34" charset="0"/>
+                <a:latin typeface="Dosis"/>
+                <a:cs typeface="Dosis"/>
               </a:rPr>
               <a:t>: El camino en búsqueda de la perfección.</a:t>
             </a:r>
@@ -7757,7 +7228,7 @@
   <p:timing>
     <p:tnLst>
       <p:par>
-        <p:cTn id="1" dur="indefinite" restart="never" nodeType="tmRoot"/>
+        <p:cTn xmlns:p14="http://schemas.microsoft.com/office/powerpoint/2010/main" id="1" dur="indefinite" restart="never" nodeType="tmRoot"/>
       </p:par>
     </p:tnLst>
   </p:timing>
@@ -7790,7 +7261,7 @@
           <p:nvPr/>
         </p:nvPicPr>
         <p:blipFill rotWithShape="1">
-          <a:blip r:embed="rId2" cstate="screen">
+          <a:blip r:embed="rId3" cstate="screen">
             <a:extLst>
               <a:ext uri="{28A0092B-C50C-407E-A947-70E740481C1C}">
                 <a14:useLocalDpi xmlns:a14="http://schemas.microsoft.com/office/drawing/2010/main"/>
@@ -7825,9 +7296,9 @@
             <a:avLst/>
           </a:prstGeom>
           <a:solidFill>
-            <a:srgbClr val="FFFFFF">
-              <a:alpha val="60000"/>
-            </a:srgbClr>
+            <a:schemeClr val="bg1">
+              <a:alpha val="80000"/>
+            </a:schemeClr>
           </a:solidFill>
           <a:ln>
             <a:noFill/>
@@ -7877,43 +7348,34 @@
           <a:bodyPr/>
           <a:lstStyle/>
           <a:p>
-            <a:pPr algn="l"/>
-            <a:r>
-              <a:rPr lang="es-PE" b="1" dirty="0" err="1" smtClean="0">
-                <a:solidFill>
-                  <a:srgbClr val="F94C07"/>
-                </a:solidFill>
-                <a:latin typeface="Arial" pitchFamily="34" charset="0"/>
-                <a:cs typeface="Arial" pitchFamily="34" charset="0"/>
+            <a:r>
+              <a:rPr lang="es-PE" b="1" dirty="0" err="1">
+                <a:solidFill>
+                  <a:srgbClr val="275EA1"/>
+                </a:solidFill>
               </a:rPr>
               <a:t>Deliverate</a:t>
             </a:r>
             <a:r>
               <a:rPr lang="es-PE" b="1" dirty="0">
                 <a:solidFill>
-                  <a:srgbClr val="F94C07"/>
-                </a:solidFill>
-                <a:latin typeface="Arial" pitchFamily="34" charset="0"/>
-                <a:cs typeface="Arial" pitchFamily="34" charset="0"/>
+                  <a:srgbClr val="275EA1"/>
+                </a:solidFill>
               </a:rPr>
               <a:t> </a:t>
             </a:r>
             <a:r>
-              <a:rPr lang="es-PE" b="1" dirty="0" err="1" smtClean="0">
-                <a:solidFill>
-                  <a:srgbClr val="F94C07"/>
-                </a:solidFill>
-                <a:latin typeface="Arial" pitchFamily="34" charset="0"/>
-                <a:cs typeface="Arial" pitchFamily="34" charset="0"/>
+              <a:rPr lang="es-PE" b="1" dirty="0" err="1">
+                <a:solidFill>
+                  <a:srgbClr val="275EA1"/>
+                </a:solidFill>
               </a:rPr>
               <a:t>Practice</a:t>
             </a:r>
             <a:endParaRPr lang="es-PE" b="1" dirty="0">
               <a:solidFill>
-                <a:srgbClr val="F94C07"/>
+                <a:srgbClr val="275EA1"/>
               </a:solidFill>
-              <a:latin typeface="Arial" pitchFamily="34" charset="0"/>
-              <a:cs typeface="Arial" pitchFamily="34" charset="0"/>
             </a:endParaRPr>
           </a:p>
         </p:txBody>
@@ -7931,7 +7393,7 @@
   <p:timing>
     <p:tnLst>
       <p:par>
-        <p:cTn id="1" dur="indefinite" restart="never" nodeType="tmRoot"/>
+        <p:cTn xmlns:p14="http://schemas.microsoft.com/office/powerpoint/2010/main" id="1" dur="indefinite" restart="never" nodeType="tmRoot"/>
       </p:par>
     </p:tnLst>
   </p:timing>
@@ -7967,7 +7429,7 @@
         </p:nvSpPr>
         <p:spPr>
           <a:xfrm>
-            <a:off x="503220" y="548680"/>
+            <a:off x="503220" y="260648"/>
             <a:ext cx="8229600" cy="720080"/>
           </a:xfrm>
         </p:spPr>
@@ -7976,31 +7438,25 @@
           <a:lstStyle/>
           <a:p>
             <a:r>
-              <a:rPr lang="es-PE" dirty="0" err="1" smtClean="0">
-                <a:solidFill>
-                  <a:srgbClr val="C00000"/>
-                </a:solidFill>
-                <a:latin typeface="Arial" pitchFamily="34" charset="0"/>
-                <a:cs typeface="Arial" pitchFamily="34" charset="0"/>
+              <a:rPr lang="es-PE" b="1" dirty="0" err="1" smtClean="0">
+                <a:solidFill>
+                  <a:srgbClr val="275EA1"/>
+                </a:solidFill>
               </a:rPr>
               <a:t>Code</a:t>
             </a:r>
             <a:r>
-              <a:rPr lang="es-PE" dirty="0" smtClean="0">
-                <a:solidFill>
-                  <a:srgbClr val="C00000"/>
-                </a:solidFill>
-                <a:latin typeface="Arial" pitchFamily="34" charset="0"/>
-                <a:cs typeface="Arial" pitchFamily="34" charset="0"/>
+              <a:rPr lang="es-PE" b="1" dirty="0" smtClean="0">
+                <a:solidFill>
+                  <a:srgbClr val="275EA1"/>
+                </a:solidFill>
               </a:rPr>
               <a:t> Kata</a:t>
             </a:r>
-            <a:endParaRPr lang="es-PE" dirty="0">
+            <a:endParaRPr lang="es-PE" b="1" dirty="0">
               <a:solidFill>
-                <a:srgbClr val="C00000"/>
+                <a:srgbClr val="275EA1"/>
               </a:solidFill>
-              <a:latin typeface="Arial" pitchFamily="34" charset="0"/>
-              <a:cs typeface="Arial" pitchFamily="34" charset="0"/>
             </a:endParaRPr>
           </a:p>
         </p:txBody>
@@ -8013,7 +7469,7 @@
         </p:nvSpPr>
         <p:spPr>
           <a:xfrm>
-            <a:off x="405552" y="1310325"/>
+            <a:off x="405552" y="1022293"/>
             <a:ext cx="8424936" cy="830997"/>
           </a:xfrm>
           <a:prstGeom prst="rect">
@@ -8035,8 +7491,8 @@
                     <a:lumMod val="50000"/>
                   </a:schemeClr>
                 </a:solidFill>
-                <a:latin typeface="Arial" pitchFamily="34" charset="0"/>
-                <a:cs typeface="Arial" pitchFamily="34" charset="0"/>
+                <a:latin typeface="Dosis"/>
+                <a:cs typeface="Dosis"/>
               </a:rPr>
               <a:t>Kata(型 </a:t>
             </a:r>
@@ -8047,8 +7503,8 @@
                     <a:lumMod val="50000"/>
                   </a:schemeClr>
                 </a:solidFill>
-                <a:latin typeface="Arial" pitchFamily="34" charset="0"/>
-                <a:cs typeface="Arial" pitchFamily="34" charset="0"/>
+                <a:latin typeface="Dosis"/>
+                <a:cs typeface="Dosis"/>
               </a:rPr>
               <a:t>o </a:t>
             </a:r>
@@ -8059,8 +7515,8 @@
                     <a:lumMod val="50000"/>
                   </a:schemeClr>
                 </a:solidFill>
-                <a:latin typeface="Arial" pitchFamily="34" charset="0"/>
-                <a:cs typeface="Arial" pitchFamily="34" charset="0"/>
+                <a:latin typeface="Dosis"/>
+                <a:cs typeface="Dosis"/>
               </a:rPr>
               <a:t>形): repetición de </a:t>
             </a:r>
@@ -8071,8 +7527,8 @@
                     <a:lumMod val="50000"/>
                   </a:schemeClr>
                 </a:solidFill>
-                <a:latin typeface="Arial" pitchFamily="34" charset="0"/>
-                <a:cs typeface="Arial" pitchFamily="34" charset="0"/>
+                <a:latin typeface="Dosis"/>
+                <a:cs typeface="Dosis"/>
               </a:rPr>
               <a:t>movimientos </a:t>
             </a:r>
@@ -8083,8 +7539,8 @@
                     <a:lumMod val="50000"/>
                   </a:schemeClr>
                 </a:solidFill>
-                <a:latin typeface="Arial" pitchFamily="34" charset="0"/>
-                <a:cs typeface="Arial" pitchFamily="34" charset="0"/>
+                <a:latin typeface="Dosis"/>
+                <a:cs typeface="Dosis"/>
               </a:rPr>
               <a:t>establecidos, buscando la perfección en la ejecución.</a:t>
             </a:r>
@@ -8094,8 +7550,8 @@
                   <a:lumMod val="50000"/>
                 </a:schemeClr>
               </a:solidFill>
-              <a:latin typeface="Arial" pitchFamily="34" charset="0"/>
-              <a:cs typeface="Arial" pitchFamily="34" charset="0"/>
+              <a:latin typeface="Dosis"/>
+              <a:cs typeface="Dosis"/>
             </a:endParaRPr>
           </a:p>
         </p:txBody>
@@ -8112,8 +7568,8 @@
         </p:nvSpPr>
         <p:spPr>
           <a:xfrm>
-            <a:off x="627641" y="2636912"/>
-            <a:ext cx="7980759" cy="2376264"/>
+            <a:off x="627641" y="5229200"/>
+            <a:ext cx="7980759" cy="1440160"/>
           </a:xfrm>
         </p:spPr>
         <p:txBody>
@@ -8121,69 +7577,95 @@
           <a:lstStyle/>
           <a:p>
             <a:pPr marL="0" indent="0" algn="ctr">
-              <a:lnSpc>
-                <a:spcPts val="4500"/>
-              </a:lnSpc>
               <a:buSzPct val="150000"/>
               <a:buNone/>
             </a:pPr>
             <a:r>
-              <a:rPr lang="es-PE" sz="3600" i="1" dirty="0" smtClean="0">
-                <a:solidFill>
-                  <a:schemeClr val="bg1"/>
-                </a:solidFill>
-              </a:rPr>
-              <a:t>Nos divertiremos y mejoraremos nuestras habilidades de codificación resolviendo un problema de programación aplicando </a:t>
-            </a:r>
-            <a:br>
-              <a:rPr lang="es-PE" sz="3600" i="1" dirty="0" smtClean="0">
-                <a:solidFill>
-                  <a:schemeClr val="bg1"/>
-                </a:solidFill>
-              </a:rPr>
-            </a:br>
-            <a:r>
-              <a:rPr lang="es-PE" sz="3600" i="1" dirty="0" err="1" smtClean="0">
-                <a:solidFill>
-                  <a:schemeClr val="bg1"/>
-                </a:solidFill>
-              </a:rPr>
-              <a:t>Pair</a:t>
-            </a:r>
-            <a:r>
-              <a:rPr lang="es-PE" sz="3600" i="1" dirty="0" smtClean="0">
-                <a:solidFill>
-                  <a:schemeClr val="bg1"/>
-                </a:solidFill>
-              </a:rPr>
-              <a:t> </a:t>
-            </a:r>
-            <a:r>
-              <a:rPr lang="es-PE" sz="3600" i="1" dirty="0" err="1" smtClean="0">
-                <a:solidFill>
-                  <a:schemeClr val="bg1"/>
-                </a:solidFill>
-              </a:rPr>
-              <a:t>Programing</a:t>
-            </a:r>
-            <a:r>
-              <a:rPr lang="es-PE" sz="3600" i="1" dirty="0" smtClean="0">
-                <a:solidFill>
-                  <a:schemeClr val="bg1"/>
-                </a:solidFill>
-              </a:rPr>
-              <a:t> y TDD.</a:t>
-            </a:r>
-            <a:endParaRPr lang="es-PE" sz="3600" i="1" dirty="0">
+              <a:rPr lang="es-PE" sz="2800" i="1" dirty="0" smtClean="0">
+                <a:solidFill>
+                  <a:srgbClr val="000000"/>
+                </a:solidFill>
+              </a:rPr>
+              <a:t>Nos divertiremos y mejoraremos nuestras </a:t>
+            </a:r>
+            <a:r>
+              <a:rPr lang="es-PE" sz="2800" i="1" dirty="0" smtClean="0">
+                <a:solidFill>
+                  <a:srgbClr val="000000"/>
+                </a:solidFill>
+              </a:rPr>
+              <a:t>habilidades de </a:t>
+            </a:r>
+            <a:r>
+              <a:rPr lang="es-PE" sz="2800" i="1" dirty="0" smtClean="0">
+                <a:solidFill>
+                  <a:srgbClr val="000000"/>
+                </a:solidFill>
+              </a:rPr>
+              <a:t>desarrollo resolviendo un </a:t>
+            </a:r>
+            <a:r>
+              <a:rPr lang="es-PE" sz="2800" i="1" dirty="0" smtClean="0">
+                <a:solidFill>
+                  <a:srgbClr val="000000"/>
+                </a:solidFill>
+              </a:rPr>
+              <a:t>problema de programación aplicando </a:t>
+            </a:r>
+            <a:r>
+              <a:rPr lang="es-PE" sz="2800" i="1" dirty="0" smtClean="0">
+                <a:solidFill>
+                  <a:srgbClr val="000000"/>
+                </a:solidFill>
+              </a:rPr>
+              <a:t>TDD y Pair </a:t>
+            </a:r>
+            <a:r>
+              <a:rPr lang="es-PE" sz="2800" i="1" dirty="0" smtClean="0">
+                <a:solidFill>
+                  <a:srgbClr val="000000"/>
+                </a:solidFill>
+              </a:rPr>
+              <a:t>Programing.</a:t>
+            </a:r>
+            <a:endParaRPr lang="es-PE" sz="2800" i="1" dirty="0">
               <a:solidFill>
-                <a:schemeClr val="bg1"/>
+                <a:srgbClr val="000000"/>
               </a:solidFill>
-              <a:latin typeface="Arial" pitchFamily="34" charset="0"/>
-              <a:cs typeface="Arial" pitchFamily="34" charset="0"/>
             </a:endParaRPr>
           </a:p>
         </p:txBody>
       </p:sp>
+      <p:pic>
+        <p:nvPicPr>
+          <p:cNvPr id="5" name="5 Imagen"/>
+          <p:cNvPicPr>
+            <a:picLocks noChangeAspect="1"/>
+          </p:cNvPicPr>
+          <p:nvPr/>
+        </p:nvPicPr>
+        <p:blipFill>
+          <a:blip r:embed="rId3" cstate="print">
+            <a:extLst>
+              <a:ext uri="{28A0092B-C50C-407E-A947-70E740481C1C}">
+                <a14:useLocalDpi xmlns:a14="http://schemas.microsoft.com/office/drawing/2010/main" val="0"/>
+              </a:ext>
+            </a:extLst>
+          </a:blip>
+          <a:stretch>
+            <a:fillRect/>
+          </a:stretch>
+        </p:blipFill>
+        <p:spPr>
+          <a:xfrm>
+            <a:off x="2267744" y="1988840"/>
+            <a:ext cx="4720912" cy="3138904"/>
+          </a:xfrm>
+          <a:prstGeom prst="rect">
+            <a:avLst/>
+          </a:prstGeom>
+        </p:spPr>
+      </p:pic>
     </p:spTree>
     <p:extLst>
       <p:ext uri="{BB962C8B-B14F-4D97-AF65-F5344CB8AC3E}">
@@ -8197,7 +7679,7 @@
   <p:timing>
     <p:tnLst>
       <p:par>
-        <p:cTn id="1" dur="indefinite" restart="never" nodeType="tmRoot"/>
+        <p:cTn xmlns:p14="http://schemas.microsoft.com/office/powerpoint/2010/main" id="1" dur="indefinite" restart="never" nodeType="tmRoot"/>
       </p:par>
     </p:tnLst>
   </p:timing>
@@ -8242,163 +7724,83 @@
           <a:lstStyle/>
           <a:p>
             <a:r>
-              <a:rPr lang="es-PE" dirty="0" smtClean="0">
-                <a:solidFill>
-                  <a:srgbClr val="C00000"/>
-                </a:solidFill>
-                <a:latin typeface="Arial" pitchFamily="34" charset="0"/>
-                <a:cs typeface="Arial" pitchFamily="34" charset="0"/>
+              <a:rPr lang="es-PE" b="1" dirty="0" smtClean="0">
+                <a:solidFill>
+                  <a:srgbClr val="275EA1"/>
+                </a:solidFill>
               </a:rPr>
               <a:t>Test </a:t>
             </a:r>
             <a:r>
-              <a:rPr lang="es-PE" dirty="0" err="1" smtClean="0">
-                <a:solidFill>
-                  <a:srgbClr val="C00000"/>
-                </a:solidFill>
-                <a:latin typeface="Arial" pitchFamily="34" charset="0"/>
-                <a:cs typeface="Arial" pitchFamily="34" charset="0"/>
+              <a:rPr lang="es-PE" b="1" dirty="0" err="1" smtClean="0">
+                <a:solidFill>
+                  <a:srgbClr val="275EA1"/>
+                </a:solidFill>
               </a:rPr>
               <a:t>Driven</a:t>
             </a:r>
             <a:r>
-              <a:rPr lang="es-PE" dirty="0" smtClean="0">
-                <a:solidFill>
-                  <a:srgbClr val="C00000"/>
-                </a:solidFill>
-                <a:latin typeface="Arial" pitchFamily="34" charset="0"/>
-                <a:cs typeface="Arial" pitchFamily="34" charset="0"/>
+              <a:rPr lang="es-PE" b="1" dirty="0" smtClean="0">
+                <a:solidFill>
+                  <a:srgbClr val="275EA1"/>
+                </a:solidFill>
               </a:rPr>
               <a:t> </a:t>
             </a:r>
             <a:r>
-              <a:rPr lang="es-PE" dirty="0" err="1" smtClean="0">
-                <a:solidFill>
-                  <a:srgbClr val="C00000"/>
-                </a:solidFill>
-                <a:latin typeface="Arial" pitchFamily="34" charset="0"/>
-                <a:cs typeface="Arial" pitchFamily="34" charset="0"/>
+              <a:rPr lang="es-PE" b="1" dirty="0" err="1" smtClean="0">
+                <a:solidFill>
+                  <a:srgbClr val="275EA1"/>
+                </a:solidFill>
               </a:rPr>
               <a:t>Development</a:t>
             </a:r>
-            <a:endParaRPr lang="es-PE" dirty="0">
+            <a:endParaRPr lang="es-PE" b="1" dirty="0">
               <a:solidFill>
-                <a:srgbClr val="C00000"/>
+                <a:srgbClr val="275EA1"/>
               </a:solidFill>
-              <a:latin typeface="Arial" pitchFamily="34" charset="0"/>
-              <a:cs typeface="Arial" pitchFamily="34" charset="0"/>
             </a:endParaRPr>
           </a:p>
         </p:txBody>
       </p:sp>
-      <p:grpSp>
-        <p:nvGrpSpPr>
-          <p:cNvPr id="5" name="4 Grupo"/>
-          <p:cNvGrpSpPr/>
+      <p:sp>
+        <p:nvSpPr>
+          <p:cNvPr id="34" name="33 Elipse"/>
+          <p:cNvSpPr/>
           <p:nvPr/>
-        </p:nvGrpSpPr>
-        <p:grpSpPr>
+        </p:nvSpPr>
+        <p:spPr>
           <a:xfrm>
-            <a:off x="3417497" y="1052736"/>
+            <a:off x="3417497" y="1253979"/>
             <a:ext cx="2309005" cy="1569865"/>
-            <a:chOff x="2409893" y="500"/>
-            <a:chExt cx="2309005" cy="1569865"/>
           </a:xfrm>
-        </p:grpSpPr>
-        <p:sp>
-          <p:nvSpPr>
-            <p:cNvPr id="34" name="33 Elipse"/>
-            <p:cNvSpPr/>
-            <p:nvPr/>
-          </p:nvSpPr>
-          <p:spPr>
-            <a:xfrm>
-              <a:off x="2409893" y="500"/>
-              <a:ext cx="2309005" cy="1569865"/>
-            </a:xfrm>
-            <a:prstGeom prst="ellipse">
-              <a:avLst/>
-            </a:prstGeom>
-            <a:ln>
-              <a:noFill/>
-            </a:ln>
-          </p:spPr>
-          <p:style>
-            <a:lnRef idx="1">
-              <a:schemeClr val="dk1"/>
-            </a:lnRef>
-            <a:fillRef idx="2">
-              <a:schemeClr val="dk1"/>
-            </a:fillRef>
-            <a:effectRef idx="1">
-              <a:schemeClr val="dk1"/>
-            </a:effectRef>
-            <a:fontRef idx="minor">
-              <a:schemeClr val="dk1"/>
-            </a:fontRef>
-          </p:style>
-        </p:sp>
-        <p:sp>
-          <p:nvSpPr>
-            <p:cNvPr id="35" name="Elipse 4"/>
-            <p:cNvSpPr/>
-            <p:nvPr/>
-          </p:nvSpPr>
-          <p:spPr>
-            <a:xfrm>
-              <a:off x="2748039" y="230401"/>
-              <a:ext cx="1632713" cy="1110063"/>
-            </a:xfrm>
-            <a:prstGeom prst="rect">
-              <a:avLst/>
-            </a:prstGeom>
-          </p:spPr>
-          <p:style>
-            <a:lnRef idx="0">
-              <a:scrgbClr r="0" g="0" b="0"/>
-            </a:lnRef>
-            <a:fillRef idx="0">
-              <a:scrgbClr r="0" g="0" b="0"/>
-            </a:fillRef>
-            <a:effectRef idx="0">
-              <a:scrgbClr r="0" g="0" b="0"/>
-            </a:effectRef>
-            <a:fontRef idx="minor">
-              <a:schemeClr val="dk1"/>
-            </a:fontRef>
-          </p:style>
-          <p:txBody>
-            <a:bodyPr spcFirstLastPara="0" vert="horz" wrap="square" lIns="35560" tIns="35560" rIns="35560" bIns="35560" numCol="1" spcCol="1270" anchor="ctr" anchorCtr="0">
-              <a:noAutofit/>
-            </a:bodyPr>
-            <a:lstStyle/>
-            <a:p>
-              <a:pPr lvl="0" algn="ctr" defTabSz="1244600">
-                <a:lnSpc>
-                  <a:spcPct val="90000"/>
-                </a:lnSpc>
-                <a:spcBef>
-                  <a:spcPct val="0"/>
-                </a:spcBef>
-                <a:spcAft>
-                  <a:spcPct val="35000"/>
-                </a:spcAft>
-              </a:pPr>
-              <a:r>
-                <a:rPr lang="es-PE" sz="2800" kern="1200" dirty="0" smtClean="0"/>
-                <a:t>Ejemplo Concreto</a:t>
-              </a:r>
-              <a:br>
-                <a:rPr lang="es-PE" sz="2800" kern="1200" dirty="0" smtClean="0"/>
-              </a:br>
-              <a:r>
-                <a:rPr lang="es-PE" sz="2800" kern="1200" dirty="0" smtClean="0"/>
-                <a:t>(Prueba)</a:t>
-              </a:r>
-            </a:p>
-          </p:txBody>
-        </p:sp>
-      </p:grpSp>
+          <a:prstGeom prst="ellipse">
+            <a:avLst/>
+          </a:prstGeom>
+          <a:solidFill>
+            <a:srgbClr val="D9D9D9"/>
+          </a:solidFill>
+          <a:ln>
+            <a:noFill/>
+          </a:ln>
+        </p:spPr>
+        <p:style>
+          <a:lnRef idx="2">
+            <a:schemeClr val="accent5">
+              <a:shade val="50000"/>
+            </a:schemeClr>
+          </a:lnRef>
+          <a:fillRef idx="1">
+            <a:schemeClr val="accent5"/>
+          </a:fillRef>
+          <a:effectRef idx="0">
+            <a:schemeClr val="accent5"/>
+          </a:effectRef>
+          <a:fontRef idx="minor">
+            <a:schemeClr val="lt1"/>
+          </a:fontRef>
+        </p:style>
+      </p:sp>
       <p:grpSp>
         <p:nvGrpSpPr>
           <p:cNvPr id="6" name="5 Grupo"/>
@@ -8407,7 +7809,7 @@
         </p:nvGrpSpPr>
         <p:grpSpPr>
           <a:xfrm>
-            <a:off x="5366519" y="2358349"/>
+            <a:off x="5366519" y="2559592"/>
             <a:ext cx="305783" cy="529829"/>
             <a:chOff x="4358915" y="1306113"/>
             <a:chExt cx="305783" cy="529829"/>
@@ -8510,110 +7912,118 @@
                   <a:spcPct val="35000"/>
                 </a:spcAft>
               </a:pPr>
-              <a:endParaRPr lang="es-PE" sz="2200" kern="1200"/>
+              <a:endParaRPr lang="es-PE" sz="2200" kern="1200">
+                <a:latin typeface="Dosis"/>
+                <a:cs typeface="Dosis"/>
+              </a:endParaRPr>
             </a:p>
           </p:txBody>
         </p:sp>
       </p:grpSp>
-      <p:grpSp>
-        <p:nvGrpSpPr>
-          <p:cNvPr id="7" name="6 Grupo"/>
-          <p:cNvGrpSpPr/>
+      <p:sp>
+        <p:nvSpPr>
+          <p:cNvPr id="35" name="Elipse 4"/>
+          <p:cNvSpPr/>
           <p:nvPr/>
-        </p:nvGrpSpPr>
-        <p:grpSpPr>
+        </p:nvSpPr>
+        <p:spPr>
           <a:xfrm>
-            <a:off x="5325644" y="2634974"/>
+            <a:off x="3755643" y="1483880"/>
+            <a:ext cx="1632713" cy="1110063"/>
+          </a:xfrm>
+          <a:prstGeom prst="rect">
+            <a:avLst/>
+          </a:prstGeom>
+        </p:spPr>
+        <p:style>
+          <a:lnRef idx="0">
+            <a:scrgbClr r="0" g="0" b="0"/>
+          </a:lnRef>
+          <a:fillRef idx="0">
+            <a:scrgbClr r="0" g="0" b="0"/>
+          </a:fillRef>
+          <a:effectRef idx="0">
+            <a:scrgbClr r="0" g="0" b="0"/>
+          </a:effectRef>
+          <a:fontRef idx="minor">
+            <a:schemeClr val="dk1"/>
+          </a:fontRef>
+        </p:style>
+        <p:txBody>
+          <a:bodyPr spcFirstLastPara="0" vert="horz" wrap="square" lIns="35560" tIns="35560" rIns="35560" bIns="35560" numCol="1" spcCol="1270" anchor="ctr" anchorCtr="0">
+            <a:noAutofit/>
+          </a:bodyPr>
+          <a:lstStyle/>
+          <a:p>
+            <a:pPr lvl="0" algn="ctr" defTabSz="1244600">
+              <a:lnSpc>
+                <a:spcPct val="90000"/>
+              </a:lnSpc>
+              <a:spcBef>
+                <a:spcPct val="0"/>
+              </a:spcBef>
+              <a:spcAft>
+                <a:spcPct val="35000"/>
+              </a:spcAft>
+            </a:pPr>
+            <a:r>
+              <a:rPr lang="es-PE" sz="2800" kern="1200" dirty="0" smtClean="0">
+                <a:latin typeface="Dosis"/>
+                <a:cs typeface="Dosis"/>
+              </a:rPr>
+              <a:t>Ejemplo Concreto</a:t>
+            </a:r>
+            <a:br>
+              <a:rPr lang="es-PE" sz="2800" kern="1200" dirty="0" smtClean="0">
+                <a:latin typeface="Dosis"/>
+                <a:cs typeface="Dosis"/>
+              </a:rPr>
+            </a:br>
+            <a:r>
+              <a:rPr lang="es-PE" sz="2800" kern="1200" dirty="0" smtClean="0">
+                <a:latin typeface="Dosis"/>
+                <a:cs typeface="Dosis"/>
+              </a:rPr>
+              <a:t>(Prueba)</a:t>
+            </a:r>
+          </a:p>
+        </p:txBody>
+      </p:sp>
+      <p:sp>
+        <p:nvSpPr>
+          <p:cNvPr id="30" name="29 Elipse"/>
+          <p:cNvSpPr/>
+          <p:nvPr/>
+        </p:nvSpPr>
+        <p:spPr>
+          <a:xfrm>
+            <a:off x="5325644" y="2836217"/>
             <a:ext cx="2309005" cy="1569865"/>
-            <a:chOff x="4318040" y="1582738"/>
-            <a:chExt cx="2309005" cy="1569865"/>
           </a:xfrm>
-        </p:grpSpPr>
-        <p:sp>
-          <p:nvSpPr>
-            <p:cNvPr id="30" name="29 Elipse"/>
-            <p:cNvSpPr/>
-            <p:nvPr/>
-          </p:nvSpPr>
-          <p:spPr>
-            <a:xfrm>
-              <a:off x="4318040" y="1582738"/>
-              <a:ext cx="2309005" cy="1569865"/>
-            </a:xfrm>
-            <a:prstGeom prst="ellipse">
-              <a:avLst/>
-            </a:prstGeom>
-          </p:spPr>
-          <p:style>
-            <a:lnRef idx="1">
-              <a:schemeClr val="accent2"/>
-            </a:lnRef>
-            <a:fillRef idx="3">
-              <a:schemeClr val="accent2"/>
-            </a:fillRef>
-            <a:effectRef idx="2">
-              <a:schemeClr val="accent2"/>
-            </a:effectRef>
-            <a:fontRef idx="minor">
-              <a:schemeClr val="lt1"/>
-            </a:fontRef>
-          </p:style>
-        </p:sp>
-        <p:sp>
-          <p:nvSpPr>
-            <p:cNvPr id="31" name="Elipse 8"/>
-            <p:cNvSpPr/>
-            <p:nvPr/>
-          </p:nvSpPr>
-          <p:spPr>
-            <a:xfrm>
-              <a:off x="4656186" y="1812639"/>
-              <a:ext cx="1632713" cy="1110063"/>
-            </a:xfrm>
-            <a:prstGeom prst="rect">
-              <a:avLst/>
-            </a:prstGeom>
-          </p:spPr>
-          <p:style>
-            <a:lnRef idx="0">
-              <a:scrgbClr r="0" g="0" b="0"/>
-            </a:lnRef>
-            <a:fillRef idx="0">
-              <a:scrgbClr r="0" g="0" b="0"/>
-            </a:fillRef>
-            <a:effectRef idx="0">
-              <a:scrgbClr r="0" g="0" b="0"/>
-            </a:effectRef>
-            <a:fontRef idx="minor">
-              <a:schemeClr val="lt1"/>
-            </a:fontRef>
-          </p:style>
-          <p:txBody>
-            <a:bodyPr spcFirstLastPara="0" vert="horz" wrap="square" lIns="35560" tIns="35560" rIns="35560" bIns="35560" numCol="1" spcCol="1270" anchor="ctr" anchorCtr="0">
-              <a:noAutofit/>
-            </a:bodyPr>
-            <a:lstStyle/>
-            <a:p>
-              <a:pPr lvl="0" algn="ctr" defTabSz="1244600">
-                <a:lnSpc>
-                  <a:spcPct val="90000"/>
-                </a:lnSpc>
-                <a:spcBef>
-                  <a:spcPct val="0"/>
-                </a:spcBef>
-                <a:spcAft>
-                  <a:spcPct val="35000"/>
-                </a:spcAft>
-              </a:pPr>
-              <a:r>
-                <a:rPr lang="es-PE" sz="2800" kern="1200" dirty="0" smtClean="0"/>
-                <a:t>Falla</a:t>
-              </a:r>
-              <a:endParaRPr lang="es-PE" sz="2800" kern="1200" dirty="0"/>
-            </a:p>
-          </p:txBody>
-        </p:sp>
-      </p:grpSp>
+          <a:prstGeom prst="ellipse">
+            <a:avLst/>
+          </a:prstGeom>
+          <a:ln>
+            <a:noFill/>
+          </a:ln>
+        </p:spPr>
+        <p:style>
+          <a:lnRef idx="2">
+            <a:schemeClr val="accent2">
+              <a:shade val="50000"/>
+            </a:schemeClr>
+          </a:lnRef>
+          <a:fillRef idx="1">
+            <a:schemeClr val="accent2"/>
+          </a:fillRef>
+          <a:effectRef idx="0">
+            <a:schemeClr val="accent2"/>
+          </a:effectRef>
+          <a:fontRef idx="minor">
+            <a:schemeClr val="lt1"/>
+          </a:fontRef>
+        </p:style>
+      </p:sp>
       <p:grpSp>
         <p:nvGrpSpPr>
           <p:cNvPr id="8" name="7 Grupo"/>
@@ -8622,7 +8032,7 @@
         </p:nvGrpSpPr>
         <p:grpSpPr>
           <a:xfrm>
-            <a:off x="6011709" y="4303258"/>
+            <a:off x="6011709" y="4504501"/>
             <a:ext cx="529829" cy="265797"/>
             <a:chOff x="5004105" y="3251022"/>
             <a:chExt cx="529829" cy="265797"/>
@@ -8725,113 +8135,112 @@
                   <a:spcPct val="35000"/>
                 </a:spcAft>
               </a:pPr>
-              <a:endParaRPr lang="es-PE" sz="2200" kern="1200"/>
+              <a:endParaRPr lang="es-PE" sz="2200" kern="1200">
+                <a:latin typeface="Dosis"/>
+                <a:cs typeface="Dosis"/>
+              </a:endParaRPr>
             </a:p>
           </p:txBody>
         </p:sp>
       </p:grpSp>
-      <p:grpSp>
-        <p:nvGrpSpPr>
-          <p:cNvPr id="9" name="8 Grupo"/>
-          <p:cNvGrpSpPr/>
+      <p:sp>
+        <p:nvSpPr>
+          <p:cNvPr id="31" name="Elipse 8"/>
+          <p:cNvSpPr/>
           <p:nvPr/>
-        </p:nvGrpSpPr>
-        <p:grpSpPr>
+        </p:nvSpPr>
+        <p:spPr>
           <a:xfrm>
-            <a:off x="4915645" y="4682228"/>
+            <a:off x="5663790" y="3066118"/>
+            <a:ext cx="1632713" cy="1110063"/>
+          </a:xfrm>
+          <a:prstGeom prst="rect">
+            <a:avLst/>
+          </a:prstGeom>
+        </p:spPr>
+        <p:style>
+          <a:lnRef idx="0">
+            <a:scrgbClr r="0" g="0" b="0"/>
+          </a:lnRef>
+          <a:fillRef idx="0">
+            <a:scrgbClr r="0" g="0" b="0"/>
+          </a:fillRef>
+          <a:effectRef idx="0">
+            <a:scrgbClr r="0" g="0" b="0"/>
+          </a:effectRef>
+          <a:fontRef idx="minor">
+            <a:schemeClr val="lt1"/>
+          </a:fontRef>
+        </p:style>
+        <p:txBody>
+          <a:bodyPr spcFirstLastPara="0" vert="horz" wrap="square" lIns="35560" tIns="35560" rIns="35560" bIns="35560" numCol="1" spcCol="1270" anchor="ctr" anchorCtr="0">
+            <a:noAutofit/>
+          </a:bodyPr>
+          <a:lstStyle/>
+          <a:p>
+            <a:pPr lvl="0" algn="ctr" defTabSz="1244600">
+              <a:lnSpc>
+                <a:spcPct val="90000"/>
+              </a:lnSpc>
+              <a:spcBef>
+                <a:spcPct val="0"/>
+              </a:spcBef>
+              <a:spcAft>
+                <a:spcPct val="35000"/>
+              </a:spcAft>
+            </a:pPr>
+            <a:r>
+              <a:rPr lang="es-PE" sz="2800" kern="1200" dirty="0" smtClean="0">
+                <a:latin typeface="Dosis"/>
+                <a:cs typeface="Dosis"/>
+              </a:rPr>
+              <a:t>Falla</a:t>
+            </a:r>
+            <a:endParaRPr lang="es-PE" sz="2800" kern="1200" dirty="0">
+              <a:latin typeface="Dosis"/>
+              <a:cs typeface="Dosis"/>
+            </a:endParaRPr>
+          </a:p>
+        </p:txBody>
+      </p:sp>
+      <p:sp>
+        <p:nvSpPr>
+          <p:cNvPr id="26" name="25 Elipse"/>
+          <p:cNvSpPr/>
+          <p:nvPr/>
+        </p:nvSpPr>
+        <p:spPr>
+          <a:xfrm>
+            <a:off x="4915645" y="4883471"/>
             <a:ext cx="2309005" cy="1569865"/>
-            <a:chOff x="3908041" y="3629992"/>
-            <a:chExt cx="2309005" cy="1569865"/>
           </a:xfrm>
-        </p:grpSpPr>
-        <p:sp>
-          <p:nvSpPr>
-            <p:cNvPr id="26" name="25 Elipse"/>
-            <p:cNvSpPr/>
-            <p:nvPr/>
-          </p:nvSpPr>
-          <p:spPr>
-            <a:xfrm>
-              <a:off x="3908041" y="3629992"/>
-              <a:ext cx="2309005" cy="1569865"/>
-            </a:xfrm>
-            <a:prstGeom prst="ellipse">
-              <a:avLst/>
-            </a:prstGeom>
-            <a:ln>
-              <a:noFill/>
-            </a:ln>
-          </p:spPr>
-          <p:style>
-            <a:lnRef idx="1">
-              <a:schemeClr val="dk1"/>
-            </a:lnRef>
-            <a:fillRef idx="2">
-              <a:schemeClr val="dk1"/>
-            </a:fillRef>
-            <a:effectRef idx="1">
-              <a:schemeClr val="dk1"/>
-            </a:effectRef>
-            <a:fontRef idx="minor">
-              <a:schemeClr val="dk1"/>
-            </a:fontRef>
-          </p:style>
-        </p:sp>
-        <p:sp>
-          <p:nvSpPr>
-            <p:cNvPr id="27" name="Elipse 12"/>
-            <p:cNvSpPr/>
-            <p:nvPr/>
-          </p:nvSpPr>
-          <p:spPr>
-            <a:xfrm>
-              <a:off x="4246187" y="3859893"/>
-              <a:ext cx="1632713" cy="1110063"/>
-            </a:xfrm>
-            <a:prstGeom prst="rect">
-              <a:avLst/>
-            </a:prstGeom>
-          </p:spPr>
-          <p:style>
-            <a:lnRef idx="0">
-              <a:scrgbClr r="0" g="0" b="0"/>
-            </a:lnRef>
-            <a:fillRef idx="0">
-              <a:scrgbClr r="0" g="0" b="0"/>
-            </a:fillRef>
-            <a:effectRef idx="0">
-              <a:scrgbClr r="0" g="0" b="0"/>
-            </a:effectRef>
-            <a:fontRef idx="minor">
-              <a:schemeClr val="dk1"/>
-            </a:fontRef>
-          </p:style>
-          <p:txBody>
-            <a:bodyPr spcFirstLastPara="0" vert="horz" wrap="square" lIns="35560" tIns="35560" rIns="35560" bIns="35560" numCol="1" spcCol="1270" anchor="ctr" anchorCtr="0">
-              <a:noAutofit/>
-            </a:bodyPr>
-            <a:lstStyle/>
-            <a:p>
-              <a:pPr lvl="0" algn="ctr" defTabSz="1244600">
-                <a:lnSpc>
-                  <a:spcPct val="90000"/>
-                </a:lnSpc>
-                <a:spcBef>
-                  <a:spcPct val="0"/>
-                </a:spcBef>
-                <a:spcAft>
-                  <a:spcPct val="35000"/>
-                </a:spcAft>
-              </a:pPr>
-              <a:r>
-                <a:rPr lang="es-PE" sz="2800" kern="1200" dirty="0" smtClean="0"/>
-                <a:t>Codificar</a:t>
-              </a:r>
-              <a:endParaRPr lang="es-PE" sz="2800" kern="1200" dirty="0"/>
-            </a:p>
-          </p:txBody>
-        </p:sp>
-      </p:grpSp>
+          <a:prstGeom prst="ellipse">
+            <a:avLst/>
+          </a:prstGeom>
+          <a:solidFill>
+            <a:srgbClr val="D9D9D9"/>
+          </a:solidFill>
+          <a:ln>
+            <a:noFill/>
+          </a:ln>
+        </p:spPr>
+        <p:style>
+          <a:lnRef idx="2">
+            <a:schemeClr val="accent5">
+              <a:shade val="50000"/>
+            </a:schemeClr>
+          </a:lnRef>
+          <a:fillRef idx="1">
+            <a:schemeClr val="accent5"/>
+          </a:fillRef>
+          <a:effectRef idx="0">
+            <a:schemeClr val="accent5"/>
+          </a:effectRef>
+          <a:fontRef idx="minor">
+            <a:schemeClr val="lt1"/>
+          </a:fontRef>
+        </p:style>
+      </p:sp>
       <p:grpSp>
         <p:nvGrpSpPr>
           <p:cNvPr id="10" name="9 Grupo"/>
@@ -8840,7 +8249,7 @@
         </p:nvGrpSpPr>
         <p:grpSpPr>
           <a:xfrm>
-            <a:off x="4490199" y="5202239"/>
+            <a:off x="4490199" y="5403482"/>
             <a:ext cx="300648" cy="529829"/>
             <a:chOff x="3482595" y="4150003"/>
             <a:chExt cx="300648" cy="529829"/>
@@ -8943,110 +8352,109 @@
                   <a:spcPct val="35000"/>
                 </a:spcAft>
               </a:pPr>
-              <a:endParaRPr lang="es-PE" sz="2200" kern="1200"/>
+              <a:endParaRPr lang="es-PE" sz="2200" kern="1200">
+                <a:latin typeface="Dosis"/>
+                <a:cs typeface="Dosis"/>
+              </a:endParaRPr>
             </a:p>
           </p:txBody>
         </p:sp>
       </p:grpSp>
-      <p:grpSp>
-        <p:nvGrpSpPr>
-          <p:cNvPr id="11" name="10 Grupo"/>
-          <p:cNvGrpSpPr/>
+      <p:sp>
+        <p:nvSpPr>
+          <p:cNvPr id="27" name="Elipse 12"/>
+          <p:cNvSpPr/>
           <p:nvPr/>
-        </p:nvGrpSpPr>
-        <p:grpSpPr>
+        </p:nvSpPr>
+        <p:spPr>
           <a:xfrm>
-            <a:off x="2039378" y="4682215"/>
+            <a:off x="5253791" y="5113372"/>
+            <a:ext cx="1632713" cy="1110063"/>
+          </a:xfrm>
+          <a:prstGeom prst="rect">
+            <a:avLst/>
+          </a:prstGeom>
+        </p:spPr>
+        <p:style>
+          <a:lnRef idx="0">
+            <a:scrgbClr r="0" g="0" b="0"/>
+          </a:lnRef>
+          <a:fillRef idx="0">
+            <a:scrgbClr r="0" g="0" b="0"/>
+          </a:fillRef>
+          <a:effectRef idx="0">
+            <a:scrgbClr r="0" g="0" b="0"/>
+          </a:effectRef>
+          <a:fontRef idx="minor">
+            <a:schemeClr val="dk1"/>
+          </a:fontRef>
+        </p:style>
+        <p:txBody>
+          <a:bodyPr spcFirstLastPara="0" vert="horz" wrap="square" lIns="35560" tIns="35560" rIns="35560" bIns="35560" numCol="1" spcCol="1270" anchor="ctr" anchorCtr="0">
+            <a:noAutofit/>
+          </a:bodyPr>
+          <a:lstStyle/>
+          <a:p>
+            <a:pPr lvl="0" algn="ctr" defTabSz="1244600">
+              <a:lnSpc>
+                <a:spcPct val="90000"/>
+              </a:lnSpc>
+              <a:spcBef>
+                <a:spcPct val="0"/>
+              </a:spcBef>
+              <a:spcAft>
+                <a:spcPct val="35000"/>
+              </a:spcAft>
+            </a:pPr>
+            <a:r>
+              <a:rPr lang="es-PE" sz="2800" kern="1200" dirty="0" smtClean="0">
+                <a:latin typeface="Dosis"/>
+                <a:cs typeface="Dosis"/>
+              </a:rPr>
+              <a:t>Codificar</a:t>
+            </a:r>
+            <a:endParaRPr lang="es-PE" sz="2800" kern="1200" dirty="0">
+              <a:latin typeface="Dosis"/>
+              <a:cs typeface="Dosis"/>
+            </a:endParaRPr>
+          </a:p>
+        </p:txBody>
+      </p:sp>
+      <p:sp>
+        <p:nvSpPr>
+          <p:cNvPr id="22" name="21 Elipse"/>
+          <p:cNvSpPr/>
+          <p:nvPr/>
+        </p:nvSpPr>
+        <p:spPr>
+          <a:xfrm>
+            <a:off x="2039378" y="4883458"/>
             <a:ext cx="2309005" cy="1569865"/>
-            <a:chOff x="1031774" y="3629979"/>
-            <a:chExt cx="2309005" cy="1569865"/>
           </a:xfrm>
-        </p:grpSpPr>
-        <p:sp>
-          <p:nvSpPr>
-            <p:cNvPr id="22" name="21 Elipse"/>
-            <p:cNvSpPr/>
-            <p:nvPr/>
-          </p:nvSpPr>
-          <p:spPr>
-            <a:xfrm>
-              <a:off x="1031774" y="3629979"/>
-              <a:ext cx="2309005" cy="1569865"/>
-            </a:xfrm>
-            <a:prstGeom prst="ellipse">
-              <a:avLst/>
-            </a:prstGeom>
-          </p:spPr>
-          <p:style>
-            <a:lnRef idx="1">
-              <a:schemeClr val="accent3"/>
-            </a:lnRef>
-            <a:fillRef idx="3">
-              <a:schemeClr val="accent3"/>
-            </a:fillRef>
-            <a:effectRef idx="2">
-              <a:schemeClr val="accent3"/>
-            </a:effectRef>
-            <a:fontRef idx="minor">
-              <a:schemeClr val="lt1"/>
-            </a:fontRef>
-          </p:style>
-        </p:sp>
-        <p:sp>
-          <p:nvSpPr>
-            <p:cNvPr id="23" name="Elipse 16"/>
-            <p:cNvSpPr/>
-            <p:nvPr/>
-          </p:nvSpPr>
-          <p:spPr>
-            <a:xfrm>
-              <a:off x="1369920" y="3859880"/>
-              <a:ext cx="1632713" cy="1110063"/>
-            </a:xfrm>
-            <a:prstGeom prst="rect">
-              <a:avLst/>
-            </a:prstGeom>
-          </p:spPr>
-          <p:style>
-            <a:lnRef idx="0">
-              <a:scrgbClr r="0" g="0" b="0"/>
-            </a:lnRef>
-            <a:fillRef idx="0">
-              <a:scrgbClr r="0" g="0" b="0"/>
-            </a:fillRef>
-            <a:effectRef idx="0">
-              <a:scrgbClr r="0" g="0" b="0"/>
-            </a:effectRef>
-            <a:fontRef idx="minor">
-              <a:schemeClr val="lt1"/>
-            </a:fontRef>
-          </p:style>
-          <p:txBody>
-            <a:bodyPr spcFirstLastPara="0" vert="horz" wrap="square" lIns="35560" tIns="35560" rIns="35560" bIns="35560" numCol="1" spcCol="1270" anchor="ctr" anchorCtr="0">
-              <a:noAutofit/>
-            </a:bodyPr>
-            <a:lstStyle/>
-            <a:p>
-              <a:pPr lvl="0" algn="ctr" defTabSz="1244600">
-                <a:lnSpc>
-                  <a:spcPct val="90000"/>
-                </a:lnSpc>
-                <a:spcBef>
-                  <a:spcPct val="0"/>
-                </a:spcBef>
-                <a:spcAft>
-                  <a:spcPct val="35000"/>
-                </a:spcAft>
-              </a:pPr>
-              <a:r>
-                <a:rPr lang="es-PE" sz="2800" kern="1200" dirty="0" smtClean="0"/>
-                <a:t>Funciona</a:t>
-              </a:r>
-              <a:endParaRPr lang="es-PE" sz="2800" kern="1200" dirty="0"/>
-            </a:p>
-          </p:txBody>
-        </p:sp>
-      </p:grpSp>
+          <a:prstGeom prst="ellipse">
+            <a:avLst/>
+          </a:prstGeom>
+          <a:ln>
+            <a:noFill/>
+          </a:ln>
+        </p:spPr>
+        <p:style>
+          <a:lnRef idx="2">
+            <a:schemeClr val="accent3">
+              <a:shade val="50000"/>
+            </a:schemeClr>
+          </a:lnRef>
+          <a:fillRef idx="1">
+            <a:schemeClr val="accent3"/>
+          </a:fillRef>
+          <a:effectRef idx="0">
+            <a:schemeClr val="accent3"/>
+          </a:effectRef>
+          <a:fontRef idx="minor">
+            <a:schemeClr val="lt1"/>
+          </a:fontRef>
+        </p:style>
+      </p:sp>
       <p:grpSp>
         <p:nvGrpSpPr>
           <p:cNvPr id="12" name="11 Grupo"/>
@@ -9055,7 +8463,7 @@
         </p:nvGrpSpPr>
         <p:grpSpPr>
           <a:xfrm>
-            <a:off x="2665898" y="4313862"/>
+            <a:off x="2665898" y="4515105"/>
             <a:ext cx="529829" cy="274363"/>
             <a:chOff x="1658294" y="3261626"/>
             <a:chExt cx="529829" cy="274363"/>
@@ -9158,110 +8566,109 @@
                   <a:spcPct val="35000"/>
                 </a:spcAft>
               </a:pPr>
-              <a:endParaRPr lang="es-PE" sz="2200" kern="1200"/>
+              <a:endParaRPr lang="es-PE" sz="2200" kern="1200">
+                <a:latin typeface="Dosis"/>
+                <a:cs typeface="Dosis"/>
+              </a:endParaRPr>
             </a:p>
           </p:txBody>
         </p:sp>
       </p:grpSp>
-      <p:grpSp>
-        <p:nvGrpSpPr>
-          <p:cNvPr id="13" name="12 Grupo"/>
-          <p:cNvGrpSpPr/>
+      <p:sp>
+        <p:nvSpPr>
+          <p:cNvPr id="23" name="Elipse 16"/>
+          <p:cNvSpPr/>
           <p:nvPr/>
-        </p:nvGrpSpPr>
-        <p:grpSpPr>
+        </p:nvSpPr>
+        <p:spPr>
           <a:xfrm>
-            <a:off x="1509350" y="2634974"/>
+            <a:off x="2377524" y="5113359"/>
+            <a:ext cx="1632713" cy="1110063"/>
+          </a:xfrm>
+          <a:prstGeom prst="rect">
+            <a:avLst/>
+          </a:prstGeom>
+        </p:spPr>
+        <p:style>
+          <a:lnRef idx="0">
+            <a:scrgbClr r="0" g="0" b="0"/>
+          </a:lnRef>
+          <a:fillRef idx="0">
+            <a:scrgbClr r="0" g="0" b="0"/>
+          </a:fillRef>
+          <a:effectRef idx="0">
+            <a:scrgbClr r="0" g="0" b="0"/>
+          </a:effectRef>
+          <a:fontRef idx="minor">
+            <a:schemeClr val="lt1"/>
+          </a:fontRef>
+        </p:style>
+        <p:txBody>
+          <a:bodyPr spcFirstLastPara="0" vert="horz" wrap="square" lIns="35560" tIns="35560" rIns="35560" bIns="35560" numCol="1" spcCol="1270" anchor="ctr" anchorCtr="0">
+            <a:noAutofit/>
+          </a:bodyPr>
+          <a:lstStyle/>
+          <a:p>
+            <a:pPr lvl="0" algn="ctr" defTabSz="1244600">
+              <a:lnSpc>
+                <a:spcPct val="90000"/>
+              </a:lnSpc>
+              <a:spcBef>
+                <a:spcPct val="0"/>
+              </a:spcBef>
+              <a:spcAft>
+                <a:spcPct val="35000"/>
+              </a:spcAft>
+            </a:pPr>
+            <a:r>
+              <a:rPr lang="es-PE" sz="2800" kern="1200" dirty="0" smtClean="0">
+                <a:latin typeface="Dosis"/>
+                <a:cs typeface="Dosis"/>
+              </a:rPr>
+              <a:t>Funciona</a:t>
+            </a:r>
+            <a:endParaRPr lang="es-PE" sz="2800" kern="1200" dirty="0">
+              <a:latin typeface="Dosis"/>
+              <a:cs typeface="Dosis"/>
+            </a:endParaRPr>
+          </a:p>
+        </p:txBody>
+      </p:sp>
+      <p:sp>
+        <p:nvSpPr>
+          <p:cNvPr id="18" name="17 Elipse"/>
+          <p:cNvSpPr/>
+          <p:nvPr/>
+        </p:nvSpPr>
+        <p:spPr>
+          <a:xfrm>
+            <a:off x="1509350" y="2836217"/>
             <a:ext cx="2309005" cy="1569865"/>
-            <a:chOff x="501746" y="1582738"/>
-            <a:chExt cx="2309005" cy="1569865"/>
           </a:xfrm>
-        </p:grpSpPr>
-        <p:sp>
-          <p:nvSpPr>
-            <p:cNvPr id="18" name="17 Elipse"/>
-            <p:cNvSpPr/>
-            <p:nvPr/>
-          </p:nvSpPr>
-          <p:spPr>
-            <a:xfrm>
-              <a:off x="501746" y="1582738"/>
-              <a:ext cx="2309005" cy="1569865"/>
-            </a:xfrm>
-            <a:prstGeom prst="ellipse">
-              <a:avLst/>
-            </a:prstGeom>
-          </p:spPr>
-          <p:style>
-            <a:lnRef idx="1">
-              <a:schemeClr val="accent6"/>
-            </a:lnRef>
-            <a:fillRef idx="3">
-              <a:schemeClr val="accent6"/>
-            </a:fillRef>
-            <a:effectRef idx="2">
-              <a:schemeClr val="accent6"/>
-            </a:effectRef>
-            <a:fontRef idx="minor">
-              <a:schemeClr val="lt1"/>
-            </a:fontRef>
-          </p:style>
-        </p:sp>
-        <p:sp>
-          <p:nvSpPr>
-            <p:cNvPr id="19" name="Elipse 20"/>
-            <p:cNvSpPr/>
-            <p:nvPr/>
-          </p:nvSpPr>
-          <p:spPr>
-            <a:xfrm>
-              <a:off x="839892" y="1812639"/>
-              <a:ext cx="1632713" cy="1110063"/>
-            </a:xfrm>
-            <a:prstGeom prst="rect">
-              <a:avLst/>
-            </a:prstGeom>
-          </p:spPr>
-          <p:style>
-            <a:lnRef idx="0">
-              <a:scrgbClr r="0" g="0" b="0"/>
-            </a:lnRef>
-            <a:fillRef idx="0">
-              <a:scrgbClr r="0" g="0" b="0"/>
-            </a:fillRef>
-            <a:effectRef idx="0">
-              <a:scrgbClr r="0" g="0" b="0"/>
-            </a:effectRef>
-            <a:fontRef idx="minor">
-              <a:schemeClr val="lt1"/>
-            </a:fontRef>
-          </p:style>
-          <p:txBody>
-            <a:bodyPr spcFirstLastPara="0" vert="horz" wrap="square" lIns="35560" tIns="35560" rIns="35560" bIns="35560" numCol="1" spcCol="1270" anchor="ctr" anchorCtr="0">
-              <a:noAutofit/>
-            </a:bodyPr>
-            <a:lstStyle/>
-            <a:p>
-              <a:pPr lvl="0" algn="ctr" defTabSz="1244600">
-                <a:lnSpc>
-                  <a:spcPct val="90000"/>
-                </a:lnSpc>
-                <a:spcBef>
-                  <a:spcPct val="0"/>
-                </a:spcBef>
-                <a:spcAft>
-                  <a:spcPct val="35000"/>
-                </a:spcAft>
-              </a:pPr>
-              <a:r>
-                <a:rPr lang="es-PE" sz="2800" kern="1200" dirty="0" smtClean="0"/>
-                <a:t>Mejorar</a:t>
-              </a:r>
-              <a:endParaRPr lang="es-PE" sz="2400" kern="1200" dirty="0"/>
-            </a:p>
-          </p:txBody>
-        </p:sp>
-      </p:grpSp>
+          <a:prstGeom prst="ellipse">
+            <a:avLst/>
+          </a:prstGeom>
+          <a:ln>
+            <a:noFill/>
+          </a:ln>
+        </p:spPr>
+        <p:style>
+          <a:lnRef idx="2">
+            <a:schemeClr val="accent6">
+              <a:shade val="50000"/>
+            </a:schemeClr>
+          </a:lnRef>
+          <a:fillRef idx="1">
+            <a:schemeClr val="accent6"/>
+          </a:fillRef>
+          <a:effectRef idx="0">
+            <a:schemeClr val="accent6"/>
+          </a:effectRef>
+          <a:fontRef idx="minor">
+            <a:schemeClr val="lt1"/>
+          </a:fontRef>
+        </p:style>
+      </p:sp>
       <p:grpSp>
         <p:nvGrpSpPr>
           <p:cNvPr id="15" name="14 Grupo"/>
@@ -9270,7 +8677,7 @@
         </p:nvGrpSpPr>
         <p:grpSpPr>
           <a:xfrm>
-            <a:off x="3458372" y="2369397"/>
+            <a:off x="3458372" y="2570640"/>
             <a:ext cx="305783" cy="529829"/>
             <a:chOff x="2450768" y="1317161"/>
             <a:chExt cx="305783" cy="529829"/>
@@ -9373,11 +8780,74 @@
                   <a:spcPct val="35000"/>
                 </a:spcAft>
               </a:pPr>
-              <a:endParaRPr lang="es-PE" sz="2200" kern="1200"/>
+              <a:endParaRPr lang="es-PE" sz="2200" kern="1200">
+                <a:latin typeface="Dosis"/>
+                <a:cs typeface="Dosis"/>
+              </a:endParaRPr>
             </a:p>
           </p:txBody>
         </p:sp>
       </p:grpSp>
+      <p:sp>
+        <p:nvSpPr>
+          <p:cNvPr id="19" name="Elipse 20"/>
+          <p:cNvSpPr/>
+          <p:nvPr/>
+        </p:nvSpPr>
+        <p:spPr>
+          <a:xfrm>
+            <a:off x="1847496" y="3066118"/>
+            <a:ext cx="1632713" cy="1110063"/>
+          </a:xfrm>
+          <a:prstGeom prst="rect">
+            <a:avLst/>
+          </a:prstGeom>
+        </p:spPr>
+        <p:style>
+          <a:lnRef idx="0">
+            <a:scrgbClr r="0" g="0" b="0"/>
+          </a:lnRef>
+          <a:fillRef idx="0">
+            <a:scrgbClr r="0" g="0" b="0"/>
+          </a:fillRef>
+          <a:effectRef idx="0">
+            <a:scrgbClr r="0" g="0" b="0"/>
+          </a:effectRef>
+          <a:fontRef idx="minor">
+            <a:schemeClr val="lt1"/>
+          </a:fontRef>
+        </p:style>
+        <p:txBody>
+          <a:bodyPr spcFirstLastPara="0" vert="horz" wrap="square" lIns="35560" tIns="35560" rIns="35560" bIns="35560" numCol="1" spcCol="1270" anchor="ctr" anchorCtr="0">
+            <a:noAutofit/>
+          </a:bodyPr>
+          <a:lstStyle/>
+          <a:p>
+            <a:pPr lvl="0" algn="ctr" defTabSz="1244600">
+              <a:lnSpc>
+                <a:spcPct val="90000"/>
+              </a:lnSpc>
+              <a:spcBef>
+                <a:spcPct val="0"/>
+              </a:spcBef>
+              <a:spcAft>
+                <a:spcPct val="35000"/>
+              </a:spcAft>
+            </a:pPr>
+            <a:r>
+              <a:rPr lang="es-PE" sz="2800" kern="1200" dirty="0" smtClean="0">
+                <a:latin typeface="Dosis"/>
+                <a:cs typeface="Dosis"/>
+              </a:rPr>
+              <a:t>Mejorar</a:t>
+            </a:r>
+            <a:endParaRPr lang="es-PE" sz="2400" kern="1200" dirty="0">
+              <a:latin typeface="Dosis"/>
+              <a:cs typeface="Dosis"/>
+            </a:endParaRPr>
+          </a:p>
+        </p:txBody>
+      </p:sp>
     </p:spTree>
     <p:extLst>
       <p:ext uri="{BB962C8B-B14F-4D97-AF65-F5344CB8AC3E}">
@@ -9391,7 +8861,7 @@
   <p:timing>
     <p:tnLst>
       <p:par>
-        <p:cTn id="1" dur="indefinite" restart="never" nodeType="tmRoot">
+        <p:cTn xmlns:p14="http://schemas.microsoft.com/office/powerpoint/2010/main" id="1" dur="indefinite" restart="never" nodeType="tmRoot">
           <p:childTnLst>
             <p:seq concurrent="1" nextAc="seek">
               <p:cTn id="2" dur="indefinite" nodeType="mainSeq">
@@ -9422,7 +8892,7 @@
                                           </p:stCondLst>
                                         </p:cTn>
                                         <p:tgtEl>
-                                          <p:spTgt spid="5"/>
+                                          <p:spTgt spid="6"/>
                                         </p:tgtEl>
                                         <p:attrNameLst>
                                           <p:attrName>style.visibility</p:attrName>
@@ -9467,34 +8937,7 @@
                                           </p:stCondLst>
                                         </p:cTn>
                                         <p:tgtEl>
-                                          <p:spTgt spid="6"/>
-                                        </p:tgtEl>
-                                        <p:attrNameLst>
-                                          <p:attrName>style.visibility</p:attrName>
-                                        </p:attrNameLst>
-                                      </p:cBhvr>
-                                      <p:to>
-                                        <p:strVal val="visible"/>
-                                      </p:to>
-                                    </p:set>
-                                  </p:childTnLst>
-                                </p:cTn>
-                              </p:par>
-                              <p:par>
-                                <p:cTn id="11" presetID="1" presetClass="entr" presetSubtype="0" fill="hold" nodeType="withEffect">
-                                  <p:stCondLst>
-                                    <p:cond delay="0"/>
-                                  </p:stCondLst>
-                                  <p:childTnLst>
-                                    <p:set>
-                                      <p:cBhvr>
-                                        <p:cTn id="12" dur="1" fill="hold">
-                                          <p:stCondLst>
-                                            <p:cond delay="0"/>
-                                          </p:stCondLst>
-                                        </p:cTn>
-                                        <p:tgtEl>
-                                          <p:spTgt spid="7"/>
+                                          <p:spTgt spid="8"/>
                                         </p:tgtEl>
                                         <p:attrNameLst>
                                           <p:attrName>style.visibility</p:attrName>
@@ -9514,32 +8957,32 @@
                     </p:cTn>
                   </p:par>
                   <p:par>
-                    <p:cTn id="13" fill="hold">
+                    <p:cTn id="11" fill="hold">
                       <p:stCondLst>
                         <p:cond delay="indefinite"/>
                       </p:stCondLst>
                       <p:childTnLst>
                         <p:par>
-                          <p:cTn id="14" fill="hold">
+                          <p:cTn id="12" fill="hold">
                             <p:stCondLst>
                               <p:cond delay="0"/>
                             </p:stCondLst>
                             <p:childTnLst>
                               <p:par>
-                                <p:cTn id="15" presetID="1" presetClass="entr" presetSubtype="0" fill="hold" nodeType="clickEffect">
+                                <p:cTn id="13" presetID="1" presetClass="entr" presetSubtype="0" fill="hold" nodeType="clickEffect">
                                   <p:stCondLst>
                                     <p:cond delay="0"/>
                                   </p:stCondLst>
                                   <p:childTnLst>
                                     <p:set>
                                       <p:cBhvr>
-                                        <p:cTn id="16" dur="1" fill="hold">
+                                        <p:cTn id="14" dur="1" fill="hold">
                                           <p:stCondLst>
                                             <p:cond delay="0"/>
                                           </p:stCondLst>
                                         </p:cTn>
                                         <p:tgtEl>
-                                          <p:spTgt spid="8"/>
+                                          <p:spTgt spid="10"/>
                                         </p:tgtEl>
                                         <p:attrNameLst>
                                           <p:attrName>style.visibility</p:attrName>
@@ -9552,8 +8995,26 @@
                                   </p:childTnLst>
                                 </p:cTn>
                               </p:par>
+                            </p:childTnLst>
+                          </p:cTn>
+                        </p:par>
+                      </p:childTnLst>
+                    </p:cTn>
+                  </p:par>
+                  <p:par>
+                    <p:cTn id="15" fill="hold">
+                      <p:stCondLst>
+                        <p:cond delay="indefinite"/>
+                      </p:stCondLst>
+                      <p:childTnLst>
+                        <p:par>
+                          <p:cTn id="16" fill="hold">
+                            <p:stCondLst>
+                              <p:cond delay="0"/>
+                            </p:stCondLst>
+                            <p:childTnLst>
                               <p:par>
-                                <p:cTn id="17" presetID="1" presetClass="entr" presetSubtype="0" fill="hold" nodeType="withEffect">
+                                <p:cTn id="17" presetID="1" presetClass="entr" presetSubtype="0" fill="hold" nodeType="clickEffect">
                                   <p:stCondLst>
                                     <p:cond delay="0"/>
                                   </p:stCondLst>
@@ -9566,7 +9027,7 @@
                                           </p:stCondLst>
                                         </p:cTn>
                                         <p:tgtEl>
-                                          <p:spTgt spid="9"/>
+                                          <p:spTgt spid="12"/>
                                         </p:tgtEl>
                                         <p:attrNameLst>
                                           <p:attrName>style.visibility</p:attrName>
@@ -9606,150 +9067,6 @@
                                     <p:set>
                                       <p:cBhvr>
                                         <p:cTn id="22" dur="1" fill="hold">
-                                          <p:stCondLst>
-                                            <p:cond delay="0"/>
-                                          </p:stCondLst>
-                                        </p:cTn>
-                                        <p:tgtEl>
-                                          <p:spTgt spid="10"/>
-                                        </p:tgtEl>
-                                        <p:attrNameLst>
-                                          <p:attrName>style.visibility</p:attrName>
-                                        </p:attrNameLst>
-                                      </p:cBhvr>
-                                      <p:to>
-                                        <p:strVal val="visible"/>
-                                      </p:to>
-                                    </p:set>
-                                  </p:childTnLst>
-                                </p:cTn>
-                              </p:par>
-                              <p:par>
-                                <p:cTn id="23" presetID="1" presetClass="entr" presetSubtype="0" fill="hold" nodeType="withEffect">
-                                  <p:stCondLst>
-                                    <p:cond delay="0"/>
-                                  </p:stCondLst>
-                                  <p:childTnLst>
-                                    <p:set>
-                                      <p:cBhvr>
-                                        <p:cTn id="24" dur="1" fill="hold">
-                                          <p:stCondLst>
-                                            <p:cond delay="0"/>
-                                          </p:stCondLst>
-                                        </p:cTn>
-                                        <p:tgtEl>
-                                          <p:spTgt spid="11"/>
-                                        </p:tgtEl>
-                                        <p:attrNameLst>
-                                          <p:attrName>style.visibility</p:attrName>
-                                        </p:attrNameLst>
-                                      </p:cBhvr>
-                                      <p:to>
-                                        <p:strVal val="visible"/>
-                                      </p:to>
-                                    </p:set>
-                                  </p:childTnLst>
-                                </p:cTn>
-                              </p:par>
-                            </p:childTnLst>
-                          </p:cTn>
-                        </p:par>
-                      </p:childTnLst>
-                    </p:cTn>
-                  </p:par>
-                  <p:par>
-                    <p:cTn id="25" fill="hold">
-                      <p:stCondLst>
-                        <p:cond delay="indefinite"/>
-                      </p:stCondLst>
-                      <p:childTnLst>
-                        <p:par>
-                          <p:cTn id="26" fill="hold">
-                            <p:stCondLst>
-                              <p:cond delay="0"/>
-                            </p:stCondLst>
-                            <p:childTnLst>
-                              <p:par>
-                                <p:cTn id="27" presetID="1" presetClass="entr" presetSubtype="0" fill="hold" nodeType="clickEffect">
-                                  <p:stCondLst>
-                                    <p:cond delay="0"/>
-                                  </p:stCondLst>
-                                  <p:childTnLst>
-                                    <p:set>
-                                      <p:cBhvr>
-                                        <p:cTn id="28" dur="1" fill="hold">
-                                          <p:stCondLst>
-                                            <p:cond delay="0"/>
-                                          </p:stCondLst>
-                                        </p:cTn>
-                                        <p:tgtEl>
-                                          <p:spTgt spid="12"/>
-                                        </p:tgtEl>
-                                        <p:attrNameLst>
-                                          <p:attrName>style.visibility</p:attrName>
-                                        </p:attrNameLst>
-                                      </p:cBhvr>
-                                      <p:to>
-                                        <p:strVal val="visible"/>
-                                      </p:to>
-                                    </p:set>
-                                  </p:childTnLst>
-                                </p:cTn>
-                              </p:par>
-                              <p:par>
-                                <p:cTn id="29" presetID="1" presetClass="entr" presetSubtype="0" fill="hold" nodeType="withEffect">
-                                  <p:stCondLst>
-                                    <p:cond delay="0"/>
-                                  </p:stCondLst>
-                                  <p:childTnLst>
-                                    <p:set>
-                                      <p:cBhvr>
-                                        <p:cTn id="30" dur="1" fill="hold">
-                                          <p:stCondLst>
-                                            <p:cond delay="0"/>
-                                          </p:stCondLst>
-                                        </p:cTn>
-                                        <p:tgtEl>
-                                          <p:spTgt spid="13"/>
-                                        </p:tgtEl>
-                                        <p:attrNameLst>
-                                          <p:attrName>style.visibility</p:attrName>
-                                        </p:attrNameLst>
-                                      </p:cBhvr>
-                                      <p:to>
-                                        <p:strVal val="visible"/>
-                                      </p:to>
-                                    </p:set>
-                                  </p:childTnLst>
-                                </p:cTn>
-                              </p:par>
-                            </p:childTnLst>
-                          </p:cTn>
-                        </p:par>
-                      </p:childTnLst>
-                    </p:cTn>
-                  </p:par>
-                  <p:par>
-                    <p:cTn id="31" fill="hold">
-                      <p:stCondLst>
-                        <p:cond delay="indefinite"/>
-                      </p:stCondLst>
-                      <p:childTnLst>
-                        <p:par>
-                          <p:cTn id="32" fill="hold">
-                            <p:stCondLst>
-                              <p:cond delay="0"/>
-                            </p:stCondLst>
-                            <p:childTnLst>
-                              <p:par>
-                                <p:cTn id="33" presetID="1" presetClass="entr" presetSubtype="0" fill="hold" nodeType="clickEffect">
-                                  <p:stCondLst>
-                                    <p:cond delay="0"/>
-                                  </p:stCondLst>
-                                  <p:childTnLst>
-                                    <p:set>
-                                      <p:cBhvr>
-                                        <p:cTn id="34" dur="1" fill="hold">
                                           <p:stCondLst>
                                             <p:cond delay="0"/>
                                           </p:stCondLst>
@@ -9837,41 +9154,33 @@
           <a:lstStyle/>
           <a:p>
             <a:r>
-              <a:rPr lang="es-PE" dirty="0" err="1" smtClean="0">
-                <a:solidFill>
-                  <a:srgbClr val="C00000"/>
-                </a:solidFill>
-                <a:latin typeface="Arial" pitchFamily="34" charset="0"/>
-                <a:cs typeface="Arial" pitchFamily="34" charset="0"/>
+              <a:rPr lang="es-PE" b="1" dirty="0" err="1" smtClean="0">
+                <a:solidFill>
+                  <a:srgbClr val="275EA1"/>
+                </a:solidFill>
               </a:rPr>
               <a:t>Pair</a:t>
             </a:r>
             <a:r>
-              <a:rPr lang="es-PE" dirty="0" smtClean="0">
-                <a:solidFill>
-                  <a:srgbClr val="C00000"/>
-                </a:solidFill>
-                <a:latin typeface="Arial" pitchFamily="34" charset="0"/>
-                <a:cs typeface="Arial" pitchFamily="34" charset="0"/>
+              <a:rPr lang="es-PE" b="1" dirty="0" smtClean="0">
+                <a:solidFill>
+                  <a:srgbClr val="275EA1"/>
+                </a:solidFill>
               </a:rPr>
               <a:t> </a:t>
             </a:r>
             <a:r>
-              <a:rPr lang="es-PE" dirty="0" err="1" smtClean="0">
-                <a:solidFill>
-                  <a:srgbClr val="C00000"/>
-                </a:solidFill>
-                <a:latin typeface="Arial" pitchFamily="34" charset="0"/>
-                <a:cs typeface="Arial" pitchFamily="34" charset="0"/>
+              <a:rPr lang="es-PE" b="1" dirty="0" err="1" smtClean="0">
+                <a:solidFill>
+                  <a:srgbClr val="275EA1"/>
+                </a:solidFill>
               </a:rPr>
               <a:t>Programming</a:t>
             </a:r>
-            <a:endParaRPr lang="es-PE" dirty="0">
+            <a:endParaRPr lang="es-PE" b="1" dirty="0">
               <a:solidFill>
-                <a:srgbClr val="C00000"/>
+                <a:srgbClr val="275EA1"/>
               </a:solidFill>
-              <a:latin typeface="Arial" pitchFamily="34" charset="0"/>
-              <a:cs typeface="Arial" pitchFamily="34" charset="0"/>
             </a:endParaRPr>
           </a:p>
         </p:txBody>
@@ -9885,7 +9194,7 @@
           <p:nvPr/>
         </p:nvPicPr>
         <p:blipFill rotWithShape="1">
-          <a:blip r:embed="rId2">
+          <a:blip r:embed="rId3">
             <a:extLst>
               <a:ext uri="{28A0092B-C50C-407E-A947-70E740481C1C}">
                 <a14:useLocalDpi xmlns:a14="http://schemas.microsoft.com/office/drawing/2010/main" val="0"/>
@@ -9929,6 +9238,9 @@
               <a:gd name="adj3" fmla="val 16667"/>
             </a:avLst>
           </a:prstGeom>
+          <a:ln>
+            <a:noFill/>
+          </a:ln>
         </p:spPr>
         <p:style>
           <a:lnRef idx="2">
@@ -9952,10 +9264,16 @@
           <a:p>
             <a:pPr algn="ctr"/>
             <a:r>
-              <a:rPr lang="es-PE" sz="2000" b="1" dirty="0" smtClean="0"/>
+              <a:rPr lang="es-PE" sz="2400" dirty="0" smtClean="0">
+                <a:latin typeface="Dosis"/>
+                <a:cs typeface="Dosis"/>
+              </a:rPr>
               <a:t>Driver</a:t>
             </a:r>
-            <a:endParaRPr lang="es-PE" b="1" dirty="0"/>
+            <a:endParaRPr lang="es-PE" sz="2000" dirty="0">
+              <a:latin typeface="Dosis"/>
+              <a:cs typeface="Dosis"/>
+            </a:endParaRPr>
           </a:p>
         </p:txBody>
       </p:sp>
@@ -9977,6 +9295,9 @@
               <a:gd name="adj3" fmla="val 16667"/>
             </a:avLst>
           </a:prstGeom>
+          <a:ln>
+            <a:noFill/>
+          </a:ln>
         </p:spPr>
         <p:style>
           <a:lnRef idx="2">
@@ -10000,10 +9321,16 @@
           <a:p>
             <a:pPr algn="ctr"/>
             <a:r>
-              <a:rPr lang="es-PE" sz="2000" b="1" dirty="0" err="1" smtClean="0"/>
+              <a:rPr lang="es-PE" sz="2400" dirty="0" err="1" smtClean="0">
+                <a:latin typeface="Dosis"/>
+                <a:cs typeface="Dosis"/>
+              </a:rPr>
               <a:t>Navigator</a:t>
             </a:r>
-            <a:endParaRPr lang="es-PE" b="1" dirty="0"/>
+            <a:endParaRPr lang="es-PE" sz="2000" dirty="0">
+              <a:latin typeface="Dosis"/>
+              <a:cs typeface="Dosis"/>
+            </a:endParaRPr>
           </a:p>
         </p:txBody>
       </p:sp>
@@ -10015,12 +9342,15 @@
         </p:nvSpPr>
         <p:spPr>
           <a:xfrm>
-            <a:off x="1209637" y="4952191"/>
-            <a:ext cx="6724727" cy="736794"/>
+            <a:off x="1209637" y="4869160"/>
+            <a:ext cx="6724727" cy="781066"/>
           </a:xfrm>
           <a:prstGeom prst="leftRightArrow">
             <a:avLst/>
           </a:prstGeom>
+          <a:ln>
+            <a:noFill/>
+          </a:ln>
         </p:spPr>
         <p:style>
           <a:lnRef idx="2">
@@ -10044,10 +9374,16 @@
           <a:p>
             <a:pPr algn="ctr"/>
             <a:r>
-              <a:rPr lang="es-PE" sz="2400" b="1" dirty="0" smtClean="0"/>
+              <a:rPr lang="es-PE" sz="2400" dirty="0" smtClean="0">
+                <a:latin typeface="Dosis"/>
+                <a:cs typeface="Dosis"/>
+              </a:rPr>
               <a:t>Comunicación , debate y rotación constante</a:t>
             </a:r>
-            <a:endParaRPr lang="es-PE" b="1" dirty="0"/>
+            <a:endParaRPr lang="es-PE" dirty="0">
+              <a:latin typeface="Dosis"/>
+              <a:cs typeface="Dosis"/>
+            </a:endParaRPr>
           </a:p>
         </p:txBody>
       </p:sp>
@@ -10077,15 +9413,19 @@
             <a:r>
               <a:rPr lang="es-PE" sz="2400" dirty="0" smtClean="0">
                 <a:solidFill>
-                  <a:schemeClr val="bg1"/>
-                </a:solidFill>
+                  <a:srgbClr val="000000"/>
+                </a:solidFill>
+                <a:latin typeface="Dosis"/>
+                <a:cs typeface="Dosis"/>
               </a:rPr>
               <a:t>Escribe código limpio, compila y ejecuta</a:t>
             </a:r>
             <a:endParaRPr lang="es-PE" sz="2000" dirty="0" smtClean="0">
               <a:solidFill>
-                <a:schemeClr val="bg1"/>
+                <a:srgbClr val="000000"/>
               </a:solidFill>
+              <a:latin typeface="Dosis"/>
+              <a:cs typeface="Dosis"/>
             </a:endParaRPr>
           </a:p>
         </p:txBody>
@@ -10115,24 +9455,21 @@
             <a:pPr algn="ctr"/>
             <a:r>
               <a:rPr lang="es-PE" sz="2400" dirty="0" smtClean="0">
-                <a:solidFill>
-                  <a:schemeClr val="bg1"/>
-                </a:solidFill>
+                <a:latin typeface="Dosis"/>
+                <a:cs typeface="Dosis"/>
               </a:rPr>
               <a:t>Orienta sobre el diseño, pruebas y </a:t>
             </a:r>
             <a:r>
               <a:rPr lang="es-PE" sz="2400" dirty="0" err="1" smtClean="0">
-                <a:solidFill>
-                  <a:schemeClr val="bg1"/>
-                </a:solidFill>
+                <a:latin typeface="Dosis"/>
+                <a:cs typeface="Dosis"/>
               </a:rPr>
               <a:t>refactoring</a:t>
             </a:r>
             <a:endParaRPr lang="es-PE" sz="2000" dirty="0" smtClean="0">
-              <a:solidFill>
-                <a:schemeClr val="bg1"/>
-              </a:solidFill>
+              <a:latin typeface="Dosis"/>
+              <a:cs typeface="Dosis"/>
             </a:endParaRPr>
           </a:p>
         </p:txBody>
@@ -10158,7 +9495,7 @@
   <p:timing>
     <p:tnLst>
       <p:par>
-        <p:cTn id="1" dur="indefinite" restart="never" nodeType="tmRoot"/>
+        <p:cTn xmlns:p14="http://schemas.microsoft.com/office/powerpoint/2010/main" id="1" dur="indefinite" restart="never" nodeType="tmRoot"/>
       </p:par>
     </p:tnLst>
   </p:timing>
@@ -10203,32 +9540,14 @@
           <a:lstStyle/>
           <a:p>
             <a:r>
-              <a:rPr lang="es-PE" dirty="0" smtClean="0">
-                <a:solidFill>
-                  <a:srgbClr val="C00000"/>
-                </a:solidFill>
-                <a:latin typeface="Arial" pitchFamily="34" charset="0"/>
-                <a:cs typeface="Arial" pitchFamily="34" charset="0"/>
-              </a:rPr>
+              <a:rPr lang="es-PE" b="1" dirty="0" smtClean="0"/>
               <a:t>Modalidad: </a:t>
             </a:r>
             <a:r>
-              <a:rPr lang="es-PE" dirty="0" err="1" smtClean="0">
-                <a:solidFill>
-                  <a:srgbClr val="C00000"/>
-                </a:solidFill>
-                <a:latin typeface="Arial" pitchFamily="34" charset="0"/>
-                <a:cs typeface="Arial" pitchFamily="34" charset="0"/>
-              </a:rPr>
+              <a:rPr lang="es-PE" b="1" dirty="0" err="1" smtClean="0"/>
               <a:t>Randori</a:t>
             </a:r>
-            <a:endParaRPr lang="es-PE" dirty="0">
-              <a:solidFill>
-                <a:srgbClr val="C00000"/>
-              </a:solidFill>
-              <a:latin typeface="Arial" pitchFamily="34" charset="0"/>
-              <a:cs typeface="Arial" pitchFamily="34" charset="0"/>
-            </a:endParaRPr>
+            <a:endParaRPr lang="es-PE" b="1" dirty="0"/>
           </a:p>
         </p:txBody>
       </p:sp>
@@ -10242,7 +9561,7 @@
         </p:nvSpPr>
         <p:spPr bwMode="auto">
           <a:xfrm>
-            <a:off x="504056" y="2852936"/>
+            <a:off x="504056" y="2924944"/>
             <a:ext cx="8100392" cy="2160240"/>
           </a:xfrm>
           <a:prstGeom prst="rect">
@@ -10415,7 +9734,7 @@
             </a:lvl9pPr>
           </a:lstStyle>
           <a:p>
-            <a:pPr marL="0" indent="0" algn="ctr">
+            <a:pPr marL="0" indent="0">
               <a:buSzPct val="150000"/>
               <a:buFont typeface="Arial" charset="0"/>
               <a:buNone/>
@@ -10423,8 +9742,10 @@
             <a:r>
               <a:rPr lang="es-PE" sz="2800" b="1" dirty="0" smtClean="0">
                 <a:solidFill>
-                  <a:schemeClr val="bg1"/>
-                </a:solidFill>
+                  <a:srgbClr val="000000"/>
+                </a:solidFill>
+                <a:latin typeface="Dosis"/>
+                <a:cs typeface="Dosis"/>
               </a:rPr>
               <a:t>Cada 7 Minutos</a:t>
             </a:r>
@@ -10438,16 +9759,20 @@
             <a:r>
               <a:rPr lang="es-PE" sz="2800" dirty="0" err="1" smtClean="0">
                 <a:solidFill>
-                  <a:schemeClr val="bg1"/>
-                </a:solidFill>
+                  <a:srgbClr val="000000"/>
+                </a:solidFill>
+                <a:latin typeface="Dosis"/>
+                <a:cs typeface="Dosis"/>
               </a:rPr>
               <a:t>Coder</a:t>
             </a:r>
             <a:r>
               <a:rPr lang="es-PE" sz="2800" dirty="0" smtClean="0">
                 <a:solidFill>
-                  <a:schemeClr val="bg1"/>
-                </a:solidFill>
+                  <a:srgbClr val="000000"/>
+                </a:solidFill>
+                <a:latin typeface="Dosis"/>
+                <a:cs typeface="Dosis"/>
               </a:rPr>
               <a:t> -&gt; Regresa al público</a:t>
             </a:r>
@@ -10461,26 +9786,29 @@
             <a:r>
               <a:rPr lang="es-PE" sz="2800" dirty="0" smtClean="0">
                 <a:solidFill>
-                  <a:schemeClr val="bg1"/>
-                </a:solidFill>
-                <a:cs typeface="Arial" pitchFamily="34" charset="0"/>
+                  <a:srgbClr val="000000"/>
+                </a:solidFill>
+                <a:latin typeface="Dosis"/>
+                <a:cs typeface="Dosis"/>
               </a:rPr>
               <a:t>Copiloto -&gt; </a:t>
             </a:r>
             <a:r>
               <a:rPr lang="es-PE" sz="2800" dirty="0" err="1" smtClean="0">
                 <a:solidFill>
-                  <a:schemeClr val="bg1"/>
-                </a:solidFill>
-                <a:cs typeface="Arial" pitchFamily="34" charset="0"/>
+                  <a:srgbClr val="000000"/>
+                </a:solidFill>
+                <a:latin typeface="Dosis"/>
+                <a:cs typeface="Dosis"/>
               </a:rPr>
               <a:t>Coder</a:t>
             </a:r>
             <a:endParaRPr lang="es-PE" sz="2800" dirty="0" smtClean="0">
               <a:solidFill>
-                <a:schemeClr val="bg1"/>
+                <a:srgbClr val="000000"/>
               </a:solidFill>
-              <a:cs typeface="Arial" pitchFamily="34" charset="0"/>
+              <a:latin typeface="Dosis"/>
+              <a:cs typeface="Dosis"/>
             </a:endParaRPr>
           </a:p>
           <a:p>
@@ -10492,17 +9820,19 @@
             <a:r>
               <a:rPr lang="es-PE" sz="2800" dirty="0" smtClean="0">
                 <a:solidFill>
-                  <a:schemeClr val="bg1"/>
-                </a:solidFill>
-                <a:cs typeface="Arial" pitchFamily="34" charset="0"/>
+                  <a:srgbClr val="000000"/>
+                </a:solidFill>
+                <a:latin typeface="Dosis"/>
+                <a:cs typeface="Dosis"/>
               </a:rPr>
               <a:t>Público -&gt; Copiloto</a:t>
             </a:r>
             <a:endParaRPr lang="es-PE" sz="2800" dirty="0">
               <a:solidFill>
-                <a:schemeClr val="bg1"/>
+                <a:srgbClr val="000000"/>
               </a:solidFill>
-              <a:cs typeface="Arial" pitchFamily="34" charset="0"/>
+              <a:latin typeface="Dosis"/>
+              <a:cs typeface="Dosis"/>
             </a:endParaRPr>
           </a:p>
         </p:txBody>
@@ -10690,7 +10020,7 @@
             </a:lvl9pPr>
           </a:lstStyle>
           <a:p>
-            <a:pPr marL="0" indent="0" algn="ctr">
+            <a:pPr marL="0" indent="0">
               <a:buSzPct val="150000"/>
               <a:buFont typeface="Arial" charset="0"/>
               <a:buNone/>
@@ -10698,8 +10028,10 @@
             <a:r>
               <a:rPr lang="es-PE" sz="2800" b="1" dirty="0" smtClean="0">
                 <a:solidFill>
-                  <a:schemeClr val="bg1"/>
-                </a:solidFill>
+                  <a:srgbClr val="000000"/>
+                </a:solidFill>
+                <a:latin typeface="Dosis"/>
+                <a:cs typeface="Dosis"/>
               </a:rPr>
               <a:t>Una única computadora conectada al proyector</a:t>
             </a:r>
@@ -10713,23 +10045,29 @@
             <a:r>
               <a:rPr lang="es-PE" sz="2800" dirty="0" smtClean="0">
                 <a:solidFill>
-                  <a:schemeClr val="bg1"/>
-                </a:solidFill>
+                  <a:srgbClr val="000000"/>
+                </a:solidFill>
+                <a:latin typeface="Dosis"/>
+                <a:cs typeface="Dosis"/>
               </a:rPr>
               <a:t>1 </a:t>
             </a:r>
             <a:r>
               <a:rPr lang="es-PE" sz="2800" dirty="0" err="1" smtClean="0">
                 <a:solidFill>
-                  <a:schemeClr val="bg1"/>
-                </a:solidFill>
+                  <a:srgbClr val="000000"/>
+                </a:solidFill>
+                <a:latin typeface="Dosis"/>
+                <a:cs typeface="Dosis"/>
               </a:rPr>
               <a:t>Coder</a:t>
             </a:r>
             <a:endParaRPr lang="es-PE" sz="2800" dirty="0" smtClean="0">
               <a:solidFill>
-                <a:schemeClr val="bg1"/>
+                <a:srgbClr val="000000"/>
               </a:solidFill>
+              <a:latin typeface="Dosis"/>
+              <a:cs typeface="Dosis"/>
             </a:endParaRPr>
           </a:p>
           <a:p>
@@ -10741,9 +10079,10 @@
             <a:r>
               <a:rPr lang="es-PE" sz="2800" dirty="0" smtClean="0">
                 <a:solidFill>
-                  <a:schemeClr val="bg1"/>
-                </a:solidFill>
-                <a:cs typeface="Arial" pitchFamily="34" charset="0"/>
+                  <a:srgbClr val="000000"/>
+                </a:solidFill>
+                <a:latin typeface="Dosis"/>
+                <a:cs typeface="Dosis"/>
               </a:rPr>
               <a:t>1 Copiloto</a:t>
             </a:r>
@@ -10940,10 +10279,8 @@
             </a:pPr>
             <a:r>
               <a:rPr lang="es-PE" sz="2800" dirty="0" smtClean="0">
-                <a:solidFill>
-                  <a:schemeClr val="bg1"/>
-                </a:solidFill>
-                <a:cs typeface="Arial" pitchFamily="34" charset="0"/>
+                <a:latin typeface="Dosis"/>
+                <a:cs typeface="Dosis"/>
               </a:rPr>
               <a:t>Los asistentes prestan atención y brindan sugerencias.</a:t>
             </a:r>
@@ -10956,18 +10293,14 @@
             </a:pPr>
             <a:r>
               <a:rPr lang="es-PE" sz="2800" dirty="0" smtClean="0">
-                <a:solidFill>
-                  <a:schemeClr val="bg1"/>
-                </a:solidFill>
-                <a:cs typeface="Arial" pitchFamily="34" charset="0"/>
+                <a:latin typeface="Dosis"/>
+                <a:cs typeface="Dosis"/>
               </a:rPr>
               <a:t>La pareja en la computadora explica que está haciendo.</a:t>
             </a:r>
             <a:endParaRPr lang="es-PE" sz="2800" dirty="0">
-              <a:solidFill>
-                <a:schemeClr val="bg1"/>
-              </a:solidFill>
-              <a:cs typeface="Arial" pitchFamily="34" charset="0"/>
+              <a:latin typeface="Dosis"/>
+              <a:cs typeface="Dosis"/>
             </a:endParaRPr>
           </a:p>
         </p:txBody>
@@ -10987,13 +10320,13 @@
       <p:transition spd="slow" p14:dur="2000"/>
     </mc:Choice>
     <mc:Fallback xmlns="">
-      <p:transition spd="slow"/>
+      <p:transition xmlns:p14="http://schemas.microsoft.com/office/powerpoint/2010/main" spd="slow"/>
     </mc:Fallback>
   </mc:AlternateContent>
   <p:timing>
     <p:tnLst>
       <p:par>
-        <p:cTn id="1" dur="indefinite" restart="never" nodeType="tmRoot"/>
+        <p:cTn xmlns:p14="http://schemas.microsoft.com/office/powerpoint/2010/main" id="1" dur="indefinite" restart="never" nodeType="tmRoot"/>
       </p:par>
     </p:tnLst>
   </p:timing>
@@ -11001,7 +10334,7 @@
 </file>
 
 <file path=ppt/slides/slide8.xml><?xml version="1.0" encoding="utf-8"?>
-<p:sld xmlns:a="http://schemas.openxmlformats.org/drawingml/2006/main" xmlns:r="http://schemas.openxmlformats.org/officeDocument/2006/relationships" xmlns:p="http://schemas.openxmlformats.org/presentationml/2006/main" show="0">
+<p:sld xmlns:a="http://schemas.openxmlformats.org/drawingml/2006/main" xmlns:r="http://schemas.openxmlformats.org/officeDocument/2006/relationships" xmlns:p="http://schemas.openxmlformats.org/presentationml/2006/main">
   <p:cSld>
     <p:spTree>
       <p:nvGrpSpPr>
@@ -11038,52 +10371,22 @@
           <a:lstStyle/>
           <a:p>
             <a:r>
-              <a:rPr lang="es-PE" dirty="0" smtClean="0">
-                <a:solidFill>
-                  <a:srgbClr val="C00000"/>
-                </a:solidFill>
-                <a:latin typeface="Arial" pitchFamily="34" charset="0"/>
-                <a:cs typeface="Arial" pitchFamily="34" charset="0"/>
-              </a:rPr>
+              <a:rPr lang="es-PE" b="1" dirty="0" smtClean="0"/>
               <a:t>Modalidad: </a:t>
             </a:r>
             <a:r>
-              <a:rPr lang="es-PE" dirty="0" err="1" smtClean="0">
-                <a:solidFill>
-                  <a:srgbClr val="C00000"/>
-                </a:solidFill>
-                <a:latin typeface="Arial" pitchFamily="34" charset="0"/>
-                <a:cs typeface="Arial" pitchFamily="34" charset="0"/>
-              </a:rPr>
+              <a:rPr lang="es-PE" b="1" dirty="0" err="1" smtClean="0"/>
               <a:t>Multi</a:t>
             </a:r>
             <a:r>
-              <a:rPr lang="es-PE" dirty="0" smtClean="0">
-                <a:solidFill>
-                  <a:srgbClr val="C00000"/>
-                </a:solidFill>
-                <a:latin typeface="Arial" pitchFamily="34" charset="0"/>
-                <a:cs typeface="Arial" pitchFamily="34" charset="0"/>
-              </a:rPr>
+              <a:rPr lang="es-PE" b="1" dirty="0" smtClean="0"/>
               <a:t> </a:t>
             </a:r>
             <a:r>
-              <a:rPr lang="es-PE" dirty="0" err="1" smtClean="0">
-                <a:solidFill>
-                  <a:srgbClr val="C00000"/>
-                </a:solidFill>
-                <a:latin typeface="Arial" pitchFamily="34" charset="0"/>
-                <a:cs typeface="Arial" pitchFamily="34" charset="0"/>
-              </a:rPr>
+              <a:rPr lang="es-PE" b="1" dirty="0" err="1" smtClean="0"/>
               <a:t>Randori</a:t>
             </a:r>
-            <a:endParaRPr lang="es-PE" dirty="0">
-              <a:solidFill>
-                <a:srgbClr val="C00000"/>
-              </a:solidFill>
-              <a:latin typeface="Arial" pitchFamily="34" charset="0"/>
-              <a:cs typeface="Arial" pitchFamily="34" charset="0"/>
-            </a:endParaRPr>
+            <a:endParaRPr lang="es-PE" b="1" dirty="0"/>
           </a:p>
         </p:txBody>
       </p:sp>
@@ -11112,11 +10415,7 @@
               <a:buNone/>
             </a:pPr>
             <a:r>
-              <a:rPr lang="es-PE" sz="2400" b="1" dirty="0" smtClean="0">
-                <a:solidFill>
-                  <a:schemeClr val="bg1"/>
-                </a:solidFill>
-              </a:rPr>
+              <a:rPr lang="es-PE" sz="2400" b="1" dirty="0" smtClean="0"/>
               <a:t>Cada Mesa</a:t>
             </a:r>
           </a:p>
@@ -11127,26 +10426,14 @@
               <a:buChar char="-"/>
             </a:pPr>
             <a:r>
-              <a:rPr lang="es-PE" sz="2400" dirty="0" smtClean="0">
-                <a:solidFill>
-                  <a:schemeClr val="bg1"/>
-                </a:solidFill>
-              </a:rPr>
+              <a:rPr lang="es-PE" sz="2400" dirty="0" smtClean="0"/>
               <a:t>1 </a:t>
             </a:r>
             <a:r>
-              <a:rPr lang="es-PE" sz="2400" dirty="0" err="1" smtClean="0">
-                <a:solidFill>
-                  <a:schemeClr val="bg1"/>
-                </a:solidFill>
-              </a:rPr>
+              <a:rPr lang="es-PE" sz="2400" dirty="0" err="1" smtClean="0"/>
               <a:t>Coder</a:t>
             </a:r>
-            <a:endParaRPr lang="es-PE" sz="2400" dirty="0" smtClean="0">
-              <a:solidFill>
-                <a:schemeClr val="bg1"/>
-              </a:solidFill>
-            </a:endParaRPr>
+            <a:endParaRPr lang="es-PE" sz="2400" dirty="0" smtClean="0"/>
           </a:p>
           <a:p>
             <a:pPr>
@@ -11155,12 +10442,7 @@
               <a:buChar char="-"/>
             </a:pPr>
             <a:r>
-              <a:rPr lang="es-PE" sz="2400" dirty="0" smtClean="0">
-                <a:solidFill>
-                  <a:schemeClr val="bg1"/>
-                </a:solidFill>
-                <a:cs typeface="Arial" pitchFamily="34" charset="0"/>
-              </a:rPr>
+              <a:rPr lang="es-PE" sz="2400" dirty="0" smtClean="0"/>
               <a:t>1 Copiloto</a:t>
             </a:r>
           </a:p>
@@ -11171,20 +10453,10 @@
               <a:buChar char="-"/>
             </a:pPr>
             <a:r>
-              <a:rPr lang="es-PE" sz="2400" dirty="0" smtClean="0">
-                <a:solidFill>
-                  <a:schemeClr val="bg1"/>
-                </a:solidFill>
-                <a:cs typeface="Arial" pitchFamily="34" charset="0"/>
-              </a:rPr>
+              <a:rPr lang="es-PE" sz="2400" dirty="0" smtClean="0"/>
               <a:t>Asistentes interactuando</a:t>
             </a:r>
-            <a:endParaRPr lang="es-PE" sz="2400" dirty="0">
-              <a:solidFill>
-                <a:schemeClr val="bg1"/>
-              </a:solidFill>
-              <a:cs typeface="Arial" pitchFamily="34" charset="0"/>
-            </a:endParaRPr>
+            <a:endParaRPr lang="es-PE" sz="2400" dirty="0"/>
           </a:p>
         </p:txBody>
       </p:sp>
@@ -11377,10 +10649,12 @@
               <a:buNone/>
             </a:pPr>
             <a:r>
-              <a:rPr lang="es-PE" sz="2400" b="1" smtClean="0">
-                <a:solidFill>
-                  <a:schemeClr val="bg1"/>
-                </a:solidFill>
+              <a:rPr lang="es-PE" sz="2400" b="1" dirty="0" smtClean="0">
+                <a:solidFill>
+                  <a:srgbClr val="000000"/>
+                </a:solidFill>
+                <a:latin typeface="Dosis"/>
+                <a:cs typeface="Dosis"/>
               </a:rPr>
               <a:t>Cada 7 Minutos</a:t>
             </a:r>
@@ -11392,10 +10666,12 @@
               <a:buChar char="-"/>
             </a:pPr>
             <a:r>
-              <a:rPr lang="es-PE" sz="2400" smtClean="0">
-                <a:solidFill>
-                  <a:schemeClr val="bg1"/>
-                </a:solidFill>
+              <a:rPr lang="es-PE" sz="2400" dirty="0" smtClean="0">
+                <a:solidFill>
+                  <a:srgbClr val="000000"/>
+                </a:solidFill>
+                <a:latin typeface="Dosis"/>
+                <a:cs typeface="Dosis"/>
               </a:rPr>
               <a:t>Coder -&gt; Queda libre</a:t>
             </a:r>
@@ -11407,11 +10683,12 @@
               <a:buChar char="-"/>
             </a:pPr>
             <a:r>
-              <a:rPr lang="es-PE" sz="2400" smtClean="0">
-                <a:solidFill>
-                  <a:schemeClr val="bg1"/>
-                </a:solidFill>
-                <a:cs typeface="Arial" pitchFamily="34" charset="0"/>
+              <a:rPr lang="es-PE" sz="2400" dirty="0" smtClean="0">
+                <a:solidFill>
+                  <a:srgbClr val="000000"/>
+                </a:solidFill>
+                <a:latin typeface="Dosis"/>
+                <a:cs typeface="Dosis"/>
               </a:rPr>
               <a:t>Copiloto -&gt; Coder</a:t>
             </a:r>
@@ -11423,19 +10700,21 @@
               <a:buChar char="-"/>
             </a:pPr>
             <a:r>
-              <a:rPr lang="es-PE" sz="2400" smtClean="0">
-                <a:solidFill>
-                  <a:schemeClr val="bg1"/>
-                </a:solidFill>
-                <a:cs typeface="Arial" pitchFamily="34" charset="0"/>
+              <a:rPr lang="es-PE" sz="2400" dirty="0" smtClean="0">
+                <a:solidFill>
+                  <a:srgbClr val="000000"/>
+                </a:solidFill>
+                <a:latin typeface="Dosis"/>
+                <a:cs typeface="Dosis"/>
               </a:rPr>
               <a:t>Asistente -&gt; Copiloto</a:t>
             </a:r>
-            <a:endParaRPr lang="es-PE" sz="2400">
+            <a:endParaRPr lang="es-PE" sz="2400" dirty="0">
               <a:solidFill>
-                <a:schemeClr val="bg1"/>
+                <a:srgbClr val="000000"/>
               </a:solidFill>
-              <a:cs typeface="Arial" pitchFamily="34" charset="0"/>
+              <a:latin typeface="Dosis"/>
+              <a:cs typeface="Dosis"/>
             </a:endParaRPr>
           </a:p>
         </p:txBody>
@@ -11487,13 +10766,13 @@
       <p:transition spd="slow" p14:dur="2000"/>
     </mc:Choice>
     <mc:Fallback xmlns="">
-      <p:transition spd="slow"/>
+      <p:transition xmlns:p14="http://schemas.microsoft.com/office/powerpoint/2010/main" spd="slow"/>
     </mc:Fallback>
   </mc:AlternateContent>
   <p:timing>
     <p:tnLst>
       <p:par>
-        <p:cTn id="1" dur="indefinite" restart="never" nodeType="tmRoot"/>
+        <p:cTn xmlns:p14="http://schemas.microsoft.com/office/powerpoint/2010/main" id="1" dur="indefinite" restart="never" nodeType="tmRoot"/>
       </p:par>
     </p:tnLst>
   </p:timing>
@@ -11529,37 +10808,35 @@
         </p:nvSpPr>
         <p:spPr>
           <a:xfrm>
-            <a:off x="467544" y="216350"/>
+            <a:off x="503220" y="692696"/>
             <a:ext cx="8229600" cy="720080"/>
           </a:xfrm>
+          <a:noFill/>
+          <a:ln w="9525">
+            <a:noFill/>
+            <a:miter lim="800000"/>
+            <a:headEnd/>
+            <a:tailEnd/>
+          </a:ln>
         </p:spPr>
         <p:txBody>
-          <a:bodyPr/>
+          <a:bodyPr vert="horz" wrap="square" lIns="91440" tIns="45720" rIns="91440" bIns="45720" numCol="1" anchor="ctr" anchorCtr="0" compatLnSpc="1">
+            <a:prstTxWarp prst="textNoShape">
+              <a:avLst/>
+            </a:prstTxWarp>
+          </a:bodyPr>
           <a:lstStyle/>
           <a:p>
             <a:r>
-              <a:rPr lang="es-PE" dirty="0" smtClean="0">
-                <a:solidFill>
-                  <a:srgbClr val="C00000"/>
-                </a:solidFill>
-                <a:latin typeface="Arial" pitchFamily="34" charset="0"/>
-                <a:cs typeface="Arial" pitchFamily="34" charset="0"/>
-              </a:rPr>
-              <a:t>Retrospectiva</a:t>
-            </a:r>
-            <a:endParaRPr lang="es-PE" dirty="0">
-              <a:solidFill>
-                <a:srgbClr val="C00000"/>
-              </a:solidFill>
-              <a:latin typeface="Arial" pitchFamily="34" charset="0"/>
-              <a:cs typeface="Arial" pitchFamily="34" charset="0"/>
-            </a:endParaRPr>
-          </a:p>
-        </p:txBody>
-      </p:sp>
-      <p:sp>
-        <p:nvSpPr>
-          <p:cNvPr id="2" name="1 Marcador de contenido"/>
+              <a:rPr lang="es-PE" b="1" dirty="0"/>
+              <a:t>Próximos Pasos</a:t>
+            </a:r>
+          </a:p>
+        </p:txBody>
+      </p:sp>
+      <p:sp>
+        <p:nvSpPr>
+          <p:cNvPr id="7" name="2 Marcador de contenido"/>
           <p:cNvSpPr>
             <a:spLocks noGrp="1"/>
           </p:cNvSpPr>
@@ -11567,37 +10844,149 @@
             <p:ph idx="1"/>
           </p:nvPr>
         </p:nvSpPr>
-        <p:spPr/>
+        <p:spPr>
+          <a:xfrm>
+            <a:off x="627641" y="1916832"/>
+            <a:ext cx="7980759" cy="2376264"/>
+          </a:xfrm>
+        </p:spPr>
         <p:txBody>
           <a:bodyPr/>
           <a:lstStyle/>
           <a:p>
-            <a:endParaRPr lang="es-PE"/>
+            <a:pPr marL="0" indent="0" algn="ctr">
+              <a:lnSpc>
+                <a:spcPts val="4500"/>
+              </a:lnSpc>
+              <a:buSzPct val="150000"/>
+              <a:buNone/>
+            </a:pPr>
+            <a:r>
+              <a:rPr lang="es-PE" sz="3600" b="1" i="1" dirty="0" smtClean="0">
+                <a:solidFill>
+                  <a:srgbClr val="000000"/>
+                </a:solidFill>
+              </a:rPr>
+              <a:t>Practiquen</a:t>
+            </a:r>
+            <a:r>
+              <a:rPr lang="es-PE" sz="3600" i="1" dirty="0" smtClean="0">
+                <a:solidFill>
+                  <a:srgbClr val="000000"/>
+                </a:solidFill>
+              </a:rPr>
+              <a:t> este u otro Kata en su casa.</a:t>
+            </a:r>
+          </a:p>
+          <a:p>
+            <a:pPr marL="0" indent="0" algn="ctr">
+              <a:lnSpc>
+                <a:spcPts val="4500"/>
+              </a:lnSpc>
+              <a:buSzPct val="150000"/>
+              <a:buNone/>
+            </a:pPr>
+            <a:endParaRPr lang="es-PE" sz="3600" i="1" dirty="0" smtClean="0">
+              <a:solidFill>
+                <a:srgbClr val="000000"/>
+              </a:solidFill>
+            </a:endParaRPr>
+          </a:p>
+          <a:p>
+            <a:pPr marL="0" indent="0" algn="ctr">
+              <a:lnSpc>
+                <a:spcPts val="4500"/>
+              </a:lnSpc>
+              <a:buSzPct val="150000"/>
+              <a:buNone/>
+            </a:pPr>
+            <a:r>
+              <a:rPr lang="es-PE" sz="3600" b="1" i="1" dirty="0" smtClean="0">
+                <a:solidFill>
+                  <a:srgbClr val="000000"/>
+                </a:solidFill>
+              </a:rPr>
+              <a:t>Organicen</a:t>
+            </a:r>
+            <a:r>
+              <a:rPr lang="es-PE" sz="3600" i="1" dirty="0" smtClean="0">
+                <a:solidFill>
+                  <a:srgbClr val="000000"/>
+                </a:solidFill>
+              </a:rPr>
+              <a:t> sus propios </a:t>
+            </a:r>
+            <a:r>
+              <a:rPr lang="es-PE" sz="3600" i="1" dirty="0" err="1" smtClean="0">
+                <a:solidFill>
+                  <a:srgbClr val="000000"/>
+                </a:solidFill>
+              </a:rPr>
+              <a:t>Coding</a:t>
+            </a:r>
+            <a:r>
+              <a:rPr lang="es-PE" sz="3600" i="1" dirty="0" smtClean="0">
+                <a:solidFill>
+                  <a:srgbClr val="000000"/>
+                </a:solidFill>
+              </a:rPr>
+              <a:t> </a:t>
+            </a:r>
+            <a:r>
+              <a:rPr lang="es-PE" sz="3600" i="1" dirty="0" err="1" smtClean="0">
+                <a:solidFill>
+                  <a:srgbClr val="000000"/>
+                </a:solidFill>
+              </a:rPr>
+              <a:t>Dojo</a:t>
+            </a:r>
+            <a:r>
+              <a:rPr lang="es-PE" sz="3600" i="1" dirty="0" smtClean="0">
+                <a:solidFill>
+                  <a:srgbClr val="000000"/>
+                </a:solidFill>
+              </a:rPr>
+              <a:t> en su trabajo o comunidad. </a:t>
+            </a:r>
+          </a:p>
+          <a:p>
+            <a:pPr marL="0" indent="0" algn="ctr">
+              <a:lnSpc>
+                <a:spcPts val="4500"/>
+              </a:lnSpc>
+              <a:buSzPct val="150000"/>
+              <a:buNone/>
+            </a:pPr>
+            <a:r>
+              <a:rPr lang="es-PE" sz="3600" i="1" dirty="0" smtClean="0">
+                <a:solidFill>
+                  <a:srgbClr val="000000"/>
+                </a:solidFill>
+              </a:rPr>
+              <a:t>(pueden utilizar esta presentación)</a:t>
+            </a:r>
+            <a:endParaRPr lang="es-PE" sz="3600" i="1" dirty="0">
+              <a:solidFill>
+                <a:srgbClr val="000000"/>
+              </a:solidFill>
+            </a:endParaRPr>
           </a:p>
         </p:txBody>
       </p:sp>
     </p:spTree>
     <p:extLst>
       <p:ext uri="{BB962C8B-B14F-4D97-AF65-F5344CB8AC3E}">
-        <p14:creationId xmlns:p14="http://schemas.microsoft.com/office/powerpoint/2010/main" val="54196530"/>
+        <p14:creationId xmlns:p14="http://schemas.microsoft.com/office/powerpoint/2010/main" val="314296389"/>
       </p:ext>
     </p:extLst>
   </p:cSld>
   <p:clrMapOvr>
     <a:masterClrMapping/>
   </p:clrMapOvr>
-  <mc:AlternateContent xmlns:mc="http://schemas.openxmlformats.org/markup-compatibility/2006" xmlns:p14="http://schemas.microsoft.com/office/powerpoint/2010/main">
-    <mc:Choice Requires="p14">
-      <p:transition spd="slow" p14:dur="2000"/>
-    </mc:Choice>
-    <mc:Fallback xmlns="">
-      <p:transition spd="slow"/>
-    </mc:Fallback>
-  </mc:AlternateContent>
   <p:timing>
     <p:tnLst>
       <p:par>
-        <p:cTn id="1" dur="indefinite" restart="never" nodeType="tmRoot"/>
+        <p:cTn xmlns:p14="http://schemas.microsoft.com/office/powerpoint/2010/main" id="1" dur="indefinite" restart="never" nodeType="tmRoot"/>
       </p:par>
     </p:tnLst>
   </p:timing>
